--- a/Poster.pptx
+++ b/Poster.pptx
@@ -200,6 +200,7 @@
           <a:p>
             <a:fld id="{DD61A0B6-532F-3442-A6F9-08FF126C85A4}" type="datetimeFigureOut">
               <a:rPr lang="en-US" smtClean="0"/>
+              <a:pPr/>
               <a:t>3/9/09</a:t>
             </a:fld>
             <a:endParaRPr lang="en-US"/>
@@ -361,6 +362,7 @@
           <a:p>
             <a:fld id="{7B5AD275-BDE2-3E4D-BC56-6FC6FA0523E9}" type="slidenum">
               <a:rPr lang="en-US" smtClean="0"/>
+              <a:pPr/>
               <a:t>‹#›</a:t>
             </a:fld>
             <a:endParaRPr lang="en-US"/>
@@ -587,6 +589,7 @@
           <a:p>
             <a:fld id="{7B5AD275-BDE2-3E4D-BC56-6FC6FA0523E9}" type="slidenum">
               <a:rPr lang="en-US" smtClean="0"/>
+              <a:pPr/>
               <a:t>1</a:t>
             </a:fld>
             <a:endParaRPr lang="en-US"/>
@@ -723,6 +726,7 @@
           <a:p>
             <a:fld id="{7B5AD275-BDE2-3E4D-BC56-6FC6FA0523E9}" type="slidenum">
               <a:rPr lang="en-US" smtClean="0"/>
+              <a:pPr/>
               <a:t>2</a:t>
             </a:fld>
             <a:endParaRPr lang="en-US"/>
@@ -859,6 +863,7 @@
           <a:p>
             <a:fld id="{7B5AD275-BDE2-3E4D-BC56-6FC6FA0523E9}" type="slidenum">
               <a:rPr lang="en-US" smtClean="0"/>
+              <a:pPr/>
               <a:t>3</a:t>
             </a:fld>
             <a:endParaRPr lang="en-US"/>
@@ -995,6 +1000,7 @@
           <a:p>
             <a:fld id="{7B5AD275-BDE2-3E4D-BC56-6FC6FA0523E9}" type="slidenum">
               <a:rPr lang="en-US" smtClean="0"/>
+              <a:pPr/>
               <a:t>4</a:t>
             </a:fld>
             <a:endParaRPr lang="en-US"/>
@@ -1131,6 +1137,7 @@
           <a:p>
             <a:fld id="{7B5AD275-BDE2-3E4D-BC56-6FC6FA0523E9}" type="slidenum">
               <a:rPr lang="en-US" smtClean="0"/>
+              <a:pPr/>
               <a:t>5</a:t>
             </a:fld>
             <a:endParaRPr lang="en-US"/>
@@ -1267,6 +1274,7 @@
           <a:p>
             <a:fld id="{7B5AD275-BDE2-3E4D-BC56-6FC6FA0523E9}" type="slidenum">
               <a:rPr lang="en-US" smtClean="0"/>
+              <a:pPr/>
               <a:t>6</a:t>
             </a:fld>
             <a:endParaRPr lang="en-US"/>
@@ -1403,6 +1411,7 @@
           <a:p>
             <a:fld id="{7B5AD275-BDE2-3E4D-BC56-6FC6FA0523E9}" type="slidenum">
               <a:rPr lang="en-US" smtClean="0"/>
+              <a:pPr/>
               <a:t>7</a:t>
             </a:fld>
             <a:endParaRPr lang="en-US"/>
@@ -1539,6 +1548,7 @@
           <a:p>
             <a:fld id="{7B5AD275-BDE2-3E4D-BC56-6FC6FA0523E9}" type="slidenum">
               <a:rPr lang="en-US" smtClean="0"/>
+              <a:pPr/>
               <a:t>8</a:t>
             </a:fld>
             <a:endParaRPr lang="en-US"/>
@@ -1675,6 +1685,7 @@
           <a:p>
             <a:fld id="{7B5AD275-BDE2-3E4D-BC56-6FC6FA0523E9}" type="slidenum">
               <a:rPr lang="en-US" smtClean="0"/>
+              <a:pPr/>
               <a:t>9</a:t>
             </a:fld>
             <a:endParaRPr lang="en-US"/>
@@ -1870,6 +1881,7 @@
           <a:p>
             <a:fld id="{76E34C99-45D9-2A47-B640-844A3E89A16E}" type="datetimeFigureOut">
               <a:rPr lang="en-US" smtClean="0"/>
+              <a:pPr/>
               <a:t>3/9/09</a:t>
             </a:fld>
             <a:endParaRPr lang="en-US"/>
@@ -1912,6 +1924,7 @@
           <a:p>
             <a:fld id="{FB696A51-A53D-9540-9FD1-E4EBAFB63219}" type="slidenum">
               <a:rPr lang="en-US" smtClean="0"/>
+              <a:pPr/>
               <a:t>‹#›</a:t>
             </a:fld>
             <a:endParaRPr lang="en-US"/>
@@ -2035,6 +2048,7 @@
           <a:p>
             <a:fld id="{76E34C99-45D9-2A47-B640-844A3E89A16E}" type="datetimeFigureOut">
               <a:rPr lang="en-US" smtClean="0"/>
+              <a:pPr/>
               <a:t>3/9/09</a:t>
             </a:fld>
             <a:endParaRPr lang="en-US"/>
@@ -2077,6 +2091,7 @@
           <a:p>
             <a:fld id="{FB696A51-A53D-9540-9FD1-E4EBAFB63219}" type="slidenum">
               <a:rPr lang="en-US" smtClean="0"/>
+              <a:pPr/>
               <a:t>‹#›</a:t>
             </a:fld>
             <a:endParaRPr lang="en-US"/>
@@ -2210,6 +2225,7 @@
           <a:p>
             <a:fld id="{76E34C99-45D9-2A47-B640-844A3E89A16E}" type="datetimeFigureOut">
               <a:rPr lang="en-US" smtClean="0"/>
+              <a:pPr/>
               <a:t>3/9/09</a:t>
             </a:fld>
             <a:endParaRPr lang="en-US"/>
@@ -2252,6 +2268,7 @@
           <a:p>
             <a:fld id="{FB696A51-A53D-9540-9FD1-E4EBAFB63219}" type="slidenum">
               <a:rPr lang="en-US" smtClean="0"/>
+              <a:pPr/>
               <a:t>‹#›</a:t>
             </a:fld>
             <a:endParaRPr lang="en-US"/>
@@ -2375,6 +2392,7 @@
           <a:p>
             <a:fld id="{76E34C99-45D9-2A47-B640-844A3E89A16E}" type="datetimeFigureOut">
               <a:rPr lang="en-US" smtClean="0"/>
+              <a:pPr/>
               <a:t>3/9/09</a:t>
             </a:fld>
             <a:endParaRPr lang="en-US"/>
@@ -2417,6 +2435,7 @@
           <a:p>
             <a:fld id="{FB696A51-A53D-9540-9FD1-E4EBAFB63219}" type="slidenum">
               <a:rPr lang="en-US" smtClean="0"/>
+              <a:pPr/>
               <a:t>‹#›</a:t>
             </a:fld>
             <a:endParaRPr lang="en-US"/>
@@ -2616,6 +2635,7 @@
           <a:p>
             <a:fld id="{76E34C99-45D9-2A47-B640-844A3E89A16E}" type="datetimeFigureOut">
               <a:rPr lang="en-US" smtClean="0"/>
+              <a:pPr/>
               <a:t>3/9/09</a:t>
             </a:fld>
             <a:endParaRPr lang="en-US"/>
@@ -2658,6 +2678,7 @@
           <a:p>
             <a:fld id="{FB696A51-A53D-9540-9FD1-E4EBAFB63219}" type="slidenum">
               <a:rPr lang="en-US" smtClean="0"/>
+              <a:pPr/>
               <a:t>‹#›</a:t>
             </a:fld>
             <a:endParaRPr lang="en-US"/>
@@ -2899,6 +2920,7 @@
           <a:p>
             <a:fld id="{76E34C99-45D9-2A47-B640-844A3E89A16E}" type="datetimeFigureOut">
               <a:rPr lang="en-US" smtClean="0"/>
+              <a:pPr/>
               <a:t>3/9/09</a:t>
             </a:fld>
             <a:endParaRPr lang="en-US"/>
@@ -2941,6 +2963,7 @@
           <a:p>
             <a:fld id="{FB696A51-A53D-9540-9FD1-E4EBAFB63219}" type="slidenum">
               <a:rPr lang="en-US" smtClean="0"/>
+              <a:pPr/>
               <a:t>‹#›</a:t>
             </a:fld>
             <a:endParaRPr lang="en-US"/>
@@ -3316,6 +3339,7 @@
           <a:p>
             <a:fld id="{76E34C99-45D9-2A47-B640-844A3E89A16E}" type="datetimeFigureOut">
               <a:rPr lang="en-US" smtClean="0"/>
+              <a:pPr/>
               <a:t>3/9/09</a:t>
             </a:fld>
             <a:endParaRPr lang="en-US"/>
@@ -3358,6 +3382,7 @@
           <a:p>
             <a:fld id="{FB696A51-A53D-9540-9FD1-E4EBAFB63219}" type="slidenum">
               <a:rPr lang="en-US" smtClean="0"/>
+              <a:pPr/>
               <a:t>‹#›</a:t>
             </a:fld>
             <a:endParaRPr lang="en-US"/>
@@ -3429,6 +3454,7 @@
           <a:p>
             <a:fld id="{76E34C99-45D9-2A47-B640-844A3E89A16E}" type="datetimeFigureOut">
               <a:rPr lang="en-US" smtClean="0"/>
+              <a:pPr/>
               <a:t>3/9/09</a:t>
             </a:fld>
             <a:endParaRPr lang="en-US"/>
@@ -3471,6 +3497,7 @@
           <a:p>
             <a:fld id="{FB696A51-A53D-9540-9FD1-E4EBAFB63219}" type="slidenum">
               <a:rPr lang="en-US" smtClean="0"/>
+              <a:pPr/>
               <a:t>‹#›</a:t>
             </a:fld>
             <a:endParaRPr lang="en-US"/>
@@ -3519,6 +3546,7 @@
           <a:p>
             <a:fld id="{76E34C99-45D9-2A47-B640-844A3E89A16E}" type="datetimeFigureOut">
               <a:rPr lang="en-US" smtClean="0"/>
+              <a:pPr/>
               <a:t>3/9/09</a:t>
             </a:fld>
             <a:endParaRPr lang="en-US"/>
@@ -3561,6 +3589,7 @@
           <a:p>
             <a:fld id="{FB696A51-A53D-9540-9FD1-E4EBAFB63219}" type="slidenum">
               <a:rPr lang="en-US" smtClean="0"/>
+              <a:pPr/>
               <a:t>‹#›</a:t>
             </a:fld>
             <a:endParaRPr lang="en-US"/>
@@ -3791,6 +3820,7 @@
           <a:p>
             <a:fld id="{76E34C99-45D9-2A47-B640-844A3E89A16E}" type="datetimeFigureOut">
               <a:rPr lang="en-US" smtClean="0"/>
+              <a:pPr/>
               <a:t>3/9/09</a:t>
             </a:fld>
             <a:endParaRPr lang="en-US"/>
@@ -3833,6 +3863,7 @@
           <a:p>
             <a:fld id="{FB696A51-A53D-9540-9FD1-E4EBAFB63219}" type="slidenum">
               <a:rPr lang="en-US" smtClean="0"/>
+              <a:pPr/>
               <a:t>‹#›</a:t>
             </a:fld>
             <a:endParaRPr lang="en-US"/>
@@ -4039,6 +4070,7 @@
           <a:p>
             <a:fld id="{76E34C99-45D9-2A47-B640-844A3E89A16E}" type="datetimeFigureOut">
               <a:rPr lang="en-US" smtClean="0"/>
+              <a:pPr/>
               <a:t>3/9/09</a:t>
             </a:fld>
             <a:endParaRPr lang="en-US"/>
@@ -4081,6 +4113,7 @@
           <a:p>
             <a:fld id="{FB696A51-A53D-9540-9FD1-E4EBAFB63219}" type="slidenum">
               <a:rPr lang="en-US" smtClean="0"/>
+              <a:pPr/>
               <a:t>‹#›</a:t>
             </a:fld>
             <a:endParaRPr lang="en-US"/>
@@ -4247,6 +4280,7 @@
           <a:p>
             <a:fld id="{76E34C99-45D9-2A47-B640-844A3E89A16E}" type="datetimeFigureOut">
               <a:rPr lang="en-US" smtClean="0"/>
+              <a:pPr/>
               <a:t>3/9/09</a:t>
             </a:fld>
             <a:endParaRPr lang="en-US"/>
@@ -4325,6 +4359,7 @@
           <a:p>
             <a:fld id="{FB696A51-A53D-9540-9FD1-E4EBAFB63219}" type="slidenum">
               <a:rPr lang="en-US" smtClean="0"/>
+              <a:pPr/>
               <a:t>‹#›</a:t>
             </a:fld>
             <a:endParaRPr lang="en-US"/>
@@ -4717,7 +4752,7 @@
         <p:spPr>
           <a:xfrm>
             <a:off x="685801" y="2895600"/>
-            <a:ext cx="2362200" cy="1477328"/>
+            <a:ext cx="2362200" cy="2031325"/>
           </a:xfrm>
           <a:prstGeom prst="rect">
             <a:avLst/>
@@ -4732,13 +4767,19 @@
           <a:p>
             <a:r>
               <a:rPr lang="en-US" dirty="0" smtClean="0"/>
-              <a:t>Add graphic of sound wave file</a:t>
+              <a:t>Graphic: Sound wave of file</a:t>
             </a:r>
           </a:p>
           <a:p>
             <a:r>
               <a:rPr lang="en-US" dirty="0" smtClean="0"/>
               <a:t>Text transcription of interspersed speaker words without . , ?</a:t>
+            </a:r>
+          </a:p>
+          <a:p>
+            <a:r>
+              <a:rPr lang="en-US" dirty="0" smtClean="0"/>
+              <a:t>Annotated with sentence units</a:t>
             </a:r>
           </a:p>
         </p:txBody>
@@ -4753,8 +4794,8 @@
         </p:nvSpPr>
         <p:spPr>
           <a:xfrm>
-            <a:off x="1866900" y="4016375"/>
-            <a:ext cx="7772400" cy="1470025"/>
+            <a:off x="228600" y="5486399"/>
+            <a:ext cx="5372100" cy="708025"/>
           </a:xfrm>
           <a:prstGeom prst="rect">
             <a:avLst/>
@@ -4762,7 +4803,7 @@
         </p:spPr>
         <p:txBody>
           <a:bodyPr vert="horz" lIns="91440" tIns="45720" rIns="91440" bIns="45720" rtlCol="0" anchor="ctr">
-            <a:normAutofit/>
+            <a:noAutofit/>
           </a:bodyPr>
           <a:lstStyle/>
           <a:p>
@@ -4784,7 +4825,7 @@
               <a:defRPr/>
             </a:pPr>
             <a:r>
-              <a:rPr kumimoji="0" lang="en-US" sz="4400" b="0" i="0" u="none" strike="noStrike" kern="1200" cap="none" spc="0" normalizeH="0" baseline="0" noProof="0" smtClean="0">
+              <a:rPr kumimoji="0" lang="en-US" sz="2800" b="0" i="0" u="none" strike="noStrike" kern="1200" cap="none" spc="0" normalizeH="0" baseline="0" noProof="0" dirty="0" smtClean="0">
                 <a:ln>
                   <a:noFill/>
                 </a:ln>
@@ -4798,22 +4839,8 @@
                 <a:ea typeface="+mj-ea"/>
                 <a:cs typeface="+mj-cs"/>
               </a:rPr>
-              <a:t>Sentence Units</a:t>
-            </a:r>
-            <a:endParaRPr kumimoji="0" lang="en-US" sz="4400" b="0" i="0" u="none" strike="noStrike" kern="1200" cap="none" spc="0" normalizeH="0" baseline="0" noProof="0" dirty="0" smtClean="0">
-              <a:ln>
-                <a:noFill/>
-              </a:ln>
-              <a:solidFill>
-                <a:schemeClr val="tx1"/>
-              </a:solidFill>
-              <a:effectLst/>
-              <a:uLnTx/>
-              <a:uFillTx/>
-              <a:latin typeface="+mj-lt"/>
-              <a:ea typeface="+mj-ea"/>
-              <a:cs typeface="+mj-cs"/>
-            </a:endParaRPr>
+              <a:t>Types of Sentence Units</a:t>
+            </a:r>
           </a:p>
         </p:txBody>
       </p:sp>
@@ -4825,7 +4852,7 @@
         </p:nvSpPr>
         <p:spPr>
           <a:xfrm>
-            <a:off x="4762500" y="5486400"/>
+            <a:off x="6248400" y="5378747"/>
             <a:ext cx="2362200" cy="923330"/>
           </a:xfrm>
           <a:prstGeom prst="rect">
@@ -4849,7 +4876,6 @@
               <a:rPr lang="en-US" dirty="0" smtClean="0"/>
               <a:t>Back Channels Statements</a:t>
             </a:r>
-            <a:endParaRPr lang="en-US" dirty="0" smtClean="0"/>
           </a:p>
         </p:txBody>
       </p:sp>
@@ -5306,8 +5332,8 @@
           <a:lstStyle/>
           <a:p>
             <a:r>
-              <a:rPr lang="en-US" dirty="0" smtClean="0"/>
-              <a:t>Miscellaneous </a:t>
+              <a:rPr lang="en-US" smtClean="0"/>
+              <a:t>Miscellaneous features </a:t>
             </a:r>
             <a:endParaRPr lang="en-US" dirty="0"/>
           </a:p>
@@ -5742,11 +5768,7 @@
           <a:p>
             <a:r>
               <a:rPr lang="en-US" dirty="0" smtClean="0"/>
-              <a:t>.</a:t>
-            </a:r>
-            <a:r>
-              <a:rPr lang="en-US" smtClean="0"/>
-              <a:t>..</a:t>
+              <a:t>...</a:t>
             </a:r>
           </a:p>
           <a:p>

--- a/Poster.pptx
+++ b/Poster.pptx
@@ -5,18 +5,20 @@
     <p:sldMasterId id="2147483648" r:id="rId1"/>
   </p:sldMasterIdLst>
   <p:notesMasterIdLst>
-    <p:notesMasterId r:id="rId11"/>
+    <p:notesMasterId r:id="rId13"/>
   </p:notesMasterIdLst>
   <p:sldIdLst>
     <p:sldId id="256" r:id="rId2"/>
-    <p:sldId id="257" r:id="rId3"/>
-    <p:sldId id="258" r:id="rId4"/>
-    <p:sldId id="259" r:id="rId5"/>
-    <p:sldId id="260" r:id="rId6"/>
-    <p:sldId id="261" r:id="rId7"/>
-    <p:sldId id="262" r:id="rId8"/>
-    <p:sldId id="263" r:id="rId9"/>
-    <p:sldId id="264" r:id="rId10"/>
+    <p:sldId id="266" r:id="rId3"/>
+    <p:sldId id="257" r:id="rId4"/>
+    <p:sldId id="258" r:id="rId5"/>
+    <p:sldId id="259" r:id="rId6"/>
+    <p:sldId id="260" r:id="rId7"/>
+    <p:sldId id="261" r:id="rId8"/>
+    <p:sldId id="262" r:id="rId9"/>
+    <p:sldId id="265" r:id="rId10"/>
+    <p:sldId id="263" r:id="rId11"/>
+    <p:sldId id="264" r:id="rId12"/>
   </p:sldIdLst>
   <p:sldSz cx="9144000" cy="6858000" type="screen4x3"/>
   <p:notesSz cx="6858000" cy="9144000"/>
@@ -591,6 +593,280 @@
               <a:rPr lang="en-US" smtClean="0"/>
               <a:pPr/>
               <a:t>1</a:t>
+            </a:fld>
+            <a:endParaRPr lang="en-US"/>
+          </a:p>
+        </p:txBody>
+      </p:sp>
+    </p:spTree>
+  </p:cSld>
+  <p:clrMapOvr>
+    <a:masterClrMapping/>
+  </p:clrMapOvr>
+</p:notes>
+</file>
+
+<file path=ppt/notesSlides/notesSlide10.xml><?xml version="1.0" encoding="utf-8"?>
+<p:notes xmlns:a="http://schemas.openxmlformats.org/drawingml/2006/main" xmlns:r="http://schemas.openxmlformats.org/officeDocument/2006/relationships" xmlns:mc="http://schemas.openxmlformats.org/markup-compatibility/2006" xmlns:mv="urn:schemas-microsoft-com:mac:vml" xmlns:p="http://schemas.openxmlformats.org/presentationml/2006/main" mc:Ignorable="mv" mc:PreserveAttributes="mv:*">
+  <p:cSld>
+    <p:spTree>
+      <p:nvGrpSpPr>
+        <p:cNvPr id="1" name=""/>
+        <p:cNvGrpSpPr/>
+        <p:nvPr/>
+      </p:nvGrpSpPr>
+      <p:grpSpPr>
+        <a:xfrm>
+          <a:off x="0" y="0"/>
+          <a:ext cx="0" cy="0"/>
+          <a:chOff x="0" y="0"/>
+          <a:chExt cx="0" cy="0"/>
+        </a:xfrm>
+      </p:grpSpPr>
+      <p:sp>
+        <p:nvSpPr>
+          <p:cNvPr id="2" name="Slide Image Placeholder 1"/>
+          <p:cNvSpPr>
+            <a:spLocks noGrp="1" noRot="1" noChangeAspect="1"/>
+          </p:cNvSpPr>
+          <p:nvPr>
+            <p:ph type="sldImg"/>
+          </p:nvPr>
+        </p:nvSpPr>
+        <p:spPr/>
+      </p:sp>
+      <p:sp>
+        <p:nvSpPr>
+          <p:cNvPr id="3" name="Notes Placeholder 2"/>
+          <p:cNvSpPr>
+            <a:spLocks noGrp="1"/>
+          </p:cNvSpPr>
+          <p:nvPr>
+            <p:ph type="body" idx="1"/>
+          </p:nvPr>
+        </p:nvSpPr>
+        <p:spPr/>
+        <p:txBody>
+          <a:bodyPr>
+            <a:normAutofit/>
+          </a:bodyPr>
+          <a:lstStyle/>
+          <a:p>
+            <a:r>
+              <a:rPr lang="en-US" sz="1200" kern="1200" dirty="0" smtClean="0">
+                <a:solidFill>
+                  <a:schemeClr val="tx1"/>
+                </a:solidFill>
+                <a:latin typeface="+mn-lt"/>
+                <a:ea typeface="+mn-ea"/>
+                <a:cs typeface="+mn-cs"/>
+              </a:rPr>
+              <a:t>1) Title and people 2) A slide on explaining </a:t>
+            </a:r>
+            <a:r>
+              <a:rPr lang="en-US" sz="1200" kern="1200" dirty="0" err="1" smtClean="0">
+                <a:solidFill>
+                  <a:schemeClr val="tx1"/>
+                </a:solidFill>
+                <a:latin typeface="+mn-lt"/>
+                <a:ea typeface="+mn-ea"/>
+                <a:cs typeface="+mn-cs"/>
+              </a:rPr>
+              <a:t>disfluencies</a:t>
+            </a:r>
+            <a:r>
+              <a:rPr lang="en-US" sz="1200" kern="1200" dirty="0" smtClean="0">
+                <a:solidFill>
+                  <a:schemeClr val="tx1"/>
+                </a:solidFill>
+                <a:latin typeface="+mn-lt"/>
+                <a:ea typeface="+mn-ea"/>
+                <a:cs typeface="+mn-cs"/>
+              </a:rPr>
+              <a:t> (examples: question, backchannel, statement)3) A slide on the data available4) Effect of pre-pos tags: 1, 2, 3 grams. Effect of pre-pos tags: 1, 2, 3 grams. Bin sizes.5) Club backchannel words into a class (</a:t>
+            </a:r>
+            <a:r>
+              <a:rPr lang="en-US" sz="1200" kern="1200" dirty="0" err="1" smtClean="0">
+                <a:solidFill>
+                  <a:schemeClr val="tx1"/>
+                </a:solidFill>
+                <a:latin typeface="+mn-lt"/>
+                <a:ea typeface="+mn-ea"/>
+                <a:cs typeface="+mn-cs"/>
+              </a:rPr>
+              <a:t>mhm</a:t>
+            </a:r>
+            <a:r>
+              <a:rPr lang="en-US" sz="1200" kern="1200" dirty="0" smtClean="0">
+                <a:solidFill>
+                  <a:schemeClr val="tx1"/>
+                </a:solidFill>
+                <a:latin typeface="+mn-lt"/>
+                <a:ea typeface="+mn-ea"/>
+                <a:cs typeface="+mn-cs"/>
+              </a:rPr>
+              <a:t>, oh yeah)6) Features based on prior sentence tag     Switchboard versus Fisher data7) Prosodic features effects of energy, F0, pause duration 8) Average F0 based feature9) References</a:t>
+            </a:r>
+            <a:endParaRPr lang="en-US" dirty="0"/>
+          </a:p>
+        </p:txBody>
+      </p:sp>
+      <p:sp>
+        <p:nvSpPr>
+          <p:cNvPr id="4" name="Slide Number Placeholder 3"/>
+          <p:cNvSpPr>
+            <a:spLocks noGrp="1"/>
+          </p:cNvSpPr>
+          <p:nvPr>
+            <p:ph type="sldNum" sz="quarter" idx="10"/>
+          </p:nvPr>
+        </p:nvSpPr>
+        <p:spPr/>
+        <p:txBody>
+          <a:bodyPr/>
+          <a:lstStyle/>
+          <a:p>
+            <a:fld id="{7B5AD275-BDE2-3E4D-BC56-6FC6FA0523E9}" type="slidenum">
+              <a:rPr lang="en-US" smtClean="0"/>
+              <a:pPr/>
+              <a:t>10</a:t>
+            </a:fld>
+            <a:endParaRPr lang="en-US"/>
+          </a:p>
+        </p:txBody>
+      </p:sp>
+    </p:spTree>
+  </p:cSld>
+  <p:clrMapOvr>
+    <a:masterClrMapping/>
+  </p:clrMapOvr>
+</p:notes>
+</file>
+
+<file path=ppt/notesSlides/notesSlide11.xml><?xml version="1.0" encoding="utf-8"?>
+<p:notes xmlns:a="http://schemas.openxmlformats.org/drawingml/2006/main" xmlns:r="http://schemas.openxmlformats.org/officeDocument/2006/relationships" xmlns:mc="http://schemas.openxmlformats.org/markup-compatibility/2006" xmlns:mv="urn:schemas-microsoft-com:mac:vml" xmlns:p="http://schemas.openxmlformats.org/presentationml/2006/main" mc:Ignorable="mv" mc:PreserveAttributes="mv:*">
+  <p:cSld>
+    <p:spTree>
+      <p:nvGrpSpPr>
+        <p:cNvPr id="1" name=""/>
+        <p:cNvGrpSpPr/>
+        <p:nvPr/>
+      </p:nvGrpSpPr>
+      <p:grpSpPr>
+        <a:xfrm>
+          <a:off x="0" y="0"/>
+          <a:ext cx="0" cy="0"/>
+          <a:chOff x="0" y="0"/>
+          <a:chExt cx="0" cy="0"/>
+        </a:xfrm>
+      </p:grpSpPr>
+      <p:sp>
+        <p:nvSpPr>
+          <p:cNvPr id="2" name="Slide Image Placeholder 1"/>
+          <p:cNvSpPr>
+            <a:spLocks noGrp="1" noRot="1" noChangeAspect="1"/>
+          </p:cNvSpPr>
+          <p:nvPr>
+            <p:ph type="sldImg"/>
+          </p:nvPr>
+        </p:nvSpPr>
+        <p:spPr/>
+      </p:sp>
+      <p:sp>
+        <p:nvSpPr>
+          <p:cNvPr id="3" name="Notes Placeholder 2"/>
+          <p:cNvSpPr>
+            <a:spLocks noGrp="1"/>
+          </p:cNvSpPr>
+          <p:nvPr>
+            <p:ph type="body" idx="1"/>
+          </p:nvPr>
+        </p:nvSpPr>
+        <p:spPr/>
+        <p:txBody>
+          <a:bodyPr>
+            <a:normAutofit/>
+          </a:bodyPr>
+          <a:lstStyle/>
+          <a:p>
+            <a:r>
+              <a:rPr lang="en-US" sz="1200" kern="1200" dirty="0" smtClean="0">
+                <a:solidFill>
+                  <a:schemeClr val="tx1"/>
+                </a:solidFill>
+                <a:latin typeface="+mn-lt"/>
+                <a:ea typeface="+mn-ea"/>
+                <a:cs typeface="+mn-cs"/>
+              </a:rPr>
+              <a:t>1) Title and people 2) A slide on explaining </a:t>
+            </a:r>
+            <a:r>
+              <a:rPr lang="en-US" sz="1200" kern="1200" dirty="0" err="1" smtClean="0">
+                <a:solidFill>
+                  <a:schemeClr val="tx1"/>
+                </a:solidFill>
+                <a:latin typeface="+mn-lt"/>
+                <a:ea typeface="+mn-ea"/>
+                <a:cs typeface="+mn-cs"/>
+              </a:rPr>
+              <a:t>disfluencies</a:t>
+            </a:r>
+            <a:r>
+              <a:rPr lang="en-US" sz="1200" kern="1200" dirty="0" smtClean="0">
+                <a:solidFill>
+                  <a:schemeClr val="tx1"/>
+                </a:solidFill>
+                <a:latin typeface="+mn-lt"/>
+                <a:ea typeface="+mn-ea"/>
+                <a:cs typeface="+mn-cs"/>
+              </a:rPr>
+              <a:t> (examples: question, backchannel, statement)3) A slide on the data available4) Effect of pre-pos tags: 1, 2, 3 grams. Effect of pre-pos tags: 1, 2, 3 grams. Bin sizes.5) Club backchannel words into a class (</a:t>
+            </a:r>
+            <a:r>
+              <a:rPr lang="en-US" sz="1200" kern="1200" dirty="0" err="1" smtClean="0">
+                <a:solidFill>
+                  <a:schemeClr val="tx1"/>
+                </a:solidFill>
+                <a:latin typeface="+mn-lt"/>
+                <a:ea typeface="+mn-ea"/>
+                <a:cs typeface="+mn-cs"/>
+              </a:rPr>
+              <a:t>mhm</a:t>
+            </a:r>
+            <a:r>
+              <a:rPr lang="en-US" sz="1200" kern="1200" dirty="0" smtClean="0">
+                <a:solidFill>
+                  <a:schemeClr val="tx1"/>
+                </a:solidFill>
+                <a:latin typeface="+mn-lt"/>
+                <a:ea typeface="+mn-ea"/>
+                <a:cs typeface="+mn-cs"/>
+              </a:rPr>
+              <a:t>, oh yeah)6) Features based on prior sentence tag     Switchboard versus Fisher data7) Prosodic features effects of energy, F0, pause duration 8) Average F0 based feature9) References</a:t>
+            </a:r>
+            <a:endParaRPr lang="en-US" dirty="0"/>
+          </a:p>
+        </p:txBody>
+      </p:sp>
+      <p:sp>
+        <p:nvSpPr>
+          <p:cNvPr id="4" name="Slide Number Placeholder 3"/>
+          <p:cNvSpPr>
+            <a:spLocks noGrp="1"/>
+          </p:cNvSpPr>
+          <p:nvPr>
+            <p:ph type="sldNum" sz="quarter" idx="10"/>
+          </p:nvPr>
+        </p:nvSpPr>
+        <p:spPr/>
+        <p:txBody>
+          <a:bodyPr/>
+          <a:lstStyle/>
+          <a:p>
+            <a:fld id="{7B5AD275-BDE2-3E4D-BC56-6FC6FA0523E9}" type="slidenum">
+              <a:rPr lang="en-US" smtClean="0"/>
+              <a:pPr/>
+              <a:t>11</a:t>
             </a:fld>
             <a:endParaRPr lang="en-US"/>
           </a:p>
@@ -4664,7 +4940,7 @@
         </p:nvSpPr>
         <p:spPr>
           <a:xfrm>
-            <a:off x="685800" y="1116012"/>
+            <a:off x="685801" y="152400"/>
             <a:ext cx="7772400" cy="1470025"/>
           </a:xfrm>
         </p:spPr>
@@ -4692,8 +4968,8 @@
         </p:nvSpPr>
         <p:spPr>
           <a:xfrm>
-            <a:off x="1371600" y="3200400"/>
-            <a:ext cx="6400800" cy="1752600"/>
+            <a:off x="4419600" y="4919037"/>
+            <a:ext cx="4572000" cy="1752600"/>
           </a:xfrm>
         </p:spPr>
         <p:txBody>
@@ -4745,114 +5021,13 @@
       </p:sp>
       <p:sp>
         <p:nvSpPr>
-          <p:cNvPr id="4" name="TextBox 3"/>
-          <p:cNvSpPr txBox="1"/>
-          <p:nvPr/>
-        </p:nvSpPr>
-        <p:spPr>
-          <a:xfrm>
-            <a:off x="685801" y="2895600"/>
-            <a:ext cx="2362200" cy="2031325"/>
-          </a:xfrm>
-          <a:prstGeom prst="rect">
-            <a:avLst/>
-          </a:prstGeom>
-          <a:noFill/>
-        </p:spPr>
-        <p:txBody>
-          <a:bodyPr wrap="square" rtlCol="0">
-            <a:spAutoFit/>
-          </a:bodyPr>
-          <a:lstStyle/>
-          <a:p>
-            <a:r>
-              <a:rPr lang="en-US" dirty="0" smtClean="0"/>
-              <a:t>Graphic: Sound wave of file</a:t>
-            </a:r>
-          </a:p>
-          <a:p>
-            <a:r>
-              <a:rPr lang="en-US" dirty="0" smtClean="0"/>
-              <a:t>Text transcription of interspersed speaker words without . , ?</a:t>
-            </a:r>
-          </a:p>
-          <a:p>
-            <a:r>
-              <a:rPr lang="en-US" dirty="0" smtClean="0"/>
-              <a:t>Annotated with sentence units</a:t>
-            </a:r>
-          </a:p>
-        </p:txBody>
-      </p:sp>
-      <p:sp>
-        <p:nvSpPr>
-          <p:cNvPr id="5" name="Title 1"/>
-          <p:cNvSpPr txBox="1">
-            <a:spLocks/>
-          </p:cNvSpPr>
-          <p:nvPr/>
-        </p:nvSpPr>
-        <p:spPr>
-          <a:xfrm>
-            <a:off x="228600" y="5486399"/>
-            <a:ext cx="5372100" cy="708025"/>
-          </a:xfrm>
-          <a:prstGeom prst="rect">
-            <a:avLst/>
-          </a:prstGeom>
-        </p:spPr>
-        <p:txBody>
-          <a:bodyPr vert="horz" lIns="91440" tIns="45720" rIns="91440" bIns="45720" rtlCol="0" anchor="ctr">
-            <a:noAutofit/>
-          </a:bodyPr>
-          <a:lstStyle/>
-          <a:p>
-            <a:pPr marL="0" marR="0" lvl="0" indent="0" algn="ctr" defTabSz="457200" rtl="0" eaLnBrk="1" fontAlgn="auto" latinLnBrk="0" hangingPunct="1">
-              <a:lnSpc>
-                <a:spcPct val="100000"/>
-              </a:lnSpc>
-              <a:spcBef>
-                <a:spcPct val="0"/>
-              </a:spcBef>
-              <a:spcAft>
-                <a:spcPts val="0"/>
-              </a:spcAft>
-              <a:buClrTx/>
-              <a:buSzTx/>
-              <a:buFontTx/>
-              <a:buNone/>
-              <a:tabLst/>
-              <a:defRPr/>
-            </a:pPr>
-            <a:r>
-              <a:rPr kumimoji="0" lang="en-US" sz="2800" b="0" i="0" u="none" strike="noStrike" kern="1200" cap="none" spc="0" normalizeH="0" baseline="0" noProof="0" dirty="0" smtClean="0">
-                <a:ln>
-                  <a:noFill/>
-                </a:ln>
-                <a:solidFill>
-                  <a:schemeClr val="tx1"/>
-                </a:solidFill>
-                <a:effectLst/>
-                <a:uLnTx/>
-                <a:uFillTx/>
-                <a:latin typeface="+mj-lt"/>
-                <a:ea typeface="+mj-ea"/>
-                <a:cs typeface="+mj-cs"/>
-              </a:rPr>
-              <a:t>Types of Sentence Units</a:t>
-            </a:r>
-          </a:p>
-        </p:txBody>
-      </p:sp>
-      <p:sp>
-        <p:nvSpPr>
           <p:cNvPr id="6" name="TextBox 5"/>
           <p:cNvSpPr txBox="1"/>
           <p:nvPr/>
         </p:nvSpPr>
         <p:spPr>
           <a:xfrm>
-            <a:off x="6248400" y="5378747"/>
+            <a:off x="6096001" y="2286000"/>
             <a:ext cx="2362200" cy="923330"/>
           </a:xfrm>
           <a:prstGeom prst="rect">
@@ -4876,6 +5051,461 @@
               <a:rPr lang="en-US" dirty="0" smtClean="0"/>
               <a:t>Back Channels Statements</a:t>
             </a:r>
+          </a:p>
+        </p:txBody>
+      </p:sp>
+      <p:pic>
+        <p:nvPicPr>
+          <p:cNvPr id="7" name="Picture 6" descr="garlic_cut.jpg"/>
+          <p:cNvPicPr>
+            <a:picLocks noChangeAspect="1"/>
+          </p:cNvPicPr>
+          <p:nvPr/>
+        </p:nvPicPr>
+        <p:blipFill>
+          <a:blip r:embed="rId3"/>
+          <a:stretch>
+            <a:fillRect/>
+          </a:stretch>
+        </p:blipFill>
+        <p:spPr>
+          <a:xfrm>
+            <a:off x="228600" y="2286000"/>
+            <a:ext cx="5454562" cy="3296612"/>
+          </a:xfrm>
+          <a:prstGeom prst="rect">
+            <a:avLst/>
+          </a:prstGeom>
+        </p:spPr>
+      </p:pic>
+      <p:sp>
+        <p:nvSpPr>
+          <p:cNvPr id="8" name="TextBox 7"/>
+          <p:cNvSpPr txBox="1"/>
+          <p:nvPr/>
+        </p:nvSpPr>
+        <p:spPr>
+          <a:xfrm>
+            <a:off x="685801" y="6394409"/>
+            <a:ext cx="4613650" cy="369332"/>
+          </a:xfrm>
+          <a:prstGeom prst="rect">
+            <a:avLst/>
+          </a:prstGeom>
+          <a:noFill/>
+        </p:spPr>
+        <p:txBody>
+          <a:bodyPr wrap="none" rtlCol="0">
+            <a:spAutoFit/>
+          </a:bodyPr>
+          <a:lstStyle/>
+          <a:p>
+            <a:r>
+              <a:rPr lang="en-US" b="1" dirty="0" smtClean="0">
+                <a:solidFill>
+                  <a:srgbClr val="FF0000"/>
+                </a:solidFill>
+              </a:rPr>
+              <a:t>it has a lot of garlic in it too does </a:t>
+            </a:r>
+            <a:r>
+              <a:rPr lang="en-US" b="1" dirty="0" err="1" smtClean="0">
+                <a:solidFill>
+                  <a:srgbClr val="FF0000"/>
+                </a:solidFill>
+              </a:rPr>
+              <a:t>n't</a:t>
+            </a:r>
+            <a:r>
+              <a:rPr lang="en-US" b="1" dirty="0" smtClean="0">
+                <a:solidFill>
+                  <a:srgbClr val="FF0000"/>
+                </a:solidFill>
+              </a:rPr>
+              <a:t> </a:t>
+            </a:r>
+            <a:r>
+              <a:rPr lang="en-US" b="1" dirty="0" smtClean="0">
+                <a:solidFill>
+                  <a:srgbClr val="FF0000"/>
+                </a:solidFill>
+              </a:rPr>
+              <a:t>it</a:t>
+            </a:r>
+            <a:r>
+              <a:rPr lang="en-US" dirty="0" smtClean="0">
+                <a:solidFill>
+                  <a:srgbClr val="FF0000"/>
+                </a:solidFill>
+              </a:rPr>
+              <a:t> </a:t>
+            </a:r>
+            <a:r>
+              <a:rPr lang="en-US" b="1" dirty="0" err="1" smtClean="0">
+                <a:solidFill>
+                  <a:srgbClr val="0000FF"/>
+                </a:solidFill>
+              </a:rPr>
+              <a:t>i</a:t>
+            </a:r>
+            <a:r>
+              <a:rPr lang="en-US" b="1" dirty="0" smtClean="0">
+                <a:solidFill>
+                  <a:srgbClr val="0000FF"/>
+                </a:solidFill>
+              </a:rPr>
+              <a:t> it </a:t>
+            </a:r>
+            <a:r>
+              <a:rPr lang="en-US" b="1" dirty="0" smtClean="0">
+                <a:solidFill>
+                  <a:srgbClr val="0000FF"/>
+                </a:solidFill>
+              </a:rPr>
+              <a:t>does </a:t>
+            </a:r>
+            <a:endParaRPr lang="en-US" b="1" dirty="0">
+              <a:solidFill>
+                <a:srgbClr val="0000FF"/>
+              </a:solidFill>
+            </a:endParaRPr>
+          </a:p>
+        </p:txBody>
+      </p:sp>
+      <p:sp>
+        <p:nvSpPr>
+          <p:cNvPr id="9" name="TextBox 8"/>
+          <p:cNvSpPr txBox="1"/>
+          <p:nvPr/>
+        </p:nvSpPr>
+        <p:spPr>
+          <a:xfrm>
+            <a:off x="609600" y="1219200"/>
+            <a:ext cx="8077200" cy="3785652"/>
+          </a:xfrm>
+          <a:prstGeom prst="rect">
+            <a:avLst/>
+          </a:prstGeom>
+          <a:noFill/>
+        </p:spPr>
+        <p:txBody>
+          <a:bodyPr wrap="square" rtlCol="0" anchor="ctr">
+            <a:spAutoFit/>
+          </a:bodyPr>
+          <a:lstStyle/>
+          <a:p>
+            <a:r>
+              <a:rPr lang="en-US" sz="3000" b="1" dirty="0" smtClean="0"/>
+              <a:t>LDC2009T01</a:t>
+            </a:r>
+          </a:p>
+          <a:p>
+            <a:r>
+              <a:rPr lang="en-US" sz="3000" dirty="0" smtClean="0"/>
+              <a:t>English CTS Treebank with Structural metadata</a:t>
+            </a:r>
+          </a:p>
+          <a:p>
+            <a:endParaRPr lang="en-US" sz="3000" dirty="0" smtClean="0"/>
+          </a:p>
+          <a:p>
+            <a:r>
+              <a:rPr lang="en-US" sz="3000" b="1" dirty="0" smtClean="0"/>
+              <a:t>Highlights</a:t>
+            </a:r>
+            <a:endParaRPr lang="en-US" sz="3000" b="1" dirty="0" smtClean="0"/>
+          </a:p>
+          <a:p>
+            <a:pPr>
+              <a:buFont typeface="Arial"/>
+              <a:buChar char="•"/>
+            </a:pPr>
+            <a:r>
+              <a:rPr lang="en-US" sz="3000" dirty="0" smtClean="0"/>
+              <a:t> </a:t>
+            </a:r>
+            <a:r>
+              <a:rPr lang="en-US" sz="3000" dirty="0" smtClean="0"/>
+              <a:t>Fisher and Switchboard audio clips</a:t>
+            </a:r>
+            <a:endParaRPr lang="en-US" sz="3000" dirty="0" smtClean="0"/>
+          </a:p>
+          <a:p>
+            <a:pPr>
+              <a:buFont typeface="Arial"/>
+              <a:buChar char="•"/>
+            </a:pPr>
+            <a:r>
+              <a:rPr lang="en-US" sz="3000" dirty="0" smtClean="0"/>
+              <a:t> Transcribed text with time offsets at a word level</a:t>
+            </a:r>
+          </a:p>
+          <a:p>
+            <a:pPr>
+              <a:buFont typeface="Arial"/>
+              <a:buChar char="•"/>
+            </a:pPr>
+            <a:r>
+              <a:rPr lang="en-US" sz="3000" dirty="0" smtClean="0"/>
+              <a:t> Words annotated with </a:t>
+            </a:r>
+            <a:r>
+              <a:rPr lang="en-US" sz="3000" dirty="0" smtClean="0"/>
+              <a:t>POS tags</a:t>
+            </a:r>
+          </a:p>
+          <a:p>
+            <a:pPr>
+              <a:buFont typeface="Arial"/>
+              <a:buChar char="•"/>
+            </a:pPr>
+            <a:r>
+              <a:rPr lang="en-US" sz="3000" dirty="0" smtClean="0"/>
+              <a:t> Sentence units categorized</a:t>
+            </a:r>
+          </a:p>
+        </p:txBody>
+      </p:sp>
+    </p:spTree>
+  </p:cSld>
+  <p:clrMapOvr>
+    <a:masterClrMapping/>
+  </p:clrMapOvr>
+</p:sld>
+</file>
+
+<file path=ppt/slides/slide10.xml><?xml version="1.0" encoding="utf-8"?>
+<p:sld xmlns:a="http://schemas.openxmlformats.org/drawingml/2006/main" xmlns:r="http://schemas.openxmlformats.org/officeDocument/2006/relationships" xmlns:mc="http://schemas.openxmlformats.org/markup-compatibility/2006" xmlns:mv="urn:schemas-microsoft-com:mac:vml" xmlns:p="http://schemas.openxmlformats.org/presentationml/2006/main" mc:Ignorable="mv" mc:PreserveAttributes="mv:*">
+  <p:cSld>
+    <p:spTree>
+      <p:nvGrpSpPr>
+        <p:cNvPr id="1" name=""/>
+        <p:cNvGrpSpPr/>
+        <p:nvPr/>
+      </p:nvGrpSpPr>
+      <p:grpSpPr>
+        <a:xfrm>
+          <a:off x="0" y="0"/>
+          <a:ext cx="0" cy="0"/>
+          <a:chOff x="0" y="0"/>
+          <a:chExt cx="0" cy="0"/>
+        </a:xfrm>
+      </p:grpSpPr>
+      <p:sp>
+        <p:nvSpPr>
+          <p:cNvPr id="2" name="Title 1"/>
+          <p:cNvSpPr>
+            <a:spLocks noGrp="1"/>
+          </p:cNvSpPr>
+          <p:nvPr>
+            <p:ph type="ctrTitle"/>
+          </p:nvPr>
+        </p:nvSpPr>
+        <p:spPr>
+          <a:xfrm>
+            <a:off x="685800" y="1116012"/>
+            <a:ext cx="7772400" cy="1470025"/>
+          </a:xfrm>
+        </p:spPr>
+        <p:txBody>
+          <a:bodyPr>
+            <a:normAutofit/>
+          </a:bodyPr>
+          <a:lstStyle/>
+          <a:p>
+            <a:r>
+              <a:rPr lang="en-US" dirty="0" smtClean="0"/>
+              <a:t>Prosodic features</a:t>
+            </a:r>
+            <a:endParaRPr lang="en-US" dirty="0"/>
+          </a:p>
+        </p:txBody>
+      </p:sp>
+      <p:sp>
+        <p:nvSpPr>
+          <p:cNvPr id="4" name="TextBox 3"/>
+          <p:cNvSpPr txBox="1"/>
+          <p:nvPr/>
+        </p:nvSpPr>
+        <p:spPr>
+          <a:xfrm>
+            <a:off x="2286000" y="2586037"/>
+            <a:ext cx="4876800" cy="923330"/>
+          </a:xfrm>
+          <a:prstGeom prst="rect">
+            <a:avLst/>
+          </a:prstGeom>
+          <a:noFill/>
+        </p:spPr>
+        <p:txBody>
+          <a:bodyPr wrap="square" rtlCol="0">
+            <a:spAutoFit/>
+          </a:bodyPr>
+          <a:lstStyle/>
+          <a:p>
+            <a:r>
+              <a:rPr lang="en-US" dirty="0" err="1" smtClean="0"/>
+              <a:t>n</a:t>
+            </a:r>
+            <a:r>
+              <a:rPr lang="en-US" dirty="0" smtClean="0"/>
+              <a:t>-gram prosodic features</a:t>
+            </a:r>
+          </a:p>
+          <a:p>
+            <a:endParaRPr lang="en-US" dirty="0" smtClean="0"/>
+          </a:p>
+          <a:p>
+            <a:endParaRPr lang="en-US" dirty="0" smtClean="0"/>
+          </a:p>
+        </p:txBody>
+      </p:sp>
+    </p:spTree>
+  </p:cSld>
+  <p:clrMapOvr>
+    <a:masterClrMapping/>
+  </p:clrMapOvr>
+</p:sld>
+</file>
+
+<file path=ppt/slides/slide11.xml><?xml version="1.0" encoding="utf-8"?>
+<p:sld xmlns:a="http://schemas.openxmlformats.org/drawingml/2006/main" xmlns:r="http://schemas.openxmlformats.org/officeDocument/2006/relationships" xmlns:mc="http://schemas.openxmlformats.org/markup-compatibility/2006" xmlns:mv="urn:schemas-microsoft-com:mac:vml" xmlns:p="http://schemas.openxmlformats.org/presentationml/2006/main" mc:Ignorable="mv" mc:PreserveAttributes="mv:*">
+  <p:cSld>
+    <p:spTree>
+      <p:nvGrpSpPr>
+        <p:cNvPr id="1" name=""/>
+        <p:cNvGrpSpPr/>
+        <p:nvPr/>
+      </p:nvGrpSpPr>
+      <p:grpSpPr>
+        <a:xfrm>
+          <a:off x="0" y="0"/>
+          <a:ext cx="0" cy="0"/>
+          <a:chOff x="0" y="0"/>
+          <a:chExt cx="0" cy="0"/>
+        </a:xfrm>
+      </p:grpSpPr>
+      <p:sp>
+        <p:nvSpPr>
+          <p:cNvPr id="2" name="Title 1"/>
+          <p:cNvSpPr>
+            <a:spLocks noGrp="1"/>
+          </p:cNvSpPr>
+          <p:nvPr>
+            <p:ph type="ctrTitle"/>
+          </p:nvPr>
+        </p:nvSpPr>
+        <p:spPr>
+          <a:xfrm>
+            <a:off x="685800" y="1116012"/>
+            <a:ext cx="7772400" cy="1470025"/>
+          </a:xfrm>
+        </p:spPr>
+        <p:txBody>
+          <a:bodyPr>
+            <a:normAutofit/>
+          </a:bodyPr>
+          <a:lstStyle/>
+          <a:p>
+            <a:r>
+              <a:rPr lang="en-US" dirty="0" smtClean="0"/>
+              <a:t>References</a:t>
+            </a:r>
+            <a:endParaRPr lang="en-US" dirty="0"/>
+          </a:p>
+        </p:txBody>
+      </p:sp>
+      <p:sp>
+        <p:nvSpPr>
+          <p:cNvPr id="4" name="TextBox 3"/>
+          <p:cNvSpPr txBox="1"/>
+          <p:nvPr/>
+        </p:nvSpPr>
+        <p:spPr>
+          <a:xfrm>
+            <a:off x="838200" y="2586037"/>
+            <a:ext cx="7848600" cy="1477328"/>
+          </a:xfrm>
+          <a:prstGeom prst="rect">
+            <a:avLst/>
+          </a:prstGeom>
+          <a:noFill/>
+        </p:spPr>
+        <p:txBody>
+          <a:bodyPr wrap="square" rtlCol="0">
+            <a:spAutoFit/>
+          </a:bodyPr>
+          <a:lstStyle/>
+          <a:p>
+            <a:r>
+              <a:rPr lang="en-US" dirty="0"/>
+              <a:t>Enriching Speech Recognition With Automatic Detection of Sentence Boundaries and </a:t>
+            </a:r>
+            <a:r>
+              <a:rPr lang="en-US" dirty="0" err="1" smtClean="0"/>
+              <a:t>Disﬂuencies</a:t>
+            </a:r>
+            <a:r>
+              <a:rPr lang="en-US" dirty="0" smtClean="0"/>
+              <a:t>, Yang Liu</a:t>
+            </a:r>
+            <a:r>
+              <a:rPr lang="en-US" i="1" dirty="0" smtClean="0"/>
+              <a:t>, Elizabeth </a:t>
+            </a:r>
+            <a:r>
+              <a:rPr lang="en-US" i="1" dirty="0" err="1"/>
+              <a:t>Shriberg</a:t>
+            </a:r>
+            <a:r>
+              <a:rPr lang="en-US" i="1" dirty="0"/>
+              <a:t>, Andreas </a:t>
+            </a:r>
+            <a:r>
+              <a:rPr lang="en-US" i="1" dirty="0" err="1"/>
+              <a:t>Stolcke</a:t>
+            </a:r>
+            <a:r>
+              <a:rPr lang="en-US" i="1" dirty="0"/>
+              <a:t>,</a:t>
+            </a:r>
+            <a:r>
+              <a:rPr lang="en-US" i="1" dirty="0" smtClean="0"/>
+              <a:t> Dustin </a:t>
+            </a:r>
+            <a:r>
+              <a:rPr lang="en-US" i="1" dirty="0" err="1"/>
+              <a:t>Hillard</a:t>
+            </a:r>
+            <a:r>
+              <a:rPr lang="en-US" i="1" dirty="0" smtClean="0"/>
+              <a:t>, Mari </a:t>
+            </a:r>
+            <a:r>
+              <a:rPr lang="en-US" i="1" dirty="0" err="1" smtClean="0"/>
+              <a:t>Ostendorf</a:t>
+            </a:r>
+            <a:r>
+              <a:rPr lang="en-US" i="1" dirty="0" smtClean="0"/>
+              <a:t> and </a:t>
+            </a:r>
+            <a:r>
+              <a:rPr lang="en-US" i="1" dirty="0"/>
+              <a:t>Mary </a:t>
+            </a:r>
+            <a:r>
+              <a:rPr lang="en-US" i="1" dirty="0" smtClean="0"/>
+              <a:t>Harper</a:t>
+            </a:r>
+          </a:p>
+          <a:p>
+            <a:r>
+              <a:rPr lang="en-US" dirty="0" smtClean="0"/>
+              <a:t>...</a:t>
+            </a:r>
+          </a:p>
+          <a:p>
+            <a:endParaRPr lang="en-US" dirty="0" smtClean="0"/>
           </a:p>
         </p:txBody>
       </p:sp>
@@ -4906,44 +5536,14 @@
       </p:grpSpPr>
       <p:sp>
         <p:nvSpPr>
-          <p:cNvPr id="2" name="Title 1"/>
-          <p:cNvSpPr>
-            <a:spLocks noGrp="1"/>
-          </p:cNvSpPr>
-          <p:nvPr>
-            <p:ph type="ctrTitle"/>
-          </p:nvPr>
+          <p:cNvPr id="6" name="TextBox 5"/>
+          <p:cNvSpPr txBox="1"/>
+          <p:nvPr/>
         </p:nvSpPr>
         <p:spPr>
           <a:xfrm>
-            <a:off x="685800" y="1116012"/>
-            <a:ext cx="7772400" cy="1470025"/>
-          </a:xfrm>
-        </p:spPr>
-        <p:txBody>
-          <a:bodyPr>
-            <a:normAutofit/>
-          </a:bodyPr>
-          <a:lstStyle/>
-          <a:p>
-            <a:r>
-              <a:rPr lang="en-US" dirty="0" smtClean="0"/>
-              <a:t>Data Used</a:t>
-            </a:r>
-            <a:endParaRPr lang="en-US" dirty="0"/>
-          </a:p>
-        </p:txBody>
-      </p:sp>
-      <p:sp>
-        <p:nvSpPr>
-          <p:cNvPr id="4" name="TextBox 3"/>
-          <p:cNvSpPr txBox="1"/>
-          <p:nvPr/>
-        </p:nvSpPr>
-        <p:spPr>
-          <a:xfrm>
-            <a:off x="1600200" y="2586037"/>
-            <a:ext cx="4876800" cy="1754327"/>
+            <a:off x="1143000" y="5638800"/>
+            <a:ext cx="2362200" cy="923330"/>
           </a:xfrm>
           <a:prstGeom prst="rect">
             <a:avLst/>
@@ -4958,39 +5558,160 @@
           <a:p>
             <a:r>
               <a:rPr lang="en-US" dirty="0" smtClean="0"/>
-              <a:t>LDC2009T01: Annotated metadata</a:t>
+              <a:t>Questions</a:t>
             </a:r>
           </a:p>
           <a:p>
             <a:r>
               <a:rPr lang="en-US" dirty="0" smtClean="0"/>
-              <a:t>Fisher data</a:t>
-            </a:r>
-          </a:p>
+              <a:t>Back Channels Statements</a:t>
+            </a:r>
+          </a:p>
+        </p:txBody>
+      </p:sp>
+      <p:pic>
+        <p:nvPicPr>
+          <p:cNvPr id="7" name="Picture 6" descr="garlic_cut.jpg"/>
+          <p:cNvPicPr>
+            <a:picLocks noChangeAspect="1"/>
+          </p:cNvPicPr>
+          <p:nvPr/>
+        </p:nvPicPr>
+        <p:blipFill>
+          <a:blip r:embed="rId3"/>
+          <a:stretch>
+            <a:fillRect/>
+          </a:stretch>
+        </p:blipFill>
+        <p:spPr>
+          <a:xfrm>
+            <a:off x="228600" y="1622425"/>
+            <a:ext cx="5454562" cy="3296612"/>
+          </a:xfrm>
+          <a:prstGeom prst="rect">
+            <a:avLst/>
+          </a:prstGeom>
+        </p:spPr>
+      </p:pic>
+      <p:sp>
+        <p:nvSpPr>
+          <p:cNvPr id="8" name="TextBox 7"/>
+          <p:cNvSpPr txBox="1"/>
+          <p:nvPr/>
+        </p:nvSpPr>
+        <p:spPr>
+          <a:xfrm>
+            <a:off x="685801" y="4734371"/>
+            <a:ext cx="4613650" cy="369332"/>
+          </a:xfrm>
+          <a:prstGeom prst="rect">
+            <a:avLst/>
+          </a:prstGeom>
+          <a:noFill/>
+        </p:spPr>
+        <p:txBody>
+          <a:bodyPr wrap="none" rtlCol="0">
+            <a:spAutoFit/>
+          </a:bodyPr>
+          <a:lstStyle/>
+          <a:p>
+            <a:r>
+              <a:rPr lang="en-US" b="1" dirty="0" smtClean="0">
+                <a:solidFill>
+                  <a:srgbClr val="FF0000"/>
+                </a:solidFill>
+              </a:rPr>
+              <a:t>it has a lot of garlic in it too does </a:t>
+            </a:r>
+            <a:r>
+              <a:rPr lang="en-US" b="1" dirty="0" err="1" smtClean="0">
+                <a:solidFill>
+                  <a:srgbClr val="FF0000"/>
+                </a:solidFill>
+              </a:rPr>
+              <a:t>n't</a:t>
+            </a:r>
+            <a:r>
+              <a:rPr lang="en-US" b="1" dirty="0" smtClean="0">
+                <a:solidFill>
+                  <a:srgbClr val="FF0000"/>
+                </a:solidFill>
+              </a:rPr>
+              <a:t> </a:t>
+            </a:r>
+            <a:r>
+              <a:rPr lang="en-US" b="1" dirty="0" smtClean="0">
+                <a:solidFill>
+                  <a:srgbClr val="FF0000"/>
+                </a:solidFill>
+              </a:rPr>
+              <a:t>it</a:t>
+            </a:r>
+            <a:r>
+              <a:rPr lang="en-US" dirty="0" smtClean="0">
+                <a:solidFill>
+                  <a:srgbClr val="FF0000"/>
+                </a:solidFill>
+              </a:rPr>
+              <a:t> </a:t>
+            </a:r>
+            <a:r>
+              <a:rPr lang="en-US" b="1" dirty="0" err="1" smtClean="0">
+                <a:solidFill>
+                  <a:srgbClr val="0000FF"/>
+                </a:solidFill>
+              </a:rPr>
+              <a:t>i</a:t>
+            </a:r>
+            <a:r>
+              <a:rPr lang="en-US" b="1" dirty="0" smtClean="0">
+                <a:solidFill>
+                  <a:srgbClr val="0000FF"/>
+                </a:solidFill>
+              </a:rPr>
+              <a:t> it </a:t>
+            </a:r>
+            <a:r>
+              <a:rPr lang="en-US" b="1" dirty="0" smtClean="0">
+                <a:solidFill>
+                  <a:srgbClr val="0000FF"/>
+                </a:solidFill>
+              </a:rPr>
+              <a:t>does </a:t>
+            </a:r>
+            <a:endParaRPr lang="en-US" b="1" dirty="0">
+              <a:solidFill>
+                <a:srgbClr val="0000FF"/>
+              </a:solidFill>
+            </a:endParaRPr>
+          </a:p>
+        </p:txBody>
+      </p:sp>
+      <p:sp>
+        <p:nvSpPr>
+          <p:cNvPr id="10" name="Title 9"/>
+          <p:cNvSpPr>
+            <a:spLocks noGrp="1"/>
+          </p:cNvSpPr>
+          <p:nvPr>
+            <p:ph type="ctrTitle"/>
+          </p:nvPr>
+        </p:nvSpPr>
+        <p:spPr>
+          <a:xfrm>
+            <a:off x="838200" y="0"/>
+            <a:ext cx="7772400" cy="1470025"/>
+          </a:xfrm>
+        </p:spPr>
+        <p:txBody>
+          <a:bodyPr/>
+          <a:lstStyle/>
           <a:p>
             <a:r>
               <a:rPr lang="en-US" dirty="0" smtClean="0"/>
-              <a:t>Switchboard corpus </a:t>
-            </a:r>
-          </a:p>
-          <a:p>
-            <a:r>
-              <a:rPr lang="en-US" dirty="0" smtClean="0"/>
-              <a:t>POS tags</a:t>
-            </a:r>
-          </a:p>
-          <a:p>
-            <a:r>
-              <a:rPr lang="en-US" dirty="0" err="1" smtClean="0"/>
-              <a:t>Disfluencies</a:t>
-            </a:r>
-            <a:r>
-              <a:rPr lang="en-US" dirty="0" smtClean="0"/>
-              <a:t> marked</a:t>
-            </a:r>
-          </a:p>
-          <a:p>
-            <a:endParaRPr lang="en-US" dirty="0" smtClean="0"/>
+              <a:t>The Task</a:t>
+            </a:r>
+            <a:endParaRPr lang="en-US" dirty="0"/>
           </a:p>
         </p:txBody>
       </p:sp>
@@ -5031,8 +5752,8 @@
         </p:nvSpPr>
         <p:spPr>
           <a:xfrm>
-            <a:off x="685800" y="1116012"/>
-            <a:ext cx="7772400" cy="1470025"/>
+            <a:off x="685800" y="1"/>
+            <a:ext cx="7772400" cy="1143000"/>
           </a:xfrm>
         </p:spPr>
         <p:txBody>
@@ -5043,7 +5764,11 @@
           <a:p>
             <a:r>
               <a:rPr lang="en-US" dirty="0" smtClean="0"/>
-              <a:t>Prediction results</a:t>
+              <a:t>Corpus </a:t>
+            </a:r>
+            <a:r>
+              <a:rPr lang="en-US" dirty="0" smtClean="0"/>
+              <a:t>Data Used</a:t>
             </a:r>
             <a:endParaRPr lang="en-US" dirty="0"/>
           </a:p>
@@ -5057,8 +5782,8 @@
         </p:nvSpPr>
         <p:spPr>
           <a:xfrm>
-            <a:off x="1600200" y="2586037"/>
-            <a:ext cx="4876800" cy="646331"/>
+            <a:off x="609600" y="1219200"/>
+            <a:ext cx="8077200" cy="3785652"/>
           </a:xfrm>
           <a:prstGeom prst="rect">
             <a:avLst/>
@@ -5066,14 +5791,79 @@
           <a:noFill/>
         </p:spPr>
         <p:txBody>
-          <a:bodyPr wrap="square" rtlCol="0">
+          <a:bodyPr wrap="square" rtlCol="0" anchor="ctr">
             <a:spAutoFit/>
           </a:bodyPr>
           <a:lstStyle/>
           <a:p>
             <a:r>
-              <a:rPr lang="en-US" dirty="0" smtClean="0"/>
-              <a:t>Final results of predictions with the best features chosen</a:t>
+              <a:rPr lang="en-US" sz="3000" b="1" dirty="0" smtClean="0"/>
+              <a:t>LDC2009T01</a:t>
+            </a:r>
+          </a:p>
+          <a:p>
+            <a:r>
+              <a:rPr lang="en-US" sz="3000" dirty="0" smtClean="0"/>
+              <a:t>English CTS Treebank with Structural metadata</a:t>
+            </a:r>
+          </a:p>
+          <a:p>
+            <a:endParaRPr lang="en-US" sz="3000" dirty="0" smtClean="0"/>
+          </a:p>
+          <a:p>
+            <a:r>
+              <a:rPr lang="en-US" sz="3000" b="1" dirty="0" smtClean="0"/>
+              <a:t>Highlights</a:t>
+            </a:r>
+            <a:endParaRPr lang="en-US" sz="3000" b="1" dirty="0" smtClean="0"/>
+          </a:p>
+          <a:p>
+            <a:pPr>
+              <a:buFont typeface="Arial"/>
+              <a:buChar char="•"/>
+            </a:pPr>
+            <a:r>
+              <a:rPr lang="en-US" sz="3000" dirty="0" smtClean="0"/>
+              <a:t> </a:t>
+            </a:r>
+            <a:r>
+              <a:rPr lang="en-US" sz="3000" dirty="0" smtClean="0"/>
+              <a:t>Fisher and Switchboard audio clips</a:t>
+            </a:r>
+            <a:endParaRPr lang="en-US" sz="3000" dirty="0" smtClean="0"/>
+          </a:p>
+          <a:p>
+            <a:pPr>
+              <a:buFont typeface="Arial"/>
+              <a:buChar char="•"/>
+            </a:pPr>
+            <a:r>
+              <a:rPr lang="en-US" sz="3000" dirty="0" smtClean="0"/>
+              <a:t> Transcribed text with time offsets at a word level</a:t>
+            </a:r>
+          </a:p>
+          <a:p>
+            <a:pPr>
+              <a:buFont typeface="Arial"/>
+              <a:buChar char="•"/>
+            </a:pPr>
+            <a:r>
+              <a:rPr lang="en-US" sz="3000" dirty="0" smtClean="0"/>
+              <a:t> Words annotated with </a:t>
+            </a:r>
+            <a:r>
+              <a:rPr lang="en-US" sz="3000" dirty="0" smtClean="0"/>
+              <a:t>POS tags</a:t>
+            </a:r>
+          </a:p>
+          <a:p>
+            <a:pPr>
+              <a:buFont typeface="Arial"/>
+              <a:buChar char="•"/>
+            </a:pPr>
+            <a:r>
+              <a:rPr lang="en-US" sz="3000" dirty="0" smtClean="0"/>
+              <a:t> Sentence units categorized</a:t>
             </a:r>
           </a:p>
         </p:txBody>
@@ -5127,7 +5917,7 @@
           <a:p>
             <a:r>
               <a:rPr lang="en-US" dirty="0" smtClean="0"/>
-              <a:t>Effect of POS tags</a:t>
+              <a:t>Prediction results</a:t>
             </a:r>
             <a:endParaRPr lang="en-US" dirty="0"/>
           </a:p>
@@ -5142,7 +5932,7 @@
         <p:spPr>
           <a:xfrm>
             <a:off x="1600200" y="2586037"/>
-            <a:ext cx="4876800" cy="1754327"/>
+            <a:ext cx="4876800" cy="646331"/>
           </a:xfrm>
           <a:prstGeom prst="rect">
             <a:avLst/>
@@ -5157,28 +5947,7 @@
           <a:p>
             <a:r>
               <a:rPr lang="en-US" dirty="0" smtClean="0"/>
-              <a:t>Many graphs showing 1-pre-gram, 2-pre-gram, 1-post-gram, 2-post-gram and all of them together</a:t>
-            </a:r>
-          </a:p>
-          <a:p>
-            <a:r>
-              <a:rPr lang="en-US" dirty="0" smtClean="0"/>
-              <a:t>Vary with cross validation bins used?</a:t>
-            </a:r>
-          </a:p>
-          <a:p>
-            <a:r>
-              <a:rPr lang="en-US" dirty="0" smtClean="0"/>
-              <a:t>Vary with many classifiers</a:t>
-            </a:r>
-          </a:p>
-          <a:p>
-            <a:endParaRPr lang="en-US" dirty="0" smtClean="0"/>
-          </a:p>
-          <a:p>
-            <a:r>
-              <a:rPr lang="en-US" dirty="0" smtClean="0"/>
-              <a:t>Above on a per-sentence-unit type basis</a:t>
+              <a:t>Final results of predictions with the best features chosen</a:t>
             </a:r>
           </a:p>
         </p:txBody>
@@ -5232,7 +6001,7 @@
           <a:p>
             <a:r>
               <a:rPr lang="en-US" dirty="0" smtClean="0"/>
-              <a:t>Effect of special words for backchannel identification</a:t>
+              <a:t>Effect of POS tags</a:t>
             </a:r>
             <a:endParaRPr lang="en-US" dirty="0"/>
           </a:p>
@@ -5247,7 +6016,7 @@
         <p:spPr>
           <a:xfrm>
             <a:off x="1600200" y="2586037"/>
-            <a:ext cx="4876800" cy="1477328"/>
+            <a:ext cx="4876800" cy="1754327"/>
           </a:xfrm>
           <a:prstGeom prst="rect">
             <a:avLst/>
@@ -5262,15 +6031,19 @@
           <a:p>
             <a:r>
               <a:rPr lang="en-US" dirty="0" smtClean="0"/>
-              <a:t>Club words like ‘</a:t>
-            </a:r>
-            <a:r>
-              <a:rPr lang="en-US" dirty="0" err="1" smtClean="0"/>
-              <a:t>mhm</a:t>
-            </a:r>
+              <a:t>Many graphs showing 1-pre-gram, 2-pre-gram, 1-post-gram, 2-post-gram and all of them together</a:t>
+            </a:r>
+          </a:p>
+          <a:p>
             <a:r>
               <a:rPr lang="en-US" dirty="0" smtClean="0"/>
-              <a:t>’, ‘oh yeah’ etc into a separate class and see if it helps in predicting backchannel better</a:t>
+              <a:t>Vary with cross validation bins used?</a:t>
+            </a:r>
+          </a:p>
+          <a:p>
+            <a:r>
+              <a:rPr lang="en-US" dirty="0" smtClean="0"/>
+              <a:t>Vary with many classifiers</a:t>
             </a:r>
           </a:p>
           <a:p>
@@ -5279,7 +6052,7 @@
           <a:p>
             <a:r>
               <a:rPr lang="en-US" dirty="0" smtClean="0"/>
-              <a:t>Effects on other sentence units</a:t>
+              <a:t>Above on a per-sentence-unit type basis</a:t>
             </a:r>
           </a:p>
         </p:txBody>
@@ -5332,8 +6105,8 @@
           <a:lstStyle/>
           <a:p>
             <a:r>
-              <a:rPr lang="en-US" smtClean="0"/>
-              <a:t>Miscellaneous features </a:t>
+              <a:rPr lang="en-US" dirty="0" smtClean="0"/>
+              <a:t>Effect of special words for backchannel identification</a:t>
             </a:r>
             <a:endParaRPr lang="en-US" dirty="0"/>
           </a:p>
@@ -5348,7 +6121,7 @@
         <p:spPr>
           <a:xfrm>
             <a:off x="1600200" y="2586037"/>
-            <a:ext cx="4876800" cy="3139321"/>
+            <a:ext cx="4876800" cy="1477328"/>
           </a:xfrm>
           <a:prstGeom prst="rect">
             <a:avLst/>
@@ -5363,7 +6136,15 @@
           <a:p>
             <a:r>
               <a:rPr lang="en-US" dirty="0" smtClean="0"/>
-              <a:t>Previous sentence class prediction (faked as well as true)</a:t>
+              <a:t>Club words like ‘</a:t>
+            </a:r>
+            <a:r>
+              <a:rPr lang="en-US" dirty="0" err="1" smtClean="0"/>
+              <a:t>mhm</a:t>
+            </a:r>
+            <a:r>
+              <a:rPr lang="en-US" dirty="0" smtClean="0"/>
+              <a:t>’, ‘oh yeah’ etc into a separate class and see if it helps in predicting backchannel better</a:t>
             </a:r>
           </a:p>
           <a:p>
@@ -5372,26 +6153,8 @@
           <a:p>
             <a:r>
               <a:rPr lang="en-US" dirty="0" smtClean="0"/>
-              <a:t>Length of sentence so far or number of words so far (that have not been classified yet)</a:t>
-            </a:r>
-          </a:p>
-          <a:p>
-            <a:endParaRPr lang="en-US" dirty="0"/>
-          </a:p>
-          <a:p>
-            <a:endParaRPr lang="en-US" dirty="0" smtClean="0"/>
-          </a:p>
-          <a:p>
-            <a:endParaRPr lang="en-US" dirty="0"/>
-          </a:p>
-          <a:p>
-            <a:endParaRPr lang="en-US" dirty="0" smtClean="0"/>
-          </a:p>
-          <a:p>
-            <a:endParaRPr lang="en-US" dirty="0" smtClean="0"/>
-          </a:p>
-          <a:p>
-            <a:endParaRPr lang="en-US" dirty="0" smtClean="0"/>
+              <a:t>Effects on other sentence units</a:t>
+            </a:r>
           </a:p>
         </p:txBody>
       </p:sp>
@@ -5444,7 +6207,7 @@
           <a:p>
             <a:r>
               <a:rPr lang="en-US" dirty="0" smtClean="0"/>
-              <a:t>Prosodic features</a:t>
+              <a:t>Miscellaneous features </a:t>
             </a:r>
             <a:endParaRPr lang="en-US" dirty="0"/>
           </a:p>
@@ -5474,56 +6237,29 @@
           <a:p>
             <a:r>
               <a:rPr lang="en-US" dirty="0" smtClean="0"/>
-              <a:t>F0</a:t>
-            </a:r>
+              <a:t>Previous sentence class prediction (faked as well as true)</a:t>
+            </a:r>
+          </a:p>
+          <a:p>
+            <a:endParaRPr lang="en-US" dirty="0" smtClean="0"/>
           </a:p>
           <a:p>
             <a:r>
               <a:rPr lang="en-US" dirty="0" smtClean="0"/>
-              <a:t>F0 normalized</a:t>
-            </a:r>
-          </a:p>
-          <a:p>
-            <a:r>
-              <a:rPr lang="en-US" dirty="0" smtClean="0"/>
-              <a:t>Pause duration for speaker</a:t>
-            </a:r>
-          </a:p>
-          <a:p>
-            <a:r>
-              <a:rPr lang="en-US" dirty="0" smtClean="0"/>
-              <a:t>Energy</a:t>
-            </a:r>
-          </a:p>
-          <a:p>
-            <a:r>
-              <a:rPr lang="en-US" dirty="0" smtClean="0"/>
-              <a:t>Length of word</a:t>
-            </a:r>
-          </a:p>
-          <a:p>
-            <a:r>
-              <a:rPr lang="en-US" dirty="0" smtClean="0"/>
-              <a:t>Pause length before word</a:t>
-            </a:r>
-          </a:p>
-          <a:p>
-            <a:r>
-              <a:rPr lang="en-US" dirty="0" smtClean="0"/>
-              <a:t>Word pitch range</a:t>
-            </a:r>
-          </a:p>
-          <a:p>
-            <a:r>
-              <a:rPr lang="en-US" dirty="0" smtClean="0"/>
-              <a:t>Energy</a:t>
-            </a:r>
-          </a:p>
-          <a:p>
-            <a:r>
-              <a:rPr lang="en-US" dirty="0" smtClean="0"/>
-              <a:t>Energy normalized</a:t>
-            </a:r>
+              <a:t>Length of sentence so far or number of words so far (that have not been classified yet)</a:t>
+            </a:r>
+          </a:p>
+          <a:p>
+            <a:endParaRPr lang="en-US" dirty="0"/>
+          </a:p>
+          <a:p>
+            <a:endParaRPr lang="en-US" dirty="0" smtClean="0"/>
+          </a:p>
+          <a:p>
+            <a:endParaRPr lang="en-US" dirty="0"/>
+          </a:p>
+          <a:p>
+            <a:endParaRPr lang="en-US" dirty="0" smtClean="0"/>
           </a:p>
           <a:p>
             <a:endParaRPr lang="en-US" dirty="0" smtClean="0"/>
@@ -5596,8 +6332,8 @@
         </p:nvSpPr>
         <p:spPr>
           <a:xfrm>
-            <a:off x="2286000" y="2586037"/>
-            <a:ext cx="4876800" cy="923330"/>
+            <a:off x="1600200" y="2586037"/>
+            <a:ext cx="4876800" cy="3139321"/>
           </a:xfrm>
           <a:prstGeom prst="rect">
             <a:avLst/>
@@ -5611,12 +6347,56 @@
           <a:lstStyle/>
           <a:p>
             <a:r>
-              <a:rPr lang="en-US" dirty="0" err="1" smtClean="0"/>
-              <a:t>n</a:t>
-            </a:r>
-            <a:r>
               <a:rPr lang="en-US" dirty="0" smtClean="0"/>
-              <a:t>-gram prosodic features</a:t>
+              <a:t>F0</a:t>
+            </a:r>
+          </a:p>
+          <a:p>
+            <a:r>
+              <a:rPr lang="en-US" dirty="0" smtClean="0"/>
+              <a:t>F0 normalized</a:t>
+            </a:r>
+          </a:p>
+          <a:p>
+            <a:r>
+              <a:rPr lang="en-US" dirty="0" smtClean="0"/>
+              <a:t>Pause duration for speaker</a:t>
+            </a:r>
+          </a:p>
+          <a:p>
+            <a:r>
+              <a:rPr lang="en-US" dirty="0" smtClean="0"/>
+              <a:t>Energy</a:t>
+            </a:r>
+          </a:p>
+          <a:p>
+            <a:r>
+              <a:rPr lang="en-US" dirty="0" smtClean="0"/>
+              <a:t>Length of word</a:t>
+            </a:r>
+          </a:p>
+          <a:p>
+            <a:r>
+              <a:rPr lang="en-US" dirty="0" smtClean="0"/>
+              <a:t>Pause length before word</a:t>
+            </a:r>
+          </a:p>
+          <a:p>
+            <a:r>
+              <a:rPr lang="en-US" dirty="0" smtClean="0"/>
+              <a:t>Word pitch range</a:t>
+            </a:r>
+          </a:p>
+          <a:p>
+            <a:r>
+              <a:rPr lang="en-US" dirty="0" smtClean="0"/>
+              <a:t>Energy</a:t>
+            </a:r>
+          </a:p>
+          <a:p>
+            <a:r>
+              <a:rPr lang="en-US" dirty="0" smtClean="0"/>
+              <a:t>Energy normalized</a:t>
             </a:r>
           </a:p>
           <a:p>
@@ -5676,7 +6456,7 @@
           <a:p>
             <a:r>
               <a:rPr lang="en-US" dirty="0" smtClean="0"/>
-              <a:t>References</a:t>
+              <a:t>Prosodic features</a:t>
             </a:r>
             <a:endParaRPr lang="en-US" dirty="0"/>
           </a:p>
@@ -5690,8 +6470,8 @@
         </p:nvSpPr>
         <p:spPr>
           <a:xfrm>
-            <a:off x="838200" y="2586037"/>
-            <a:ext cx="7848600" cy="1477328"/>
+            <a:off x="1600200" y="2586037"/>
+            <a:ext cx="4876800" cy="3139321"/>
           </a:xfrm>
           <a:prstGeom prst="rect">
             <a:avLst/>
@@ -5705,71 +6485,60 @@
           <a:lstStyle/>
           <a:p>
             <a:r>
-              <a:rPr lang="en-US" dirty="0"/>
-              <a:t>Enriching Speech Recognition With Automatic Detection of Sentence Boundaries and </a:t>
-            </a:r>
-            <a:r>
-              <a:rPr lang="en-US" dirty="0" err="1" smtClean="0"/>
-              <a:t>Disﬂuencies</a:t>
-            </a:r>
-            <a:r>
               <a:rPr lang="en-US" dirty="0" smtClean="0"/>
-              <a:t>, Yang Liu</a:t>
-            </a:r>
-            <a:r>
-              <a:rPr lang="en-US" i="1" dirty="0" smtClean="0"/>
-              <a:t>, Elizabeth </a:t>
-            </a:r>
-            <a:r>
-              <a:rPr lang="en-US" i="1" dirty="0" err="1"/>
-              <a:t>Shriberg</a:t>
-            </a:r>
-            <a:r>
-              <a:rPr lang="en-US" i="1" dirty="0"/>
-              <a:t>, Andreas </a:t>
-            </a:r>
-            <a:r>
-              <a:rPr lang="en-US" i="1" dirty="0" err="1"/>
-              <a:t>Stolcke</a:t>
-            </a:r>
-            <a:r>
-              <a:rPr lang="en-US" i="1" dirty="0"/>
-              <a:t>,</a:t>
-            </a:r>
-            <a:r>
-              <a:rPr lang="en-US" i="1" dirty="0" smtClean="0"/>
-              <a:t> Dustin </a:t>
-            </a:r>
-            <a:r>
-              <a:rPr lang="en-US" i="1" dirty="0" err="1"/>
-              <a:t>Hillard</a:t>
-            </a:r>
-            <a:r>
-              <a:rPr lang="en-US" i="1" dirty="0" smtClean="0"/>
-              <a:t>, Mari </a:t>
-            </a:r>
-            <a:r>
-              <a:rPr lang="en-US" i="1" dirty="0" err="1" smtClean="0"/>
-              <a:t>Ostendorf</a:t>
-            </a:r>
-            <a:r>
-              <a:rPr lang="en-US" i="1" dirty="0" smtClean="0"/>
-              <a:t> and </a:t>
-            </a:r>
-            <a:r>
-              <a:rPr lang="en-US" i="1" dirty="0"/>
-              <a:t>Mary </a:t>
-            </a:r>
-            <a:r>
-              <a:rPr lang="en-US" i="1" dirty="0" smtClean="0"/>
-              <a:t>Harper</a:t>
+              <a:t>F0</a:t>
             </a:r>
           </a:p>
           <a:p>
             <a:r>
               <a:rPr lang="en-US" dirty="0" smtClean="0"/>
-              <a:t>...</a:t>
-            </a:r>
+              <a:t>F0 normalized</a:t>
+            </a:r>
+          </a:p>
+          <a:p>
+            <a:r>
+              <a:rPr lang="en-US" dirty="0" smtClean="0"/>
+              <a:t>Pause duration for speaker</a:t>
+            </a:r>
+          </a:p>
+          <a:p>
+            <a:r>
+              <a:rPr lang="en-US" dirty="0" smtClean="0"/>
+              <a:t>Energy</a:t>
+            </a:r>
+          </a:p>
+          <a:p>
+            <a:r>
+              <a:rPr lang="en-US" dirty="0" smtClean="0"/>
+              <a:t>Length of word</a:t>
+            </a:r>
+          </a:p>
+          <a:p>
+            <a:r>
+              <a:rPr lang="en-US" dirty="0" smtClean="0"/>
+              <a:t>Pause length before word</a:t>
+            </a:r>
+          </a:p>
+          <a:p>
+            <a:r>
+              <a:rPr lang="en-US" dirty="0" smtClean="0"/>
+              <a:t>Word pitch range</a:t>
+            </a:r>
+          </a:p>
+          <a:p>
+            <a:r>
+              <a:rPr lang="en-US" dirty="0" smtClean="0"/>
+              <a:t>Energy</a:t>
+            </a:r>
+          </a:p>
+          <a:p>
+            <a:r>
+              <a:rPr lang="en-US" dirty="0" smtClean="0"/>
+              <a:t>Energy normalized</a:t>
+            </a:r>
+          </a:p>
+          <a:p>
+            <a:endParaRPr lang="en-US" dirty="0" smtClean="0"/>
           </a:p>
           <a:p>
             <a:endParaRPr lang="en-US" dirty="0" smtClean="0"/>

--- a/Poster.pptx
+++ b/Poster.pptx
@@ -5,20 +5,19 @@
     <p:sldMasterId id="2147483648" r:id="rId1"/>
   </p:sldMasterIdLst>
   <p:notesMasterIdLst>
-    <p:notesMasterId r:id="rId13"/>
+    <p:notesMasterId r:id="rId12"/>
   </p:notesMasterIdLst>
   <p:sldIdLst>
     <p:sldId id="256" r:id="rId2"/>
-    <p:sldId id="266" r:id="rId3"/>
-    <p:sldId id="257" r:id="rId4"/>
-    <p:sldId id="258" r:id="rId5"/>
-    <p:sldId id="259" r:id="rId6"/>
-    <p:sldId id="260" r:id="rId7"/>
-    <p:sldId id="261" r:id="rId8"/>
-    <p:sldId id="262" r:id="rId9"/>
-    <p:sldId id="265" r:id="rId10"/>
-    <p:sldId id="263" r:id="rId11"/>
-    <p:sldId id="264" r:id="rId12"/>
+    <p:sldId id="267" r:id="rId3"/>
+    <p:sldId id="258" r:id="rId4"/>
+    <p:sldId id="259" r:id="rId5"/>
+    <p:sldId id="260" r:id="rId6"/>
+    <p:sldId id="261" r:id="rId7"/>
+    <p:sldId id="262" r:id="rId8"/>
+    <p:sldId id="265" r:id="rId9"/>
+    <p:sldId id="263" r:id="rId10"/>
+    <p:sldId id="264" r:id="rId11"/>
   </p:sldIdLst>
   <p:sldSz cx="9144000" cy="6858000" type="screen4x3"/>
   <p:notesSz cx="6858000" cy="9144000"/>
@@ -730,143 +729,6 @@
               <a:rPr lang="en-US" smtClean="0"/>
               <a:pPr/>
               <a:t>10</a:t>
-            </a:fld>
-            <a:endParaRPr lang="en-US"/>
-          </a:p>
-        </p:txBody>
-      </p:sp>
-    </p:spTree>
-  </p:cSld>
-  <p:clrMapOvr>
-    <a:masterClrMapping/>
-  </p:clrMapOvr>
-</p:notes>
-</file>
-
-<file path=ppt/notesSlides/notesSlide11.xml><?xml version="1.0" encoding="utf-8"?>
-<p:notes xmlns:a="http://schemas.openxmlformats.org/drawingml/2006/main" xmlns:r="http://schemas.openxmlformats.org/officeDocument/2006/relationships" xmlns:mc="http://schemas.openxmlformats.org/markup-compatibility/2006" xmlns:mv="urn:schemas-microsoft-com:mac:vml" xmlns:p="http://schemas.openxmlformats.org/presentationml/2006/main" mc:Ignorable="mv" mc:PreserveAttributes="mv:*">
-  <p:cSld>
-    <p:spTree>
-      <p:nvGrpSpPr>
-        <p:cNvPr id="1" name=""/>
-        <p:cNvGrpSpPr/>
-        <p:nvPr/>
-      </p:nvGrpSpPr>
-      <p:grpSpPr>
-        <a:xfrm>
-          <a:off x="0" y="0"/>
-          <a:ext cx="0" cy="0"/>
-          <a:chOff x="0" y="0"/>
-          <a:chExt cx="0" cy="0"/>
-        </a:xfrm>
-      </p:grpSpPr>
-      <p:sp>
-        <p:nvSpPr>
-          <p:cNvPr id="2" name="Slide Image Placeholder 1"/>
-          <p:cNvSpPr>
-            <a:spLocks noGrp="1" noRot="1" noChangeAspect="1"/>
-          </p:cNvSpPr>
-          <p:nvPr>
-            <p:ph type="sldImg"/>
-          </p:nvPr>
-        </p:nvSpPr>
-        <p:spPr/>
-      </p:sp>
-      <p:sp>
-        <p:nvSpPr>
-          <p:cNvPr id="3" name="Notes Placeholder 2"/>
-          <p:cNvSpPr>
-            <a:spLocks noGrp="1"/>
-          </p:cNvSpPr>
-          <p:nvPr>
-            <p:ph type="body" idx="1"/>
-          </p:nvPr>
-        </p:nvSpPr>
-        <p:spPr/>
-        <p:txBody>
-          <a:bodyPr>
-            <a:normAutofit/>
-          </a:bodyPr>
-          <a:lstStyle/>
-          <a:p>
-            <a:r>
-              <a:rPr lang="en-US" sz="1200" kern="1200" dirty="0" smtClean="0">
-                <a:solidFill>
-                  <a:schemeClr val="tx1"/>
-                </a:solidFill>
-                <a:latin typeface="+mn-lt"/>
-                <a:ea typeface="+mn-ea"/>
-                <a:cs typeface="+mn-cs"/>
-              </a:rPr>
-              <a:t>1) Title and people 2) A slide on explaining </a:t>
-            </a:r>
-            <a:r>
-              <a:rPr lang="en-US" sz="1200" kern="1200" dirty="0" err="1" smtClean="0">
-                <a:solidFill>
-                  <a:schemeClr val="tx1"/>
-                </a:solidFill>
-                <a:latin typeface="+mn-lt"/>
-                <a:ea typeface="+mn-ea"/>
-                <a:cs typeface="+mn-cs"/>
-              </a:rPr>
-              <a:t>disfluencies</a:t>
-            </a:r>
-            <a:r>
-              <a:rPr lang="en-US" sz="1200" kern="1200" dirty="0" smtClean="0">
-                <a:solidFill>
-                  <a:schemeClr val="tx1"/>
-                </a:solidFill>
-                <a:latin typeface="+mn-lt"/>
-                <a:ea typeface="+mn-ea"/>
-                <a:cs typeface="+mn-cs"/>
-              </a:rPr>
-              <a:t> (examples: question, backchannel, statement)3) A slide on the data available4) Effect of pre-pos tags: 1, 2, 3 grams. Effect of pre-pos tags: 1, 2, 3 grams. Bin sizes.5) Club backchannel words into a class (</a:t>
-            </a:r>
-            <a:r>
-              <a:rPr lang="en-US" sz="1200" kern="1200" dirty="0" err="1" smtClean="0">
-                <a:solidFill>
-                  <a:schemeClr val="tx1"/>
-                </a:solidFill>
-                <a:latin typeface="+mn-lt"/>
-                <a:ea typeface="+mn-ea"/>
-                <a:cs typeface="+mn-cs"/>
-              </a:rPr>
-              <a:t>mhm</a:t>
-            </a:r>
-            <a:r>
-              <a:rPr lang="en-US" sz="1200" kern="1200" dirty="0" smtClean="0">
-                <a:solidFill>
-                  <a:schemeClr val="tx1"/>
-                </a:solidFill>
-                <a:latin typeface="+mn-lt"/>
-                <a:ea typeface="+mn-ea"/>
-                <a:cs typeface="+mn-cs"/>
-              </a:rPr>
-              <a:t>, oh yeah)6) Features based on prior sentence tag     Switchboard versus Fisher data7) Prosodic features effects of energy, F0, pause duration 8) Average F0 based feature9) References</a:t>
-            </a:r>
-            <a:endParaRPr lang="en-US" dirty="0"/>
-          </a:p>
-        </p:txBody>
-      </p:sp>
-      <p:sp>
-        <p:nvSpPr>
-          <p:cNvPr id="4" name="Slide Number Placeholder 3"/>
-          <p:cNvSpPr>
-            <a:spLocks noGrp="1"/>
-          </p:cNvSpPr>
-          <p:nvPr>
-            <p:ph type="sldNum" sz="quarter" idx="10"/>
-          </p:nvPr>
-        </p:nvSpPr>
-        <p:spPr/>
-        <p:txBody>
-          <a:bodyPr/>
-          <a:lstStyle/>
-          <a:p>
-            <a:fld id="{7B5AD275-BDE2-3E4D-BC56-6FC6FA0523E9}" type="slidenum">
-              <a:rPr lang="en-US" smtClean="0"/>
-              <a:pPr/>
-              <a:t>11</a:t>
             </a:fld>
             <a:endParaRPr lang="en-US"/>
           </a:p>
@@ -4930,133 +4792,145 @@
       </p:grpSpPr>
       <p:sp>
         <p:nvSpPr>
-          <p:cNvPr id="2" name="Title 1"/>
-          <p:cNvSpPr>
-            <a:spLocks noGrp="1"/>
-          </p:cNvSpPr>
-          <p:nvPr>
-            <p:ph type="ctrTitle"/>
-          </p:nvPr>
+          <p:cNvPr id="40" name="Rectangle 39"/>
+          <p:cNvSpPr/>
+          <p:nvPr/>
         </p:nvSpPr>
         <p:spPr>
           <a:xfrm>
-            <a:off x="685801" y="152400"/>
-            <a:ext cx="7772400" cy="1470025"/>
-          </a:xfrm>
-        </p:spPr>
-        <p:txBody>
-          <a:bodyPr/>
-          <a:lstStyle/>
-          <a:p>
-            <a:r>
-              <a:rPr lang="en-US" dirty="0" smtClean="0"/>
-              <a:t>Sentence Unit Detection in Conversational Dialog Speech</a:t>
-            </a:r>
-            <a:endParaRPr lang="en-US" dirty="0"/>
-          </a:p>
-        </p:txBody>
-      </p:sp>
-      <p:sp>
-        <p:nvSpPr>
-          <p:cNvPr id="3" name="Subtitle 2"/>
-          <p:cNvSpPr>
-            <a:spLocks noGrp="1"/>
-          </p:cNvSpPr>
-          <p:nvPr>
-            <p:ph type="subTitle" idx="1"/>
-          </p:nvPr>
-        </p:nvSpPr>
-        <p:spPr>
-          <a:xfrm>
-            <a:off x="4419600" y="4919037"/>
-            <a:ext cx="4572000" cy="1752600"/>
-          </a:xfrm>
-        </p:spPr>
-        <p:txBody>
-          <a:bodyPr>
-            <a:normAutofit/>
-          </a:bodyPr>
-          <a:lstStyle/>
-          <a:p>
-            <a:r>
-              <a:rPr lang="en-US" b="1" dirty="0" smtClean="0"/>
-              <a:t>Elizabeth </a:t>
-            </a:r>
-            <a:r>
-              <a:rPr lang="en-US" b="1" dirty="0" err="1" smtClean="0"/>
-              <a:t>Lingg</a:t>
-            </a:r>
-            <a:endParaRPr lang="en-US" b="1" dirty="0" smtClean="0"/>
-          </a:p>
-          <a:p>
-            <a:r>
-              <a:rPr lang="en-US" b="1" dirty="0" err="1" smtClean="0"/>
-              <a:t>Tejaswi</a:t>
-            </a:r>
-            <a:r>
-              <a:rPr lang="en-US" b="1" dirty="0" smtClean="0"/>
-              <a:t> </a:t>
-            </a:r>
-            <a:r>
-              <a:rPr lang="en-US" b="1" dirty="0" err="1" smtClean="0"/>
-              <a:t>Tennetti</a:t>
-            </a:r>
-            <a:endParaRPr lang="en-US" b="1" dirty="0" smtClean="0"/>
-          </a:p>
-          <a:p>
-            <a:r>
-              <a:rPr lang="en-US" b="1" dirty="0" smtClean="0"/>
-              <a:t>Anand </a:t>
-            </a:r>
-            <a:r>
-              <a:rPr lang="en-US" b="1" dirty="0" err="1" smtClean="0"/>
-              <a:t>Madhavan</a:t>
-            </a:r>
-            <a:endParaRPr lang="en-US" b="1" dirty="0" smtClean="0"/>
-          </a:p>
-          <a:p>
-            <a:endParaRPr lang="en-US" dirty="0"/>
-          </a:p>
-        </p:txBody>
-      </p:sp>
-      <p:sp>
-        <p:nvSpPr>
-          <p:cNvPr id="6" name="TextBox 5"/>
-          <p:cNvSpPr txBox="1"/>
-          <p:nvPr/>
-        </p:nvSpPr>
-        <p:spPr>
-          <a:xfrm>
-            <a:off x="6096001" y="2286000"/>
-            <a:ext cx="2362200" cy="923330"/>
+            <a:off x="728973" y="5291358"/>
+            <a:ext cx="4605028" cy="347442"/>
           </a:xfrm>
           <a:prstGeom prst="rect">
             <a:avLst/>
           </a:prstGeom>
           <a:noFill/>
+          <a:ln>
+            <a:solidFill>
+              <a:schemeClr val="tx1"/>
+            </a:solidFill>
+          </a:ln>
         </p:spPr>
-        <p:txBody>
-          <a:bodyPr wrap="square" rtlCol="0">
-            <a:spAutoFit/>
+        <p:style>
+          <a:lnRef idx="1">
+            <a:schemeClr val="accent3"/>
+          </a:lnRef>
+          <a:fillRef idx="2">
+            <a:schemeClr val="accent3"/>
+          </a:fillRef>
+          <a:effectRef idx="1">
+            <a:schemeClr val="accent3"/>
+          </a:effectRef>
+          <a:fontRef idx="minor">
+            <a:schemeClr val="dk1"/>
+          </a:fontRef>
+        </p:style>
+        <p:txBody>
+          <a:bodyPr rtlCol="0" anchor="ctr"/>
+          <a:lstStyle/>
+          <a:p>
+            <a:pPr algn="ctr"/>
+            <a:endParaRPr lang="en-US"/>
+          </a:p>
+        </p:txBody>
+      </p:sp>
+      <p:sp>
+        <p:nvSpPr>
+          <p:cNvPr id="2" name="Title 1"/>
+          <p:cNvSpPr>
+            <a:spLocks noGrp="1"/>
+          </p:cNvSpPr>
+          <p:nvPr>
+            <p:ph type="ctrTitle"/>
+          </p:nvPr>
+        </p:nvSpPr>
+        <p:spPr>
+          <a:xfrm>
+            <a:off x="685801" y="76200"/>
+            <a:ext cx="7772400" cy="1470025"/>
+          </a:xfrm>
+        </p:spPr>
+        <p:txBody>
+          <a:bodyPr/>
+          <a:lstStyle/>
+          <a:p>
+            <a:r>
+              <a:rPr lang="en-US" dirty="0" smtClean="0"/>
+              <a:t>Sentence Unit Detection in</a:t>
+            </a:r>
+            <a:r>
+              <a:rPr lang="en-US" dirty="0" smtClean="0"/>
+              <a:t> Conversational Dialogue</a:t>
+            </a:r>
+            <a:endParaRPr lang="en-US" dirty="0"/>
+          </a:p>
+        </p:txBody>
+      </p:sp>
+      <p:sp>
+        <p:nvSpPr>
+          <p:cNvPr id="3" name="Subtitle 2"/>
+          <p:cNvSpPr>
+            <a:spLocks noGrp="1"/>
+          </p:cNvSpPr>
+          <p:nvPr>
+            <p:ph type="subTitle" idx="1"/>
+          </p:nvPr>
+        </p:nvSpPr>
+        <p:spPr>
+          <a:xfrm>
+            <a:off x="76200" y="5943600"/>
+            <a:ext cx="9143999" cy="1295400"/>
+          </a:xfrm>
+        </p:spPr>
+        <p:txBody>
+          <a:bodyPr>
+            <a:normAutofit/>
           </a:bodyPr>
           <a:lstStyle/>
           <a:p>
             <a:r>
-              <a:rPr lang="en-US" dirty="0" smtClean="0"/>
-              <a:t>Questions</a:t>
-            </a:r>
-          </a:p>
-          <a:p>
-            <a:r>
-              <a:rPr lang="en-US" dirty="0" smtClean="0"/>
-              <a:t>Back Channels Statements</a:t>
-            </a:r>
+              <a:rPr lang="en-US" sz="2400" b="1" dirty="0" smtClean="0"/>
+              <a:t>Elizabeth </a:t>
+            </a:r>
+            <a:r>
+              <a:rPr lang="en-US" sz="2400" b="1" dirty="0" err="1" smtClean="0"/>
+              <a:t>Lingg</a:t>
+            </a:r>
+            <a:r>
+              <a:rPr lang="en-US" sz="2400" b="1" dirty="0" smtClean="0"/>
+              <a:t>, </a:t>
+            </a:r>
+            <a:r>
+              <a:rPr lang="en-US" sz="2400" b="1" dirty="0" err="1" smtClean="0"/>
+              <a:t>Tejaswi</a:t>
+            </a:r>
+            <a:r>
+              <a:rPr lang="en-US" sz="2400" b="1" dirty="0" smtClean="0"/>
+              <a:t> </a:t>
+            </a:r>
+            <a:r>
+              <a:rPr lang="en-US" sz="2400" b="1" dirty="0" err="1" smtClean="0"/>
+              <a:t>Tennetti</a:t>
+            </a:r>
+            <a:r>
+              <a:rPr lang="en-US" sz="2400" b="1" dirty="0" smtClean="0"/>
+              <a:t>, </a:t>
+            </a:r>
+            <a:r>
+              <a:rPr lang="en-US" sz="2400" b="1" dirty="0" smtClean="0"/>
+              <a:t>Anand </a:t>
+            </a:r>
+            <a:r>
+              <a:rPr lang="en-US" sz="2400" b="1" dirty="0" err="1" smtClean="0"/>
+              <a:t>Madhavan</a:t>
+            </a:r>
+            <a:endParaRPr lang="en-US" sz="2400" b="1" dirty="0" smtClean="0"/>
           </a:p>
         </p:txBody>
       </p:sp>
       <p:pic>
         <p:nvPicPr>
-          <p:cNvPr id="7" name="Picture 6" descr="garlic_cut.jpg"/>
+          <p:cNvPr id="11" name="Picture 10" descr="garlic_cut.jpg"/>
           <p:cNvPicPr>
             <a:picLocks noChangeAspect="1"/>
           </p:cNvPicPr>
@@ -5070,8 +4944,8 @@
         </p:blipFill>
         <p:spPr>
           <a:xfrm>
-            <a:off x="228600" y="2286000"/>
-            <a:ext cx="5454562" cy="3296612"/>
+            <a:off x="533400" y="1829703"/>
+            <a:ext cx="4992478" cy="3101229"/>
           </a:xfrm>
           <a:prstGeom prst="rect">
             <a:avLst/>
@@ -5080,14 +4954,14 @@
       </p:pic>
       <p:sp>
         <p:nvSpPr>
-          <p:cNvPr id="8" name="TextBox 7"/>
+          <p:cNvPr id="12" name="TextBox 11"/>
           <p:cNvSpPr txBox="1"/>
           <p:nvPr/>
         </p:nvSpPr>
         <p:spPr>
           <a:xfrm>
-            <a:off x="685801" y="6394409"/>
-            <a:ext cx="4613650" cy="369332"/>
+            <a:off x="728973" y="4681757"/>
+            <a:ext cx="2928627" cy="304012"/>
           </a:xfrm>
           <a:prstGeom prst="rect">
             <a:avLst/>
@@ -5101,7 +4975,7 @@
           <a:lstStyle/>
           <a:p>
             <a:r>
-              <a:rPr lang="en-US" b="1" dirty="0" smtClean="0">
+              <a:rPr lang="en-US" sz="1500" b="1" dirty="0" smtClean="0">
                 <a:solidFill>
                   <a:srgbClr val="FF0000"/>
                 </a:solidFill>
@@ -5109,7 +4983,7 @@
               <a:t>it has a lot of garlic in it too does </a:t>
             </a:r>
             <a:r>
-              <a:rPr lang="en-US" b="1" dirty="0" err="1" smtClean="0">
+              <a:rPr lang="en-US" sz="1500" b="1" dirty="0" err="1" smtClean="0">
                 <a:solidFill>
                   <a:srgbClr val="FF0000"/>
                 </a:solidFill>
@@ -5117,7 +4991,7 @@
               <a:t>n't</a:t>
             </a:r>
             <a:r>
-              <a:rPr lang="en-US" b="1" dirty="0" smtClean="0">
+              <a:rPr lang="en-US" sz="1500" b="1" dirty="0" smtClean="0">
                 <a:solidFill>
                   <a:srgbClr val="FF0000"/>
                 </a:solidFill>
@@ -5125,46 +4999,14 @@
               <a:t> </a:t>
             </a:r>
             <a:r>
-              <a:rPr lang="en-US" b="1" dirty="0" smtClean="0">
+              <a:rPr lang="en-US" sz="1500" b="1" dirty="0" smtClean="0">
                 <a:solidFill>
                   <a:srgbClr val="FF0000"/>
                 </a:solidFill>
               </a:rPr>
               <a:t>it</a:t>
             </a:r>
-            <a:r>
-              <a:rPr lang="en-US" dirty="0" smtClean="0">
-                <a:solidFill>
-                  <a:srgbClr val="FF0000"/>
-                </a:solidFill>
-              </a:rPr>
-              <a:t> </a:t>
-            </a:r>
-            <a:r>
-              <a:rPr lang="en-US" b="1" dirty="0" err="1" smtClean="0">
-                <a:solidFill>
-                  <a:srgbClr val="0000FF"/>
-                </a:solidFill>
-              </a:rPr>
-              <a:t>i</a:t>
-            </a:r>
-            <a:r>
-              <a:rPr lang="en-US" b="1" dirty="0" smtClean="0">
-                <a:solidFill>
-                  <a:srgbClr val="0000FF"/>
-                </a:solidFill>
-              </a:rPr>
-              <a:t> it </a:t>
-            </a:r>
-            <a:r>
-              <a:rPr lang="en-US" b="1" dirty="0" smtClean="0">
-                <a:solidFill>
-                  <a:srgbClr val="0000FF"/>
-                </a:solidFill>
-              </a:rPr>
-              <a:t>does </a:t>
-            </a:r>
-            <a:endParaRPr lang="en-US" b="1" dirty="0">
+            <a:endParaRPr lang="en-US" sz="1500" b="1" dirty="0">
               <a:solidFill>
                 <a:srgbClr val="0000FF"/>
               </a:solidFill>
@@ -5172,16 +5014,147 @@
           </a:p>
         </p:txBody>
       </p:sp>
-      <p:sp>
-        <p:nvSpPr>
-          <p:cNvPr id="9" name="TextBox 8"/>
+      <p:cxnSp>
+        <p:nvCxnSpPr>
+          <p:cNvPr id="14" name="Straight Arrow Connector 13"/>
+          <p:cNvCxnSpPr>
+            <a:endCxn id="25" idx="1"/>
+          </p:cNvCxnSpPr>
+          <p:nvPr/>
+        </p:nvCxnSpPr>
+        <p:spPr>
+          <a:xfrm flipV="1">
+            <a:off x="5111951" y="2197568"/>
+            <a:ext cx="1280004" cy="1494"/>
+          </a:xfrm>
+          <a:prstGeom prst="straightConnector1">
+            <a:avLst/>
+          </a:prstGeom>
+          <a:ln>
+            <a:solidFill>
+              <a:srgbClr val="0000FF"/>
+            </a:solidFill>
+            <a:tailEnd type="arrow"/>
+          </a:ln>
+        </p:spPr>
+        <p:style>
+          <a:lnRef idx="2">
+            <a:schemeClr val="accent1"/>
+          </a:lnRef>
+          <a:fillRef idx="0">
+            <a:schemeClr val="accent1"/>
+          </a:fillRef>
+          <a:effectRef idx="1">
+            <a:schemeClr val="accent1"/>
+          </a:effectRef>
+          <a:fontRef idx="minor">
+            <a:schemeClr val="tx1"/>
+          </a:fontRef>
+        </p:style>
+      </p:cxnSp>
+      <p:cxnSp>
+        <p:nvCxnSpPr>
+          <p:cNvPr id="16" name="Straight Connector 15"/>
+          <p:cNvCxnSpPr/>
+          <p:nvPr/>
+        </p:nvCxnSpPr>
+        <p:spPr>
+          <a:xfrm rot="5400000">
+            <a:off x="2494867" y="3217476"/>
+            <a:ext cx="2774014" cy="1453"/>
+          </a:xfrm>
+          <a:prstGeom prst="line">
+            <a:avLst/>
+          </a:prstGeom>
+          <a:ln w="63500">
+            <a:solidFill>
+              <a:schemeClr val="tx1"/>
+            </a:solidFill>
+            <a:prstDash val="sysDot"/>
+          </a:ln>
+        </p:spPr>
+        <p:style>
+          <a:lnRef idx="2">
+            <a:schemeClr val="accent1"/>
+          </a:lnRef>
+          <a:fillRef idx="0">
+            <a:schemeClr val="accent1"/>
+          </a:fillRef>
+          <a:effectRef idx="1">
+            <a:schemeClr val="accent1"/>
+          </a:effectRef>
+          <a:fontRef idx="minor">
+            <a:schemeClr val="tx1"/>
+          </a:fontRef>
+        </p:style>
+      </p:cxnSp>
+      <p:sp>
+        <p:nvSpPr>
+          <p:cNvPr id="18" name="Rectangle 17"/>
+          <p:cNvSpPr/>
+          <p:nvPr/>
+        </p:nvSpPr>
+        <p:spPr>
+          <a:xfrm>
+            <a:off x="4083597" y="4681758"/>
+            <a:ext cx="1098003" cy="347442"/>
+          </a:xfrm>
+          <a:prstGeom prst="rect">
+            <a:avLst/>
+          </a:prstGeom>
+        </p:spPr>
+        <p:txBody>
+          <a:bodyPr wrap="none">
+            <a:spAutoFit/>
+          </a:bodyPr>
+          <a:lstStyle/>
+          <a:p>
+            <a:r>
+              <a:rPr lang="en-US" sz="1600" dirty="0" smtClean="0">
+                <a:solidFill>
+                  <a:srgbClr val="FF0000"/>
+                </a:solidFill>
+              </a:rPr>
+              <a:t> </a:t>
+            </a:r>
+            <a:r>
+              <a:rPr lang="en-US" sz="1600" b="1" dirty="0" err="1" smtClean="0">
+                <a:solidFill>
+                  <a:srgbClr val="0000FF"/>
+                </a:solidFill>
+              </a:rPr>
+              <a:t>i</a:t>
+            </a:r>
+            <a:r>
+              <a:rPr lang="en-US" sz="1600" b="1" dirty="0" smtClean="0">
+                <a:solidFill>
+                  <a:srgbClr val="0000FF"/>
+                </a:solidFill>
+              </a:rPr>
+              <a:t>     it </a:t>
+            </a:r>
+            <a:r>
+              <a:rPr lang="en-US" sz="1600" b="1" dirty="0" smtClean="0">
+                <a:solidFill>
+                  <a:srgbClr val="0000FF"/>
+                </a:solidFill>
+              </a:rPr>
+              <a:t>does </a:t>
+            </a:r>
+            <a:endParaRPr lang="en-US" sz="1600" dirty="0"/>
+          </a:p>
+        </p:txBody>
+      </p:sp>
+      <p:sp>
+        <p:nvSpPr>
+          <p:cNvPr id="25" name="TextBox 24"/>
           <p:cNvSpPr txBox="1"/>
           <p:nvPr/>
         </p:nvSpPr>
         <p:spPr>
           <a:xfrm>
-            <a:off x="609600" y="1219200"/>
-            <a:ext cx="8077200" cy="3785652"/>
+            <a:off x="6391955" y="2023847"/>
+            <a:ext cx="1049345" cy="347442"/>
           </a:xfrm>
           <a:prstGeom prst="rect">
             <a:avLst/>
@@ -5189,80 +5162,367 @@
           <a:noFill/>
         </p:spPr>
         <p:txBody>
-          <a:bodyPr wrap="square" rtlCol="0" anchor="ctr">
+          <a:bodyPr wrap="none" rtlCol="0">
             <a:spAutoFit/>
           </a:bodyPr>
           <a:lstStyle/>
           <a:p>
             <a:r>
-              <a:rPr lang="en-US" sz="3000" b="1" dirty="0" smtClean="0"/>
-              <a:t>LDC2009T01</a:t>
-            </a:r>
-          </a:p>
-          <a:p>
-            <a:r>
-              <a:rPr lang="en-US" sz="3000" dirty="0" smtClean="0"/>
-              <a:t>English CTS Treebank with Structural metadata</a:t>
-            </a:r>
-          </a:p>
-          <a:p>
-            <a:endParaRPr lang="en-US" sz="3000" dirty="0" smtClean="0"/>
-          </a:p>
-          <a:p>
-            <a:r>
-              <a:rPr lang="en-US" sz="3000" b="1" dirty="0" smtClean="0"/>
-              <a:t>Highlights</a:t>
-            </a:r>
-            <a:endParaRPr lang="en-US" sz="3000" b="1" dirty="0" smtClean="0"/>
-          </a:p>
-          <a:p>
-            <a:pPr>
-              <a:buFont typeface="Arial"/>
-              <a:buChar char="•"/>
-            </a:pPr>
-            <a:r>
-              <a:rPr lang="en-US" sz="3000" dirty="0" smtClean="0"/>
-              <a:t> </a:t>
-            </a:r>
-            <a:r>
-              <a:rPr lang="en-US" sz="3000" dirty="0" smtClean="0"/>
-              <a:t>Fisher and Switchboard audio clips</a:t>
-            </a:r>
-            <a:endParaRPr lang="en-US" sz="3000" dirty="0" smtClean="0"/>
-          </a:p>
-          <a:p>
-            <a:pPr>
-              <a:buFont typeface="Arial"/>
-              <a:buChar char="•"/>
-            </a:pPr>
-            <a:r>
-              <a:rPr lang="en-US" sz="3000" dirty="0" smtClean="0"/>
-              <a:t> Transcribed text with time offsets at a word level</a:t>
-            </a:r>
-          </a:p>
-          <a:p>
-            <a:pPr>
-              <a:buFont typeface="Arial"/>
-              <a:buChar char="•"/>
-            </a:pPr>
-            <a:r>
-              <a:rPr lang="en-US" sz="3000" dirty="0" smtClean="0"/>
-              <a:t> Words annotated with </a:t>
-            </a:r>
-            <a:r>
-              <a:rPr lang="en-US" sz="3000" dirty="0" smtClean="0"/>
-              <a:t>POS tags</a:t>
-            </a:r>
-          </a:p>
-          <a:p>
-            <a:pPr>
-              <a:buFont typeface="Arial"/>
-              <a:buChar char="•"/>
-            </a:pPr>
-            <a:r>
-              <a:rPr lang="en-US" sz="3000" dirty="0" smtClean="0"/>
-              <a:t> Sentence units categorized</a:t>
-            </a:r>
+              <a:rPr lang="en-US" b="1" dirty="0" smtClean="0">
+                <a:solidFill>
+                  <a:srgbClr val="0000FF"/>
+                </a:solidFill>
+              </a:rPr>
+              <a:t>Speaker B</a:t>
+            </a:r>
+            <a:endParaRPr lang="en-US" b="1" dirty="0">
+              <a:solidFill>
+                <a:srgbClr val="0000FF"/>
+              </a:solidFill>
+            </a:endParaRPr>
+          </a:p>
+        </p:txBody>
+      </p:sp>
+      <p:sp>
+        <p:nvSpPr>
+          <p:cNvPr id="26" name="TextBox 25"/>
+          <p:cNvSpPr txBox="1"/>
+          <p:nvPr/>
+        </p:nvSpPr>
+        <p:spPr>
+          <a:xfrm>
+            <a:off x="6391955" y="2740684"/>
+            <a:ext cx="1049345" cy="347442"/>
+          </a:xfrm>
+          <a:prstGeom prst="rect">
+            <a:avLst/>
+          </a:prstGeom>
+          <a:noFill/>
+        </p:spPr>
+        <p:txBody>
+          <a:bodyPr wrap="none" rtlCol="0">
+            <a:spAutoFit/>
+          </a:bodyPr>
+          <a:lstStyle/>
+          <a:p>
+            <a:r>
+              <a:rPr lang="en-US" b="1" dirty="0" smtClean="0">
+                <a:solidFill>
+                  <a:srgbClr val="FF0000"/>
+                </a:solidFill>
+              </a:rPr>
+              <a:t>Speaker A</a:t>
+            </a:r>
+            <a:endParaRPr lang="en-US" b="1" dirty="0">
+              <a:solidFill>
+                <a:srgbClr val="FF0000"/>
+              </a:solidFill>
+            </a:endParaRPr>
+          </a:p>
+        </p:txBody>
+      </p:sp>
+      <p:cxnSp>
+        <p:nvCxnSpPr>
+          <p:cNvPr id="30" name="Straight Arrow Connector 29"/>
+          <p:cNvCxnSpPr/>
+          <p:nvPr/>
+        </p:nvCxnSpPr>
+        <p:spPr>
+          <a:xfrm>
+            <a:off x="3044209" y="2884052"/>
+            <a:ext cx="3347746" cy="1494"/>
+          </a:xfrm>
+          <a:prstGeom prst="straightConnector1">
+            <a:avLst/>
+          </a:prstGeom>
+          <a:ln>
+            <a:solidFill>
+              <a:srgbClr val="FF0000"/>
+            </a:solidFill>
+            <a:tailEnd type="arrow"/>
+          </a:ln>
+        </p:spPr>
+        <p:style>
+          <a:lnRef idx="2">
+            <a:schemeClr val="accent1"/>
+          </a:lnRef>
+          <a:fillRef idx="0">
+            <a:schemeClr val="accent1"/>
+          </a:fillRef>
+          <a:effectRef idx="1">
+            <a:schemeClr val="accent1"/>
+          </a:effectRef>
+          <a:fontRef idx="minor">
+            <a:schemeClr val="tx1"/>
+          </a:fontRef>
+        </p:style>
+      </p:cxnSp>
+      <p:cxnSp>
+        <p:nvCxnSpPr>
+          <p:cNvPr id="34" name="Straight Arrow Connector 33"/>
+          <p:cNvCxnSpPr/>
+          <p:nvPr/>
+        </p:nvCxnSpPr>
+        <p:spPr>
+          <a:xfrm>
+            <a:off x="4718082" y="4030993"/>
+            <a:ext cx="1673873" cy="1494"/>
+          </a:xfrm>
+          <a:prstGeom prst="straightConnector1">
+            <a:avLst/>
+          </a:prstGeom>
+          <a:ln>
+            <a:tailEnd type="arrow"/>
+          </a:ln>
+        </p:spPr>
+        <p:style>
+          <a:lnRef idx="2">
+            <a:schemeClr val="accent1"/>
+          </a:lnRef>
+          <a:fillRef idx="0">
+            <a:schemeClr val="accent1"/>
+          </a:fillRef>
+          <a:effectRef idx="1">
+            <a:schemeClr val="accent1"/>
+          </a:effectRef>
+          <a:fontRef idx="minor">
+            <a:schemeClr val="tx1"/>
+          </a:fontRef>
+        </p:style>
+      </p:cxnSp>
+      <p:sp>
+        <p:nvSpPr>
+          <p:cNvPr id="35" name="TextBox 34"/>
+          <p:cNvSpPr txBox="1"/>
+          <p:nvPr/>
+        </p:nvSpPr>
+        <p:spPr>
+          <a:xfrm>
+            <a:off x="6391955" y="3858765"/>
+            <a:ext cx="1688713" cy="347442"/>
+          </a:xfrm>
+          <a:prstGeom prst="rect">
+            <a:avLst/>
+          </a:prstGeom>
+          <a:noFill/>
+        </p:spPr>
+        <p:txBody>
+          <a:bodyPr wrap="none" rtlCol="0">
+            <a:spAutoFit/>
+          </a:bodyPr>
+          <a:lstStyle/>
+          <a:p>
+            <a:r>
+              <a:rPr lang="en-US" b="1" dirty="0" smtClean="0"/>
+              <a:t>Prosodic features</a:t>
+            </a:r>
+            <a:endParaRPr lang="en-US" b="1" dirty="0"/>
+          </a:p>
+        </p:txBody>
+      </p:sp>
+      <p:sp>
+        <p:nvSpPr>
+          <p:cNvPr id="37" name="TextBox 36"/>
+          <p:cNvSpPr txBox="1"/>
+          <p:nvPr/>
+        </p:nvSpPr>
+        <p:spPr>
+          <a:xfrm>
+            <a:off x="1515246" y="5257800"/>
+            <a:ext cx="1075554" cy="323165"/>
+          </a:xfrm>
+          <a:prstGeom prst="rect">
+            <a:avLst/>
+          </a:prstGeom>
+          <a:noFill/>
+        </p:spPr>
+        <p:txBody>
+          <a:bodyPr wrap="none" rtlCol="0">
+            <a:spAutoFit/>
+          </a:bodyPr>
+          <a:lstStyle/>
+          <a:p>
+            <a:r>
+              <a:rPr lang="en-US" sz="1500" b="1" dirty="0" smtClean="0">
+                <a:solidFill>
+                  <a:srgbClr val="000000"/>
+                </a:solidFill>
+              </a:rPr>
+              <a:t>&lt;question&gt;</a:t>
+            </a:r>
+            <a:endParaRPr lang="en-US" sz="1500" b="1" dirty="0">
+              <a:solidFill>
+                <a:srgbClr val="000000"/>
+              </a:solidFill>
+            </a:endParaRPr>
+          </a:p>
+        </p:txBody>
+      </p:sp>
+      <p:sp>
+        <p:nvSpPr>
+          <p:cNvPr id="38" name="TextBox 37"/>
+          <p:cNvSpPr txBox="1"/>
+          <p:nvPr/>
+        </p:nvSpPr>
+        <p:spPr>
+          <a:xfrm>
+            <a:off x="4026864" y="5257800"/>
+            <a:ext cx="1191458" cy="323165"/>
+          </a:xfrm>
+          <a:prstGeom prst="rect">
+            <a:avLst/>
+          </a:prstGeom>
+          <a:noFill/>
+        </p:spPr>
+        <p:txBody>
+          <a:bodyPr wrap="none" rtlCol="0">
+            <a:spAutoFit/>
+          </a:bodyPr>
+          <a:lstStyle/>
+          <a:p>
+            <a:r>
+              <a:rPr lang="en-US" sz="1500" b="1" dirty="0" smtClean="0">
+                <a:solidFill>
+                  <a:srgbClr val="000000"/>
+                </a:solidFill>
+              </a:rPr>
+              <a:t>&lt;statement&gt;</a:t>
+            </a:r>
+            <a:endParaRPr lang="en-US" sz="1500" b="1" dirty="0">
+              <a:solidFill>
+                <a:srgbClr val="000000"/>
+              </a:solidFill>
+            </a:endParaRPr>
+          </a:p>
+        </p:txBody>
+      </p:sp>
+      <p:sp>
+        <p:nvSpPr>
+          <p:cNvPr id="39" name="Rectangle 38"/>
+          <p:cNvSpPr/>
+          <p:nvPr/>
+        </p:nvSpPr>
+        <p:spPr>
+          <a:xfrm>
+            <a:off x="728973" y="4681757"/>
+            <a:ext cx="4605028" cy="347442"/>
+          </a:xfrm>
+          <a:prstGeom prst="rect">
+            <a:avLst/>
+          </a:prstGeom>
+          <a:noFill/>
+          <a:ln>
+            <a:solidFill>
+              <a:schemeClr val="tx1"/>
+            </a:solidFill>
+          </a:ln>
+        </p:spPr>
+        <p:style>
+          <a:lnRef idx="1">
+            <a:schemeClr val="accent1"/>
+          </a:lnRef>
+          <a:fillRef idx="3">
+            <a:schemeClr val="accent1"/>
+          </a:fillRef>
+          <a:effectRef idx="2">
+            <a:schemeClr val="accent1"/>
+          </a:effectRef>
+          <a:fontRef idx="minor">
+            <a:schemeClr val="lt1"/>
+          </a:fontRef>
+        </p:style>
+        <p:txBody>
+          <a:bodyPr rtlCol="0" anchor="ctr"/>
+          <a:lstStyle/>
+          <a:p>
+            <a:pPr algn="ctr"/>
+            <a:endParaRPr lang="en-US"/>
+          </a:p>
+        </p:txBody>
+      </p:sp>
+      <p:sp>
+        <p:nvSpPr>
+          <p:cNvPr id="47" name="Rectangle 46"/>
+          <p:cNvSpPr/>
+          <p:nvPr/>
+        </p:nvSpPr>
+        <p:spPr>
+          <a:xfrm>
+            <a:off x="6400801" y="1831195"/>
+            <a:ext cx="2057400" cy="2654616"/>
+          </a:xfrm>
+          <a:prstGeom prst="rect">
+            <a:avLst/>
+          </a:prstGeom>
+          <a:noFill/>
+          <a:ln>
+            <a:solidFill>
+              <a:schemeClr val="tx1"/>
+            </a:solidFill>
+          </a:ln>
+        </p:spPr>
+        <p:style>
+          <a:lnRef idx="1">
+            <a:schemeClr val="accent1"/>
+          </a:lnRef>
+          <a:fillRef idx="3">
+            <a:schemeClr val="accent1"/>
+          </a:fillRef>
+          <a:effectRef idx="2">
+            <a:schemeClr val="accent1"/>
+          </a:effectRef>
+          <a:fontRef idx="minor">
+            <a:schemeClr val="lt1"/>
+          </a:fontRef>
+        </p:style>
+        <p:txBody>
+          <a:bodyPr rtlCol="0" anchor="ctr"/>
+          <a:lstStyle/>
+          <a:p>
+            <a:pPr algn="ctr"/>
+            <a:endParaRPr lang="en-US"/>
+          </a:p>
+        </p:txBody>
+      </p:sp>
+      <p:sp>
+        <p:nvSpPr>
+          <p:cNvPr id="50" name="Left Arrow 49"/>
+          <p:cNvSpPr/>
+          <p:nvPr/>
+        </p:nvSpPr>
+        <p:spPr>
+          <a:xfrm>
+            <a:off x="5791200" y="4930932"/>
+            <a:ext cx="2667001" cy="860268"/>
+          </a:xfrm>
+          <a:prstGeom prst="leftArrow">
+            <a:avLst/>
+          </a:prstGeom>
+        </p:spPr>
+        <p:style>
+          <a:lnRef idx="1">
+            <a:schemeClr val="accent1"/>
+          </a:lnRef>
+          <a:fillRef idx="3">
+            <a:schemeClr val="accent1"/>
+          </a:fillRef>
+          <a:effectRef idx="2">
+            <a:schemeClr val="accent1"/>
+          </a:effectRef>
+          <a:fontRef idx="minor">
+            <a:schemeClr val="lt1"/>
+          </a:fontRef>
+        </p:style>
+        <p:txBody>
+          <a:bodyPr rtlCol="0" anchor="ctr"/>
+          <a:lstStyle/>
+          <a:p>
+            <a:pPr algn="ctr"/>
+            <a:r>
+              <a:rPr lang="en-US" sz="2000" b="1" dirty="0" smtClean="0"/>
+              <a:t>Sentence Units</a:t>
+            </a:r>
+            <a:endParaRPr lang="en-US" sz="2000" b="1" dirty="0"/>
           </a:p>
         </p:txBody>
       </p:sp>
@@ -5315,100 +5575,6 @@
           <a:p>
             <a:r>
               <a:rPr lang="en-US" dirty="0" smtClean="0"/>
-              <a:t>Prosodic features</a:t>
-            </a:r>
-            <a:endParaRPr lang="en-US" dirty="0"/>
-          </a:p>
-        </p:txBody>
-      </p:sp>
-      <p:sp>
-        <p:nvSpPr>
-          <p:cNvPr id="4" name="TextBox 3"/>
-          <p:cNvSpPr txBox="1"/>
-          <p:nvPr/>
-        </p:nvSpPr>
-        <p:spPr>
-          <a:xfrm>
-            <a:off x="2286000" y="2586037"/>
-            <a:ext cx="4876800" cy="923330"/>
-          </a:xfrm>
-          <a:prstGeom prst="rect">
-            <a:avLst/>
-          </a:prstGeom>
-          <a:noFill/>
-        </p:spPr>
-        <p:txBody>
-          <a:bodyPr wrap="square" rtlCol="0">
-            <a:spAutoFit/>
-          </a:bodyPr>
-          <a:lstStyle/>
-          <a:p>
-            <a:r>
-              <a:rPr lang="en-US" dirty="0" err="1" smtClean="0"/>
-              <a:t>n</a:t>
-            </a:r>
-            <a:r>
-              <a:rPr lang="en-US" dirty="0" smtClean="0"/>
-              <a:t>-gram prosodic features</a:t>
-            </a:r>
-          </a:p>
-          <a:p>
-            <a:endParaRPr lang="en-US" dirty="0" smtClean="0"/>
-          </a:p>
-          <a:p>
-            <a:endParaRPr lang="en-US" dirty="0" smtClean="0"/>
-          </a:p>
-        </p:txBody>
-      </p:sp>
-    </p:spTree>
-  </p:cSld>
-  <p:clrMapOvr>
-    <a:masterClrMapping/>
-  </p:clrMapOvr>
-</p:sld>
-</file>
-
-<file path=ppt/slides/slide11.xml><?xml version="1.0" encoding="utf-8"?>
-<p:sld xmlns:a="http://schemas.openxmlformats.org/drawingml/2006/main" xmlns:r="http://schemas.openxmlformats.org/officeDocument/2006/relationships" xmlns:mc="http://schemas.openxmlformats.org/markup-compatibility/2006" xmlns:mv="urn:schemas-microsoft-com:mac:vml" xmlns:p="http://schemas.openxmlformats.org/presentationml/2006/main" mc:Ignorable="mv" mc:PreserveAttributes="mv:*">
-  <p:cSld>
-    <p:spTree>
-      <p:nvGrpSpPr>
-        <p:cNvPr id="1" name=""/>
-        <p:cNvGrpSpPr/>
-        <p:nvPr/>
-      </p:nvGrpSpPr>
-      <p:grpSpPr>
-        <a:xfrm>
-          <a:off x="0" y="0"/>
-          <a:ext cx="0" cy="0"/>
-          <a:chOff x="0" y="0"/>
-          <a:chExt cx="0" cy="0"/>
-        </a:xfrm>
-      </p:grpSpPr>
-      <p:sp>
-        <p:nvSpPr>
-          <p:cNvPr id="2" name="Title 1"/>
-          <p:cNvSpPr>
-            <a:spLocks noGrp="1"/>
-          </p:cNvSpPr>
-          <p:nvPr>
-            <p:ph type="ctrTitle"/>
-          </p:nvPr>
-        </p:nvSpPr>
-        <p:spPr>
-          <a:xfrm>
-            <a:off x="685800" y="1116012"/>
-            <a:ext cx="7772400" cy="1470025"/>
-          </a:xfrm>
-        </p:spPr>
-        <p:txBody>
-          <a:bodyPr>
-            <a:normAutofit/>
-          </a:bodyPr>
-          <a:lstStyle/>
-          <a:p>
-            <a:r>
-              <a:rPr lang="en-US" dirty="0" smtClean="0"/>
               <a:t>References</a:t>
             </a:r>
             <a:endParaRPr lang="en-US" dirty="0"/>
@@ -5534,44 +5700,9 @@
           <a:chExt cx="0" cy="0"/>
         </a:xfrm>
       </p:grpSpPr>
-      <p:sp>
-        <p:nvSpPr>
-          <p:cNvPr id="6" name="TextBox 5"/>
-          <p:cNvSpPr txBox="1"/>
-          <p:nvPr/>
-        </p:nvSpPr>
-        <p:spPr>
-          <a:xfrm>
-            <a:off x="1143000" y="5638800"/>
-            <a:ext cx="2362200" cy="923330"/>
-          </a:xfrm>
-          <a:prstGeom prst="rect">
-            <a:avLst/>
-          </a:prstGeom>
-          <a:noFill/>
-        </p:spPr>
-        <p:txBody>
-          <a:bodyPr wrap="square" rtlCol="0">
-            <a:spAutoFit/>
-          </a:bodyPr>
-          <a:lstStyle/>
-          <a:p>
-            <a:r>
-              <a:rPr lang="en-US" dirty="0" smtClean="0"/>
-              <a:t>Questions</a:t>
-            </a:r>
-          </a:p>
-          <a:p>
-            <a:r>
-              <a:rPr lang="en-US" dirty="0" smtClean="0"/>
-              <a:t>Back Channels Statements</a:t>
-            </a:r>
-          </a:p>
-        </p:txBody>
-      </p:sp>
       <p:pic>
         <p:nvPicPr>
-          <p:cNvPr id="7" name="Picture 6" descr="garlic_cut.jpg"/>
+          <p:cNvPr id="8" name="Picture 7" descr="xmlpicture.tiff"/>
           <p:cNvPicPr>
             <a:picLocks noChangeAspect="1"/>
           </p:cNvPicPr>
@@ -5585,24 +5716,230 @@
         </p:blipFill>
         <p:spPr>
           <a:xfrm>
-            <a:off x="228600" y="1622425"/>
-            <a:ext cx="5454562" cy="3296612"/>
+            <a:off x="4949613" y="1676400"/>
+            <a:ext cx="4041987" cy="4267200"/>
+          </a:xfrm>
+          <a:prstGeom prst="rect">
+            <a:avLst/>
+          </a:prstGeom>
+          <a:ln>
+            <a:noFill/>
+          </a:ln>
+          <a:effectLst>
+            <a:softEdge rad="112500"/>
+          </a:effectLst>
+        </p:spPr>
+      </p:pic>
+      <p:sp>
+        <p:nvSpPr>
+          <p:cNvPr id="2" name="Title 1"/>
+          <p:cNvSpPr>
+            <a:spLocks noGrp="1"/>
+          </p:cNvSpPr>
+          <p:nvPr>
+            <p:ph type="ctrTitle"/>
+          </p:nvPr>
+        </p:nvSpPr>
+        <p:spPr>
+          <a:xfrm>
+            <a:off x="685801" y="-152400"/>
+            <a:ext cx="7772400" cy="1470025"/>
+          </a:xfrm>
+        </p:spPr>
+        <p:txBody>
+          <a:bodyPr/>
+          <a:lstStyle/>
+          <a:p>
+            <a:r>
+              <a:rPr lang="en-US" dirty="0" smtClean="0"/>
+              <a:t>Dataset used</a:t>
+            </a:r>
+            <a:endParaRPr lang="en-US" dirty="0"/>
+          </a:p>
+        </p:txBody>
+      </p:sp>
+      <p:sp>
+        <p:nvSpPr>
+          <p:cNvPr id="9" name="TextBox 8"/>
+          <p:cNvSpPr txBox="1"/>
+          <p:nvPr/>
+        </p:nvSpPr>
+        <p:spPr>
+          <a:xfrm>
+            <a:off x="228600" y="1418272"/>
+            <a:ext cx="4648200" cy="1477328"/>
           </a:xfrm>
           <a:prstGeom prst="rect">
             <a:avLst/>
           </a:prstGeom>
         </p:spPr>
-      </p:pic>
-      <p:sp>
-        <p:nvSpPr>
-          <p:cNvPr id="8" name="TextBox 7"/>
+        <p:style>
+          <a:lnRef idx="1">
+            <a:schemeClr val="accent1"/>
+          </a:lnRef>
+          <a:fillRef idx="2">
+            <a:schemeClr val="accent1"/>
+          </a:fillRef>
+          <a:effectRef idx="1">
+            <a:schemeClr val="accent1"/>
+          </a:effectRef>
+          <a:fontRef idx="minor">
+            <a:schemeClr val="dk1"/>
+          </a:fontRef>
+        </p:style>
+        <p:txBody>
+          <a:bodyPr wrap="square" rtlCol="0" anchor="ctr">
+            <a:spAutoFit/>
+          </a:bodyPr>
+          <a:lstStyle/>
+          <a:p>
+            <a:r>
+              <a:rPr lang="en-US" sz="3000" b="1" dirty="0" smtClean="0"/>
+              <a:t>LDC2009T01</a:t>
+            </a:r>
+          </a:p>
+          <a:p>
+            <a:r>
+              <a:rPr lang="en-US" sz="3000" dirty="0" smtClean="0"/>
+              <a:t>English CTS Treebank with Structural metadata</a:t>
+            </a:r>
+          </a:p>
+        </p:txBody>
+      </p:sp>
+      <p:sp>
+        <p:nvSpPr>
+          <p:cNvPr id="10" name="TextBox 9"/>
           <p:cNvSpPr txBox="1"/>
           <p:nvPr/>
         </p:nvSpPr>
         <p:spPr>
           <a:xfrm>
-            <a:off x="685801" y="4734371"/>
-            <a:ext cx="4613650" cy="369332"/>
+            <a:off x="228600" y="3048000"/>
+            <a:ext cx="4648200" cy="3170099"/>
+          </a:xfrm>
+          <a:prstGeom prst="rect">
+            <a:avLst/>
+          </a:prstGeom>
+        </p:spPr>
+        <p:style>
+          <a:lnRef idx="1">
+            <a:schemeClr val="accent3"/>
+          </a:lnRef>
+          <a:fillRef idx="2">
+            <a:schemeClr val="accent3"/>
+          </a:fillRef>
+          <a:effectRef idx="1">
+            <a:schemeClr val="accent3"/>
+          </a:effectRef>
+          <a:fontRef idx="minor">
+            <a:schemeClr val="dk1"/>
+          </a:fontRef>
+        </p:style>
+        <p:txBody>
+          <a:bodyPr wrap="square" rtlCol="0">
+            <a:spAutoFit/>
+          </a:bodyPr>
+          <a:lstStyle/>
+          <a:p>
+            <a:r>
+              <a:rPr lang="en-US" sz="2400" b="1" dirty="0" smtClean="0"/>
+              <a:t>Highlights</a:t>
+            </a:r>
+          </a:p>
+          <a:p>
+            <a:pPr>
+              <a:buFont typeface="Arial"/>
+              <a:buChar char="•"/>
+            </a:pPr>
+            <a:r>
+              <a:rPr lang="en-US" sz="2400" dirty="0" smtClean="0"/>
+              <a:t> Fisher and Switchboard audio clips</a:t>
+            </a:r>
+            <a:endParaRPr lang="en-US" sz="2400" dirty="0" smtClean="0"/>
+          </a:p>
+          <a:p>
+            <a:pPr>
+              <a:buFont typeface="Arial"/>
+              <a:buChar char="•"/>
+            </a:pPr>
+            <a:r>
+              <a:rPr lang="en-US" sz="2400" dirty="0" smtClean="0"/>
+              <a:t> Words </a:t>
+            </a:r>
+            <a:r>
+              <a:rPr lang="en-US" sz="2400" dirty="0" smtClean="0"/>
+              <a:t>annotated with POS tags</a:t>
+            </a:r>
+          </a:p>
+          <a:p>
+            <a:pPr>
+              <a:buFont typeface="Arial"/>
+              <a:buChar char="•"/>
+            </a:pPr>
+            <a:r>
+              <a:rPr lang="en-US" sz="2400" dirty="0" smtClean="0"/>
+              <a:t> Sentence units</a:t>
+            </a:r>
+            <a:r>
+              <a:rPr lang="en-US" sz="2400" dirty="0" smtClean="0"/>
+              <a:t> labeled: </a:t>
+            </a:r>
+          </a:p>
+          <a:p>
+            <a:pPr lvl="1">
+              <a:buFont typeface="Arial"/>
+              <a:buChar char="•"/>
+            </a:pPr>
+            <a:r>
+              <a:rPr lang="en-US" sz="2000" dirty="0" smtClean="0"/>
+              <a:t> Question</a:t>
+            </a:r>
+          </a:p>
+          <a:p>
+            <a:pPr lvl="1">
+              <a:buFont typeface="Arial"/>
+              <a:buChar char="•"/>
+            </a:pPr>
+            <a:r>
+              <a:rPr lang="en-US" sz="2000" dirty="0" smtClean="0"/>
+              <a:t> Statement</a:t>
+            </a:r>
+          </a:p>
+          <a:p>
+            <a:pPr lvl="1">
+              <a:buFont typeface="Arial"/>
+              <a:buChar char="•"/>
+            </a:pPr>
+            <a:r>
+              <a:rPr lang="en-US" sz="2000" dirty="0" smtClean="0"/>
+              <a:t> Backchannel</a:t>
+            </a:r>
+          </a:p>
+          <a:p>
+            <a:pPr lvl="1">
+              <a:buFont typeface="Arial"/>
+              <a:buChar char="•"/>
+            </a:pPr>
+            <a:r>
+              <a:rPr lang="en-US" sz="2000" dirty="0" smtClean="0"/>
+              <a:t> Incomplete</a:t>
+            </a:r>
+          </a:p>
+          <a:p>
+            <a:endParaRPr lang="en-US" sz="2400" dirty="0"/>
+          </a:p>
+        </p:txBody>
+      </p:sp>
+      <p:sp>
+        <p:nvSpPr>
+          <p:cNvPr id="7" name="TextBox 6"/>
+          <p:cNvSpPr txBox="1"/>
+          <p:nvPr/>
+        </p:nvSpPr>
+        <p:spPr>
+          <a:xfrm>
+            <a:off x="5791200" y="2133600"/>
+            <a:ext cx="184666" cy="369332"/>
           </a:xfrm>
           <a:prstGeom prst="rect">
             <a:avLst/>
@@ -5615,102 +5952,6 @@
           </a:bodyPr>
           <a:lstStyle/>
           <a:p>
-            <a:r>
-              <a:rPr lang="en-US" b="1" dirty="0" smtClean="0">
-                <a:solidFill>
-                  <a:srgbClr val="FF0000"/>
-                </a:solidFill>
-              </a:rPr>
-              <a:t>it has a lot of garlic in it too does </a:t>
-            </a:r>
-            <a:r>
-              <a:rPr lang="en-US" b="1" dirty="0" err="1" smtClean="0">
-                <a:solidFill>
-                  <a:srgbClr val="FF0000"/>
-                </a:solidFill>
-              </a:rPr>
-              <a:t>n't</a:t>
-            </a:r>
-            <a:r>
-              <a:rPr lang="en-US" b="1" dirty="0" smtClean="0">
-                <a:solidFill>
-                  <a:srgbClr val="FF0000"/>
-                </a:solidFill>
-              </a:rPr>
-              <a:t> </a:t>
-            </a:r>
-            <a:r>
-              <a:rPr lang="en-US" b="1" dirty="0" smtClean="0">
-                <a:solidFill>
-                  <a:srgbClr val="FF0000"/>
-                </a:solidFill>
-              </a:rPr>
-              <a:t>it</a:t>
-            </a:r>
-            <a:r>
-              <a:rPr lang="en-US" dirty="0" smtClean="0">
-                <a:solidFill>
-                  <a:srgbClr val="FF0000"/>
-                </a:solidFill>
-              </a:rPr>
-              <a:t> </a:t>
-            </a:r>
-            <a:r>
-              <a:rPr lang="en-US" b="1" dirty="0" err="1" smtClean="0">
-                <a:solidFill>
-                  <a:srgbClr val="0000FF"/>
-                </a:solidFill>
-              </a:rPr>
-              <a:t>i</a:t>
-            </a:r>
-            <a:r>
-              <a:rPr lang="en-US" b="1" dirty="0" smtClean="0">
-                <a:solidFill>
-                  <a:srgbClr val="0000FF"/>
-                </a:solidFill>
-              </a:rPr>
-              <a:t> it </a:t>
-            </a:r>
-            <a:r>
-              <a:rPr lang="en-US" b="1" dirty="0" smtClean="0">
-                <a:solidFill>
-                  <a:srgbClr val="0000FF"/>
-                </a:solidFill>
-              </a:rPr>
-              <a:t>does </a:t>
-            </a:r>
-            <a:endParaRPr lang="en-US" b="1" dirty="0">
-              <a:solidFill>
-                <a:srgbClr val="0000FF"/>
-              </a:solidFill>
-            </a:endParaRPr>
-          </a:p>
-        </p:txBody>
-      </p:sp>
-      <p:sp>
-        <p:nvSpPr>
-          <p:cNvPr id="10" name="Title 9"/>
-          <p:cNvSpPr>
-            <a:spLocks noGrp="1"/>
-          </p:cNvSpPr>
-          <p:nvPr>
-            <p:ph type="ctrTitle"/>
-          </p:nvPr>
-        </p:nvSpPr>
-        <p:spPr>
-          <a:xfrm>
-            <a:off x="838200" y="0"/>
-            <a:ext cx="7772400" cy="1470025"/>
-          </a:xfrm>
-        </p:spPr>
-        <p:txBody>
-          <a:bodyPr/>
-          <a:lstStyle/>
-          <a:p>
-            <a:r>
-              <a:rPr lang="en-US" dirty="0" smtClean="0"/>
-              <a:t>The Task</a:t>
-            </a:r>
             <a:endParaRPr lang="en-US" dirty="0"/>
           </a:p>
         </p:txBody>
@@ -5752,8 +5993,8 @@
         </p:nvSpPr>
         <p:spPr>
           <a:xfrm>
-            <a:off x="685800" y="1"/>
-            <a:ext cx="7772400" cy="1143000"/>
+            <a:off x="685800" y="1116012"/>
+            <a:ext cx="7772400" cy="1470025"/>
           </a:xfrm>
         </p:spPr>
         <p:txBody>
@@ -5764,11 +6005,7 @@
           <a:p>
             <a:r>
               <a:rPr lang="en-US" dirty="0" smtClean="0"/>
-              <a:t>Corpus </a:t>
-            </a:r>
-            <a:r>
-              <a:rPr lang="en-US" dirty="0" smtClean="0"/>
-              <a:t>Data Used</a:t>
+              <a:t>Prediction results</a:t>
             </a:r>
             <a:endParaRPr lang="en-US" dirty="0"/>
           </a:p>
@@ -5782,8 +6019,8 @@
         </p:nvSpPr>
         <p:spPr>
           <a:xfrm>
-            <a:off x="609600" y="1219200"/>
-            <a:ext cx="8077200" cy="3785652"/>
+            <a:off x="1600200" y="2586037"/>
+            <a:ext cx="4876800" cy="646331"/>
           </a:xfrm>
           <a:prstGeom prst="rect">
             <a:avLst/>
@@ -5791,79 +6028,14 @@
           <a:noFill/>
         </p:spPr>
         <p:txBody>
-          <a:bodyPr wrap="square" rtlCol="0" anchor="ctr">
+          <a:bodyPr wrap="square" rtlCol="0">
             <a:spAutoFit/>
           </a:bodyPr>
           <a:lstStyle/>
           <a:p>
             <a:r>
-              <a:rPr lang="en-US" sz="3000" b="1" dirty="0" smtClean="0"/>
-              <a:t>LDC2009T01</a:t>
-            </a:r>
-          </a:p>
-          <a:p>
-            <a:r>
-              <a:rPr lang="en-US" sz="3000" dirty="0" smtClean="0"/>
-              <a:t>English CTS Treebank with Structural metadata</a:t>
-            </a:r>
-          </a:p>
-          <a:p>
-            <a:endParaRPr lang="en-US" sz="3000" dirty="0" smtClean="0"/>
-          </a:p>
-          <a:p>
-            <a:r>
-              <a:rPr lang="en-US" sz="3000" b="1" dirty="0" smtClean="0"/>
-              <a:t>Highlights</a:t>
-            </a:r>
-            <a:endParaRPr lang="en-US" sz="3000" b="1" dirty="0" smtClean="0"/>
-          </a:p>
-          <a:p>
-            <a:pPr>
-              <a:buFont typeface="Arial"/>
-              <a:buChar char="•"/>
-            </a:pPr>
-            <a:r>
-              <a:rPr lang="en-US" sz="3000" dirty="0" smtClean="0"/>
-              <a:t> </a:t>
-            </a:r>
-            <a:r>
-              <a:rPr lang="en-US" sz="3000" dirty="0" smtClean="0"/>
-              <a:t>Fisher and Switchboard audio clips</a:t>
-            </a:r>
-            <a:endParaRPr lang="en-US" sz="3000" dirty="0" smtClean="0"/>
-          </a:p>
-          <a:p>
-            <a:pPr>
-              <a:buFont typeface="Arial"/>
-              <a:buChar char="•"/>
-            </a:pPr>
-            <a:r>
-              <a:rPr lang="en-US" sz="3000" dirty="0" smtClean="0"/>
-              <a:t> Transcribed text with time offsets at a word level</a:t>
-            </a:r>
-          </a:p>
-          <a:p>
-            <a:pPr>
-              <a:buFont typeface="Arial"/>
-              <a:buChar char="•"/>
-            </a:pPr>
-            <a:r>
-              <a:rPr lang="en-US" sz="3000" dirty="0" smtClean="0"/>
-              <a:t> Words annotated with </a:t>
-            </a:r>
-            <a:r>
-              <a:rPr lang="en-US" sz="3000" dirty="0" smtClean="0"/>
-              <a:t>POS tags</a:t>
-            </a:r>
-          </a:p>
-          <a:p>
-            <a:pPr>
-              <a:buFont typeface="Arial"/>
-              <a:buChar char="•"/>
-            </a:pPr>
-            <a:r>
-              <a:rPr lang="en-US" sz="3000" dirty="0" smtClean="0"/>
-              <a:t> Sentence units categorized</a:t>
+              <a:rPr lang="en-US" dirty="0" smtClean="0"/>
+              <a:t>Final results of predictions with the best features chosen</a:t>
             </a:r>
           </a:p>
         </p:txBody>
@@ -5905,53 +6077,120 @@
         </p:nvSpPr>
         <p:spPr>
           <a:xfrm>
-            <a:off x="685800" y="1116012"/>
-            <a:ext cx="7772400" cy="1470025"/>
+            <a:off x="990600" y="88665"/>
+            <a:ext cx="7010400" cy="597135"/>
           </a:xfrm>
         </p:spPr>
         <p:txBody>
           <a:bodyPr>
-            <a:normAutofit/>
+            <a:normAutofit fontScale="90000"/>
           </a:bodyPr>
           <a:lstStyle/>
           <a:p>
             <a:r>
               <a:rPr lang="en-US" dirty="0" smtClean="0"/>
-              <a:t>Prediction results</a:t>
+              <a:t>Effect of POS tags</a:t>
             </a:r>
             <a:endParaRPr lang="en-US" dirty="0"/>
           </a:p>
         </p:txBody>
       </p:sp>
-      <p:sp>
-        <p:nvSpPr>
-          <p:cNvPr id="4" name="TextBox 3"/>
-          <p:cNvSpPr txBox="1"/>
+      <p:pic>
+        <p:nvPicPr>
+          <p:cNvPr id="5" name="Picture 4" descr="MiddleWordPOS.png"/>
+          <p:cNvPicPr>
+            <a:picLocks noChangeAspect="1"/>
+          </p:cNvPicPr>
           <p:nvPr/>
-        </p:nvSpPr>
+        </p:nvPicPr>
+        <p:blipFill>
+          <a:blip r:embed="rId3"/>
+          <a:stretch>
+            <a:fillRect/>
+          </a:stretch>
+        </p:blipFill>
         <p:spPr>
           <a:xfrm>
-            <a:off x="1600200" y="2586037"/>
-            <a:ext cx="4876800" cy="646331"/>
+            <a:off x="741215" y="3762834"/>
+            <a:ext cx="3483704" cy="2619051"/>
           </a:xfrm>
           <a:prstGeom prst="rect">
             <a:avLst/>
           </a:prstGeom>
-          <a:noFill/>
         </p:spPr>
-        <p:txBody>
-          <a:bodyPr wrap="square" rtlCol="0">
-            <a:spAutoFit/>
-          </a:bodyPr>
-          <a:lstStyle/>
-          <a:p>
-            <a:r>
-              <a:rPr lang="en-US" dirty="0" smtClean="0"/>
-              <a:t>Final results of predictions with the best features chosen</a:t>
-            </a:r>
-          </a:p>
-        </p:txBody>
-      </p:sp>
+      </p:pic>
+      <p:pic>
+        <p:nvPicPr>
+          <p:cNvPr id="6" name="Picture 5" descr="QuestionPOS.png"/>
+          <p:cNvPicPr>
+            <a:picLocks noChangeAspect="1"/>
+          </p:cNvPicPr>
+          <p:nvPr/>
+        </p:nvPicPr>
+        <p:blipFill>
+          <a:blip r:embed="rId4"/>
+          <a:stretch>
+            <a:fillRect/>
+          </a:stretch>
+        </p:blipFill>
+        <p:spPr>
+          <a:xfrm>
+            <a:off x="4758319" y="3733799"/>
+            <a:ext cx="3547481" cy="2666999"/>
+          </a:xfrm>
+          <a:prstGeom prst="rect">
+            <a:avLst/>
+          </a:prstGeom>
+        </p:spPr>
+      </p:pic>
+      <p:pic>
+        <p:nvPicPr>
+          <p:cNvPr id="7" name="Picture 6" descr="StatementPOS.png"/>
+          <p:cNvPicPr>
+            <a:picLocks noChangeAspect="1"/>
+          </p:cNvPicPr>
+          <p:nvPr/>
+        </p:nvPicPr>
+        <p:blipFill>
+          <a:blip r:embed="rId5"/>
+          <a:stretch>
+            <a:fillRect/>
+          </a:stretch>
+        </p:blipFill>
+        <p:spPr>
+          <a:xfrm>
+            <a:off x="719719" y="914400"/>
+            <a:ext cx="3505200" cy="2658514"/>
+          </a:xfrm>
+          <a:prstGeom prst="rect">
+            <a:avLst/>
+          </a:prstGeom>
+        </p:spPr>
+      </p:pic>
+      <p:pic>
+        <p:nvPicPr>
+          <p:cNvPr id="8" name="Picture 7" descr="BackchannelPOS.png"/>
+          <p:cNvPicPr>
+            <a:picLocks noChangeAspect="1"/>
+          </p:cNvPicPr>
+          <p:nvPr/>
+        </p:nvPicPr>
+        <p:blipFill>
+          <a:blip r:embed="rId6"/>
+          <a:stretch>
+            <a:fillRect/>
+          </a:stretch>
+        </p:blipFill>
+        <p:spPr>
+          <a:xfrm>
+            <a:off x="4758319" y="914400"/>
+            <a:ext cx="3547481" cy="2666999"/>
+          </a:xfrm>
+          <a:prstGeom prst="rect">
+            <a:avLst/>
+          </a:prstGeom>
+        </p:spPr>
+      </p:pic>
     </p:spTree>
   </p:cSld>
   <p:clrMapOvr>
@@ -6001,7 +6240,7 @@
           <a:p>
             <a:r>
               <a:rPr lang="en-US" dirty="0" smtClean="0"/>
-              <a:t>Effect of POS tags</a:t>
+              <a:t>Effect of special words for backchannel identification</a:t>
             </a:r>
             <a:endParaRPr lang="en-US" dirty="0"/>
           </a:p>
@@ -6016,7 +6255,7 @@
         <p:spPr>
           <a:xfrm>
             <a:off x="1600200" y="2586037"/>
-            <a:ext cx="4876800" cy="1754327"/>
+            <a:ext cx="4876800" cy="1477328"/>
           </a:xfrm>
           <a:prstGeom prst="rect">
             <a:avLst/>
@@ -6031,28 +6270,24 @@
           <a:p>
             <a:r>
               <a:rPr lang="en-US" dirty="0" smtClean="0"/>
-              <a:t>Many graphs showing 1-pre-gram, 2-pre-gram, 1-post-gram, 2-post-gram and all of them together</a:t>
-            </a:r>
-          </a:p>
-          <a:p>
+              <a:t>Club words like ‘</a:t>
+            </a:r>
+            <a:r>
+              <a:rPr lang="en-US" dirty="0" err="1" smtClean="0"/>
+              <a:t>mhm</a:t>
+            </a:r>
             <a:r>
               <a:rPr lang="en-US" dirty="0" smtClean="0"/>
-              <a:t>Vary with cross validation bins used?</a:t>
-            </a:r>
+              <a:t>’, ‘oh yeah’ etc into a separate class and see if it helps in predicting backchannel better</a:t>
+            </a:r>
+          </a:p>
+          <a:p>
+            <a:endParaRPr lang="en-US" dirty="0" smtClean="0"/>
           </a:p>
           <a:p>
             <a:r>
               <a:rPr lang="en-US" dirty="0" smtClean="0"/>
-              <a:t>Vary with many classifiers</a:t>
-            </a:r>
-          </a:p>
-          <a:p>
-            <a:endParaRPr lang="en-US" dirty="0" smtClean="0"/>
-          </a:p>
-          <a:p>
-            <a:r>
-              <a:rPr lang="en-US" dirty="0" smtClean="0"/>
-              <a:t>Above on a per-sentence-unit type basis</a:t>
+              <a:t>Effects on other sentence units</a:t>
             </a:r>
           </a:p>
         </p:txBody>
@@ -6106,7 +6341,7 @@
           <a:p>
             <a:r>
               <a:rPr lang="en-US" dirty="0" smtClean="0"/>
-              <a:t>Effect of special words for backchannel identification</a:t>
+              <a:t>Miscellaneous features </a:t>
             </a:r>
             <a:endParaRPr lang="en-US" dirty="0"/>
           </a:p>
@@ -6121,7 +6356,7 @@
         <p:spPr>
           <a:xfrm>
             <a:off x="1600200" y="2586037"/>
-            <a:ext cx="4876800" cy="1477328"/>
+            <a:ext cx="4876800" cy="3139321"/>
           </a:xfrm>
           <a:prstGeom prst="rect">
             <a:avLst/>
@@ -6136,25 +6371,35 @@
           <a:p>
             <a:r>
               <a:rPr lang="en-US" dirty="0" smtClean="0"/>
-              <a:t>Club words like ‘</a:t>
-            </a:r>
-            <a:r>
-              <a:rPr lang="en-US" dirty="0" err="1" smtClean="0"/>
-              <a:t>mhm</a:t>
-            </a:r>
+              <a:t>Previous sentence class prediction (faked as well as true)</a:t>
+            </a:r>
+          </a:p>
+          <a:p>
+            <a:endParaRPr lang="en-US" dirty="0" smtClean="0"/>
+          </a:p>
+          <a:p>
             <a:r>
               <a:rPr lang="en-US" dirty="0" smtClean="0"/>
-              <a:t>’, ‘oh yeah’ etc into a separate class and see if it helps in predicting backchannel better</a:t>
-            </a:r>
+              <a:t>Length of sentence so far or number of words so far (that have not been classified yet)</a:t>
+            </a:r>
+          </a:p>
+          <a:p>
+            <a:endParaRPr lang="en-US" dirty="0"/>
           </a:p>
           <a:p>
             <a:endParaRPr lang="en-US" dirty="0" smtClean="0"/>
           </a:p>
           <a:p>
-            <a:r>
-              <a:rPr lang="en-US" dirty="0" smtClean="0"/>
-              <a:t>Effects on other sentence units</a:t>
-            </a:r>
+            <a:endParaRPr lang="en-US" dirty="0"/>
+          </a:p>
+          <a:p>
+            <a:endParaRPr lang="en-US" dirty="0" smtClean="0"/>
+          </a:p>
+          <a:p>
+            <a:endParaRPr lang="en-US" dirty="0" smtClean="0"/>
+          </a:p>
+          <a:p>
+            <a:endParaRPr lang="en-US" dirty="0" smtClean="0"/>
           </a:p>
         </p:txBody>
       </p:sp>
@@ -6207,7 +6452,7 @@
           <a:p>
             <a:r>
               <a:rPr lang="en-US" dirty="0" smtClean="0"/>
-              <a:t>Miscellaneous features </a:t>
+              <a:t>Prosodic features</a:t>
             </a:r>
             <a:endParaRPr lang="en-US" dirty="0"/>
           </a:p>
@@ -6237,29 +6482,56 @@
           <a:p>
             <a:r>
               <a:rPr lang="en-US" dirty="0" smtClean="0"/>
-              <a:t>Previous sentence class prediction (faked as well as true)</a:t>
-            </a:r>
-          </a:p>
-          <a:p>
-            <a:endParaRPr lang="en-US" dirty="0" smtClean="0"/>
+              <a:t>F0</a:t>
+            </a:r>
           </a:p>
           <a:p>
             <a:r>
               <a:rPr lang="en-US" dirty="0" smtClean="0"/>
-              <a:t>Length of sentence so far or number of words so far (that have not been classified yet)</a:t>
-            </a:r>
-          </a:p>
-          <a:p>
-            <a:endParaRPr lang="en-US" dirty="0"/>
-          </a:p>
-          <a:p>
-            <a:endParaRPr lang="en-US" dirty="0" smtClean="0"/>
-          </a:p>
-          <a:p>
-            <a:endParaRPr lang="en-US" dirty="0"/>
-          </a:p>
-          <a:p>
-            <a:endParaRPr lang="en-US" dirty="0" smtClean="0"/>
+              <a:t>F0 normalized</a:t>
+            </a:r>
+          </a:p>
+          <a:p>
+            <a:r>
+              <a:rPr lang="en-US" dirty="0" smtClean="0"/>
+              <a:t>Pause duration for speaker</a:t>
+            </a:r>
+          </a:p>
+          <a:p>
+            <a:r>
+              <a:rPr lang="en-US" dirty="0" smtClean="0"/>
+              <a:t>Energy</a:t>
+            </a:r>
+          </a:p>
+          <a:p>
+            <a:r>
+              <a:rPr lang="en-US" dirty="0" smtClean="0"/>
+              <a:t>Length of word</a:t>
+            </a:r>
+          </a:p>
+          <a:p>
+            <a:r>
+              <a:rPr lang="en-US" dirty="0" smtClean="0"/>
+              <a:t>Pause length before word</a:t>
+            </a:r>
+          </a:p>
+          <a:p>
+            <a:r>
+              <a:rPr lang="en-US" dirty="0" smtClean="0"/>
+              <a:t>Word pitch range</a:t>
+            </a:r>
+          </a:p>
+          <a:p>
+            <a:r>
+              <a:rPr lang="en-US" dirty="0" smtClean="0"/>
+              <a:t>Energy</a:t>
+            </a:r>
+          </a:p>
+          <a:p>
+            <a:r>
+              <a:rPr lang="en-US" dirty="0" smtClean="0"/>
+              <a:t>Energy normalized</a:t>
+            </a:r>
           </a:p>
           <a:p>
             <a:endParaRPr lang="en-US" dirty="0" smtClean="0"/>
@@ -6470,8 +6742,8 @@
         </p:nvSpPr>
         <p:spPr>
           <a:xfrm>
-            <a:off x="1600200" y="2586037"/>
-            <a:ext cx="4876800" cy="3139321"/>
+            <a:off x="2286000" y="2586037"/>
+            <a:ext cx="4876800" cy="923330"/>
           </a:xfrm>
           <a:prstGeom prst="rect">
             <a:avLst/>
@@ -6485,56 +6757,12 @@
           <a:lstStyle/>
           <a:p>
             <a:r>
+              <a:rPr lang="en-US" dirty="0" err="1" smtClean="0"/>
+              <a:t>n</a:t>
+            </a:r>
+            <a:r>
               <a:rPr lang="en-US" dirty="0" smtClean="0"/>
-              <a:t>F0</a:t>
-            </a:r>
-          </a:p>
-          <a:p>
-            <a:r>
-              <a:rPr lang="en-US" dirty="0" smtClean="0"/>
-              <a:t>F0 normalized</a:t>
-            </a:r>
-          </a:p>
-          <a:p>
-            <a:r>
-              <a:rPr lang="en-US" dirty="0" smtClean="0"/>
-              <a:t>Pause duration for speaker</a:t>
-            </a:r>
-          </a:p>
-          <a:p>
-            <a:r>
-              <a:rPr lang="en-US" dirty="0" smtClean="0"/>
-              <a:t>Energy</a:t>
-            </a:r>
-          </a:p>
-          <a:p>
-            <a:r>
-              <a:rPr lang="en-US" dirty="0" smtClean="0"/>
-              <a:t>Length of word</a:t>
-            </a:r>
-          </a:p>
-          <a:p>
-            <a:r>
-              <a:rPr lang="en-US" dirty="0" smtClean="0"/>
-              <a:t>Pause length before word</a:t>
-            </a:r>
-          </a:p>
-          <a:p>
-            <a:r>
-              <a:rPr lang="en-US" dirty="0" smtClean="0"/>
-              <a:t>Word pitch range</a:t>
-            </a:r>
-          </a:p>
-          <a:p>
-            <a:r>
-              <a:rPr lang="en-US" dirty="0" smtClean="0"/>
-              <a:t>Energy</a:t>
-            </a:r>
-          </a:p>
-          <a:p>
-            <a:r>
-              <a:rPr lang="en-US" dirty="0" smtClean="0"/>
-              <a:t>Energy normalized</a:t>
+              <a:t>-gram prosodic features</a:t>
             </a:r>
           </a:p>
           <a:p>

--- a/Poster.pptx
+++ b/Poster.pptx
@@ -5,19 +5,18 @@
     <p:sldMasterId id="2147483648" r:id="rId1"/>
   </p:sldMasterIdLst>
   <p:notesMasterIdLst>
-    <p:notesMasterId r:id="rId12"/>
+    <p:notesMasterId r:id="rId11"/>
   </p:notesMasterIdLst>
   <p:sldIdLst>
     <p:sldId id="256" r:id="rId2"/>
     <p:sldId id="267" r:id="rId3"/>
     <p:sldId id="258" r:id="rId4"/>
-    <p:sldId id="259" r:id="rId5"/>
-    <p:sldId id="260" r:id="rId6"/>
-    <p:sldId id="261" r:id="rId7"/>
-    <p:sldId id="262" r:id="rId8"/>
-    <p:sldId id="265" r:id="rId9"/>
-    <p:sldId id="263" r:id="rId10"/>
-    <p:sldId id="264" r:id="rId11"/>
+    <p:sldId id="268" r:id="rId5"/>
+    <p:sldId id="259" r:id="rId6"/>
+    <p:sldId id="260" r:id="rId7"/>
+    <p:sldId id="265" r:id="rId8"/>
+    <p:sldId id="262" r:id="rId9"/>
+    <p:sldId id="264" r:id="rId10"/>
   </p:sldIdLst>
   <p:sldSz cx="9144000" cy="6858000" type="screen4x3"/>
   <p:notesSz cx="6858000" cy="9144000"/>
@@ -119,6 +118,2399 @@
 </p:presentation>
 </file>
 
+<file path=ppt/diagrams/colors1.xml><?xml version="1.0" encoding="utf-8"?>
+<dgm:colorsDef xmlns:dgm="http://schemas.openxmlformats.org/drawingml/2006/diagram" xmlns:a="http://schemas.openxmlformats.org/drawingml/2006/main" uniqueId="urn:microsoft.com/office/officeart/2005/8/colors/colorful1">
+  <dgm:title val=""/>
+  <dgm:desc val=""/>
+  <dgm:catLst>
+    <dgm:cat type="colorful" pri="10100"/>
+  </dgm:catLst>
+  <dgm:styleLbl name="node0">
+    <dgm:fillClrLst meth="repeat">
+      <a:schemeClr val="accent1"/>
+    </dgm:fillClrLst>
+    <dgm:linClrLst meth="repeat">
+      <a:schemeClr val="lt1"/>
+    </dgm:linClrLst>
+    <dgm:effectClrLst/>
+    <dgm:txLinClrLst/>
+    <dgm:txFillClrLst/>
+    <dgm:txEffectClrLst/>
+  </dgm:styleLbl>
+  <dgm:styleLbl name="node1">
+    <dgm:fillClrLst meth="repeat">
+      <a:schemeClr val="accent2"/>
+      <a:schemeClr val="accent3"/>
+      <a:schemeClr val="accent4"/>
+      <a:schemeClr val="accent5"/>
+      <a:schemeClr val="accent6"/>
+    </dgm:fillClrLst>
+    <dgm:linClrLst meth="repeat">
+      <a:schemeClr val="lt1"/>
+    </dgm:linClrLst>
+    <dgm:effectClrLst/>
+    <dgm:txLinClrLst/>
+    <dgm:txFillClrLst/>
+    <dgm:txEffectClrLst/>
+  </dgm:styleLbl>
+  <dgm:styleLbl name="alignNode1">
+    <dgm:fillClrLst meth="repeat">
+      <a:schemeClr val="accent2"/>
+      <a:schemeClr val="accent3"/>
+      <a:schemeClr val="accent4"/>
+      <a:schemeClr val="accent5"/>
+      <a:schemeClr val="accent6"/>
+    </dgm:fillClrLst>
+    <dgm:linClrLst meth="repeat">
+      <a:schemeClr val="accent2"/>
+      <a:schemeClr val="accent3"/>
+      <a:schemeClr val="accent4"/>
+      <a:schemeClr val="accent5"/>
+      <a:schemeClr val="accent6"/>
+    </dgm:linClrLst>
+    <dgm:effectClrLst/>
+    <dgm:txLinClrLst/>
+    <dgm:txFillClrLst/>
+    <dgm:txEffectClrLst/>
+  </dgm:styleLbl>
+  <dgm:styleLbl name="lnNode1">
+    <dgm:fillClrLst meth="repeat">
+      <a:schemeClr val="accent2"/>
+      <a:schemeClr val="accent3"/>
+      <a:schemeClr val="accent4"/>
+      <a:schemeClr val="accent5"/>
+      <a:schemeClr val="accent6"/>
+    </dgm:fillClrLst>
+    <dgm:linClrLst meth="repeat">
+      <a:schemeClr val="lt1"/>
+    </dgm:linClrLst>
+    <dgm:effectClrLst/>
+    <dgm:txLinClrLst/>
+    <dgm:txFillClrLst/>
+    <dgm:txEffectClrLst/>
+  </dgm:styleLbl>
+  <dgm:styleLbl name="vennNode1">
+    <dgm:fillClrLst meth="repeat">
+      <a:schemeClr val="accent2">
+        <a:alpha val="50000"/>
+      </a:schemeClr>
+      <a:schemeClr val="accent3">
+        <a:alpha val="50000"/>
+      </a:schemeClr>
+      <a:schemeClr val="accent4">
+        <a:alpha val="50000"/>
+      </a:schemeClr>
+      <a:schemeClr val="accent5">
+        <a:alpha val="50000"/>
+      </a:schemeClr>
+      <a:schemeClr val="accent6">
+        <a:alpha val="50000"/>
+      </a:schemeClr>
+    </dgm:fillClrLst>
+    <dgm:linClrLst meth="repeat">
+      <a:schemeClr val="lt1"/>
+    </dgm:linClrLst>
+    <dgm:effectClrLst/>
+    <dgm:txLinClrLst/>
+    <dgm:txFillClrLst/>
+    <dgm:txEffectClrLst/>
+  </dgm:styleLbl>
+  <dgm:styleLbl name="node2">
+    <dgm:fillClrLst>
+      <a:schemeClr val="accent2"/>
+    </dgm:fillClrLst>
+    <dgm:linClrLst meth="repeat">
+      <a:schemeClr val="lt1"/>
+    </dgm:linClrLst>
+    <dgm:effectClrLst/>
+    <dgm:txLinClrLst/>
+    <dgm:txFillClrLst/>
+    <dgm:txEffectClrLst/>
+  </dgm:styleLbl>
+  <dgm:styleLbl name="node3">
+    <dgm:fillClrLst>
+      <a:schemeClr val="accent3"/>
+    </dgm:fillClrLst>
+    <dgm:linClrLst meth="repeat">
+      <a:schemeClr val="lt1"/>
+    </dgm:linClrLst>
+    <dgm:effectClrLst/>
+    <dgm:txLinClrLst/>
+    <dgm:txFillClrLst/>
+    <dgm:txEffectClrLst/>
+  </dgm:styleLbl>
+  <dgm:styleLbl name="node4">
+    <dgm:fillClrLst>
+      <a:schemeClr val="accent4"/>
+    </dgm:fillClrLst>
+    <dgm:linClrLst meth="repeat">
+      <a:schemeClr val="lt1"/>
+    </dgm:linClrLst>
+    <dgm:effectClrLst/>
+    <dgm:txLinClrLst/>
+    <dgm:txFillClrLst/>
+    <dgm:txEffectClrLst/>
+  </dgm:styleLbl>
+  <dgm:styleLbl name="fgImgPlace1">
+    <dgm:fillClrLst meth="repeat">
+      <a:schemeClr val="accent2">
+        <a:tint val="50000"/>
+      </a:schemeClr>
+      <a:schemeClr val="accent3">
+        <a:tint val="50000"/>
+      </a:schemeClr>
+      <a:schemeClr val="accent4">
+        <a:tint val="50000"/>
+      </a:schemeClr>
+      <a:schemeClr val="accent5">
+        <a:tint val="50000"/>
+      </a:schemeClr>
+      <a:schemeClr val="accent6">
+        <a:tint val="50000"/>
+      </a:schemeClr>
+    </dgm:fillClrLst>
+    <dgm:linClrLst meth="repeat">
+      <a:schemeClr val="lt1"/>
+    </dgm:linClrLst>
+    <dgm:effectClrLst/>
+    <dgm:txLinClrLst/>
+    <dgm:txFillClrLst meth="repeat">
+      <a:schemeClr val="lt1"/>
+    </dgm:txFillClrLst>
+    <dgm:txEffectClrLst/>
+  </dgm:styleLbl>
+  <dgm:styleLbl name="alignImgPlace1">
+    <dgm:fillClrLst>
+      <a:schemeClr val="accent1">
+        <a:tint val="50000"/>
+      </a:schemeClr>
+      <a:schemeClr val="accent1">
+        <a:tint val="20000"/>
+      </a:schemeClr>
+    </dgm:fillClrLst>
+    <dgm:linClrLst meth="repeat">
+      <a:schemeClr val="lt1"/>
+    </dgm:linClrLst>
+    <dgm:effectClrLst/>
+    <dgm:txLinClrLst/>
+    <dgm:txFillClrLst meth="repeat">
+      <a:schemeClr val="lt1"/>
+    </dgm:txFillClrLst>
+    <dgm:txEffectClrLst/>
+  </dgm:styleLbl>
+  <dgm:styleLbl name="bgImgPlace1">
+    <dgm:fillClrLst>
+      <a:schemeClr val="accent1">
+        <a:tint val="50000"/>
+      </a:schemeClr>
+      <a:schemeClr val="accent1">
+        <a:tint val="20000"/>
+      </a:schemeClr>
+    </dgm:fillClrLst>
+    <dgm:linClrLst meth="repeat">
+      <a:schemeClr val="lt1"/>
+    </dgm:linClrLst>
+    <dgm:effectClrLst/>
+    <dgm:txLinClrLst/>
+    <dgm:txFillClrLst meth="repeat">
+      <a:schemeClr val="lt1"/>
+    </dgm:txFillClrLst>
+    <dgm:txEffectClrLst/>
+  </dgm:styleLbl>
+  <dgm:styleLbl name="sibTrans2D1">
+    <dgm:fillClrLst meth="repeat">
+      <a:schemeClr val="accent2"/>
+      <a:schemeClr val="accent3"/>
+      <a:schemeClr val="accent4"/>
+      <a:schemeClr val="accent5"/>
+      <a:schemeClr val="accent6"/>
+    </dgm:fillClrLst>
+    <dgm:linClrLst meth="cycle">
+      <a:schemeClr val="lt1"/>
+    </dgm:linClrLst>
+    <dgm:effectClrLst/>
+    <dgm:txLinClrLst/>
+    <dgm:txFillClrLst/>
+    <dgm:txEffectClrLst/>
+  </dgm:styleLbl>
+  <dgm:styleLbl name="fgSibTrans2D1">
+    <dgm:fillClrLst meth="repeat">
+      <a:schemeClr val="accent2"/>
+      <a:schemeClr val="accent3"/>
+      <a:schemeClr val="accent4"/>
+      <a:schemeClr val="accent5"/>
+      <a:schemeClr val="accent6"/>
+    </dgm:fillClrLst>
+    <dgm:linClrLst meth="cycle">
+      <a:schemeClr val="lt1"/>
+    </dgm:linClrLst>
+    <dgm:effectClrLst/>
+    <dgm:txLinClrLst/>
+    <dgm:txFillClrLst meth="repeat">
+      <a:schemeClr val="lt1"/>
+    </dgm:txFillClrLst>
+    <dgm:txEffectClrLst/>
+  </dgm:styleLbl>
+  <dgm:styleLbl name="bgSibTrans2D1">
+    <dgm:fillClrLst meth="repeat">
+      <a:schemeClr val="accent2"/>
+      <a:schemeClr val="accent3"/>
+      <a:schemeClr val="accent4"/>
+      <a:schemeClr val="accent5"/>
+      <a:schemeClr val="accent6"/>
+    </dgm:fillClrLst>
+    <dgm:linClrLst meth="cycle">
+      <a:schemeClr val="lt1"/>
+    </dgm:linClrLst>
+    <dgm:effectClrLst/>
+    <dgm:txLinClrLst/>
+    <dgm:txFillClrLst meth="repeat">
+      <a:schemeClr val="lt1"/>
+    </dgm:txFillClrLst>
+    <dgm:txEffectClrLst/>
+  </dgm:styleLbl>
+  <dgm:styleLbl name="sibTrans1D1">
+    <dgm:fillClrLst meth="repeat">
+      <a:schemeClr val="accent2"/>
+      <a:schemeClr val="accent3"/>
+      <a:schemeClr val="accent4"/>
+      <a:schemeClr val="accent5"/>
+      <a:schemeClr val="accent6"/>
+    </dgm:fillClrLst>
+    <dgm:linClrLst meth="repeat">
+      <a:schemeClr val="accent2"/>
+      <a:schemeClr val="accent3"/>
+      <a:schemeClr val="accent4"/>
+      <a:schemeClr val="accent5"/>
+      <a:schemeClr val="accent6"/>
+    </dgm:linClrLst>
+    <dgm:effectClrLst/>
+    <dgm:txLinClrLst/>
+    <dgm:txFillClrLst meth="repeat">
+      <a:schemeClr val="tx1"/>
+    </dgm:txFillClrLst>
+    <dgm:txEffectClrLst/>
+  </dgm:styleLbl>
+  <dgm:styleLbl name="callout">
+    <dgm:fillClrLst meth="repeat">
+      <a:schemeClr val="accent2"/>
+    </dgm:fillClrLst>
+    <dgm:linClrLst meth="repeat">
+      <a:schemeClr val="accent2">
+        <a:tint val="50000"/>
+      </a:schemeClr>
+    </dgm:linClrLst>
+    <dgm:effectClrLst/>
+    <dgm:txLinClrLst/>
+    <dgm:txFillClrLst meth="repeat">
+      <a:schemeClr val="tx1"/>
+    </dgm:txFillClrLst>
+    <dgm:txEffectClrLst/>
+  </dgm:styleLbl>
+  <dgm:styleLbl name="asst0">
+    <dgm:fillClrLst meth="repeat">
+      <a:schemeClr val="accent1"/>
+    </dgm:fillClrLst>
+    <dgm:linClrLst meth="repeat">
+      <a:schemeClr val="lt1"/>
+    </dgm:linClrLst>
+    <dgm:effectClrLst/>
+    <dgm:txLinClrLst/>
+    <dgm:txFillClrLst/>
+    <dgm:txEffectClrLst/>
+  </dgm:styleLbl>
+  <dgm:styleLbl name="asst1">
+    <dgm:fillClrLst meth="repeat">
+      <a:schemeClr val="accent2"/>
+    </dgm:fillClrLst>
+    <dgm:linClrLst meth="repeat">
+      <a:schemeClr val="lt1"/>
+    </dgm:linClrLst>
+    <dgm:effectClrLst/>
+    <dgm:txLinClrLst/>
+    <dgm:txFillClrLst/>
+    <dgm:txEffectClrLst/>
+  </dgm:styleLbl>
+  <dgm:styleLbl name="asst2">
+    <dgm:fillClrLst>
+      <a:schemeClr val="accent3"/>
+    </dgm:fillClrLst>
+    <dgm:linClrLst meth="repeat">
+      <a:schemeClr val="lt1"/>
+    </dgm:linClrLst>
+    <dgm:effectClrLst/>
+    <dgm:txLinClrLst/>
+    <dgm:txFillClrLst/>
+    <dgm:txEffectClrLst/>
+  </dgm:styleLbl>
+  <dgm:styleLbl name="asst3">
+    <dgm:fillClrLst>
+      <a:schemeClr val="accent4"/>
+    </dgm:fillClrLst>
+    <dgm:linClrLst meth="repeat">
+      <a:schemeClr val="lt1"/>
+    </dgm:linClrLst>
+    <dgm:effectClrLst/>
+    <dgm:txLinClrLst/>
+    <dgm:txFillClrLst/>
+    <dgm:txEffectClrLst/>
+  </dgm:styleLbl>
+  <dgm:styleLbl name="asst4">
+    <dgm:fillClrLst>
+      <a:schemeClr val="accent5"/>
+    </dgm:fillClrLst>
+    <dgm:linClrLst meth="repeat">
+      <a:schemeClr val="lt1"/>
+    </dgm:linClrLst>
+    <dgm:effectClrLst/>
+    <dgm:txLinClrLst/>
+    <dgm:txFillClrLst/>
+    <dgm:txEffectClrLst/>
+  </dgm:styleLbl>
+  <dgm:styleLbl name="parChTrans2D1">
+    <dgm:fillClrLst meth="repeat">
+      <a:schemeClr val="accent2"/>
+    </dgm:fillClrLst>
+    <dgm:linClrLst meth="repeat">
+      <a:schemeClr val="lt1"/>
+    </dgm:linClrLst>
+    <dgm:effectClrLst/>
+    <dgm:txLinClrLst/>
+    <dgm:txFillClrLst meth="repeat">
+      <a:schemeClr val="lt1"/>
+    </dgm:txFillClrLst>
+    <dgm:txEffectClrLst/>
+  </dgm:styleLbl>
+  <dgm:styleLbl name="parChTrans2D2">
+    <dgm:fillClrLst meth="repeat">
+      <a:schemeClr val="accent3"/>
+    </dgm:fillClrLst>
+    <dgm:linClrLst meth="repeat">
+      <a:schemeClr val="lt1"/>
+    </dgm:linClrLst>
+    <dgm:effectClrLst/>
+    <dgm:txLinClrLst/>
+    <dgm:txFillClrLst/>
+    <dgm:txEffectClrLst/>
+  </dgm:styleLbl>
+  <dgm:styleLbl name="parChTrans2D3">
+    <dgm:fillClrLst meth="repeat">
+      <a:schemeClr val="accent4"/>
+    </dgm:fillClrLst>
+    <dgm:linClrLst meth="repeat">
+      <a:schemeClr val="lt1"/>
+    </dgm:linClrLst>
+    <dgm:effectClrLst/>
+    <dgm:txLinClrLst/>
+    <dgm:txFillClrLst/>
+    <dgm:txEffectClrLst/>
+  </dgm:styleLbl>
+  <dgm:styleLbl name="parChTrans2D4">
+    <dgm:fillClrLst meth="repeat">
+      <a:schemeClr val="accent5"/>
+    </dgm:fillClrLst>
+    <dgm:linClrLst meth="repeat">
+      <a:schemeClr val="lt1"/>
+    </dgm:linClrLst>
+    <dgm:effectClrLst/>
+    <dgm:txLinClrLst/>
+    <dgm:txFillClrLst meth="repeat">
+      <a:schemeClr val="lt1"/>
+    </dgm:txFillClrLst>
+    <dgm:txEffectClrLst/>
+  </dgm:styleLbl>
+  <dgm:styleLbl name="parChTrans1D1">
+    <dgm:fillClrLst meth="repeat">
+      <a:schemeClr val="accent2"/>
+    </dgm:fillClrLst>
+    <dgm:linClrLst meth="repeat">
+      <a:schemeClr val="accent1"/>
+    </dgm:linClrLst>
+    <dgm:effectClrLst/>
+    <dgm:txLinClrLst/>
+    <dgm:txFillClrLst meth="repeat">
+      <a:schemeClr val="tx1"/>
+    </dgm:txFillClrLst>
+    <dgm:txEffectClrLst/>
+  </dgm:styleLbl>
+  <dgm:styleLbl name="parChTrans1D2">
+    <dgm:fillClrLst meth="repeat">
+      <a:schemeClr val="accent3">
+        <a:tint val="90000"/>
+      </a:schemeClr>
+    </dgm:fillClrLst>
+    <dgm:linClrLst meth="repeat">
+      <a:schemeClr val="accent2"/>
+    </dgm:linClrLst>
+    <dgm:effectClrLst/>
+    <dgm:txLinClrLst/>
+    <dgm:txFillClrLst meth="repeat">
+      <a:schemeClr val="tx1"/>
+    </dgm:txFillClrLst>
+    <dgm:txEffectClrLst/>
+  </dgm:styleLbl>
+  <dgm:styleLbl name="parChTrans1D3">
+    <dgm:fillClrLst meth="repeat">
+      <a:schemeClr val="accent4">
+        <a:tint val="70000"/>
+      </a:schemeClr>
+    </dgm:fillClrLst>
+    <dgm:linClrLst meth="repeat">
+      <a:schemeClr val="accent3"/>
+    </dgm:linClrLst>
+    <dgm:effectClrLst/>
+    <dgm:txLinClrLst/>
+    <dgm:txFillClrLst meth="repeat">
+      <a:schemeClr val="tx1"/>
+    </dgm:txFillClrLst>
+    <dgm:txEffectClrLst/>
+  </dgm:styleLbl>
+  <dgm:styleLbl name="parChTrans1D4">
+    <dgm:fillClrLst meth="repeat">
+      <a:schemeClr val="accent5">
+        <a:tint val="50000"/>
+      </a:schemeClr>
+    </dgm:fillClrLst>
+    <dgm:linClrLst meth="repeat">
+      <a:schemeClr val="accent4"/>
+    </dgm:linClrLst>
+    <dgm:effectClrLst/>
+    <dgm:txLinClrLst/>
+    <dgm:txFillClrLst meth="repeat">
+      <a:schemeClr val="tx1"/>
+    </dgm:txFillClrLst>
+    <dgm:txEffectClrLst/>
+  </dgm:styleLbl>
+  <dgm:styleLbl name="fgAcc1">
+    <dgm:fillClrLst meth="repeat">
+      <a:schemeClr val="lt1">
+        <a:alpha val="90000"/>
+      </a:schemeClr>
+    </dgm:fillClrLst>
+    <dgm:linClrLst meth="repeat">
+      <a:schemeClr val="accent2"/>
+      <a:schemeClr val="accent3"/>
+      <a:schemeClr val="accent4"/>
+      <a:schemeClr val="accent5"/>
+      <a:schemeClr val="accent6"/>
+    </dgm:linClrLst>
+    <dgm:effectClrLst/>
+    <dgm:txLinClrLst/>
+    <dgm:txFillClrLst meth="repeat">
+      <a:schemeClr val="dk1"/>
+    </dgm:txFillClrLst>
+    <dgm:txEffectClrLst/>
+  </dgm:styleLbl>
+  <dgm:styleLbl name="conFgAcc1">
+    <dgm:fillClrLst meth="repeat">
+      <a:schemeClr val="lt1">
+        <a:alpha val="90000"/>
+      </a:schemeClr>
+    </dgm:fillClrLst>
+    <dgm:linClrLst meth="repeat">
+      <a:schemeClr val="accent2"/>
+      <a:schemeClr val="accent3"/>
+      <a:schemeClr val="accent4"/>
+      <a:schemeClr val="accent5"/>
+      <a:schemeClr val="accent6"/>
+    </dgm:linClrLst>
+    <dgm:effectClrLst/>
+    <dgm:txLinClrLst/>
+    <dgm:txFillClrLst meth="repeat">
+      <a:schemeClr val="dk1"/>
+    </dgm:txFillClrLst>
+    <dgm:txEffectClrLst/>
+  </dgm:styleLbl>
+  <dgm:styleLbl name="alignAcc1">
+    <dgm:fillClrLst meth="repeat">
+      <a:schemeClr val="lt1">
+        <a:alpha val="90000"/>
+      </a:schemeClr>
+    </dgm:fillClrLst>
+    <dgm:linClrLst meth="repeat">
+      <a:schemeClr val="accent2"/>
+      <a:schemeClr val="accent3"/>
+      <a:schemeClr val="accent4"/>
+      <a:schemeClr val="accent5"/>
+      <a:schemeClr val="accent6"/>
+    </dgm:linClrLst>
+    <dgm:effectClrLst/>
+    <dgm:txLinClrLst/>
+    <dgm:txFillClrLst meth="repeat">
+      <a:schemeClr val="dk1"/>
+    </dgm:txFillClrLst>
+    <dgm:txEffectClrLst/>
+  </dgm:styleLbl>
+  <dgm:styleLbl name="trAlignAcc1">
+    <dgm:fillClrLst meth="repeat">
+      <a:schemeClr val="lt1">
+        <a:alpha val="40000"/>
+      </a:schemeClr>
+    </dgm:fillClrLst>
+    <dgm:linClrLst meth="repeat">
+      <a:schemeClr val="accent1"/>
+    </dgm:linClrLst>
+    <dgm:effectClrLst/>
+    <dgm:txLinClrLst/>
+    <dgm:txFillClrLst meth="repeat">
+      <a:schemeClr val="dk1"/>
+    </dgm:txFillClrLst>
+    <dgm:txEffectClrLst/>
+  </dgm:styleLbl>
+  <dgm:styleLbl name="bgAcc1">
+    <dgm:fillClrLst meth="repeat">
+      <a:schemeClr val="lt1">
+        <a:alpha val="90000"/>
+      </a:schemeClr>
+    </dgm:fillClrLst>
+    <dgm:linClrLst meth="repeat">
+      <a:schemeClr val="accent2"/>
+      <a:schemeClr val="accent3"/>
+      <a:schemeClr val="accent4"/>
+      <a:schemeClr val="accent5"/>
+      <a:schemeClr val="accent6"/>
+    </dgm:linClrLst>
+    <dgm:effectClrLst/>
+    <dgm:txLinClrLst/>
+    <dgm:txFillClrLst meth="repeat">
+      <a:schemeClr val="dk1"/>
+    </dgm:txFillClrLst>
+    <dgm:txEffectClrLst/>
+  </dgm:styleLbl>
+  <dgm:styleLbl name="solidFgAcc1">
+    <dgm:fillClrLst meth="repeat">
+      <a:schemeClr val="lt1"/>
+    </dgm:fillClrLst>
+    <dgm:linClrLst meth="repeat">
+      <a:schemeClr val="accent2"/>
+      <a:schemeClr val="accent3"/>
+      <a:schemeClr val="accent4"/>
+      <a:schemeClr val="accent5"/>
+      <a:schemeClr val="accent6"/>
+    </dgm:linClrLst>
+    <dgm:effectClrLst/>
+    <dgm:txLinClrLst/>
+    <dgm:txFillClrLst meth="repeat">
+      <a:schemeClr val="dk1"/>
+    </dgm:txFillClrLst>
+    <dgm:txEffectClrLst/>
+  </dgm:styleLbl>
+  <dgm:styleLbl name="solidAlignAcc1">
+    <dgm:fillClrLst meth="repeat">
+      <a:schemeClr val="lt1"/>
+    </dgm:fillClrLst>
+    <dgm:linClrLst meth="repeat">
+      <a:schemeClr val="accent2"/>
+      <a:schemeClr val="accent3"/>
+      <a:schemeClr val="accent4"/>
+      <a:schemeClr val="accent5"/>
+      <a:schemeClr val="accent6"/>
+    </dgm:linClrLst>
+    <dgm:effectClrLst/>
+    <dgm:txLinClrLst/>
+    <dgm:txFillClrLst meth="repeat">
+      <a:schemeClr val="dk1"/>
+    </dgm:txFillClrLst>
+    <dgm:txEffectClrLst/>
+  </dgm:styleLbl>
+  <dgm:styleLbl name="solidBgAcc1">
+    <dgm:fillClrLst meth="repeat">
+      <a:schemeClr val="lt1"/>
+    </dgm:fillClrLst>
+    <dgm:linClrLst meth="repeat">
+      <a:schemeClr val="accent2"/>
+      <a:schemeClr val="accent3"/>
+      <a:schemeClr val="accent4"/>
+      <a:schemeClr val="accent5"/>
+      <a:schemeClr val="accent6"/>
+    </dgm:linClrLst>
+    <dgm:effectClrLst/>
+    <dgm:txLinClrLst/>
+    <dgm:txFillClrLst meth="repeat">
+      <a:schemeClr val="dk1"/>
+    </dgm:txFillClrLst>
+    <dgm:txEffectClrLst/>
+  </dgm:styleLbl>
+  <dgm:styleLbl name="fgAccFollowNode1">
+    <dgm:fillClrLst meth="repeat">
+      <a:schemeClr val="accent2">
+        <a:tint val="40000"/>
+        <a:alpha val="90000"/>
+      </a:schemeClr>
+      <a:schemeClr val="accent3">
+        <a:tint val="40000"/>
+        <a:alpha val="90000"/>
+      </a:schemeClr>
+      <a:schemeClr val="accent4">
+        <a:tint val="40000"/>
+        <a:alpha val="90000"/>
+      </a:schemeClr>
+      <a:schemeClr val="accent5">
+        <a:tint val="40000"/>
+        <a:alpha val="90000"/>
+      </a:schemeClr>
+      <a:schemeClr val="accent6">
+        <a:tint val="40000"/>
+        <a:alpha val="90000"/>
+      </a:schemeClr>
+    </dgm:fillClrLst>
+    <dgm:linClrLst meth="repeat">
+      <a:schemeClr val="accent2">
+        <a:tint val="40000"/>
+        <a:alpha val="90000"/>
+      </a:schemeClr>
+      <a:schemeClr val="accent3">
+        <a:tint val="40000"/>
+        <a:alpha val="90000"/>
+      </a:schemeClr>
+      <a:schemeClr val="accent4">
+        <a:tint val="40000"/>
+        <a:alpha val="90000"/>
+      </a:schemeClr>
+      <a:schemeClr val="accent5">
+        <a:tint val="40000"/>
+        <a:alpha val="90000"/>
+      </a:schemeClr>
+      <a:schemeClr val="accent6">
+        <a:tint val="40000"/>
+        <a:alpha val="90000"/>
+      </a:schemeClr>
+    </dgm:linClrLst>
+    <dgm:effectClrLst/>
+    <dgm:txLinClrLst/>
+    <dgm:txFillClrLst meth="repeat">
+      <a:schemeClr val="dk1"/>
+    </dgm:txFillClrLst>
+    <dgm:txEffectClrLst/>
+  </dgm:styleLbl>
+  <dgm:styleLbl name="alignAccFollowNode1">
+    <dgm:fillClrLst meth="repeat">
+      <a:schemeClr val="accent2">
+        <a:tint val="40000"/>
+        <a:alpha val="90000"/>
+      </a:schemeClr>
+      <a:schemeClr val="accent3">
+        <a:tint val="40000"/>
+        <a:alpha val="90000"/>
+      </a:schemeClr>
+      <a:schemeClr val="accent4">
+        <a:tint val="40000"/>
+        <a:alpha val="90000"/>
+      </a:schemeClr>
+      <a:schemeClr val="accent5">
+        <a:tint val="40000"/>
+        <a:alpha val="90000"/>
+      </a:schemeClr>
+      <a:schemeClr val="accent6">
+        <a:tint val="40000"/>
+        <a:alpha val="90000"/>
+      </a:schemeClr>
+    </dgm:fillClrLst>
+    <dgm:linClrLst meth="repeat">
+      <a:schemeClr val="accent2">
+        <a:tint val="40000"/>
+        <a:alpha val="90000"/>
+      </a:schemeClr>
+      <a:schemeClr val="accent3">
+        <a:tint val="40000"/>
+        <a:alpha val="90000"/>
+      </a:schemeClr>
+      <a:schemeClr val="accent4">
+        <a:tint val="40000"/>
+        <a:alpha val="90000"/>
+      </a:schemeClr>
+      <a:schemeClr val="accent5">
+        <a:tint val="40000"/>
+        <a:alpha val="90000"/>
+      </a:schemeClr>
+      <a:schemeClr val="accent6">
+        <a:tint val="40000"/>
+        <a:alpha val="90000"/>
+      </a:schemeClr>
+    </dgm:linClrLst>
+    <dgm:effectClrLst/>
+    <dgm:txLinClrLst/>
+    <dgm:txFillClrLst meth="repeat">
+      <a:schemeClr val="dk1"/>
+    </dgm:txFillClrLst>
+    <dgm:txEffectClrLst/>
+  </dgm:styleLbl>
+  <dgm:styleLbl name="bgAccFollowNode1">
+    <dgm:fillClrLst meth="repeat">
+      <a:schemeClr val="accent2">
+        <a:tint val="40000"/>
+        <a:alpha val="90000"/>
+      </a:schemeClr>
+      <a:schemeClr val="accent3">
+        <a:tint val="40000"/>
+        <a:alpha val="90000"/>
+      </a:schemeClr>
+      <a:schemeClr val="accent4">
+        <a:tint val="40000"/>
+        <a:alpha val="90000"/>
+      </a:schemeClr>
+      <a:schemeClr val="accent5">
+        <a:tint val="40000"/>
+        <a:alpha val="90000"/>
+      </a:schemeClr>
+      <a:schemeClr val="accent6">
+        <a:tint val="40000"/>
+        <a:alpha val="90000"/>
+      </a:schemeClr>
+    </dgm:fillClrLst>
+    <dgm:linClrLst meth="repeat">
+      <a:schemeClr val="accent2">
+        <a:tint val="40000"/>
+        <a:alpha val="90000"/>
+      </a:schemeClr>
+      <a:schemeClr val="accent3">
+        <a:tint val="40000"/>
+        <a:alpha val="90000"/>
+      </a:schemeClr>
+      <a:schemeClr val="accent4">
+        <a:tint val="40000"/>
+        <a:alpha val="90000"/>
+      </a:schemeClr>
+      <a:schemeClr val="accent5">
+        <a:tint val="40000"/>
+        <a:alpha val="90000"/>
+      </a:schemeClr>
+      <a:schemeClr val="accent6">
+        <a:tint val="40000"/>
+        <a:alpha val="90000"/>
+      </a:schemeClr>
+    </dgm:linClrLst>
+    <dgm:effectClrLst/>
+    <dgm:txLinClrLst/>
+    <dgm:txFillClrLst meth="repeat">
+      <a:schemeClr val="dk1"/>
+    </dgm:txFillClrLst>
+    <dgm:txEffectClrLst/>
+  </dgm:styleLbl>
+  <dgm:styleLbl name="fgAcc0">
+    <dgm:fillClrLst meth="repeat">
+      <a:schemeClr val="lt1">
+        <a:alpha val="90000"/>
+      </a:schemeClr>
+    </dgm:fillClrLst>
+    <dgm:linClrLst>
+      <a:schemeClr val="accent1"/>
+    </dgm:linClrLst>
+    <dgm:effectClrLst/>
+    <dgm:txLinClrLst/>
+    <dgm:txFillClrLst meth="repeat">
+      <a:schemeClr val="dk1"/>
+    </dgm:txFillClrLst>
+    <dgm:txEffectClrLst/>
+  </dgm:styleLbl>
+  <dgm:styleLbl name="fgAcc2">
+    <dgm:fillClrLst meth="repeat">
+      <a:schemeClr val="lt1">
+        <a:alpha val="90000"/>
+      </a:schemeClr>
+    </dgm:fillClrLst>
+    <dgm:linClrLst>
+      <a:schemeClr val="accent2"/>
+    </dgm:linClrLst>
+    <dgm:effectClrLst/>
+    <dgm:txLinClrLst/>
+    <dgm:txFillClrLst meth="repeat">
+      <a:schemeClr val="dk1"/>
+    </dgm:txFillClrLst>
+    <dgm:txEffectClrLst/>
+  </dgm:styleLbl>
+  <dgm:styleLbl name="fgAcc3">
+    <dgm:fillClrLst meth="repeat">
+      <a:schemeClr val="lt1">
+        <a:alpha val="90000"/>
+      </a:schemeClr>
+    </dgm:fillClrLst>
+    <dgm:linClrLst>
+      <a:schemeClr val="accent3"/>
+    </dgm:linClrLst>
+    <dgm:effectClrLst/>
+    <dgm:txLinClrLst/>
+    <dgm:txFillClrLst meth="repeat">
+      <a:schemeClr val="dk1"/>
+    </dgm:txFillClrLst>
+    <dgm:txEffectClrLst/>
+  </dgm:styleLbl>
+  <dgm:styleLbl name="fgAcc4">
+    <dgm:fillClrLst meth="repeat">
+      <a:schemeClr val="lt1">
+        <a:alpha val="90000"/>
+      </a:schemeClr>
+    </dgm:fillClrLst>
+    <dgm:linClrLst>
+      <a:schemeClr val="accent4"/>
+    </dgm:linClrLst>
+    <dgm:effectClrLst/>
+    <dgm:txLinClrLst/>
+    <dgm:txFillClrLst meth="repeat">
+      <a:schemeClr val="dk1"/>
+    </dgm:txFillClrLst>
+    <dgm:txEffectClrLst/>
+  </dgm:styleLbl>
+  <dgm:styleLbl name="bgShp">
+    <dgm:fillClrLst meth="repeat">
+      <a:schemeClr val="accent2">
+        <a:tint val="40000"/>
+      </a:schemeClr>
+    </dgm:fillClrLst>
+    <dgm:linClrLst meth="repeat">
+      <a:schemeClr val="dk1"/>
+    </dgm:linClrLst>
+    <dgm:effectClrLst/>
+    <dgm:txLinClrLst/>
+    <dgm:txFillClrLst meth="repeat">
+      <a:schemeClr val="dk1"/>
+    </dgm:txFillClrLst>
+    <dgm:txEffectClrLst/>
+  </dgm:styleLbl>
+  <dgm:styleLbl name="dkBgShp">
+    <dgm:fillClrLst meth="repeat">
+      <a:schemeClr val="accent2">
+        <a:shade val="90000"/>
+      </a:schemeClr>
+    </dgm:fillClrLst>
+    <dgm:linClrLst meth="repeat">
+      <a:schemeClr val="dk1"/>
+    </dgm:linClrLst>
+    <dgm:effectClrLst/>
+    <dgm:txLinClrLst/>
+    <dgm:txFillClrLst meth="repeat">
+      <a:schemeClr val="lt1"/>
+    </dgm:txFillClrLst>
+    <dgm:txEffectClrLst/>
+  </dgm:styleLbl>
+  <dgm:styleLbl name="trBgShp">
+    <dgm:fillClrLst meth="repeat">
+      <a:schemeClr val="accent1">
+        <a:tint val="50000"/>
+        <a:alpha val="40000"/>
+      </a:schemeClr>
+    </dgm:fillClrLst>
+    <dgm:linClrLst meth="repeat">
+      <a:schemeClr val="accent2"/>
+    </dgm:linClrLst>
+    <dgm:effectClrLst/>
+    <dgm:txLinClrLst/>
+    <dgm:txFillClrLst meth="repeat">
+      <a:schemeClr val="lt1"/>
+    </dgm:txFillClrLst>
+    <dgm:txEffectClrLst/>
+  </dgm:styleLbl>
+  <dgm:styleLbl name="fgShp">
+    <dgm:fillClrLst meth="repeat">
+      <a:schemeClr val="accent2">
+        <a:tint val="40000"/>
+      </a:schemeClr>
+    </dgm:fillClrLst>
+    <dgm:linClrLst meth="repeat">
+      <a:schemeClr val="lt1"/>
+    </dgm:linClrLst>
+    <dgm:effectClrLst/>
+    <dgm:txLinClrLst/>
+    <dgm:txFillClrLst meth="repeat">
+      <a:schemeClr val="dk1"/>
+    </dgm:txFillClrLst>
+    <dgm:txEffectClrLst/>
+  </dgm:styleLbl>
+  <dgm:styleLbl name="revTx">
+    <dgm:fillClrLst meth="repeat">
+      <a:schemeClr val="lt1">
+        <a:alpha val="0"/>
+      </a:schemeClr>
+    </dgm:fillClrLst>
+    <dgm:linClrLst meth="repeat">
+      <a:schemeClr val="dk1">
+        <a:alpha val="0"/>
+      </a:schemeClr>
+    </dgm:linClrLst>
+    <dgm:effectClrLst/>
+    <dgm:txLinClrLst/>
+    <dgm:txFillClrLst meth="repeat">
+      <a:schemeClr val="tx1"/>
+    </dgm:txFillClrLst>
+    <dgm:txEffectClrLst/>
+  </dgm:styleLbl>
+</dgm:colorsDef>
+</file>
+
+<file path=ppt/diagrams/data1.xml><?xml version="1.0" encoding="utf-8"?>
+<dgm:dataModel xmlns:dgm="http://schemas.openxmlformats.org/drawingml/2006/diagram" xmlns:a="http://schemas.openxmlformats.org/drawingml/2006/main">
+  <dgm:ptLst>
+    <dgm:pt modelId="{4DD26502-15A1-7942-932F-BAC5B9A5FAC8}" type="doc">
+      <dgm:prSet loTypeId="urn:microsoft.com/office/officeart/2005/8/layout/vList2" loCatId="list" qsTypeId="urn:microsoft.com/office/officeart/2005/8/quickstyle/simple3" qsCatId="simple" csTypeId="urn:microsoft.com/office/officeart/2005/8/colors/colorful1" csCatId="colorful"/>
+      <dgm:spPr/>
+      <dgm:t>
+        <a:bodyPr/>
+        <a:lstStyle/>
+        <a:p>
+          <a:endParaRPr lang="en-US"/>
+        </a:p>
+      </dgm:t>
+    </dgm:pt>
+    <dgm:pt modelId="{57A509C1-EA04-7C41-8C7A-1360DE870CFA}">
+      <dgm:prSet/>
+      <dgm:spPr/>
+      <dgm:t>
+        <a:bodyPr/>
+        <a:lstStyle/>
+        <a:p>
+          <a:pPr rtl="0"/>
+          <a:r>
+            <a:rPr lang="en-US" dirty="0" smtClean="0"/>
+            <a:t>Statement</a:t>
+          </a:r>
+          <a:endParaRPr lang="en-US" dirty="0"/>
+        </a:p>
+      </dgm:t>
+    </dgm:pt>
+    <dgm:pt modelId="{74B0E9D4-C7F4-F643-99E4-767D17EEBD7F}" type="parTrans" cxnId="{87DEE217-E85A-C948-A63C-23AAD3A63CF7}">
+      <dgm:prSet/>
+      <dgm:spPr/>
+      <dgm:t>
+        <a:bodyPr/>
+        <a:lstStyle/>
+        <a:p>
+          <a:endParaRPr lang="en-US"/>
+        </a:p>
+      </dgm:t>
+    </dgm:pt>
+    <dgm:pt modelId="{18614617-E0EC-7543-B659-3FAA2E0A5A20}" type="sibTrans" cxnId="{87DEE217-E85A-C948-A63C-23AAD3A63CF7}">
+      <dgm:prSet/>
+      <dgm:spPr/>
+      <dgm:t>
+        <a:bodyPr/>
+        <a:lstStyle/>
+        <a:p>
+          <a:endParaRPr lang="en-US"/>
+        </a:p>
+      </dgm:t>
+    </dgm:pt>
+    <dgm:pt modelId="{131F5E14-7A6A-DB43-977D-C08D1C7B8FCF}">
+      <dgm:prSet/>
+      <dgm:spPr/>
+      <dgm:t>
+        <a:bodyPr/>
+        <a:lstStyle/>
+        <a:p>
+          <a:pPr rtl="0"/>
+          <a:r>
+            <a:rPr lang="en-US" dirty="0" smtClean="0"/>
+            <a:t>Question</a:t>
+          </a:r>
+          <a:endParaRPr lang="en-US" dirty="0"/>
+        </a:p>
+      </dgm:t>
+    </dgm:pt>
+    <dgm:pt modelId="{2279E600-0B60-354F-AAF4-348A8EDC4C26}" type="parTrans" cxnId="{CCAB334A-32C8-1241-AA3F-47FFE7DC34EB}">
+      <dgm:prSet/>
+      <dgm:spPr/>
+      <dgm:t>
+        <a:bodyPr/>
+        <a:lstStyle/>
+        <a:p>
+          <a:endParaRPr lang="en-US"/>
+        </a:p>
+      </dgm:t>
+    </dgm:pt>
+    <dgm:pt modelId="{9D3088FB-5FFA-074E-B119-99A2A665A890}" type="sibTrans" cxnId="{CCAB334A-32C8-1241-AA3F-47FFE7DC34EB}">
+      <dgm:prSet/>
+      <dgm:spPr/>
+      <dgm:t>
+        <a:bodyPr/>
+        <a:lstStyle/>
+        <a:p>
+          <a:endParaRPr lang="en-US"/>
+        </a:p>
+      </dgm:t>
+    </dgm:pt>
+    <dgm:pt modelId="{436F318E-20ED-AB4E-A04F-D0C1B21F6754}">
+      <dgm:prSet/>
+      <dgm:spPr/>
+      <dgm:t>
+        <a:bodyPr/>
+        <a:lstStyle/>
+        <a:p>
+          <a:pPr rtl="0"/>
+          <a:r>
+            <a:rPr lang="en-US" dirty="0" smtClean="0"/>
+            <a:t>Mid-sentence</a:t>
+          </a:r>
+          <a:endParaRPr lang="en-US" dirty="0"/>
+        </a:p>
+      </dgm:t>
+    </dgm:pt>
+    <dgm:pt modelId="{8B278186-8856-E24D-B4CF-94ACCDB6014F}" type="parTrans" cxnId="{97BB6284-4856-A64A-A30B-75728613CAD7}">
+      <dgm:prSet/>
+      <dgm:spPr/>
+      <dgm:t>
+        <a:bodyPr/>
+        <a:lstStyle/>
+        <a:p>
+          <a:endParaRPr lang="en-US"/>
+        </a:p>
+      </dgm:t>
+    </dgm:pt>
+    <dgm:pt modelId="{CB16F229-AE30-5149-9EB7-184A2CB13962}" type="sibTrans" cxnId="{97BB6284-4856-A64A-A30B-75728613CAD7}">
+      <dgm:prSet/>
+      <dgm:spPr/>
+      <dgm:t>
+        <a:bodyPr/>
+        <a:lstStyle/>
+        <a:p>
+          <a:endParaRPr lang="en-US"/>
+        </a:p>
+      </dgm:t>
+    </dgm:pt>
+    <dgm:pt modelId="{870D14F8-E279-BC4C-BEA2-4830E093464E}">
+      <dgm:prSet/>
+      <dgm:spPr/>
+      <dgm:t>
+        <a:bodyPr/>
+        <a:lstStyle/>
+        <a:p>
+          <a:pPr rtl="0"/>
+          <a:r>
+            <a:rPr lang="en-US" dirty="0" smtClean="0"/>
+            <a:t>Backchannel</a:t>
+          </a:r>
+          <a:endParaRPr lang="en-US" dirty="0"/>
+        </a:p>
+      </dgm:t>
+    </dgm:pt>
+    <dgm:pt modelId="{1738C7B3-566F-5D42-ACFD-99A10E0F74C8}" type="parTrans" cxnId="{BBA989EC-F6FE-5043-B1C4-DDFF3FDBD104}">
+      <dgm:prSet/>
+      <dgm:spPr/>
+      <dgm:t>
+        <a:bodyPr/>
+        <a:lstStyle/>
+        <a:p>
+          <a:endParaRPr lang="en-US"/>
+        </a:p>
+      </dgm:t>
+    </dgm:pt>
+    <dgm:pt modelId="{E4B50A85-320D-9D42-8384-E3B95F28ABCA}" type="sibTrans" cxnId="{BBA989EC-F6FE-5043-B1C4-DDFF3FDBD104}">
+      <dgm:prSet/>
+      <dgm:spPr/>
+      <dgm:t>
+        <a:bodyPr/>
+        <a:lstStyle/>
+        <a:p>
+          <a:endParaRPr lang="en-US"/>
+        </a:p>
+      </dgm:t>
+    </dgm:pt>
+    <dgm:pt modelId="{C3B710C4-456B-9B45-A574-B0EA60132FCD}" type="pres">
+      <dgm:prSet presAssocID="{4DD26502-15A1-7942-932F-BAC5B9A5FAC8}" presName="linear" presStyleCnt="0">
+        <dgm:presLayoutVars>
+          <dgm:animLvl val="lvl"/>
+          <dgm:resizeHandles val="exact"/>
+        </dgm:presLayoutVars>
+      </dgm:prSet>
+      <dgm:spPr/>
+    </dgm:pt>
+    <dgm:pt modelId="{4C7F19B6-58B2-B14F-A116-2A4A9FB2764C}" type="pres">
+      <dgm:prSet presAssocID="{57A509C1-EA04-7C41-8C7A-1360DE870CFA}" presName="parentText" presStyleLbl="node1" presStyleIdx="0" presStyleCnt="4" custLinFactNeighborX="-4167">
+        <dgm:presLayoutVars>
+          <dgm:chMax val="0"/>
+          <dgm:bulletEnabled val="1"/>
+        </dgm:presLayoutVars>
+      </dgm:prSet>
+      <dgm:spPr/>
+    </dgm:pt>
+    <dgm:pt modelId="{B7434A79-6AE8-5741-BCE8-BF6B03293C22}" type="pres">
+      <dgm:prSet presAssocID="{18614617-E0EC-7543-B659-3FAA2E0A5A20}" presName="spacer" presStyleCnt="0"/>
+      <dgm:spPr/>
+    </dgm:pt>
+    <dgm:pt modelId="{531BA505-CAFB-7840-849A-535C6EED81D6}" type="pres">
+      <dgm:prSet presAssocID="{131F5E14-7A6A-DB43-977D-C08D1C7B8FCF}" presName="parentText" presStyleLbl="node1" presStyleIdx="1" presStyleCnt="4">
+        <dgm:presLayoutVars>
+          <dgm:chMax val="0"/>
+          <dgm:bulletEnabled val="1"/>
+        </dgm:presLayoutVars>
+      </dgm:prSet>
+      <dgm:spPr/>
+    </dgm:pt>
+    <dgm:pt modelId="{257A6726-38BD-A149-9E60-98E8B4817D1C}" type="pres">
+      <dgm:prSet presAssocID="{9D3088FB-5FFA-074E-B119-99A2A665A890}" presName="spacer" presStyleCnt="0"/>
+      <dgm:spPr/>
+    </dgm:pt>
+    <dgm:pt modelId="{B724634B-3397-614D-AC69-412B65BF1397}" type="pres">
+      <dgm:prSet presAssocID="{436F318E-20ED-AB4E-A04F-D0C1B21F6754}" presName="parentText" presStyleLbl="node1" presStyleIdx="2" presStyleCnt="4">
+        <dgm:presLayoutVars>
+          <dgm:chMax val="0"/>
+          <dgm:bulletEnabled val="1"/>
+        </dgm:presLayoutVars>
+      </dgm:prSet>
+      <dgm:spPr/>
+    </dgm:pt>
+    <dgm:pt modelId="{3A158FA1-4D50-4141-AB2F-2E16DE5F547A}" type="pres">
+      <dgm:prSet presAssocID="{CB16F229-AE30-5149-9EB7-184A2CB13962}" presName="spacer" presStyleCnt="0"/>
+      <dgm:spPr/>
+    </dgm:pt>
+    <dgm:pt modelId="{64A93BDC-D789-7C47-BE22-826E452BE2BD}" type="pres">
+      <dgm:prSet presAssocID="{870D14F8-E279-BC4C-BEA2-4830E093464E}" presName="parentText" presStyleLbl="node1" presStyleIdx="3" presStyleCnt="4" custLinFactNeighborX="-4282">
+        <dgm:presLayoutVars>
+          <dgm:chMax val="0"/>
+          <dgm:bulletEnabled val="1"/>
+        </dgm:presLayoutVars>
+      </dgm:prSet>
+      <dgm:spPr/>
+    </dgm:pt>
+  </dgm:ptLst>
+  <dgm:cxnLst>
+    <dgm:cxn modelId="{CCAB334A-32C8-1241-AA3F-47FFE7DC34EB}" srcId="{4DD26502-15A1-7942-932F-BAC5B9A5FAC8}" destId="{131F5E14-7A6A-DB43-977D-C08D1C7B8FCF}" srcOrd="1" destOrd="0" parTransId="{2279E600-0B60-354F-AAF4-348A8EDC4C26}" sibTransId="{9D3088FB-5FFA-074E-B119-99A2A665A890}"/>
+    <dgm:cxn modelId="{63CF4547-6B3B-8448-96D9-5B9596A60723}" type="presOf" srcId="{436F318E-20ED-AB4E-A04F-D0C1B21F6754}" destId="{B724634B-3397-614D-AC69-412B65BF1397}" srcOrd="0" destOrd="0" presId="urn:microsoft.com/office/officeart/2005/8/layout/vList2"/>
+    <dgm:cxn modelId="{B230D135-1BD4-C145-B237-40AA7AEB82E8}" type="presOf" srcId="{4DD26502-15A1-7942-932F-BAC5B9A5FAC8}" destId="{C3B710C4-456B-9B45-A574-B0EA60132FCD}" srcOrd="0" destOrd="0" presId="urn:microsoft.com/office/officeart/2005/8/layout/vList2"/>
+    <dgm:cxn modelId="{63E57B51-3B7C-3C4E-B14D-2EBAE491F831}" type="presOf" srcId="{57A509C1-EA04-7C41-8C7A-1360DE870CFA}" destId="{4C7F19B6-58B2-B14F-A116-2A4A9FB2764C}" srcOrd="0" destOrd="0" presId="urn:microsoft.com/office/officeart/2005/8/layout/vList2"/>
+    <dgm:cxn modelId="{EF2CCA93-5D45-5E41-BABA-F2DE6C320A9C}" type="presOf" srcId="{131F5E14-7A6A-DB43-977D-C08D1C7B8FCF}" destId="{531BA505-CAFB-7840-849A-535C6EED81D6}" srcOrd="0" destOrd="0" presId="urn:microsoft.com/office/officeart/2005/8/layout/vList2"/>
+    <dgm:cxn modelId="{BBA989EC-F6FE-5043-B1C4-DDFF3FDBD104}" srcId="{4DD26502-15A1-7942-932F-BAC5B9A5FAC8}" destId="{870D14F8-E279-BC4C-BEA2-4830E093464E}" srcOrd="3" destOrd="0" parTransId="{1738C7B3-566F-5D42-ACFD-99A10E0F74C8}" sibTransId="{E4B50A85-320D-9D42-8384-E3B95F28ABCA}"/>
+    <dgm:cxn modelId="{87DEE217-E85A-C948-A63C-23AAD3A63CF7}" srcId="{4DD26502-15A1-7942-932F-BAC5B9A5FAC8}" destId="{57A509C1-EA04-7C41-8C7A-1360DE870CFA}" srcOrd="0" destOrd="0" parTransId="{74B0E9D4-C7F4-F643-99E4-767D17EEBD7F}" sibTransId="{18614617-E0EC-7543-B659-3FAA2E0A5A20}"/>
+    <dgm:cxn modelId="{FCAFD796-BE7C-5247-89C6-186E813B7529}" type="presOf" srcId="{870D14F8-E279-BC4C-BEA2-4830E093464E}" destId="{64A93BDC-D789-7C47-BE22-826E452BE2BD}" srcOrd="0" destOrd="0" presId="urn:microsoft.com/office/officeart/2005/8/layout/vList2"/>
+    <dgm:cxn modelId="{97BB6284-4856-A64A-A30B-75728613CAD7}" srcId="{4DD26502-15A1-7942-932F-BAC5B9A5FAC8}" destId="{436F318E-20ED-AB4E-A04F-D0C1B21F6754}" srcOrd="2" destOrd="0" parTransId="{8B278186-8856-E24D-B4CF-94ACCDB6014F}" sibTransId="{CB16F229-AE30-5149-9EB7-184A2CB13962}"/>
+    <dgm:cxn modelId="{10BAA83D-2977-C74D-9432-1BA91A386046}" type="presParOf" srcId="{C3B710C4-456B-9B45-A574-B0EA60132FCD}" destId="{4C7F19B6-58B2-B14F-A116-2A4A9FB2764C}" srcOrd="0" destOrd="0" presId="urn:microsoft.com/office/officeart/2005/8/layout/vList2"/>
+    <dgm:cxn modelId="{B0126375-C9C1-2648-9409-60075D33045A}" type="presParOf" srcId="{C3B710C4-456B-9B45-A574-B0EA60132FCD}" destId="{B7434A79-6AE8-5741-BCE8-BF6B03293C22}" srcOrd="1" destOrd="0" presId="urn:microsoft.com/office/officeart/2005/8/layout/vList2"/>
+    <dgm:cxn modelId="{9521FE3A-500C-E24F-8444-693541CFFDCD}" type="presParOf" srcId="{C3B710C4-456B-9B45-A574-B0EA60132FCD}" destId="{531BA505-CAFB-7840-849A-535C6EED81D6}" srcOrd="2" destOrd="0" presId="urn:microsoft.com/office/officeart/2005/8/layout/vList2"/>
+    <dgm:cxn modelId="{3D4BD24C-E2C6-1046-8F31-4AC4FEB8A986}" type="presParOf" srcId="{C3B710C4-456B-9B45-A574-B0EA60132FCD}" destId="{257A6726-38BD-A149-9E60-98E8B4817D1C}" srcOrd="3" destOrd="0" presId="urn:microsoft.com/office/officeart/2005/8/layout/vList2"/>
+    <dgm:cxn modelId="{C0147272-0CCF-214A-848D-88E64F8DBCAF}" type="presParOf" srcId="{C3B710C4-456B-9B45-A574-B0EA60132FCD}" destId="{B724634B-3397-614D-AC69-412B65BF1397}" srcOrd="4" destOrd="0" presId="urn:microsoft.com/office/officeart/2005/8/layout/vList2"/>
+    <dgm:cxn modelId="{E7A4B9E9-167A-D145-8CBA-542E6333B969}" type="presParOf" srcId="{C3B710C4-456B-9B45-A574-B0EA60132FCD}" destId="{3A158FA1-4D50-4141-AB2F-2E16DE5F547A}" srcOrd="5" destOrd="0" presId="urn:microsoft.com/office/officeart/2005/8/layout/vList2"/>
+    <dgm:cxn modelId="{364449FF-8771-764B-AC7F-E629A9393EFE}" type="presParOf" srcId="{C3B710C4-456B-9B45-A574-B0EA60132FCD}" destId="{64A93BDC-D789-7C47-BE22-826E452BE2BD}" srcOrd="6" destOrd="0" presId="urn:microsoft.com/office/officeart/2005/8/layout/vList2"/>
+  </dgm:cxnLst>
+  <dgm:bg/>
+  <dgm:whole/>
+</dgm:dataModel>
+</file>
+
+<file path=ppt/diagrams/layout1.xml><?xml version="1.0" encoding="utf-8"?>
+<dgm:layoutDef xmlns:dgm="http://schemas.openxmlformats.org/drawingml/2006/diagram" xmlns:a="http://schemas.openxmlformats.org/drawingml/2006/main" uniqueId="urn:microsoft.com/office/officeart/2005/8/layout/vList2">
+  <dgm:title val=""/>
+  <dgm:desc val=""/>
+  <dgm:catLst>
+    <dgm:cat type="list" pri="3000"/>
+    <dgm:cat type="convert" pri="1000"/>
+  </dgm:catLst>
+  <dgm:sampData>
+    <dgm:dataModel>
+      <dgm:ptLst>
+        <dgm:pt modelId="0" type="doc"/>
+        <dgm:pt modelId="1">
+          <dgm:prSet phldr="1"/>
+        </dgm:pt>
+        <dgm:pt modelId="11">
+          <dgm:prSet phldr="1"/>
+        </dgm:pt>
+        <dgm:pt modelId="2">
+          <dgm:prSet phldr="1"/>
+        </dgm:pt>
+        <dgm:pt modelId="21">
+          <dgm:prSet phldr="1"/>
+        </dgm:pt>
+      </dgm:ptLst>
+      <dgm:cxnLst>
+        <dgm:cxn modelId="4" srcId="0" destId="1" srcOrd="0" destOrd="0"/>
+        <dgm:cxn modelId="5" srcId="0" destId="2" srcOrd="1" destOrd="0"/>
+        <dgm:cxn modelId="12" srcId="1" destId="11" srcOrd="0" destOrd="0"/>
+        <dgm:cxn modelId="23" srcId="2" destId="21" srcOrd="0" destOrd="0"/>
+      </dgm:cxnLst>
+      <dgm:bg/>
+      <dgm:whole/>
+    </dgm:dataModel>
+  </dgm:sampData>
+  <dgm:styleData>
+    <dgm:dataModel>
+      <dgm:ptLst>
+        <dgm:pt modelId="0" type="doc"/>
+        <dgm:pt modelId="1"/>
+        <dgm:pt modelId="2"/>
+      </dgm:ptLst>
+      <dgm:cxnLst>
+        <dgm:cxn modelId="3" srcId="0" destId="1" srcOrd="0" destOrd="0"/>
+        <dgm:cxn modelId="4" srcId="0" destId="2" srcOrd="1" destOrd="0"/>
+      </dgm:cxnLst>
+      <dgm:bg/>
+      <dgm:whole/>
+    </dgm:dataModel>
+  </dgm:styleData>
+  <dgm:clrData>
+    <dgm:dataModel>
+      <dgm:ptLst>
+        <dgm:pt modelId="0" type="doc"/>
+        <dgm:pt modelId="1"/>
+        <dgm:pt modelId="2"/>
+        <dgm:pt modelId="3"/>
+        <dgm:pt modelId="4"/>
+      </dgm:ptLst>
+      <dgm:cxnLst>
+        <dgm:cxn modelId="5" srcId="0" destId="1" srcOrd="0" destOrd="0"/>
+        <dgm:cxn modelId="6" srcId="0" destId="2" srcOrd="1" destOrd="0"/>
+        <dgm:cxn modelId="7" srcId="0" destId="3" srcOrd="2" destOrd="0"/>
+        <dgm:cxn modelId="8" srcId="0" destId="4" srcOrd="3" destOrd="0"/>
+      </dgm:cxnLst>
+      <dgm:bg/>
+      <dgm:whole/>
+    </dgm:dataModel>
+  </dgm:clrData>
+  <dgm:layoutNode name="linear">
+    <dgm:varLst>
+      <dgm:animLvl val="lvl"/>
+      <dgm:resizeHandles val="exact"/>
+    </dgm:varLst>
+    <dgm:alg type="lin">
+      <dgm:param type="linDir" val="fromT"/>
+      <dgm:param type="vertAlign" val="mid"/>
+    </dgm:alg>
+    <dgm:shape xmlns:r="http://schemas.openxmlformats.org/officeDocument/2006/relationships" r:blip="">
+      <dgm:adjLst/>
+    </dgm:shape>
+    <dgm:presOf/>
+    <dgm:constrLst>
+      <dgm:constr type="w" for="ch" forName="parentText" refType="w"/>
+      <dgm:constr type="h" for="ch" forName="parentText" refType="primFontSz" refFor="ch" refForName="parentText" fact="0.52"/>
+      <dgm:constr type="w" for="ch" forName="childText" refType="w"/>
+      <dgm:constr type="h" for="ch" forName="childText" refType="primFontSz" refFor="ch" refForName="parentText" fact="0.46"/>
+      <dgm:constr type="h" for="ch" forName="parentText" op="equ"/>
+      <dgm:constr type="primFontSz" for="ch" forName="parentText" op="equ" val="65"/>
+      <dgm:constr type="primFontSz" for="ch" forName="childText" refType="primFontSz" refFor="ch" refForName="parentText" op="equ"/>
+      <dgm:constr type="h" for="ch" forName="spacer" refType="primFontSz" refFor="ch" refForName="parentText" fact="0.08"/>
+    </dgm:constrLst>
+    <dgm:ruleLst>
+      <dgm:rule type="primFontSz" for="ch" forName="parentText" val="5" fact="NaN" max="NaN"/>
+    </dgm:ruleLst>
+    <dgm:forEach name="Name0" axis="ch" ptType="node">
+      <dgm:layoutNode name="parentText" styleLbl="node1">
+        <dgm:varLst>
+          <dgm:chMax val="0"/>
+          <dgm:bulletEnabled val="1"/>
+        </dgm:varLst>
+        <dgm:alg type="tx">
+          <dgm:param type="parTxLTRAlign" val="l"/>
+          <dgm:param type="parTxRTLAlign" val="r"/>
+        </dgm:alg>
+        <dgm:shape xmlns:r="http://schemas.openxmlformats.org/officeDocument/2006/relationships" type="roundRect" r:blip="">
+          <dgm:adjLst/>
+        </dgm:shape>
+        <dgm:presOf axis="self"/>
+        <dgm:constrLst>
+          <dgm:constr type="tMarg" refType="primFontSz" fact="0.3"/>
+          <dgm:constr type="bMarg" refType="primFontSz" fact="0.3"/>
+          <dgm:constr type="lMarg" refType="primFontSz" fact="0.3"/>
+          <dgm:constr type="rMarg" refType="primFontSz" fact="0.3"/>
+        </dgm:constrLst>
+        <dgm:ruleLst>
+          <dgm:rule type="h" val="INF" fact="NaN" max="NaN"/>
+        </dgm:ruleLst>
+      </dgm:layoutNode>
+      <dgm:choose name="Name1">
+        <dgm:if name="Name2" axis="ch" ptType="node" func="cnt" op="gte" val="1">
+          <dgm:layoutNode name="childText" styleLbl="revTx">
+            <dgm:varLst>
+              <dgm:bulletEnabled val="1"/>
+            </dgm:varLst>
+            <dgm:alg type="tx">
+              <dgm:param type="stBulletLvl" val="1"/>
+              <dgm:param type="lnSpAfChP" val="20"/>
+            </dgm:alg>
+            <dgm:shape xmlns:r="http://schemas.openxmlformats.org/officeDocument/2006/relationships" type="rect" r:blip="">
+              <dgm:adjLst/>
+            </dgm:shape>
+            <dgm:presOf axis="des" ptType="node"/>
+            <dgm:constrLst>
+              <dgm:constr type="tMarg" refType="primFontSz" fact="0.1"/>
+              <dgm:constr type="bMarg" refType="primFontSz" fact="0.1"/>
+              <dgm:constr type="lMarg" refType="w" fact="0.09"/>
+            </dgm:constrLst>
+            <dgm:ruleLst>
+              <dgm:rule type="h" val="INF" fact="NaN" max="NaN"/>
+            </dgm:ruleLst>
+          </dgm:layoutNode>
+        </dgm:if>
+        <dgm:else name="Name3">
+          <dgm:choose name="Name4">
+            <dgm:if name="Name5" axis="par ch" ptType="doc node" func="cnt" op="gte" val="2">
+              <dgm:forEach name="Name6" axis="followSib" ptType="sibTrans" cnt="1">
+                <dgm:layoutNode name="spacer">
+                  <dgm:alg type="sp"/>
+                  <dgm:shape xmlns:r="http://schemas.openxmlformats.org/officeDocument/2006/relationships" r:blip="">
+                    <dgm:adjLst/>
+                  </dgm:shape>
+                  <dgm:presOf/>
+                  <dgm:constrLst/>
+                  <dgm:ruleLst/>
+                </dgm:layoutNode>
+              </dgm:forEach>
+            </dgm:if>
+            <dgm:else name="Name7"/>
+          </dgm:choose>
+        </dgm:else>
+      </dgm:choose>
+    </dgm:forEach>
+  </dgm:layoutNode>
+</dgm:layoutDef>
+</file>
+
+<file path=ppt/diagrams/quickStyle1.xml><?xml version="1.0" encoding="utf-8"?>
+<dgm:styleDef xmlns:dgm="http://schemas.openxmlformats.org/drawingml/2006/diagram" xmlns:a="http://schemas.openxmlformats.org/drawingml/2006/main" uniqueId="urn:microsoft.com/office/officeart/2005/8/quickstyle/simple3">
+  <dgm:title val=""/>
+  <dgm:desc val=""/>
+  <dgm:catLst>
+    <dgm:cat type="simple" pri="10300"/>
+  </dgm:catLst>
+  <dgm:scene3d>
+    <a:camera prst="orthographicFront"/>
+    <a:lightRig rig="threePt" dir="t"/>
+  </dgm:scene3d>
+  <dgm:styleLbl name="node0">
+    <dgm:scene3d>
+      <a:camera prst="orthographicFront"/>
+      <a:lightRig rig="flat" dir="t"/>
+    </dgm:scene3d>
+    <dgm:sp3d prstMaterial="dkEdge">
+      <a:bevelT w="8200" h="38100"/>
+    </dgm:sp3d>
+    <dgm:txPr/>
+    <dgm:style>
+      <a:lnRef idx="0">
+        <a:scrgbClr r="0" g="0" b="0"/>
+      </a:lnRef>
+      <a:fillRef idx="2">
+        <a:scrgbClr r="0" g="0" b="0"/>
+      </a:fillRef>
+      <a:effectRef idx="1">
+        <a:scrgbClr r="0" g="0" b="0"/>
+      </a:effectRef>
+      <a:fontRef idx="minor">
+        <a:schemeClr val="dk1"/>
+      </a:fontRef>
+    </dgm:style>
+  </dgm:styleLbl>
+  <dgm:styleLbl name="lnNode1">
+    <dgm:scene3d>
+      <a:camera prst="orthographicFront"/>
+      <a:lightRig rig="flat" dir="t"/>
+    </dgm:scene3d>
+    <dgm:sp3d prstMaterial="dkEdge">
+      <a:bevelT w="8200" h="38100"/>
+    </dgm:sp3d>
+    <dgm:txPr/>
+    <dgm:style>
+      <a:lnRef idx="1">
+        <a:scrgbClr r="0" g="0" b="0"/>
+      </a:lnRef>
+      <a:fillRef idx="2">
+        <a:scrgbClr r="0" g="0" b="0"/>
+      </a:fillRef>
+      <a:effectRef idx="0">
+        <a:scrgbClr r="0" g="0" b="0"/>
+      </a:effectRef>
+      <a:fontRef idx="minor">
+        <a:schemeClr val="dk1"/>
+      </a:fontRef>
+    </dgm:style>
+  </dgm:styleLbl>
+  <dgm:styleLbl name="vennNode1">
+    <dgm:scene3d>
+      <a:camera prst="orthographicFront"/>
+      <a:lightRig rig="flat" dir="t"/>
+    </dgm:scene3d>
+    <dgm:sp3d prstMaterial="dkEdge">
+      <a:bevelT w="8200" h="38100"/>
+    </dgm:sp3d>
+    <dgm:txPr/>
+    <dgm:style>
+      <a:lnRef idx="0">
+        <a:scrgbClr r="0" g="0" b="0"/>
+      </a:lnRef>
+      <a:fillRef idx="2">
+        <a:scrgbClr r="0" g="0" b="0"/>
+      </a:fillRef>
+      <a:effectRef idx="0">
+        <a:scrgbClr r="0" g="0" b="0"/>
+      </a:effectRef>
+      <a:fontRef idx="minor">
+        <a:schemeClr val="tx1"/>
+      </a:fontRef>
+    </dgm:style>
+  </dgm:styleLbl>
+  <dgm:styleLbl name="alignNode1">
+    <dgm:scene3d>
+      <a:camera prst="orthographicFront"/>
+      <a:lightRig rig="threePt" dir="t"/>
+    </dgm:scene3d>
+    <dgm:sp3d/>
+    <dgm:txPr/>
+    <dgm:style>
+      <a:lnRef idx="1">
+        <a:scrgbClr r="0" g="0" b="0"/>
+      </a:lnRef>
+      <a:fillRef idx="2">
+        <a:scrgbClr r="0" g="0" b="0"/>
+      </a:fillRef>
+      <a:effectRef idx="1">
+        <a:scrgbClr r="0" g="0" b="0"/>
+      </a:effectRef>
+      <a:fontRef idx="minor">
+        <a:schemeClr val="dk1"/>
+      </a:fontRef>
+    </dgm:style>
+  </dgm:styleLbl>
+  <dgm:styleLbl name="node1">
+    <dgm:scene3d>
+      <a:camera prst="orthographicFront"/>
+      <a:lightRig rig="flat" dir="t"/>
+    </dgm:scene3d>
+    <dgm:sp3d prstMaterial="dkEdge">
+      <a:bevelT w="8200" h="38100"/>
+    </dgm:sp3d>
+    <dgm:txPr/>
+    <dgm:style>
+      <a:lnRef idx="0">
+        <a:scrgbClr r="0" g="0" b="0"/>
+      </a:lnRef>
+      <a:fillRef idx="2">
+        <a:scrgbClr r="0" g="0" b="0"/>
+      </a:fillRef>
+      <a:effectRef idx="1">
+        <a:scrgbClr r="0" g="0" b="0"/>
+      </a:effectRef>
+      <a:fontRef idx="minor">
+        <a:schemeClr val="dk1"/>
+      </a:fontRef>
+    </dgm:style>
+  </dgm:styleLbl>
+  <dgm:styleLbl name="node2">
+    <dgm:scene3d>
+      <a:camera prst="orthographicFront"/>
+      <a:lightRig rig="flat" dir="t"/>
+    </dgm:scene3d>
+    <dgm:sp3d prstMaterial="dkEdge">
+      <a:bevelT w="8200" h="38100"/>
+    </dgm:sp3d>
+    <dgm:txPr/>
+    <dgm:style>
+      <a:lnRef idx="0">
+        <a:scrgbClr r="0" g="0" b="0"/>
+      </a:lnRef>
+      <a:fillRef idx="2">
+        <a:scrgbClr r="0" g="0" b="0"/>
+      </a:fillRef>
+      <a:effectRef idx="1">
+        <a:scrgbClr r="0" g="0" b="0"/>
+      </a:effectRef>
+      <a:fontRef idx="minor">
+        <a:schemeClr val="dk1"/>
+      </a:fontRef>
+    </dgm:style>
+  </dgm:styleLbl>
+  <dgm:styleLbl name="node3">
+    <dgm:scene3d>
+      <a:camera prst="orthographicFront"/>
+      <a:lightRig rig="flat" dir="t"/>
+    </dgm:scene3d>
+    <dgm:sp3d prstMaterial="dkEdge">
+      <a:bevelT w="8200" h="38100"/>
+    </dgm:sp3d>
+    <dgm:txPr/>
+    <dgm:style>
+      <a:lnRef idx="0">
+        <a:scrgbClr r="0" g="0" b="0"/>
+      </a:lnRef>
+      <a:fillRef idx="2">
+        <a:scrgbClr r="0" g="0" b="0"/>
+      </a:fillRef>
+      <a:effectRef idx="1">
+        <a:scrgbClr r="0" g="0" b="0"/>
+      </a:effectRef>
+      <a:fontRef idx="minor">
+        <a:schemeClr val="dk1"/>
+      </a:fontRef>
+    </dgm:style>
+  </dgm:styleLbl>
+  <dgm:styleLbl name="node4">
+    <dgm:scene3d>
+      <a:camera prst="orthographicFront"/>
+      <a:lightRig rig="flat" dir="t"/>
+    </dgm:scene3d>
+    <dgm:sp3d prstMaterial="dkEdge">
+      <a:bevelT w="8200" h="38100"/>
+    </dgm:sp3d>
+    <dgm:txPr/>
+    <dgm:style>
+      <a:lnRef idx="0">
+        <a:scrgbClr r="0" g="0" b="0"/>
+      </a:lnRef>
+      <a:fillRef idx="2">
+        <a:scrgbClr r="0" g="0" b="0"/>
+      </a:fillRef>
+      <a:effectRef idx="1">
+        <a:scrgbClr r="0" g="0" b="0"/>
+      </a:effectRef>
+      <a:fontRef idx="minor">
+        <a:schemeClr val="dk1"/>
+      </a:fontRef>
+    </dgm:style>
+  </dgm:styleLbl>
+  <dgm:styleLbl name="fgImgPlace1">
+    <dgm:scene3d>
+      <a:camera prst="orthographicFront"/>
+      <a:lightRig rig="threePt" dir="t"/>
+    </dgm:scene3d>
+    <dgm:sp3d/>
+    <dgm:txPr/>
+    <dgm:style>
+      <a:lnRef idx="1">
+        <a:scrgbClr r="0" g="0" b="0"/>
+      </a:lnRef>
+      <a:fillRef idx="1">
+        <a:scrgbClr r="0" g="0" b="0"/>
+      </a:fillRef>
+      <a:effectRef idx="1">
+        <a:scrgbClr r="0" g="0" b="0"/>
+      </a:effectRef>
+      <a:fontRef idx="minor"/>
+    </dgm:style>
+  </dgm:styleLbl>
+  <dgm:styleLbl name="alignImgPlace1">
+    <dgm:scene3d>
+      <a:camera prst="orthographicFront"/>
+      <a:lightRig rig="threePt" dir="t"/>
+    </dgm:scene3d>
+    <dgm:sp3d/>
+    <dgm:txPr/>
+    <dgm:style>
+      <a:lnRef idx="1">
+        <a:scrgbClr r="0" g="0" b="0"/>
+      </a:lnRef>
+      <a:fillRef idx="1">
+        <a:scrgbClr r="0" g="0" b="0"/>
+      </a:fillRef>
+      <a:effectRef idx="1">
+        <a:scrgbClr r="0" g="0" b="0"/>
+      </a:effectRef>
+      <a:fontRef idx="minor"/>
+    </dgm:style>
+  </dgm:styleLbl>
+  <dgm:styleLbl name="bgImgPlace1">
+    <dgm:scene3d>
+      <a:camera prst="orthographicFront"/>
+      <a:lightRig rig="threePt" dir="t"/>
+    </dgm:scene3d>
+    <dgm:sp3d/>
+    <dgm:txPr/>
+    <dgm:style>
+      <a:lnRef idx="1">
+        <a:scrgbClr r="0" g="0" b="0"/>
+      </a:lnRef>
+      <a:fillRef idx="1">
+        <a:scrgbClr r="0" g="0" b="0"/>
+      </a:fillRef>
+      <a:effectRef idx="1">
+        <a:scrgbClr r="0" g="0" b="0"/>
+      </a:effectRef>
+      <a:fontRef idx="minor"/>
+    </dgm:style>
+  </dgm:styleLbl>
+  <dgm:styleLbl name="sibTrans2D1">
+    <dgm:scene3d>
+      <a:camera prst="orthographicFront"/>
+      <a:lightRig rig="threePt" dir="t"/>
+    </dgm:scene3d>
+    <dgm:sp3d/>
+    <dgm:txPr/>
+    <dgm:style>
+      <a:lnRef idx="0">
+        <a:scrgbClr r="0" g="0" b="0"/>
+      </a:lnRef>
+      <a:fillRef idx="2">
+        <a:scrgbClr r="0" g="0" b="0"/>
+      </a:fillRef>
+      <a:effectRef idx="1">
+        <a:scrgbClr r="0" g="0" b="0"/>
+      </a:effectRef>
+      <a:fontRef idx="minor">
+        <a:schemeClr val="dk1"/>
+      </a:fontRef>
+    </dgm:style>
+  </dgm:styleLbl>
+  <dgm:styleLbl name="fgSibTrans2D1">
+    <dgm:scene3d>
+      <a:camera prst="orthographicFront"/>
+      <a:lightRig rig="threePt" dir="t"/>
+    </dgm:scene3d>
+    <dgm:sp3d/>
+    <dgm:txPr/>
+    <dgm:style>
+      <a:lnRef idx="0">
+        <a:scrgbClr r="0" g="0" b="0"/>
+      </a:lnRef>
+      <a:fillRef idx="2">
+        <a:scrgbClr r="0" g="0" b="0"/>
+      </a:fillRef>
+      <a:effectRef idx="1">
+        <a:scrgbClr r="0" g="0" b="0"/>
+      </a:effectRef>
+      <a:fontRef idx="minor">
+        <a:schemeClr val="dk1"/>
+      </a:fontRef>
+    </dgm:style>
+  </dgm:styleLbl>
+  <dgm:styleLbl name="bgSibTrans2D1">
+    <dgm:scene3d>
+      <a:camera prst="orthographicFront"/>
+      <a:lightRig rig="threePt" dir="t"/>
+    </dgm:scene3d>
+    <dgm:sp3d/>
+    <dgm:txPr/>
+    <dgm:style>
+      <a:lnRef idx="0">
+        <a:scrgbClr r="0" g="0" b="0"/>
+      </a:lnRef>
+      <a:fillRef idx="2">
+        <a:scrgbClr r="0" g="0" b="0"/>
+      </a:fillRef>
+      <a:effectRef idx="1">
+        <a:scrgbClr r="0" g="0" b="0"/>
+      </a:effectRef>
+      <a:fontRef idx="minor">
+        <a:schemeClr val="dk1"/>
+      </a:fontRef>
+    </dgm:style>
+  </dgm:styleLbl>
+  <dgm:styleLbl name="sibTrans1D1">
+    <dgm:scene3d>
+      <a:camera prst="orthographicFront"/>
+      <a:lightRig rig="threePt" dir="t"/>
+    </dgm:scene3d>
+    <dgm:sp3d/>
+    <dgm:txPr/>
+    <dgm:style>
+      <a:lnRef idx="1">
+        <a:scrgbClr r="0" g="0" b="0"/>
+      </a:lnRef>
+      <a:fillRef idx="0">
+        <a:scrgbClr r="0" g="0" b="0"/>
+      </a:fillRef>
+      <a:effectRef idx="0">
+        <a:scrgbClr r="0" g="0" b="0"/>
+      </a:effectRef>
+      <a:fontRef idx="minor"/>
+    </dgm:style>
+  </dgm:styleLbl>
+  <dgm:styleLbl name="callout">
+    <dgm:scene3d>
+      <a:camera prst="orthographicFront"/>
+      <a:lightRig rig="threePt" dir="t"/>
+    </dgm:scene3d>
+    <dgm:sp3d/>
+    <dgm:txPr/>
+    <dgm:style>
+      <a:lnRef idx="1">
+        <a:scrgbClr r="0" g="0" b="0"/>
+      </a:lnRef>
+      <a:fillRef idx="2">
+        <a:scrgbClr r="0" g="0" b="0"/>
+      </a:fillRef>
+      <a:effectRef idx="1">
+        <a:scrgbClr r="0" g="0" b="0"/>
+      </a:effectRef>
+      <a:fontRef idx="minor"/>
+    </dgm:style>
+  </dgm:styleLbl>
+  <dgm:styleLbl name="asst0">
+    <dgm:scene3d>
+      <a:camera prst="orthographicFront"/>
+      <a:lightRig rig="flat" dir="t"/>
+    </dgm:scene3d>
+    <dgm:sp3d prstMaterial="dkEdge">
+      <a:bevelT w="8200" h="38100"/>
+    </dgm:sp3d>
+    <dgm:txPr/>
+    <dgm:style>
+      <a:lnRef idx="0">
+        <a:scrgbClr r="0" g="0" b="0"/>
+      </a:lnRef>
+      <a:fillRef idx="2">
+        <a:scrgbClr r="0" g="0" b="0"/>
+      </a:fillRef>
+      <a:effectRef idx="1">
+        <a:scrgbClr r="0" g="0" b="0"/>
+      </a:effectRef>
+      <a:fontRef idx="minor">
+        <a:schemeClr val="dk1"/>
+      </a:fontRef>
+    </dgm:style>
+  </dgm:styleLbl>
+  <dgm:styleLbl name="asst1">
+    <dgm:scene3d>
+      <a:camera prst="orthographicFront"/>
+      <a:lightRig rig="flat" dir="t"/>
+    </dgm:scene3d>
+    <dgm:sp3d prstMaterial="dkEdge">
+      <a:bevelT w="8200" h="38100"/>
+    </dgm:sp3d>
+    <dgm:txPr/>
+    <dgm:style>
+      <a:lnRef idx="0">
+        <a:scrgbClr r="0" g="0" b="0"/>
+      </a:lnRef>
+      <a:fillRef idx="2">
+        <a:scrgbClr r="0" g="0" b="0"/>
+      </a:fillRef>
+      <a:effectRef idx="1">
+        <a:scrgbClr r="0" g="0" b="0"/>
+      </a:effectRef>
+      <a:fontRef idx="minor">
+        <a:schemeClr val="dk1"/>
+      </a:fontRef>
+    </dgm:style>
+  </dgm:styleLbl>
+  <dgm:styleLbl name="asst2">
+    <dgm:scene3d>
+      <a:camera prst="orthographicFront"/>
+      <a:lightRig rig="flat" dir="t"/>
+    </dgm:scene3d>
+    <dgm:sp3d prstMaterial="dkEdge">
+      <a:bevelT w="8200" h="38100"/>
+    </dgm:sp3d>
+    <dgm:txPr/>
+    <dgm:style>
+      <a:lnRef idx="0">
+        <a:scrgbClr r="0" g="0" b="0"/>
+      </a:lnRef>
+      <a:fillRef idx="2">
+        <a:scrgbClr r="0" g="0" b="0"/>
+      </a:fillRef>
+      <a:effectRef idx="1">
+        <a:scrgbClr r="0" g="0" b="0"/>
+      </a:effectRef>
+      <a:fontRef idx="minor">
+        <a:schemeClr val="dk1"/>
+      </a:fontRef>
+    </dgm:style>
+  </dgm:styleLbl>
+  <dgm:styleLbl name="asst3">
+    <dgm:scene3d>
+      <a:camera prst="orthographicFront"/>
+      <a:lightRig rig="flat" dir="t"/>
+    </dgm:scene3d>
+    <dgm:sp3d prstMaterial="dkEdge">
+      <a:bevelT w="8200" h="38100"/>
+    </dgm:sp3d>
+    <dgm:txPr/>
+    <dgm:style>
+      <a:lnRef idx="0">
+        <a:scrgbClr r="0" g="0" b="0"/>
+      </a:lnRef>
+      <a:fillRef idx="2">
+        <a:scrgbClr r="0" g="0" b="0"/>
+      </a:fillRef>
+      <a:effectRef idx="1">
+        <a:scrgbClr r="0" g="0" b="0"/>
+      </a:effectRef>
+      <a:fontRef idx="minor">
+        <a:schemeClr val="dk1"/>
+      </a:fontRef>
+    </dgm:style>
+  </dgm:styleLbl>
+  <dgm:styleLbl name="asst4">
+    <dgm:scene3d>
+      <a:camera prst="orthographicFront"/>
+      <a:lightRig rig="flat" dir="t"/>
+    </dgm:scene3d>
+    <dgm:sp3d prstMaterial="dkEdge">
+      <a:bevelT w="8200" h="38100"/>
+    </dgm:sp3d>
+    <dgm:txPr/>
+    <dgm:style>
+      <a:lnRef idx="0">
+        <a:scrgbClr r="0" g="0" b="0"/>
+      </a:lnRef>
+      <a:fillRef idx="2">
+        <a:scrgbClr r="0" g="0" b="0"/>
+      </a:fillRef>
+      <a:effectRef idx="1">
+        <a:scrgbClr r="0" g="0" b="0"/>
+      </a:effectRef>
+      <a:fontRef idx="minor">
+        <a:schemeClr val="dk1"/>
+      </a:fontRef>
+    </dgm:style>
+  </dgm:styleLbl>
+  <dgm:styleLbl name="parChTrans2D1">
+    <dgm:scene3d>
+      <a:camera prst="orthographicFront"/>
+      <a:lightRig rig="threePt" dir="t"/>
+    </dgm:scene3d>
+    <dgm:sp3d/>
+    <dgm:txPr/>
+    <dgm:style>
+      <a:lnRef idx="1">
+        <a:scrgbClr r="0" g="0" b="0"/>
+      </a:lnRef>
+      <a:fillRef idx="2">
+        <a:scrgbClr r="0" g="0" b="0"/>
+      </a:fillRef>
+      <a:effectRef idx="1">
+        <a:scrgbClr r="0" g="0" b="0"/>
+      </a:effectRef>
+      <a:fontRef idx="minor">
+        <a:schemeClr val="dk1"/>
+      </a:fontRef>
+    </dgm:style>
+  </dgm:styleLbl>
+  <dgm:styleLbl name="parChTrans2D2">
+    <dgm:scene3d>
+      <a:camera prst="orthographicFront"/>
+      <a:lightRig rig="threePt" dir="t"/>
+    </dgm:scene3d>
+    <dgm:sp3d/>
+    <dgm:txPr/>
+    <dgm:style>
+      <a:lnRef idx="1">
+        <a:scrgbClr r="0" g="0" b="0"/>
+      </a:lnRef>
+      <a:fillRef idx="2">
+        <a:scrgbClr r="0" g="0" b="0"/>
+      </a:fillRef>
+      <a:effectRef idx="1">
+        <a:scrgbClr r="0" g="0" b="0"/>
+      </a:effectRef>
+      <a:fontRef idx="minor">
+        <a:schemeClr val="dk1"/>
+      </a:fontRef>
+    </dgm:style>
+  </dgm:styleLbl>
+  <dgm:styleLbl name="parChTrans2D3">
+    <dgm:scene3d>
+      <a:camera prst="orthographicFront"/>
+      <a:lightRig rig="threePt" dir="t"/>
+    </dgm:scene3d>
+    <dgm:sp3d/>
+    <dgm:txPr/>
+    <dgm:style>
+      <a:lnRef idx="1">
+        <a:scrgbClr r="0" g="0" b="0"/>
+      </a:lnRef>
+      <a:fillRef idx="2">
+        <a:scrgbClr r="0" g="0" b="0"/>
+      </a:fillRef>
+      <a:effectRef idx="1">
+        <a:scrgbClr r="0" g="0" b="0"/>
+      </a:effectRef>
+      <a:fontRef idx="minor">
+        <a:schemeClr val="dk1"/>
+      </a:fontRef>
+    </dgm:style>
+  </dgm:styleLbl>
+  <dgm:styleLbl name="parChTrans2D4">
+    <dgm:scene3d>
+      <a:camera prst="orthographicFront"/>
+      <a:lightRig rig="threePt" dir="t"/>
+    </dgm:scene3d>
+    <dgm:sp3d/>
+    <dgm:txPr/>
+    <dgm:style>
+      <a:lnRef idx="1">
+        <a:scrgbClr r="0" g="0" b="0"/>
+      </a:lnRef>
+      <a:fillRef idx="2">
+        <a:scrgbClr r="0" g="0" b="0"/>
+      </a:fillRef>
+      <a:effectRef idx="1">
+        <a:scrgbClr r="0" g="0" b="0"/>
+      </a:effectRef>
+      <a:fontRef idx="minor">
+        <a:schemeClr val="dk1"/>
+      </a:fontRef>
+    </dgm:style>
+  </dgm:styleLbl>
+  <dgm:styleLbl name="parChTrans1D1">
+    <dgm:scene3d>
+      <a:camera prst="orthographicFront"/>
+      <a:lightRig rig="threePt" dir="t"/>
+    </dgm:scene3d>
+    <dgm:sp3d/>
+    <dgm:txPr/>
+    <dgm:style>
+      <a:lnRef idx="2">
+        <a:scrgbClr r="0" g="0" b="0"/>
+      </a:lnRef>
+      <a:fillRef idx="0">
+        <a:scrgbClr r="0" g="0" b="0"/>
+      </a:fillRef>
+      <a:effectRef idx="0">
+        <a:scrgbClr r="0" g="0" b="0"/>
+      </a:effectRef>
+      <a:fontRef idx="minor"/>
+    </dgm:style>
+  </dgm:styleLbl>
+  <dgm:styleLbl name="parChTrans1D2">
+    <dgm:scene3d>
+      <a:camera prst="orthographicFront"/>
+      <a:lightRig rig="threePt" dir="t"/>
+    </dgm:scene3d>
+    <dgm:sp3d/>
+    <dgm:txPr/>
+    <dgm:style>
+      <a:lnRef idx="2">
+        <a:scrgbClr r="0" g="0" b="0"/>
+      </a:lnRef>
+      <a:fillRef idx="0">
+        <a:scrgbClr r="0" g="0" b="0"/>
+      </a:fillRef>
+      <a:effectRef idx="0">
+        <a:scrgbClr r="0" g="0" b="0"/>
+      </a:effectRef>
+      <a:fontRef idx="minor"/>
+    </dgm:style>
+  </dgm:styleLbl>
+  <dgm:styleLbl name="parChTrans1D3">
+    <dgm:scene3d>
+      <a:camera prst="orthographicFront"/>
+      <a:lightRig rig="threePt" dir="t"/>
+    </dgm:scene3d>
+    <dgm:sp3d/>
+    <dgm:txPr/>
+    <dgm:style>
+      <a:lnRef idx="2">
+        <a:scrgbClr r="0" g="0" b="0"/>
+      </a:lnRef>
+      <a:fillRef idx="0">
+        <a:scrgbClr r="0" g="0" b="0"/>
+      </a:fillRef>
+      <a:effectRef idx="0">
+        <a:scrgbClr r="0" g="0" b="0"/>
+      </a:effectRef>
+      <a:fontRef idx="minor"/>
+    </dgm:style>
+  </dgm:styleLbl>
+  <dgm:styleLbl name="parChTrans1D4">
+    <dgm:scene3d>
+      <a:camera prst="orthographicFront"/>
+      <a:lightRig rig="threePt" dir="t"/>
+    </dgm:scene3d>
+    <dgm:sp3d/>
+    <dgm:txPr/>
+    <dgm:style>
+      <a:lnRef idx="2">
+        <a:scrgbClr r="0" g="0" b="0"/>
+      </a:lnRef>
+      <a:fillRef idx="0">
+        <a:scrgbClr r="0" g="0" b="0"/>
+      </a:fillRef>
+      <a:effectRef idx="0">
+        <a:scrgbClr r="0" g="0" b="0"/>
+      </a:effectRef>
+      <a:fontRef idx="minor"/>
+    </dgm:style>
+  </dgm:styleLbl>
+  <dgm:styleLbl name="fgAcc1">
+    <dgm:scene3d>
+      <a:camera prst="orthographicFront"/>
+      <a:lightRig rig="threePt" dir="t"/>
+    </dgm:scene3d>
+    <dgm:sp3d/>
+    <dgm:txPr/>
+    <dgm:style>
+      <a:lnRef idx="1">
+        <a:scrgbClr r="0" g="0" b="0"/>
+      </a:lnRef>
+      <a:fillRef idx="1">
+        <a:scrgbClr r="0" g="0" b="0"/>
+      </a:fillRef>
+      <a:effectRef idx="0">
+        <a:scrgbClr r="0" g="0" b="0"/>
+      </a:effectRef>
+      <a:fontRef idx="minor"/>
+    </dgm:style>
+  </dgm:styleLbl>
+  <dgm:styleLbl name="conFgAcc1">
+    <dgm:scene3d>
+      <a:camera prst="orthographicFront"/>
+      <a:lightRig rig="threePt" dir="t"/>
+    </dgm:scene3d>
+    <dgm:sp3d/>
+    <dgm:txPr/>
+    <dgm:style>
+      <a:lnRef idx="1">
+        <a:scrgbClr r="0" g="0" b="0"/>
+      </a:lnRef>
+      <a:fillRef idx="1">
+        <a:scrgbClr r="0" g="0" b="0"/>
+      </a:fillRef>
+      <a:effectRef idx="0">
+        <a:scrgbClr r="0" g="0" b="0"/>
+      </a:effectRef>
+      <a:fontRef idx="minor"/>
+    </dgm:style>
+  </dgm:styleLbl>
+  <dgm:styleLbl name="alignAcc1">
+    <dgm:scene3d>
+      <a:camera prst="orthographicFront"/>
+      <a:lightRig rig="threePt" dir="t"/>
+    </dgm:scene3d>
+    <dgm:sp3d/>
+    <dgm:txPr/>
+    <dgm:style>
+      <a:lnRef idx="1">
+        <a:scrgbClr r="0" g="0" b="0"/>
+      </a:lnRef>
+      <a:fillRef idx="1">
+        <a:scrgbClr r="0" g="0" b="0"/>
+      </a:fillRef>
+      <a:effectRef idx="0">
+        <a:scrgbClr r="0" g="0" b="0"/>
+      </a:effectRef>
+      <a:fontRef idx="minor"/>
+    </dgm:style>
+  </dgm:styleLbl>
+  <dgm:styleLbl name="trAlignAcc1">
+    <dgm:scene3d>
+      <a:camera prst="orthographicFront"/>
+      <a:lightRig rig="threePt" dir="t"/>
+    </dgm:scene3d>
+    <dgm:sp3d/>
+    <dgm:txPr/>
+    <dgm:style>
+      <a:lnRef idx="1">
+        <a:scrgbClr r="0" g="0" b="0"/>
+      </a:lnRef>
+      <a:fillRef idx="1">
+        <a:scrgbClr r="0" g="0" b="0"/>
+      </a:fillRef>
+      <a:effectRef idx="0">
+        <a:scrgbClr r="0" g="0" b="0"/>
+      </a:effectRef>
+      <a:fontRef idx="minor"/>
+    </dgm:style>
+  </dgm:styleLbl>
+  <dgm:styleLbl name="bgAcc1">
+    <dgm:scene3d>
+      <a:camera prst="orthographicFront"/>
+      <a:lightRig rig="threePt" dir="t"/>
+    </dgm:scene3d>
+    <dgm:sp3d/>
+    <dgm:txPr/>
+    <dgm:style>
+      <a:lnRef idx="1">
+        <a:scrgbClr r="0" g="0" b="0"/>
+      </a:lnRef>
+      <a:fillRef idx="1">
+        <a:scrgbClr r="0" g="0" b="0"/>
+      </a:fillRef>
+      <a:effectRef idx="0">
+        <a:scrgbClr r="0" g="0" b="0"/>
+      </a:effectRef>
+      <a:fontRef idx="minor"/>
+    </dgm:style>
+  </dgm:styleLbl>
+  <dgm:styleLbl name="solidFgAcc1">
+    <dgm:scene3d>
+      <a:camera prst="orthographicFront"/>
+      <a:lightRig rig="threePt" dir="t"/>
+    </dgm:scene3d>
+    <dgm:sp3d/>
+    <dgm:txPr/>
+    <dgm:style>
+      <a:lnRef idx="1">
+        <a:scrgbClr r="0" g="0" b="0"/>
+      </a:lnRef>
+      <a:fillRef idx="2">
+        <a:scrgbClr r="0" g="0" b="0"/>
+      </a:fillRef>
+      <a:effectRef idx="0">
+        <a:scrgbClr r="0" g="0" b="0"/>
+      </a:effectRef>
+      <a:fontRef idx="minor"/>
+    </dgm:style>
+  </dgm:styleLbl>
+  <dgm:styleLbl name="solidAlignAcc1">
+    <dgm:scene3d>
+      <a:camera prst="orthographicFront"/>
+      <a:lightRig rig="threePt" dir="t"/>
+    </dgm:scene3d>
+    <dgm:sp3d/>
+    <dgm:txPr/>
+    <dgm:style>
+      <a:lnRef idx="1">
+        <a:scrgbClr r="0" g="0" b="0"/>
+      </a:lnRef>
+      <a:fillRef idx="1">
+        <a:scrgbClr r="0" g="0" b="0"/>
+      </a:fillRef>
+      <a:effectRef idx="0">
+        <a:scrgbClr r="0" g="0" b="0"/>
+      </a:effectRef>
+      <a:fontRef idx="minor"/>
+    </dgm:style>
+  </dgm:styleLbl>
+  <dgm:styleLbl name="solidBgAcc1">
+    <dgm:scene3d>
+      <a:camera prst="orthographicFront"/>
+      <a:lightRig rig="threePt" dir="t"/>
+    </dgm:scene3d>
+    <dgm:sp3d/>
+    <dgm:txPr/>
+    <dgm:style>
+      <a:lnRef idx="1">
+        <a:scrgbClr r="0" g="0" b="0"/>
+      </a:lnRef>
+      <a:fillRef idx="1">
+        <a:scrgbClr r="0" g="0" b="0"/>
+      </a:fillRef>
+      <a:effectRef idx="0">
+        <a:scrgbClr r="0" g="0" b="0"/>
+      </a:effectRef>
+      <a:fontRef idx="minor"/>
+    </dgm:style>
+  </dgm:styleLbl>
+  <dgm:styleLbl name="fgAccFollowNode1">
+    <dgm:scene3d>
+      <a:camera prst="orthographicFront"/>
+      <a:lightRig rig="threePt" dir="t"/>
+    </dgm:scene3d>
+    <dgm:sp3d/>
+    <dgm:txPr/>
+    <dgm:style>
+      <a:lnRef idx="1">
+        <a:scrgbClr r="0" g="0" b="0"/>
+      </a:lnRef>
+      <a:fillRef idx="1">
+        <a:scrgbClr r="0" g="0" b="0"/>
+      </a:fillRef>
+      <a:effectRef idx="0">
+        <a:scrgbClr r="0" g="0" b="0"/>
+      </a:effectRef>
+      <a:fontRef idx="minor"/>
+    </dgm:style>
+  </dgm:styleLbl>
+  <dgm:styleLbl name="alignAccFollowNode1">
+    <dgm:scene3d>
+      <a:camera prst="orthographicFront"/>
+      <a:lightRig rig="threePt" dir="t"/>
+    </dgm:scene3d>
+    <dgm:sp3d/>
+    <dgm:txPr/>
+    <dgm:style>
+      <a:lnRef idx="1">
+        <a:scrgbClr r="0" g="0" b="0"/>
+      </a:lnRef>
+      <a:fillRef idx="1">
+        <a:scrgbClr r="0" g="0" b="0"/>
+      </a:fillRef>
+      <a:effectRef idx="0">
+        <a:scrgbClr r="0" g="0" b="0"/>
+      </a:effectRef>
+      <a:fontRef idx="minor"/>
+    </dgm:style>
+  </dgm:styleLbl>
+  <dgm:styleLbl name="bgAccFollowNode1">
+    <dgm:scene3d>
+      <a:camera prst="orthographicFront"/>
+      <a:lightRig rig="threePt" dir="t"/>
+    </dgm:scene3d>
+    <dgm:sp3d/>
+    <dgm:txPr/>
+    <dgm:style>
+      <a:lnRef idx="1">
+        <a:scrgbClr r="0" g="0" b="0"/>
+      </a:lnRef>
+      <a:fillRef idx="1">
+        <a:scrgbClr r="0" g="0" b="0"/>
+      </a:fillRef>
+      <a:effectRef idx="0">
+        <a:scrgbClr r="0" g="0" b="0"/>
+      </a:effectRef>
+      <a:fontRef idx="minor"/>
+    </dgm:style>
+  </dgm:styleLbl>
+  <dgm:styleLbl name="fgAcc0">
+    <dgm:scene3d>
+      <a:camera prst="orthographicFront"/>
+      <a:lightRig rig="threePt" dir="t"/>
+    </dgm:scene3d>
+    <dgm:sp3d/>
+    <dgm:txPr/>
+    <dgm:style>
+      <a:lnRef idx="1">
+        <a:scrgbClr r="0" g="0" b="0"/>
+      </a:lnRef>
+      <a:fillRef idx="1">
+        <a:scrgbClr r="0" g="0" b="0"/>
+      </a:fillRef>
+      <a:effectRef idx="0">
+        <a:scrgbClr r="0" g="0" b="0"/>
+      </a:effectRef>
+      <a:fontRef idx="minor"/>
+    </dgm:style>
+  </dgm:styleLbl>
+  <dgm:styleLbl name="fgAcc2">
+    <dgm:scene3d>
+      <a:camera prst="orthographicFront"/>
+      <a:lightRig rig="threePt" dir="t"/>
+    </dgm:scene3d>
+    <dgm:sp3d/>
+    <dgm:txPr/>
+    <dgm:style>
+      <a:lnRef idx="1">
+        <a:scrgbClr r="0" g="0" b="0"/>
+      </a:lnRef>
+      <a:fillRef idx="1">
+        <a:scrgbClr r="0" g="0" b="0"/>
+      </a:fillRef>
+      <a:effectRef idx="0">
+        <a:scrgbClr r="0" g="0" b="0"/>
+      </a:effectRef>
+      <a:fontRef idx="minor"/>
+    </dgm:style>
+  </dgm:styleLbl>
+  <dgm:styleLbl name="fgAcc3">
+    <dgm:scene3d>
+      <a:camera prst="orthographicFront"/>
+      <a:lightRig rig="threePt" dir="t"/>
+    </dgm:scene3d>
+    <dgm:sp3d/>
+    <dgm:txPr/>
+    <dgm:style>
+      <a:lnRef idx="1">
+        <a:scrgbClr r="0" g="0" b="0"/>
+      </a:lnRef>
+      <a:fillRef idx="1">
+        <a:scrgbClr r="0" g="0" b="0"/>
+      </a:fillRef>
+      <a:effectRef idx="0">
+        <a:scrgbClr r="0" g="0" b="0"/>
+      </a:effectRef>
+      <a:fontRef idx="minor"/>
+    </dgm:style>
+  </dgm:styleLbl>
+  <dgm:styleLbl name="fgAcc4">
+    <dgm:scene3d>
+      <a:camera prst="orthographicFront"/>
+      <a:lightRig rig="threePt" dir="t"/>
+    </dgm:scene3d>
+    <dgm:sp3d/>
+    <dgm:txPr/>
+    <dgm:style>
+      <a:lnRef idx="1">
+        <a:scrgbClr r="0" g="0" b="0"/>
+      </a:lnRef>
+      <a:fillRef idx="1">
+        <a:scrgbClr r="0" g="0" b="0"/>
+      </a:fillRef>
+      <a:effectRef idx="0">
+        <a:scrgbClr r="0" g="0" b="0"/>
+      </a:effectRef>
+      <a:fontRef idx="minor"/>
+    </dgm:style>
+  </dgm:styleLbl>
+  <dgm:styleLbl name="bgShp">
+    <dgm:scene3d>
+      <a:camera prst="orthographicFront"/>
+      <a:lightRig rig="threePt" dir="t"/>
+    </dgm:scene3d>
+    <dgm:sp3d/>
+    <dgm:txPr/>
+    <dgm:style>
+      <a:lnRef idx="0">
+        <a:scrgbClr r="0" g="0" b="0"/>
+      </a:lnRef>
+      <a:fillRef idx="1">
+        <a:scrgbClr r="0" g="0" b="0"/>
+      </a:fillRef>
+      <a:effectRef idx="1">
+        <a:scrgbClr r="0" g="0" b="0"/>
+      </a:effectRef>
+      <a:fontRef idx="minor"/>
+    </dgm:style>
+  </dgm:styleLbl>
+  <dgm:styleLbl name="dkBgShp">
+    <dgm:scene3d>
+      <a:camera prst="orthographicFront"/>
+      <a:lightRig rig="threePt" dir="t"/>
+    </dgm:scene3d>
+    <dgm:sp3d/>
+    <dgm:txPr/>
+    <dgm:style>
+      <a:lnRef idx="0">
+        <a:scrgbClr r="0" g="0" b="0"/>
+      </a:lnRef>
+      <a:fillRef idx="1">
+        <a:scrgbClr r="0" g="0" b="0"/>
+      </a:fillRef>
+      <a:effectRef idx="1">
+        <a:scrgbClr r="0" g="0" b="0"/>
+      </a:effectRef>
+      <a:fontRef idx="minor"/>
+    </dgm:style>
+  </dgm:styleLbl>
+  <dgm:styleLbl name="trBgShp">
+    <dgm:scene3d>
+      <a:camera prst="orthographicFront"/>
+      <a:lightRig rig="threePt" dir="t"/>
+    </dgm:scene3d>
+    <dgm:sp3d/>
+    <dgm:txPr/>
+    <dgm:style>
+      <a:lnRef idx="0">
+        <a:scrgbClr r="0" g="0" b="0"/>
+      </a:lnRef>
+      <a:fillRef idx="1">
+        <a:scrgbClr r="0" g="0" b="0"/>
+      </a:fillRef>
+      <a:effectRef idx="0">
+        <a:scrgbClr r="0" g="0" b="0"/>
+      </a:effectRef>
+      <a:fontRef idx="minor"/>
+    </dgm:style>
+  </dgm:styleLbl>
+  <dgm:styleLbl name="fgShp">
+    <dgm:scene3d>
+      <a:camera prst="orthographicFront"/>
+      <a:lightRig rig="flat" dir="t"/>
+    </dgm:scene3d>
+    <dgm:sp3d prstMaterial="dkEdge">
+      <a:bevelT w="8200" h="38100"/>
+    </dgm:sp3d>
+    <dgm:txPr/>
+    <dgm:style>
+      <a:lnRef idx="1">
+        <a:scrgbClr r="0" g="0" b="0"/>
+      </a:lnRef>
+      <a:fillRef idx="2">
+        <a:scrgbClr r="0" g="0" b="0"/>
+      </a:fillRef>
+      <a:effectRef idx="1">
+        <a:scrgbClr r="0" g="0" b="0"/>
+      </a:effectRef>
+      <a:fontRef idx="minor"/>
+    </dgm:style>
+  </dgm:styleLbl>
+  <dgm:styleLbl name="revTx">
+    <dgm:scene3d>
+      <a:camera prst="orthographicFront"/>
+      <a:lightRig rig="threePt" dir="t"/>
+    </dgm:scene3d>
+    <dgm:sp3d/>
+    <dgm:txPr/>
+    <dgm:style>
+      <a:lnRef idx="0">
+        <a:scrgbClr r="0" g="0" b="0"/>
+      </a:lnRef>
+      <a:fillRef idx="0">
+        <a:scrgbClr r="0" g="0" b="0"/>
+      </a:fillRef>
+      <a:effectRef idx="0">
+        <a:scrgbClr r="0" g="0" b="0"/>
+      </a:effectRef>
+      <a:fontRef idx="minor"/>
+    </dgm:style>
+  </dgm:styleLbl>
+</dgm:styleDef>
+</file>
+
 <file path=ppt/notesMasters/notesMaster1.xml><?xml version="1.0" encoding="utf-8"?>
 <p:notesMaster xmlns:a="http://schemas.openxmlformats.org/drawingml/2006/main" xmlns:r="http://schemas.openxmlformats.org/officeDocument/2006/relationships" xmlns:mc="http://schemas.openxmlformats.org/markup-compatibility/2006" xmlns:mv="urn:schemas-microsoft-com:mac:vml" xmlns:p="http://schemas.openxmlformats.org/presentationml/2006/main" mc:Ignorable="mv" mc:PreserveAttributes="mv:*">
   <p:cSld>
@@ -202,7 +2594,7 @@
             <a:fld id="{DD61A0B6-532F-3442-A6F9-08FF126C85A4}" type="datetimeFigureOut">
               <a:rPr lang="en-US" smtClean="0"/>
               <a:pPr/>
-              <a:t>3/9/09</a:t>
+              <a:t>3/11/09</a:t>
             </a:fld>
             <a:endParaRPr lang="en-US"/>
           </a:p>
@@ -605,143 +2997,6 @@
 </p:notes>
 </file>
 
-<file path=ppt/notesSlides/notesSlide10.xml><?xml version="1.0" encoding="utf-8"?>
-<p:notes xmlns:a="http://schemas.openxmlformats.org/drawingml/2006/main" xmlns:r="http://schemas.openxmlformats.org/officeDocument/2006/relationships" xmlns:mc="http://schemas.openxmlformats.org/markup-compatibility/2006" xmlns:mv="urn:schemas-microsoft-com:mac:vml" xmlns:p="http://schemas.openxmlformats.org/presentationml/2006/main" mc:Ignorable="mv" mc:PreserveAttributes="mv:*">
-  <p:cSld>
-    <p:spTree>
-      <p:nvGrpSpPr>
-        <p:cNvPr id="1" name=""/>
-        <p:cNvGrpSpPr/>
-        <p:nvPr/>
-      </p:nvGrpSpPr>
-      <p:grpSpPr>
-        <a:xfrm>
-          <a:off x="0" y="0"/>
-          <a:ext cx="0" cy="0"/>
-          <a:chOff x="0" y="0"/>
-          <a:chExt cx="0" cy="0"/>
-        </a:xfrm>
-      </p:grpSpPr>
-      <p:sp>
-        <p:nvSpPr>
-          <p:cNvPr id="2" name="Slide Image Placeholder 1"/>
-          <p:cNvSpPr>
-            <a:spLocks noGrp="1" noRot="1" noChangeAspect="1"/>
-          </p:cNvSpPr>
-          <p:nvPr>
-            <p:ph type="sldImg"/>
-          </p:nvPr>
-        </p:nvSpPr>
-        <p:spPr/>
-      </p:sp>
-      <p:sp>
-        <p:nvSpPr>
-          <p:cNvPr id="3" name="Notes Placeholder 2"/>
-          <p:cNvSpPr>
-            <a:spLocks noGrp="1"/>
-          </p:cNvSpPr>
-          <p:nvPr>
-            <p:ph type="body" idx="1"/>
-          </p:nvPr>
-        </p:nvSpPr>
-        <p:spPr/>
-        <p:txBody>
-          <a:bodyPr>
-            <a:normAutofit/>
-          </a:bodyPr>
-          <a:lstStyle/>
-          <a:p>
-            <a:r>
-              <a:rPr lang="en-US" sz="1200" kern="1200" dirty="0" smtClean="0">
-                <a:solidFill>
-                  <a:schemeClr val="tx1"/>
-                </a:solidFill>
-                <a:latin typeface="+mn-lt"/>
-                <a:ea typeface="+mn-ea"/>
-                <a:cs typeface="+mn-cs"/>
-              </a:rPr>
-              <a:t>1) Title and people 2) A slide on explaining </a:t>
-            </a:r>
-            <a:r>
-              <a:rPr lang="en-US" sz="1200" kern="1200" dirty="0" err="1" smtClean="0">
-                <a:solidFill>
-                  <a:schemeClr val="tx1"/>
-                </a:solidFill>
-                <a:latin typeface="+mn-lt"/>
-                <a:ea typeface="+mn-ea"/>
-                <a:cs typeface="+mn-cs"/>
-              </a:rPr>
-              <a:t>disfluencies</a:t>
-            </a:r>
-            <a:r>
-              <a:rPr lang="en-US" sz="1200" kern="1200" dirty="0" smtClean="0">
-                <a:solidFill>
-                  <a:schemeClr val="tx1"/>
-                </a:solidFill>
-                <a:latin typeface="+mn-lt"/>
-                <a:ea typeface="+mn-ea"/>
-                <a:cs typeface="+mn-cs"/>
-              </a:rPr>
-              <a:t> (examples: question, backchannel, statement)3) A slide on the data available4) Effect of pre-pos tags: 1, 2, 3 grams. Effect of pre-pos tags: 1, 2, 3 grams. Bin sizes.5) Club backchannel words into a class (</a:t>
-            </a:r>
-            <a:r>
-              <a:rPr lang="en-US" sz="1200" kern="1200" dirty="0" err="1" smtClean="0">
-                <a:solidFill>
-                  <a:schemeClr val="tx1"/>
-                </a:solidFill>
-                <a:latin typeface="+mn-lt"/>
-                <a:ea typeface="+mn-ea"/>
-                <a:cs typeface="+mn-cs"/>
-              </a:rPr>
-              <a:t>mhm</a:t>
-            </a:r>
-            <a:r>
-              <a:rPr lang="en-US" sz="1200" kern="1200" dirty="0" smtClean="0">
-                <a:solidFill>
-                  <a:schemeClr val="tx1"/>
-                </a:solidFill>
-                <a:latin typeface="+mn-lt"/>
-                <a:ea typeface="+mn-ea"/>
-                <a:cs typeface="+mn-cs"/>
-              </a:rPr>
-              <a:t>, oh yeah)6) Features based on prior sentence tag     Switchboard versus Fisher data7) Prosodic features effects of energy, F0, pause duration 8) Average F0 based feature9) References</a:t>
-            </a:r>
-            <a:endParaRPr lang="en-US" dirty="0"/>
-          </a:p>
-        </p:txBody>
-      </p:sp>
-      <p:sp>
-        <p:nvSpPr>
-          <p:cNvPr id="4" name="Slide Number Placeholder 3"/>
-          <p:cNvSpPr>
-            <a:spLocks noGrp="1"/>
-          </p:cNvSpPr>
-          <p:nvPr>
-            <p:ph type="sldNum" sz="quarter" idx="10"/>
-          </p:nvPr>
-        </p:nvSpPr>
-        <p:spPr/>
-        <p:txBody>
-          <a:bodyPr/>
-          <a:lstStyle/>
-          <a:p>
-            <a:fld id="{7B5AD275-BDE2-3E4D-BC56-6FC6FA0523E9}" type="slidenum">
-              <a:rPr lang="en-US" smtClean="0"/>
-              <a:pPr/>
-              <a:t>10</a:t>
-            </a:fld>
-            <a:endParaRPr lang="en-US"/>
-          </a:p>
-        </p:txBody>
-      </p:sp>
-    </p:spTree>
-  </p:cSld>
-  <p:clrMapOvr>
-    <a:masterClrMapping/>
-  </p:clrMapOvr>
-</p:notes>
-</file>
-
 <file path=ppt/notesSlides/notesSlide2.xml><?xml version="1.0" encoding="utf-8"?>
 <p:notes xmlns:a="http://schemas.openxmlformats.org/drawingml/2006/main" xmlns:r="http://schemas.openxmlformats.org/officeDocument/2006/relationships" xmlns:mc="http://schemas.openxmlformats.org/markup-compatibility/2006" xmlns:mv="urn:schemas-microsoft-com:mac:vml" xmlns:p="http://schemas.openxmlformats.org/presentationml/2006/main" mc:Ignorable="mv" mc:PreserveAttributes="mv:*">
   <p:cSld>
@@ -2020,7 +4275,7 @@
             <a:fld id="{76E34C99-45D9-2A47-B640-844A3E89A16E}" type="datetimeFigureOut">
               <a:rPr lang="en-US" smtClean="0"/>
               <a:pPr/>
-              <a:t>3/9/09</a:t>
+              <a:t>3/11/09</a:t>
             </a:fld>
             <a:endParaRPr lang="en-US"/>
           </a:p>
@@ -2187,7 +4442,7 @@
             <a:fld id="{76E34C99-45D9-2A47-B640-844A3E89A16E}" type="datetimeFigureOut">
               <a:rPr lang="en-US" smtClean="0"/>
               <a:pPr/>
-              <a:t>3/9/09</a:t>
+              <a:t>3/11/09</a:t>
             </a:fld>
             <a:endParaRPr lang="en-US"/>
           </a:p>
@@ -2364,7 +4619,7 @@
             <a:fld id="{76E34C99-45D9-2A47-B640-844A3E89A16E}" type="datetimeFigureOut">
               <a:rPr lang="en-US" smtClean="0"/>
               <a:pPr/>
-              <a:t>3/9/09</a:t>
+              <a:t>3/11/09</a:t>
             </a:fld>
             <a:endParaRPr lang="en-US"/>
           </a:p>
@@ -2531,7 +4786,7 @@
             <a:fld id="{76E34C99-45D9-2A47-B640-844A3E89A16E}" type="datetimeFigureOut">
               <a:rPr lang="en-US" smtClean="0"/>
               <a:pPr/>
-              <a:t>3/9/09</a:t>
+              <a:t>3/11/09</a:t>
             </a:fld>
             <a:endParaRPr lang="en-US"/>
           </a:p>
@@ -2774,7 +5029,7 @@
             <a:fld id="{76E34C99-45D9-2A47-B640-844A3E89A16E}" type="datetimeFigureOut">
               <a:rPr lang="en-US" smtClean="0"/>
               <a:pPr/>
-              <a:t>3/9/09</a:t>
+              <a:t>3/11/09</a:t>
             </a:fld>
             <a:endParaRPr lang="en-US"/>
           </a:p>
@@ -3059,7 +5314,7 @@
             <a:fld id="{76E34C99-45D9-2A47-B640-844A3E89A16E}" type="datetimeFigureOut">
               <a:rPr lang="en-US" smtClean="0"/>
               <a:pPr/>
-              <a:t>3/9/09</a:t>
+              <a:t>3/11/09</a:t>
             </a:fld>
             <a:endParaRPr lang="en-US"/>
           </a:p>
@@ -3478,7 +5733,7 @@
             <a:fld id="{76E34C99-45D9-2A47-B640-844A3E89A16E}" type="datetimeFigureOut">
               <a:rPr lang="en-US" smtClean="0"/>
               <a:pPr/>
-              <a:t>3/9/09</a:t>
+              <a:t>3/11/09</a:t>
             </a:fld>
             <a:endParaRPr lang="en-US"/>
           </a:p>
@@ -3593,7 +5848,7 @@
             <a:fld id="{76E34C99-45D9-2A47-B640-844A3E89A16E}" type="datetimeFigureOut">
               <a:rPr lang="en-US" smtClean="0"/>
               <a:pPr/>
-              <a:t>3/9/09</a:t>
+              <a:t>3/11/09</a:t>
             </a:fld>
             <a:endParaRPr lang="en-US"/>
           </a:p>
@@ -3685,7 +5940,7 @@
             <a:fld id="{76E34C99-45D9-2A47-B640-844A3E89A16E}" type="datetimeFigureOut">
               <a:rPr lang="en-US" smtClean="0"/>
               <a:pPr/>
-              <a:t>3/9/09</a:t>
+              <a:t>3/11/09</a:t>
             </a:fld>
             <a:endParaRPr lang="en-US"/>
           </a:p>
@@ -3959,7 +6214,7 @@
             <a:fld id="{76E34C99-45D9-2A47-B640-844A3E89A16E}" type="datetimeFigureOut">
               <a:rPr lang="en-US" smtClean="0"/>
               <a:pPr/>
-              <a:t>3/9/09</a:t>
+              <a:t>3/11/09</a:t>
             </a:fld>
             <a:endParaRPr lang="en-US"/>
           </a:p>
@@ -4209,7 +6464,7 @@
             <a:fld id="{76E34C99-45D9-2A47-B640-844A3E89A16E}" type="datetimeFigureOut">
               <a:rPr lang="en-US" smtClean="0"/>
               <a:pPr/>
-              <a:t>3/9/09</a:t>
+              <a:t>3/11/09</a:t>
             </a:fld>
             <a:endParaRPr lang="en-US"/>
           </a:p>
@@ -4419,7 +6674,7 @@
             <a:fld id="{76E34C99-45D9-2A47-B640-844A3E89A16E}" type="datetimeFigureOut">
               <a:rPr lang="en-US" smtClean="0"/>
               <a:pPr/>
-              <a:t>3/9/09</a:t>
+              <a:t>3/11/09</a:t>
             </a:fld>
             <a:endParaRPr lang="en-US"/>
           </a:p>
@@ -4804,25 +7059,20 @@
           <a:prstGeom prst="rect">
             <a:avLst/>
           </a:prstGeom>
-          <a:noFill/>
-          <a:ln>
-            <a:solidFill>
-              <a:schemeClr val="tx1"/>
-            </a:solidFill>
-          </a:ln>
+          <a:ln/>
         </p:spPr>
         <p:style>
           <a:lnRef idx="1">
             <a:schemeClr val="accent3"/>
           </a:lnRef>
-          <a:fillRef idx="2">
+          <a:fillRef idx="3">
             <a:schemeClr val="accent3"/>
           </a:fillRef>
-          <a:effectRef idx="1">
+          <a:effectRef idx="2">
             <a:schemeClr val="accent3"/>
           </a:effectRef>
           <a:fontRef idx="minor">
-            <a:schemeClr val="dk1"/>
+            <a:schemeClr val="lt1"/>
           </a:fontRef>
         </p:style>
         <p:txBody>
@@ -4856,11 +7106,7 @@
           <a:p>
             <a:r>
               <a:rPr lang="en-US" dirty="0" smtClean="0"/>
-              <a:t>Sentence Unit Detection in</a:t>
-            </a:r>
-            <a:r>
-              <a:rPr lang="en-US" dirty="0" smtClean="0"/>
-              <a:t> Conversational Dialogue</a:t>
+              <a:t>Sentence Unit Detection in Conversational Dialogue</a:t>
             </a:r>
             <a:endParaRPr lang="en-US" dirty="0"/>
           </a:p>
@@ -4889,42 +7135,74 @@
           <a:lstStyle/>
           <a:p>
             <a:r>
-              <a:rPr lang="en-US" sz="2400" b="1" dirty="0" smtClean="0"/>
+              <a:rPr lang="en-US" sz="2400" b="1" i="1" dirty="0" smtClean="0">
+                <a:solidFill>
+                  <a:schemeClr val="tx1"/>
+                </a:solidFill>
+              </a:rPr>
               <a:t>Elizabeth </a:t>
             </a:r>
             <a:r>
-              <a:rPr lang="en-US" sz="2400" b="1" dirty="0" err="1" smtClean="0"/>
+              <a:rPr lang="en-US" sz="2400" b="1" i="1" dirty="0" err="1" smtClean="0">
+                <a:solidFill>
+                  <a:schemeClr val="tx1"/>
+                </a:solidFill>
+              </a:rPr>
               <a:t>Lingg</a:t>
             </a:r>
             <a:r>
-              <a:rPr lang="en-US" sz="2400" b="1" dirty="0" smtClean="0"/>
+              <a:rPr lang="en-US" sz="2400" b="1" i="1" dirty="0" smtClean="0">
+                <a:solidFill>
+                  <a:schemeClr val="tx1"/>
+                </a:solidFill>
+              </a:rPr>
               <a:t>, </a:t>
             </a:r>
             <a:r>
-              <a:rPr lang="en-US" sz="2400" b="1" dirty="0" err="1" smtClean="0"/>
+              <a:rPr lang="en-US" sz="2400" b="1" i="1" dirty="0" err="1" smtClean="0">
+                <a:solidFill>
+                  <a:schemeClr val="tx1"/>
+                </a:solidFill>
+              </a:rPr>
               <a:t>Tejaswi</a:t>
             </a:r>
             <a:r>
-              <a:rPr lang="en-US" sz="2400" b="1" dirty="0" smtClean="0"/>
+              <a:rPr lang="en-US" sz="2400" b="1" i="1" dirty="0" smtClean="0">
+                <a:solidFill>
+                  <a:schemeClr val="tx1"/>
+                </a:solidFill>
+              </a:rPr>
               <a:t> </a:t>
             </a:r>
             <a:r>
-              <a:rPr lang="en-US" sz="2400" b="1" dirty="0" err="1" smtClean="0"/>
+              <a:rPr lang="en-US" sz="2400" b="1" i="1" dirty="0" err="1" smtClean="0">
+                <a:solidFill>
+                  <a:schemeClr val="tx1"/>
+                </a:solidFill>
+              </a:rPr>
               <a:t>Tennetti</a:t>
             </a:r>
             <a:r>
-              <a:rPr lang="en-US" sz="2400" b="1" dirty="0" smtClean="0"/>
-              <a:t>, </a:t>
-            </a:r>
-            <a:r>
-              <a:rPr lang="en-US" sz="2400" b="1" dirty="0" smtClean="0"/>
-              <a:t>Anand </a:t>
-            </a:r>
-            <a:r>
-              <a:rPr lang="en-US" sz="2400" b="1" dirty="0" err="1" smtClean="0"/>
+              <a:rPr lang="en-US" sz="2400" b="1" i="1" dirty="0" smtClean="0">
+                <a:solidFill>
+                  <a:schemeClr val="tx1"/>
+                </a:solidFill>
+              </a:rPr>
+              <a:t>, Anand </a:t>
+            </a:r>
+            <a:r>
+              <a:rPr lang="en-US" sz="2400" b="1" i="1" dirty="0" err="1" smtClean="0">
+                <a:solidFill>
+                  <a:schemeClr val="tx1"/>
+                </a:solidFill>
+              </a:rPr>
               <a:t>Madhavan</a:t>
             </a:r>
-            <a:endParaRPr lang="en-US" sz="2400" b="1" dirty="0" smtClean="0"/>
+            <a:endParaRPr lang="en-US" sz="2400" b="1" i="1" dirty="0" smtClean="0">
+              <a:solidFill>
+                <a:schemeClr val="tx1"/>
+              </a:solidFill>
+            </a:endParaRPr>
           </a:p>
         </p:txBody>
       </p:sp>
@@ -4996,15 +7274,7 @@
                   <a:srgbClr val="FF0000"/>
                 </a:solidFill>
               </a:rPr>
-              <a:t> </a:t>
-            </a:r>
-            <a:r>
-              <a:rPr lang="en-US" sz="1500" b="1" dirty="0" smtClean="0">
-                <a:solidFill>
-                  <a:srgbClr val="FF0000"/>
-                </a:solidFill>
-              </a:rPr>
-              <a:t>it</a:t>
+              <a:t> it</a:t>
             </a:r>
             <a:endParaRPr lang="en-US" sz="1500" b="1" dirty="0">
               <a:solidFill>
@@ -5131,15 +7401,7 @@
                   <a:srgbClr val="0000FF"/>
                 </a:solidFill>
               </a:rPr>
-              <a:t>     it </a:t>
-            </a:r>
-            <a:r>
-              <a:rPr lang="en-US" sz="1600" b="1" dirty="0" smtClean="0">
-                <a:solidFill>
-                  <a:srgbClr val="0000FF"/>
-                </a:solidFill>
-              </a:rPr>
-              <a:t>does </a:t>
+              <a:t>     it does </a:t>
             </a:r>
             <a:endParaRPr lang="en-US" sz="1600" dirty="0"/>
           </a:p>
@@ -5492,7 +7754,7 @@
         </p:nvSpPr>
         <p:spPr>
           <a:xfrm>
-            <a:off x="5791200" y="4930932"/>
+            <a:off x="5715000" y="5029200"/>
             <a:ext cx="2667001" cy="860268"/>
           </a:xfrm>
           <a:prstGeom prst="leftArrow">
@@ -5500,17 +7762,17 @@
           </a:prstGeom>
         </p:spPr>
         <p:style>
-          <a:lnRef idx="1">
-            <a:schemeClr val="accent1"/>
+          <a:lnRef idx="2">
+            <a:schemeClr val="accent3"/>
           </a:lnRef>
-          <a:fillRef idx="3">
-            <a:schemeClr val="accent1"/>
+          <a:fillRef idx="1">
+            <a:schemeClr val="lt1"/>
           </a:fillRef>
-          <a:effectRef idx="2">
-            <a:schemeClr val="accent1"/>
+          <a:effectRef idx="0">
+            <a:schemeClr val="accent3"/>
           </a:effectRef>
           <a:fontRef idx="minor">
-            <a:schemeClr val="lt1"/>
+            <a:schemeClr val="dk1"/>
           </a:fontRef>
         </p:style>
         <p:txBody>
@@ -5526,155 +7788,37 @@
           </a:p>
         </p:txBody>
       </p:sp>
-    </p:spTree>
-  </p:cSld>
-  <p:clrMapOvr>
-    <a:masterClrMapping/>
-  </p:clrMapOvr>
-</p:sld>
-</file>
-
-<file path=ppt/slides/slide10.xml><?xml version="1.0" encoding="utf-8"?>
-<p:sld xmlns:a="http://schemas.openxmlformats.org/drawingml/2006/main" xmlns:r="http://schemas.openxmlformats.org/officeDocument/2006/relationships" xmlns:mc="http://schemas.openxmlformats.org/markup-compatibility/2006" xmlns:mv="urn:schemas-microsoft-com:mac:vml" xmlns:p="http://schemas.openxmlformats.org/presentationml/2006/main" mc:Ignorable="mv" mc:PreserveAttributes="mv:*">
-  <p:cSld>
-    <p:spTree>
-      <p:nvGrpSpPr>
-        <p:cNvPr id="1" name=""/>
-        <p:cNvGrpSpPr/>
-        <p:nvPr/>
-      </p:nvGrpSpPr>
-      <p:grpSpPr>
-        <a:xfrm>
-          <a:off x="0" y="0"/>
-          <a:ext cx="0" cy="0"/>
-          <a:chOff x="0" y="0"/>
-          <a:chExt cx="0" cy="0"/>
-        </a:xfrm>
-      </p:grpSpPr>
-      <p:sp>
-        <p:nvSpPr>
-          <p:cNvPr id="2" name="Title 1"/>
-          <p:cNvSpPr>
-            <a:spLocks noGrp="1"/>
-          </p:cNvSpPr>
-          <p:nvPr>
-            <p:ph type="ctrTitle"/>
-          </p:nvPr>
-        </p:nvSpPr>
+      <p:cxnSp>
+        <p:nvCxnSpPr>
+          <p:cNvPr id="20" name="Straight Connector 19"/>
+          <p:cNvCxnSpPr/>
+          <p:nvPr/>
+        </p:nvCxnSpPr>
         <p:spPr>
-          <a:xfrm>
-            <a:off x="685800" y="1116012"/>
-            <a:ext cx="7772400" cy="1470025"/>
+          <a:xfrm rot="16200000" flipH="1">
+            <a:off x="3708153" y="5464351"/>
+            <a:ext cx="347442" cy="1455"/>
           </a:xfrm>
-        </p:spPr>
-        <p:txBody>
-          <a:bodyPr>
-            <a:normAutofit/>
-          </a:bodyPr>
-          <a:lstStyle/>
-          <a:p>
-            <a:r>
-              <a:rPr lang="en-US" dirty="0" smtClean="0"/>
-              <a:t>References</a:t>
-            </a:r>
-            <a:endParaRPr lang="en-US" dirty="0"/>
-          </a:p>
-        </p:txBody>
-      </p:sp>
-      <p:sp>
-        <p:nvSpPr>
-          <p:cNvPr id="4" name="TextBox 3"/>
-          <p:cNvSpPr txBox="1"/>
-          <p:nvPr/>
-        </p:nvSpPr>
-        <p:spPr>
-          <a:xfrm>
-            <a:off x="838200" y="2586037"/>
-            <a:ext cx="7848600" cy="1477328"/>
-          </a:xfrm>
-          <a:prstGeom prst="rect">
+          <a:prstGeom prst="line">
             <a:avLst/>
           </a:prstGeom>
-          <a:noFill/>
+          <a:ln/>
         </p:spPr>
-        <p:txBody>
-          <a:bodyPr wrap="square" rtlCol="0">
-            <a:spAutoFit/>
-          </a:bodyPr>
-          <a:lstStyle/>
-          <a:p>
-            <a:r>
-              <a:rPr lang="en-US" dirty="0"/>
-              <a:t>Enriching Speech Recognition With Automatic Detection of Sentence Boundaries and </a:t>
-            </a:r>
-            <a:r>
-              <a:rPr lang="en-US" dirty="0" err="1" smtClean="0"/>
-              <a:t>Disﬂuencies</a:t>
-            </a:r>
-            <a:r>
-              <a:rPr lang="en-US" dirty="0" smtClean="0"/>
-              <a:t>, Yang Liu</a:t>
-            </a:r>
-            <a:r>
-              <a:rPr lang="en-US" i="1" dirty="0" smtClean="0"/>
-              <a:t>, Elizabeth </a:t>
-            </a:r>
-            <a:r>
-              <a:rPr lang="en-US" i="1" dirty="0" err="1"/>
-              <a:t>Shriberg</a:t>
-            </a:r>
-            <a:r>
-              <a:rPr lang="en-US" i="1" dirty="0"/>
-              <a:t>, Andreas </a:t>
-            </a:r>
-            <a:r>
-              <a:rPr lang="en-US" i="1" dirty="0" err="1"/>
-              <a:t>Stolcke</a:t>
-            </a:r>
-            <a:r>
-              <a:rPr lang="en-US" i="1" dirty="0"/>
-              <a:t>,</a:t>
-            </a:r>
-            <a:r>
-              <a:rPr lang="en-US" i="1" dirty="0" smtClean="0"/>
-              <a:t> Dustin </a:t>
-            </a:r>
-            <a:r>
-              <a:rPr lang="en-US" i="1" dirty="0" err="1"/>
-              <a:t>Hillard</a:t>
-            </a:r>
-            <a:r>
-              <a:rPr lang="en-US" i="1" dirty="0" smtClean="0"/>
-              <a:t>, Mari </a:t>
-            </a:r>
-            <a:r>
-              <a:rPr lang="en-US" i="1" dirty="0" err="1" smtClean="0"/>
-              <a:t>Ostendorf</a:t>
-            </a:r>
-            <a:r>
-              <a:rPr lang="en-US" i="1" dirty="0" smtClean="0"/>
-              <a:t> and </a:t>
-            </a:r>
-            <a:r>
-              <a:rPr lang="en-US" i="1" dirty="0"/>
-              <a:t>Mary </a:t>
-            </a:r>
-            <a:r>
-              <a:rPr lang="en-US" i="1" dirty="0" smtClean="0"/>
-              <a:t>Harper</a:t>
-            </a:r>
-          </a:p>
-          <a:p>
-            <a:r>
-              <a:rPr lang="en-US" dirty="0" smtClean="0"/>
-              <a:t>...</a:t>
-            </a:r>
-          </a:p>
-          <a:p>
-            <a:endParaRPr lang="en-US" dirty="0" smtClean="0"/>
-          </a:p>
-        </p:txBody>
-      </p:sp>
+        <p:style>
+          <a:lnRef idx="1">
+            <a:schemeClr val="accent4"/>
+          </a:lnRef>
+          <a:fillRef idx="0">
+            <a:schemeClr val="accent4"/>
+          </a:fillRef>
+          <a:effectRef idx="0">
+            <a:schemeClr val="accent4"/>
+          </a:effectRef>
+          <a:fontRef idx="minor">
+            <a:schemeClr val="tx1"/>
+          </a:fontRef>
+        </p:style>
+      </p:cxnSp>
     </p:spTree>
   </p:cSld>
   <p:clrMapOvr>
@@ -5766,7 +7910,7 @@
         </p:nvSpPr>
         <p:spPr>
           <a:xfrm>
-            <a:off x="228600" y="1418272"/>
+            <a:off x="304800" y="1418272"/>
             <a:ext cx="4648200" cy="1477328"/>
           </a:xfrm>
           <a:prstGeom prst="rect">
@@ -5814,7 +7958,7 @@
         </p:nvSpPr>
         <p:spPr>
           <a:xfrm>
-            <a:off x="228600" y="3048000"/>
+            <a:off x="304800" y="3048000"/>
             <a:ext cx="4648200" cy="3170099"/>
           </a:xfrm>
           <a:prstGeom prst="rect">
@@ -5855,7 +7999,6 @@
               <a:rPr lang="en-US" sz="2400" dirty="0" smtClean="0"/>
               <a:t> Fisher and Switchboard audio clips</a:t>
             </a:r>
-            <a:endParaRPr lang="en-US" sz="2400" dirty="0" smtClean="0"/>
           </a:p>
           <a:p>
             <a:pPr>
@@ -5864,11 +8007,7 @@
             </a:pPr>
             <a:r>
               <a:rPr lang="en-US" sz="2400" dirty="0" smtClean="0"/>
-              <a:t> Words </a:t>
-            </a:r>
-            <a:r>
-              <a:rPr lang="en-US" sz="2400" dirty="0" smtClean="0"/>
-              <a:t>annotated with POS tags</a:t>
+              <a:t> Words annotated with POS tags</a:t>
             </a:r>
           </a:p>
           <a:p>
@@ -5878,11 +8017,7 @@
             </a:pPr>
             <a:r>
               <a:rPr lang="en-US" sz="2400" dirty="0" smtClean="0"/>
-              <a:t> Sentence units</a:t>
-            </a:r>
-            <a:r>
-              <a:rPr lang="en-US" sz="2400" dirty="0" smtClean="0"/>
-              <a:t> labeled: </a:t>
+              <a:t> Sentence units labeled: </a:t>
             </a:r>
           </a:p>
           <a:p>
@@ -5983,6 +8118,69 @@
       </p:grpSpPr>
       <p:sp>
         <p:nvSpPr>
+          <p:cNvPr id="8" name="Rectangle 7"/>
+          <p:cNvSpPr/>
+          <p:nvPr/>
+        </p:nvSpPr>
+        <p:spPr>
+          <a:xfrm>
+            <a:off x="3352800" y="5682414"/>
+            <a:ext cx="2057400" cy="718386"/>
+          </a:xfrm>
+          <a:prstGeom prst="rect">
+            <a:avLst/>
+          </a:prstGeom>
+          <a:solidFill>
+            <a:schemeClr val="bg1"/>
+          </a:solidFill>
+          <a:ln>
+            <a:noFill/>
+          </a:ln>
+          <a:effectLst>
+            <a:outerShdw blurRad="40000" dist="20000" dir="5400000" rotWithShape="0">
+              <a:srgbClr val="000000">
+                <a:alpha val="38000"/>
+              </a:srgbClr>
+            </a:outerShdw>
+            <a:reflection stA="0" endPos="0" dir="5400000" sy="-100000" algn="bl" rotWithShape="0"/>
+          </a:effectLst>
+        </p:spPr>
+        <p:style>
+          <a:lnRef idx="1">
+            <a:schemeClr val="accent3"/>
+          </a:lnRef>
+          <a:fillRef idx="2">
+            <a:schemeClr val="accent3"/>
+          </a:fillRef>
+          <a:effectRef idx="1">
+            <a:schemeClr val="accent3"/>
+          </a:effectRef>
+          <a:fontRef idx="minor">
+            <a:schemeClr val="dk1"/>
+          </a:fontRef>
+        </p:style>
+        <p:txBody>
+          <a:bodyPr rtlCol="0" anchor="ctr"/>
+          <a:lstStyle/>
+          <a:p>
+            <a:pPr algn="ctr"/>
+            <a:r>
+              <a:rPr lang="en-US" dirty="0" smtClean="0"/>
+              <a:t>Classifier</a:t>
+            </a:r>
+          </a:p>
+          <a:p>
+            <a:pPr algn="ctr"/>
+            <a:r>
+              <a:rPr lang="en-US" dirty="0" smtClean="0"/>
+              <a:t> (Decision Tree J48)</a:t>
+            </a:r>
+            <a:endParaRPr lang="en-US" dirty="0"/>
+          </a:p>
+        </p:txBody>
+      </p:sp>
+      <p:sp>
+        <p:nvSpPr>
           <p:cNvPr id="2" name="Title 1"/>
           <p:cNvSpPr>
             <a:spLocks noGrp="1"/>
@@ -5993,7 +8191,7 @@
         </p:nvSpPr>
         <p:spPr>
           <a:xfrm>
-            <a:off x="685800" y="1116012"/>
+            <a:off x="685800" y="-304800"/>
             <a:ext cx="7772400" cy="1470025"/>
           </a:xfrm>
         </p:spPr>
@@ -6005,22 +8203,380 @@
           <a:p>
             <a:r>
               <a:rPr lang="en-US" dirty="0" smtClean="0"/>
-              <a:t>Prediction results</a:t>
+              <a:t>Methodology</a:t>
             </a:r>
             <a:endParaRPr lang="en-US" dirty="0"/>
           </a:p>
         </p:txBody>
       </p:sp>
-      <p:sp>
-        <p:nvSpPr>
-          <p:cNvPr id="4" name="TextBox 3"/>
+      <p:pic>
+        <p:nvPicPr>
+          <p:cNvPr id="5" name="Picture 4" descr="xmlpicture.tiff"/>
+          <p:cNvPicPr>
+            <a:picLocks noChangeAspect="1"/>
+          </p:cNvPicPr>
+          <p:nvPr/>
+        </p:nvPicPr>
+        <p:blipFill>
+          <a:blip r:embed="rId3"/>
+          <a:stretch>
+            <a:fillRect/>
+          </a:stretch>
+        </p:blipFill>
+        <p:spPr>
+          <a:xfrm>
+            <a:off x="533400" y="1393825"/>
+            <a:ext cx="1711228" cy="1806575"/>
+          </a:xfrm>
+          <a:prstGeom prst="rect">
+            <a:avLst/>
+          </a:prstGeom>
+          <a:ln>
+            <a:noFill/>
+          </a:ln>
+          <a:effectLst>
+            <a:outerShdw blurRad="292100" dist="139700" dir="2700000" algn="tl" rotWithShape="0">
+              <a:srgbClr val="333333">
+                <a:alpha val="65000"/>
+              </a:srgbClr>
+            </a:outerShdw>
+          </a:effectLst>
+        </p:spPr>
+      </p:pic>
+      <p:sp>
+        <p:nvSpPr>
+          <p:cNvPr id="7" name="TextBox 6"/>
           <p:cNvSpPr txBox="1"/>
           <p:nvPr/>
         </p:nvSpPr>
         <p:spPr>
+          <a:xfrm rot="1013978">
+            <a:off x="2349925" y="2389871"/>
+            <a:ext cx="3405015" cy="945635"/>
+          </a:xfrm>
+          <a:prstGeom prst="rect">
+            <a:avLst/>
+          </a:prstGeom>
+          <a:noFill/>
+          <a:ln>
+            <a:noFill/>
+          </a:ln>
+          <a:effectLst>
+            <a:outerShdw blurRad="50800" dist="38100" dir="3060000">
+              <a:srgbClr val="000000">
+                <a:alpha val="43000"/>
+              </a:srgbClr>
+            </a:outerShdw>
+          </a:effectLst>
+        </p:spPr>
+        <p:txBody>
+          <a:bodyPr wrap="square" rtlCol="0">
+            <a:prstTxWarp prst="textWave1">
+              <a:avLst/>
+            </a:prstTxWarp>
+            <a:spAutoFit/>
+          </a:bodyPr>
+          <a:lstStyle/>
+          <a:p>
+            <a:r>
+              <a:rPr lang="en-US" sz="1000" b="1" dirty="0" smtClean="0">
+                <a:solidFill>
+                  <a:srgbClr val="000000"/>
+                </a:solidFill>
+              </a:rPr>
+              <a:t>it </a:t>
+            </a:r>
+            <a:r>
+              <a:rPr lang="en-US" sz="1000" b="1" dirty="0" smtClean="0">
+                <a:solidFill>
+                  <a:srgbClr val="000000"/>
+                </a:solidFill>
+              </a:rPr>
+              <a:t>has </a:t>
+            </a:r>
+            <a:r>
+              <a:rPr lang="en-US" sz="1000" b="1" dirty="0" smtClean="0">
+                <a:solidFill>
+                  <a:srgbClr val="000000"/>
+                </a:solidFill>
+              </a:rPr>
+              <a:t>garlic in it too does </a:t>
+            </a:r>
+            <a:r>
+              <a:rPr lang="en-US" sz="1000" b="1" dirty="0" err="1" smtClean="0">
+                <a:solidFill>
+                  <a:srgbClr val="000000"/>
+                </a:solidFill>
+              </a:rPr>
+              <a:t>n't</a:t>
+            </a:r>
+            <a:r>
+              <a:rPr lang="en-US" sz="1000" b="1" dirty="0" smtClean="0">
+                <a:solidFill>
+                  <a:srgbClr val="000000"/>
+                </a:solidFill>
+              </a:rPr>
+              <a:t> </a:t>
+            </a:r>
+            <a:r>
+              <a:rPr lang="en-US" sz="1000" b="1" dirty="0" smtClean="0">
+                <a:solidFill>
+                  <a:srgbClr val="000000"/>
+                </a:solidFill>
+              </a:rPr>
+              <a:t>it </a:t>
+            </a:r>
+            <a:r>
+              <a:rPr lang="en-US" sz="1000" b="1" dirty="0" err="1" smtClean="0">
+                <a:solidFill>
+                  <a:srgbClr val="000000"/>
+                </a:solidFill>
+              </a:rPr>
+              <a:t>i</a:t>
+            </a:r>
+            <a:r>
+              <a:rPr lang="en-US" sz="1000" b="1" dirty="0" smtClean="0">
+                <a:solidFill>
+                  <a:srgbClr val="000000"/>
+                </a:solidFill>
+              </a:rPr>
+              <a:t> i</a:t>
+            </a:r>
+            <a:r>
+              <a:rPr lang="en-US" sz="1000" b="1" dirty="0" smtClean="0">
+                <a:solidFill>
+                  <a:srgbClr val="000000"/>
+                </a:solidFill>
+              </a:rPr>
+              <a:t>t does</a:t>
+            </a:r>
+            <a:endParaRPr lang="en-US" sz="1000" b="1" dirty="0">
+              <a:solidFill>
+                <a:srgbClr val="000000"/>
+              </a:solidFill>
+            </a:endParaRPr>
+          </a:p>
+        </p:txBody>
+      </p:sp>
+      <p:pic>
+        <p:nvPicPr>
+          <p:cNvPr id="11" name="Picture 10" descr="Sorting-Hat-128x128.png"/>
+          <p:cNvPicPr>
+            <a:picLocks noChangeAspect="1"/>
+          </p:cNvPicPr>
+          <p:nvPr/>
+        </p:nvPicPr>
+        <p:blipFill>
+          <a:blip r:embed="rId4"/>
+          <a:stretch>
+            <a:fillRect/>
+          </a:stretch>
+        </p:blipFill>
+        <p:spPr>
           <a:xfrm>
-            <a:off x="1600200" y="2586037"/>
-            <a:ext cx="4876800" cy="646331"/>
+            <a:off x="3644104" y="4572000"/>
+            <a:ext cx="1537496" cy="1110414"/>
+          </a:xfrm>
+          <a:prstGeom prst="rect">
+            <a:avLst/>
+          </a:prstGeom>
+        </p:spPr>
+      </p:pic>
+      <p:sp>
+        <p:nvSpPr>
+          <p:cNvPr id="12" name="TextBox 11"/>
+          <p:cNvSpPr txBox="1"/>
+          <p:nvPr/>
+        </p:nvSpPr>
+        <p:spPr>
+          <a:xfrm>
+            <a:off x="762000" y="914400"/>
+            <a:ext cx="1313180" cy="369332"/>
+          </a:xfrm>
+          <a:prstGeom prst="rect">
+            <a:avLst/>
+          </a:prstGeom>
+          <a:noFill/>
+          <a:ln>
+            <a:solidFill>
+              <a:srgbClr val="000000"/>
+            </a:solidFill>
+          </a:ln>
+        </p:spPr>
+        <p:txBody>
+          <a:bodyPr wrap="none" rtlCol="0">
+            <a:spAutoFit/>
+          </a:bodyPr>
+          <a:lstStyle/>
+          <a:p>
+            <a:r>
+              <a:rPr lang="en-US" dirty="0" smtClean="0"/>
+              <a:t>Corpus XML</a:t>
+            </a:r>
+            <a:endParaRPr lang="en-US" dirty="0"/>
+          </a:p>
+        </p:txBody>
+      </p:sp>
+      <p:sp>
+        <p:nvSpPr>
+          <p:cNvPr id="13" name="TextBox 12"/>
+          <p:cNvSpPr txBox="1"/>
+          <p:nvPr/>
+        </p:nvSpPr>
+        <p:spPr>
+          <a:xfrm rot="1172484">
+            <a:off x="3608685" y="2019756"/>
+            <a:ext cx="1725315" cy="369332"/>
+          </a:xfrm>
+          <a:prstGeom prst="rect">
+            <a:avLst/>
+          </a:prstGeom>
+          <a:noFill/>
+          <a:ln>
+            <a:solidFill>
+              <a:schemeClr val="bg1"/>
+            </a:solidFill>
+          </a:ln>
+        </p:spPr>
+        <p:txBody>
+          <a:bodyPr wrap="none" rtlCol="0">
+            <a:spAutoFit/>
+          </a:bodyPr>
+          <a:lstStyle/>
+          <a:p>
+            <a:r>
+              <a:rPr lang="en-US" dirty="0" smtClean="0"/>
+              <a:t>Stream of words</a:t>
+            </a:r>
+            <a:endParaRPr lang="en-US" dirty="0"/>
+          </a:p>
+        </p:txBody>
+      </p:sp>
+      <p:pic>
+        <p:nvPicPr>
+          <p:cNvPr id="14" name="Picture 13" descr="garlic_cut.jpg"/>
+          <p:cNvPicPr>
+            <a:picLocks noChangeAspect="1"/>
+          </p:cNvPicPr>
+          <p:nvPr/>
+        </p:nvPicPr>
+        <p:blipFill>
+          <a:blip r:embed="rId5"/>
+          <a:stretch>
+            <a:fillRect/>
+          </a:stretch>
+        </p:blipFill>
+        <p:spPr>
+          <a:xfrm>
+            <a:off x="6248400" y="762000"/>
+            <a:ext cx="1752600" cy="1088681"/>
+          </a:xfrm>
+          <a:prstGeom prst="rect">
+            <a:avLst/>
+          </a:prstGeom>
+          <a:ln>
+            <a:noFill/>
+          </a:ln>
+          <a:effectLst>
+            <a:outerShdw blurRad="292100" dist="139700" dir="2700000" algn="tl" rotWithShape="0">
+              <a:srgbClr val="333333">
+                <a:alpha val="65000"/>
+              </a:srgbClr>
+            </a:outerShdw>
+          </a:effectLst>
+        </p:spPr>
+      </p:pic>
+      <p:sp>
+        <p:nvSpPr>
+          <p:cNvPr id="15" name="TextBox 14"/>
+          <p:cNvSpPr txBox="1"/>
+          <p:nvPr/>
+        </p:nvSpPr>
+        <p:spPr>
+          <a:xfrm>
+            <a:off x="4865949" y="1034534"/>
+            <a:ext cx="1344351" cy="369332"/>
+          </a:xfrm>
+          <a:prstGeom prst="rect">
+            <a:avLst/>
+          </a:prstGeom>
+          <a:noFill/>
+          <a:ln>
+            <a:solidFill>
+              <a:schemeClr val="tx1"/>
+            </a:solidFill>
+          </a:ln>
+        </p:spPr>
+        <p:txBody>
+          <a:bodyPr wrap="none" rtlCol="0">
+            <a:spAutoFit/>
+          </a:bodyPr>
+          <a:lstStyle/>
+          <a:p>
+            <a:r>
+              <a:rPr lang="en-US" dirty="0" smtClean="0"/>
+              <a:t>Corpus WAV</a:t>
+            </a:r>
+            <a:endParaRPr lang="en-US" dirty="0"/>
+          </a:p>
+        </p:txBody>
+      </p:sp>
+      <p:pic>
+        <p:nvPicPr>
+          <p:cNvPr id="18" name="Picture 17" descr="misting-black-cauldron.jpg"/>
+          <p:cNvPicPr>
+            <a:picLocks noChangeAspect="1"/>
+          </p:cNvPicPr>
+          <p:nvPr/>
+        </p:nvPicPr>
+        <p:blipFill>
+          <a:blip r:embed="rId6">
+            <a:clrChange>
+              <a:clrFrom>
+                <a:srgbClr val="EDEDED"/>
+              </a:clrFrom>
+              <a:clrTo>
+                <a:srgbClr val="EDEDED">
+                  <a:alpha val="0"/>
+                </a:srgbClr>
+              </a:clrTo>
+            </a:clrChange>
+          </a:blip>
+          <a:stretch>
+            <a:fillRect/>
+          </a:stretch>
+        </p:blipFill>
+        <p:spPr>
+          <a:xfrm>
+            <a:off x="6477000" y="2971800"/>
+            <a:ext cx="2396994" cy="2000250"/>
+          </a:xfrm>
+          <a:prstGeom prst="roundRect">
+            <a:avLst>
+              <a:gd name="adj" fmla="val 8594"/>
+            </a:avLst>
+          </a:prstGeom>
+          <a:solidFill>
+            <a:srgbClr val="FFFFFF">
+              <a:shade val="85000"/>
+            </a:srgbClr>
+          </a:solidFill>
+          <a:ln>
+            <a:noFill/>
+          </a:ln>
+          <a:effectLst/>
+        </p:spPr>
+      </p:pic>
+      <p:sp>
+        <p:nvSpPr>
+          <p:cNvPr id="19" name="TextBox 18"/>
+          <p:cNvSpPr txBox="1"/>
+          <p:nvPr/>
+        </p:nvSpPr>
+        <p:spPr>
+          <a:xfrm>
+            <a:off x="6858000" y="5486400"/>
+            <a:ext cx="1583270" cy="923330"/>
           </a:xfrm>
           <a:prstGeom prst="rect">
             <a:avLst/>
@@ -6033,10 +8589,275 @@
           </a:bodyPr>
           <a:lstStyle/>
           <a:p>
+            <a:pPr algn="ctr"/>
             <a:r>
               <a:rPr lang="en-US" dirty="0" smtClean="0"/>
-              <a:t>Final results of predictions with the best features chosen</a:t>
-            </a:r>
+              <a:t>Lexical and prosodic</a:t>
+            </a:r>
+          </a:p>
+          <a:p>
+            <a:pPr algn="ctr"/>
+            <a:r>
+              <a:rPr lang="en-US" dirty="0" smtClean="0"/>
+              <a:t>feature soup</a:t>
+            </a:r>
+            <a:endParaRPr lang="en-US" dirty="0"/>
+          </a:p>
+        </p:txBody>
+      </p:sp>
+      <p:sp>
+        <p:nvSpPr>
+          <p:cNvPr id="20" name="Striped Right Arrow 19"/>
+          <p:cNvSpPr/>
+          <p:nvPr/>
+        </p:nvSpPr>
+        <p:spPr>
+          <a:xfrm rot="10218663">
+            <a:off x="5449476" y="4491699"/>
+            <a:ext cx="1275711" cy="1295400"/>
+          </a:xfrm>
+          <a:prstGeom prst="stripedRightArrow">
+            <a:avLst/>
+          </a:prstGeom>
+        </p:spPr>
+        <p:style>
+          <a:lnRef idx="1">
+            <a:schemeClr val="accent1"/>
+          </a:lnRef>
+          <a:fillRef idx="2">
+            <a:schemeClr val="accent1"/>
+          </a:fillRef>
+          <a:effectRef idx="1">
+            <a:schemeClr val="accent1"/>
+          </a:effectRef>
+          <a:fontRef idx="minor">
+            <a:schemeClr val="dk1"/>
+          </a:fontRef>
+        </p:style>
+        <p:txBody>
+          <a:bodyPr rtlCol="0" anchor="ctr"/>
+          <a:lstStyle/>
+          <a:p>
+            <a:pPr algn="ctr"/>
+            <a:endParaRPr lang="en-US"/>
+          </a:p>
+        </p:txBody>
+      </p:sp>
+      <p:sp>
+        <p:nvSpPr>
+          <p:cNvPr id="21" name="Striped Right Arrow 20"/>
+          <p:cNvSpPr/>
+          <p:nvPr/>
+        </p:nvSpPr>
+        <p:spPr>
+          <a:xfrm rot="5400000">
+            <a:off x="3893721" y="3421479"/>
+            <a:ext cx="823157" cy="1295400"/>
+          </a:xfrm>
+          <a:prstGeom prst="stripedRightArrow">
+            <a:avLst/>
+          </a:prstGeom>
+        </p:spPr>
+        <p:style>
+          <a:lnRef idx="1">
+            <a:schemeClr val="accent1"/>
+          </a:lnRef>
+          <a:fillRef idx="2">
+            <a:schemeClr val="accent1"/>
+          </a:fillRef>
+          <a:effectRef idx="1">
+            <a:schemeClr val="accent1"/>
+          </a:effectRef>
+          <a:fontRef idx="minor">
+            <a:schemeClr val="dk1"/>
+          </a:fontRef>
+        </p:style>
+        <p:txBody>
+          <a:bodyPr rtlCol="0" anchor="ctr"/>
+          <a:lstStyle/>
+          <a:p>
+            <a:pPr algn="ctr"/>
+            <a:endParaRPr lang="en-US"/>
+          </a:p>
+        </p:txBody>
+      </p:sp>
+      <p:sp>
+        <p:nvSpPr>
+          <p:cNvPr id="22" name="TextBox 21"/>
+          <p:cNvSpPr txBox="1"/>
+          <p:nvPr/>
+        </p:nvSpPr>
+        <p:spPr>
+          <a:xfrm>
+            <a:off x="3962400" y="3886200"/>
+            <a:ext cx="700658" cy="369332"/>
+          </a:xfrm>
+          <a:prstGeom prst="rect">
+            <a:avLst/>
+          </a:prstGeom>
+          <a:noFill/>
+        </p:spPr>
+        <p:txBody>
+          <a:bodyPr wrap="none" rtlCol="0">
+            <a:spAutoFit/>
+          </a:bodyPr>
+          <a:lstStyle/>
+          <a:p>
+            <a:r>
+              <a:rPr lang="en-US" dirty="0" smtClean="0"/>
+              <a:t>Word</a:t>
+            </a:r>
+            <a:endParaRPr lang="en-US" dirty="0"/>
+          </a:p>
+        </p:txBody>
+      </p:sp>
+      <p:sp>
+        <p:nvSpPr>
+          <p:cNvPr id="23" name="TextBox 22"/>
+          <p:cNvSpPr txBox="1"/>
+          <p:nvPr/>
+        </p:nvSpPr>
+        <p:spPr>
+          <a:xfrm rot="20960214">
+            <a:off x="5588200" y="4889242"/>
+            <a:ext cx="992579" cy="369332"/>
+          </a:xfrm>
+          <a:prstGeom prst="rect">
+            <a:avLst/>
+          </a:prstGeom>
+          <a:noFill/>
+        </p:spPr>
+        <p:txBody>
+          <a:bodyPr wrap="none" rtlCol="0">
+            <a:spAutoFit/>
+          </a:bodyPr>
+          <a:lstStyle/>
+          <a:p>
+            <a:r>
+              <a:rPr lang="en-US" dirty="0" smtClean="0"/>
+              <a:t>Features</a:t>
+            </a:r>
+            <a:endParaRPr lang="en-US" dirty="0"/>
+          </a:p>
+        </p:txBody>
+      </p:sp>
+      <p:graphicFrame>
+        <p:nvGraphicFramePr>
+          <p:cNvPr id="26" name="Diagram 25"/>
+          <p:cNvGraphicFramePr/>
+          <p:nvPr/>
+        </p:nvGraphicFramePr>
+        <p:xfrm>
+          <a:off x="304800" y="4038600"/>
+          <a:ext cx="1828800" cy="2209800"/>
+        </p:xfrm>
+        <a:graphic>
+          <a:graphicData uri="http://schemas.openxmlformats.org/drawingml/2006/diagram">
+            <a:relIds xmlns:dgm="http://schemas.openxmlformats.org/drawingml/2006/diagram" xmlns:r="http://schemas.openxmlformats.org/officeDocument/2006/relationships" r:dm="rId7" r:lo="rId8" r:qs="rId9" r:cs="rId10"/>
+          </a:graphicData>
+        </a:graphic>
+      </p:graphicFrame>
+      <p:sp>
+        <p:nvSpPr>
+          <p:cNvPr id="30" name="TextBox 29"/>
+          <p:cNvSpPr txBox="1"/>
+          <p:nvPr/>
+        </p:nvSpPr>
+        <p:spPr>
+          <a:xfrm rot="890617">
+            <a:off x="5810346" y="2535882"/>
+            <a:ext cx="1162831" cy="369332"/>
+          </a:xfrm>
+          <a:prstGeom prst="rect">
+            <a:avLst/>
+          </a:prstGeom>
+          <a:noFill/>
+        </p:spPr>
+        <p:txBody>
+          <a:bodyPr wrap="none" rtlCol="0">
+            <a:prstTxWarp prst="textFadeRight">
+              <a:avLst/>
+            </a:prstTxWarp>
+            <a:spAutoFit/>
+          </a:bodyPr>
+          <a:lstStyle/>
+          <a:p>
+            <a:r>
+              <a:rPr lang="en-US" dirty="0" smtClean="0"/>
+              <a:t>POS tags</a:t>
+            </a:r>
+            <a:endParaRPr lang="en-US" dirty="0"/>
+          </a:p>
+        </p:txBody>
+      </p:sp>
+      <p:sp>
+        <p:nvSpPr>
+          <p:cNvPr id="31" name="TextBox 30"/>
+          <p:cNvSpPr txBox="1"/>
+          <p:nvPr/>
+        </p:nvSpPr>
+        <p:spPr>
+          <a:xfrm rot="19156902">
+            <a:off x="7274845" y="2358888"/>
+            <a:ext cx="1162831" cy="369332"/>
+          </a:xfrm>
+          <a:prstGeom prst="rect">
+            <a:avLst/>
+          </a:prstGeom>
+          <a:noFill/>
+        </p:spPr>
+        <p:txBody>
+          <a:bodyPr wrap="none" rtlCol="0">
+            <a:prstTxWarp prst="textFadeLeft">
+              <a:avLst/>
+            </a:prstTxWarp>
+            <a:spAutoFit/>
+          </a:bodyPr>
+          <a:lstStyle/>
+          <a:p>
+            <a:r>
+              <a:rPr lang="en-US" dirty="0" smtClean="0"/>
+              <a:t>f0, intensity..</a:t>
+            </a:r>
+            <a:endParaRPr lang="en-US" dirty="0"/>
+          </a:p>
+        </p:txBody>
+      </p:sp>
+      <p:sp>
+        <p:nvSpPr>
+          <p:cNvPr id="32" name="Striped Right Arrow 31"/>
+          <p:cNvSpPr/>
+          <p:nvPr/>
+        </p:nvSpPr>
+        <p:spPr>
+          <a:xfrm rot="10800000">
+            <a:off x="2438401" y="4622491"/>
+            <a:ext cx="757336" cy="1295400"/>
+          </a:xfrm>
+          <a:prstGeom prst="stripedRightArrow">
+            <a:avLst/>
+          </a:prstGeom>
+        </p:spPr>
+        <p:style>
+          <a:lnRef idx="1">
+            <a:schemeClr val="accent1"/>
+          </a:lnRef>
+          <a:fillRef idx="2">
+            <a:schemeClr val="accent1"/>
+          </a:fillRef>
+          <a:effectRef idx="1">
+            <a:schemeClr val="accent1"/>
+          </a:effectRef>
+          <a:fontRef idx="minor">
+            <a:schemeClr val="dk1"/>
+          </a:fontRef>
+        </p:style>
+        <p:txBody>
+          <a:bodyPr rtlCol="0" anchor="ctr"/>
+          <a:lstStyle/>
+          <a:p>
+            <a:pPr algn="ctr"/>
+            <a:endParaRPr lang="en-US"/>
           </a:p>
         </p:txBody>
       </p:sp>
@@ -6077,8 +8898,8 @@
         </p:nvSpPr>
         <p:spPr>
           <a:xfrm>
-            <a:off x="990600" y="88665"/>
-            <a:ext cx="7010400" cy="597135"/>
+            <a:off x="533400" y="76200"/>
+            <a:ext cx="7543800" cy="1143000"/>
           </a:xfrm>
         </p:spPr>
         <p:txBody>
@@ -6088,16 +8909,27 @@
           <a:lstStyle/>
           <a:p>
             <a:r>
-              <a:rPr lang="en-US" dirty="0" smtClean="0"/>
-              <a:t>Effect of POS tags</a:t>
-            </a:r>
-            <a:endParaRPr lang="en-US" dirty="0"/>
+              <a:rPr lang="en-US" sz="3500" dirty="0" smtClean="0"/>
+              <a:t>Effect of POS </a:t>
+            </a:r>
+            <a:r>
+              <a:rPr lang="en-US" sz="3500" dirty="0" smtClean="0"/>
+              <a:t>tags on </a:t>
+            </a:r>
+            <a:br>
+              <a:rPr lang="en-US" sz="3500" dirty="0" smtClean="0"/>
+            </a:br>
+            <a:r>
+              <a:rPr lang="en-US" sz="3500" dirty="0" smtClean="0"/>
+              <a:t>‘end of sentence’ detection</a:t>
+            </a:r>
+            <a:endParaRPr lang="en-US" sz="3500" dirty="0"/>
           </a:p>
         </p:txBody>
       </p:sp>
       <p:pic>
         <p:nvPicPr>
-          <p:cNvPr id="5" name="Picture 4" descr="MiddleWordPOS.png"/>
+          <p:cNvPr id="11" name="Picture 10" descr="EndOfSentencePOS.png"/>
           <p:cNvPicPr>
             <a:picLocks noChangeAspect="1"/>
           </p:cNvPicPr>
@@ -6105,92 +8937,527 @@
         </p:nvPicPr>
         <p:blipFill>
           <a:blip r:embed="rId3"/>
+          <a:srcRect l="2353" t="10020" r="2353" b="3141"/>
           <a:stretch>
             <a:fillRect/>
           </a:stretch>
         </p:blipFill>
         <p:spPr>
           <a:xfrm>
-            <a:off x="741215" y="3762834"/>
-            <a:ext cx="3483704" cy="2619051"/>
+            <a:off x="914400" y="1295400"/>
+            <a:ext cx="6629400" cy="4255911"/>
           </a:xfrm>
           <a:prstGeom prst="rect">
             <a:avLst/>
           </a:prstGeom>
         </p:spPr>
       </p:pic>
-      <p:pic>
-        <p:nvPicPr>
-          <p:cNvPr id="6" name="Picture 5" descr="QuestionPOS.png"/>
-          <p:cNvPicPr>
-            <a:picLocks noChangeAspect="1"/>
-          </p:cNvPicPr>
+      <p:sp>
+        <p:nvSpPr>
+          <p:cNvPr id="8" name="Down Arrow Callout 7"/>
+          <p:cNvSpPr/>
           <p:nvPr/>
-        </p:nvPicPr>
-        <p:blipFill>
-          <a:blip r:embed="rId4"/>
-          <a:stretch>
-            <a:fillRect/>
-          </a:stretch>
-        </p:blipFill>
+        </p:nvSpPr>
         <p:spPr>
           <a:xfrm>
-            <a:off x="4758319" y="3733799"/>
-            <a:ext cx="3547481" cy="2666999"/>
+            <a:off x="3352800" y="1981579"/>
+            <a:ext cx="1524000" cy="1981200"/>
+          </a:xfrm>
+          <a:prstGeom prst="downArrowCallout">
+            <a:avLst/>
+          </a:prstGeom>
+        </p:spPr>
+        <p:style>
+          <a:lnRef idx="1">
+            <a:schemeClr val="accent1"/>
+          </a:lnRef>
+          <a:fillRef idx="2">
+            <a:schemeClr val="accent1"/>
+          </a:fillRef>
+          <a:effectRef idx="1">
+            <a:schemeClr val="accent1"/>
+          </a:effectRef>
+          <a:fontRef idx="minor">
+            <a:schemeClr val="dk1"/>
+          </a:fontRef>
+        </p:style>
+        <p:txBody>
+          <a:bodyPr rtlCol="0" anchor="ctr"/>
+          <a:lstStyle/>
+          <a:p>
+            <a:pPr algn="ctr"/>
+            <a:r>
+              <a:rPr lang="en-US" dirty="0" smtClean="0"/>
+              <a:t>Just post word POS tags don’t help</a:t>
+            </a:r>
+            <a:endParaRPr lang="en-US" dirty="0"/>
+          </a:p>
+        </p:txBody>
+      </p:sp>
+      <p:sp>
+        <p:nvSpPr>
+          <p:cNvPr id="14" name="TextBox 13"/>
+          <p:cNvSpPr txBox="1"/>
+          <p:nvPr/>
+        </p:nvSpPr>
+        <p:spPr>
+          <a:xfrm>
+            <a:off x="5029200" y="1536047"/>
+            <a:ext cx="2552614" cy="369332"/>
+          </a:xfrm>
+          <a:prstGeom prst="rect">
+            <a:avLst/>
+          </a:prstGeom>
+          <a:ln/>
+        </p:spPr>
+        <p:style>
+          <a:lnRef idx="1">
+            <a:schemeClr val="accent3"/>
+          </a:lnRef>
+          <a:fillRef idx="2">
+            <a:schemeClr val="accent3"/>
+          </a:fillRef>
+          <a:effectRef idx="1">
+            <a:schemeClr val="accent3"/>
+          </a:effectRef>
+          <a:fontRef idx="minor">
+            <a:schemeClr val="dk1"/>
+          </a:fontRef>
+        </p:style>
+        <p:txBody>
+          <a:bodyPr wrap="none" rtlCol="0">
+            <a:spAutoFit/>
+          </a:bodyPr>
+          <a:lstStyle/>
+          <a:p>
+            <a:r>
+              <a:rPr lang="en-US" dirty="0" smtClean="0"/>
+              <a:t>“and so </a:t>
+            </a:r>
+            <a:r>
+              <a:rPr lang="en-US" b="1" u="sng" dirty="0" smtClean="0"/>
+              <a:t>do</a:t>
+            </a:r>
+            <a:r>
+              <a:rPr lang="en-US" b="1" dirty="0" smtClean="0"/>
+              <a:t> </a:t>
+            </a:r>
+            <a:r>
+              <a:rPr lang="en-US" dirty="0" smtClean="0"/>
+              <a:t>other people”</a:t>
+            </a:r>
+            <a:endParaRPr lang="en-US" dirty="0"/>
+          </a:p>
+        </p:txBody>
+      </p:sp>
+      <p:sp>
+        <p:nvSpPr>
+          <p:cNvPr id="15" name="TextBox 14"/>
+          <p:cNvSpPr txBox="1"/>
+          <p:nvPr/>
+        </p:nvSpPr>
+        <p:spPr>
+          <a:xfrm>
+            <a:off x="5031160" y="1905379"/>
+            <a:ext cx="2550653" cy="369332"/>
+          </a:xfrm>
+          <a:prstGeom prst="rect">
+            <a:avLst/>
+          </a:prstGeom>
+          <a:ln/>
+        </p:spPr>
+        <p:style>
+          <a:lnRef idx="1">
+            <a:schemeClr val="accent4"/>
+          </a:lnRef>
+          <a:fillRef idx="2">
+            <a:schemeClr val="accent4"/>
+          </a:fillRef>
+          <a:effectRef idx="1">
+            <a:schemeClr val="accent4"/>
+          </a:effectRef>
+          <a:fontRef idx="minor">
+            <a:schemeClr val="dk1"/>
+          </a:fontRef>
+        </p:style>
+        <p:txBody>
+          <a:bodyPr wrap="square" rtlCol="0">
+            <a:spAutoFit/>
+          </a:bodyPr>
+          <a:lstStyle/>
+          <a:p>
+            <a:r>
+              <a:rPr lang="en-US" dirty="0" smtClean="0"/>
+              <a:t>CC  RB </a:t>
+            </a:r>
+            <a:r>
+              <a:rPr lang="en-US" b="1" u="sng" dirty="0" smtClean="0"/>
+              <a:t>VB</a:t>
+            </a:r>
+            <a:r>
+              <a:rPr lang="en-US" b="1" dirty="0" smtClean="0"/>
+              <a:t>    </a:t>
+            </a:r>
+            <a:r>
+              <a:rPr lang="en-US" dirty="0" smtClean="0"/>
+              <a:t>JJ      NNS</a:t>
+            </a:r>
+            <a:endParaRPr lang="en-US" dirty="0"/>
+          </a:p>
+        </p:txBody>
+      </p:sp>
+      <p:sp>
+        <p:nvSpPr>
+          <p:cNvPr id="16" name="TextBox 15"/>
+          <p:cNvSpPr txBox="1"/>
+          <p:nvPr/>
+        </p:nvSpPr>
+        <p:spPr>
+          <a:xfrm>
+            <a:off x="2768357" y="5475111"/>
+            <a:ext cx="711121" cy="323165"/>
           </a:xfrm>
           <a:prstGeom prst="rect">
             <a:avLst/>
           </a:prstGeom>
         </p:spPr>
-      </p:pic>
-      <p:pic>
-        <p:nvPicPr>
-          <p:cNvPr id="7" name="Picture 6" descr="StatementPOS.png"/>
-          <p:cNvPicPr>
-            <a:picLocks noChangeAspect="1"/>
-          </p:cNvPicPr>
+        <p:style>
+          <a:lnRef idx="1">
+            <a:schemeClr val="accent4"/>
+          </a:lnRef>
+          <a:fillRef idx="2">
+            <a:schemeClr val="accent4"/>
+          </a:fillRef>
+          <a:effectRef idx="1">
+            <a:schemeClr val="accent4"/>
+          </a:effectRef>
+          <a:fontRef idx="minor">
+            <a:schemeClr val="dk1"/>
+          </a:fontRef>
+        </p:style>
+        <p:txBody>
+          <a:bodyPr wrap="none" rtlCol="0">
+            <a:spAutoFit/>
+          </a:bodyPr>
+          <a:lstStyle/>
+          <a:p>
+            <a:r>
+              <a:rPr lang="en-US" sz="1500" dirty="0" smtClean="0"/>
+              <a:t>RB+</a:t>
+            </a:r>
+            <a:r>
+              <a:rPr lang="en-US" sz="1500" b="1" u="sng" dirty="0" smtClean="0"/>
+              <a:t>VB</a:t>
+            </a:r>
+            <a:endParaRPr lang="en-US" sz="1500" dirty="0"/>
+          </a:p>
+        </p:txBody>
+      </p:sp>
+      <p:sp>
+        <p:nvSpPr>
+          <p:cNvPr id="17" name="TextBox 16"/>
+          <p:cNvSpPr txBox="1"/>
           <p:nvPr/>
-        </p:nvPicPr>
-        <p:blipFill>
-          <a:blip r:embed="rId5"/>
-          <a:stretch>
-            <a:fillRect/>
-          </a:stretch>
-        </p:blipFill>
+        </p:nvSpPr>
         <p:spPr>
           <a:xfrm>
-            <a:off x="719719" y="914400"/>
-            <a:ext cx="3505200" cy="2658514"/>
+            <a:off x="3792437" y="5475111"/>
+            <a:ext cx="624709" cy="323165"/>
           </a:xfrm>
           <a:prstGeom prst="rect">
             <a:avLst/>
           </a:prstGeom>
         </p:spPr>
-      </p:pic>
-      <p:pic>
-        <p:nvPicPr>
-          <p:cNvPr id="8" name="Picture 7" descr="BackchannelPOS.png"/>
-          <p:cNvPicPr>
-            <a:picLocks noChangeAspect="1"/>
-          </p:cNvPicPr>
+        <p:style>
+          <a:lnRef idx="1">
+            <a:schemeClr val="accent4"/>
+          </a:lnRef>
+          <a:fillRef idx="2">
+            <a:schemeClr val="accent4"/>
+          </a:fillRef>
+          <a:effectRef idx="1">
+            <a:schemeClr val="accent4"/>
+          </a:effectRef>
+          <a:fontRef idx="minor">
+            <a:schemeClr val="dk1"/>
+          </a:fontRef>
+        </p:style>
+        <p:txBody>
+          <a:bodyPr wrap="none" rtlCol="0">
+            <a:spAutoFit/>
+          </a:bodyPr>
+          <a:lstStyle/>
+          <a:p>
+            <a:r>
+              <a:rPr lang="en-US" sz="1500" b="1" u="sng" dirty="0" smtClean="0"/>
+              <a:t>VB</a:t>
+            </a:r>
+            <a:r>
+              <a:rPr lang="en-US" sz="1500" dirty="0" smtClean="0"/>
+              <a:t>+JJ</a:t>
+            </a:r>
+            <a:endParaRPr lang="en-US" sz="1500" dirty="0"/>
+          </a:p>
+        </p:txBody>
+      </p:sp>
+      <p:sp>
+        <p:nvSpPr>
+          <p:cNvPr id="18" name="TextBox 17"/>
+          <p:cNvSpPr txBox="1"/>
           <p:nvPr/>
-        </p:nvPicPr>
-        <p:blipFill>
-          <a:blip r:embed="rId6"/>
-          <a:stretch>
-            <a:fillRect/>
-          </a:stretch>
-        </p:blipFill>
+        </p:nvSpPr>
         <p:spPr>
           <a:xfrm>
-            <a:off x="4758319" y="914400"/>
-            <a:ext cx="3547481" cy="2666999"/>
+            <a:off x="1905000" y="5475111"/>
+            <a:ext cx="406237" cy="323165"/>
           </a:xfrm>
           <a:prstGeom prst="rect">
             <a:avLst/>
           </a:prstGeom>
         </p:spPr>
-      </p:pic>
+        <p:style>
+          <a:lnRef idx="1">
+            <a:schemeClr val="accent4"/>
+          </a:lnRef>
+          <a:fillRef idx="2">
+            <a:schemeClr val="accent4"/>
+          </a:fillRef>
+          <a:effectRef idx="1">
+            <a:schemeClr val="accent4"/>
+          </a:effectRef>
+          <a:fontRef idx="minor">
+            <a:schemeClr val="dk1"/>
+          </a:fontRef>
+        </p:style>
+        <p:txBody>
+          <a:bodyPr wrap="none" rtlCol="0">
+            <a:spAutoFit/>
+          </a:bodyPr>
+          <a:lstStyle/>
+          <a:p>
+            <a:r>
+              <a:rPr lang="en-US" sz="1500" b="1" u="sng" dirty="0" smtClean="0"/>
+              <a:t>VB</a:t>
+            </a:r>
+            <a:endParaRPr lang="en-US" sz="1500" dirty="0"/>
+          </a:p>
+        </p:txBody>
+      </p:sp>
+      <p:sp>
+        <p:nvSpPr>
+          <p:cNvPr id="19" name="TextBox 18"/>
+          <p:cNvSpPr txBox="1"/>
+          <p:nvPr/>
+        </p:nvSpPr>
+        <p:spPr>
+          <a:xfrm>
+            <a:off x="4640604" y="5627511"/>
+            <a:ext cx="929593" cy="323165"/>
+          </a:xfrm>
+          <a:prstGeom prst="rect">
+            <a:avLst/>
+          </a:prstGeom>
+        </p:spPr>
+        <p:style>
+          <a:lnRef idx="1">
+            <a:schemeClr val="accent4"/>
+          </a:lnRef>
+          <a:fillRef idx="2">
+            <a:schemeClr val="accent4"/>
+          </a:fillRef>
+          <a:effectRef idx="1">
+            <a:schemeClr val="accent4"/>
+          </a:effectRef>
+          <a:fontRef idx="minor">
+            <a:schemeClr val="dk1"/>
+          </a:fontRef>
+        </p:style>
+        <p:txBody>
+          <a:bodyPr wrap="none" rtlCol="0">
+            <a:spAutoFit/>
+          </a:bodyPr>
+          <a:lstStyle/>
+          <a:p>
+            <a:r>
+              <a:rPr lang="en-US" sz="1500" dirty="0" smtClean="0"/>
+              <a:t>RB+</a:t>
+            </a:r>
+            <a:r>
+              <a:rPr lang="en-US" sz="1500" b="1" u="sng" dirty="0" smtClean="0"/>
+              <a:t>VB</a:t>
+            </a:r>
+            <a:r>
+              <a:rPr lang="en-US" sz="1500" dirty="0" smtClean="0"/>
+              <a:t>+JJ</a:t>
+            </a:r>
+            <a:endParaRPr lang="en-US" sz="1500" dirty="0"/>
+          </a:p>
+        </p:txBody>
+      </p:sp>
+      <p:sp>
+        <p:nvSpPr>
+          <p:cNvPr id="20" name="TextBox 19"/>
+          <p:cNvSpPr txBox="1"/>
+          <p:nvPr/>
+        </p:nvSpPr>
+        <p:spPr>
+          <a:xfrm>
+            <a:off x="5271140" y="6084711"/>
+            <a:ext cx="1663060" cy="323165"/>
+          </a:xfrm>
+          <a:prstGeom prst="rect">
+            <a:avLst/>
+          </a:prstGeom>
+        </p:spPr>
+        <p:style>
+          <a:lnRef idx="1">
+            <a:schemeClr val="accent4"/>
+          </a:lnRef>
+          <a:fillRef idx="2">
+            <a:schemeClr val="accent4"/>
+          </a:fillRef>
+          <a:effectRef idx="1">
+            <a:schemeClr val="accent4"/>
+          </a:effectRef>
+          <a:fontRef idx="minor">
+            <a:schemeClr val="dk1"/>
+          </a:fontRef>
+        </p:style>
+        <p:txBody>
+          <a:bodyPr wrap="none" rtlCol="0">
+            <a:spAutoFit/>
+          </a:bodyPr>
+          <a:lstStyle/>
+          <a:p>
+            <a:r>
+              <a:rPr lang="en-US" sz="1500" dirty="0" smtClean="0"/>
+              <a:t>CC+RB+</a:t>
+            </a:r>
+            <a:r>
+              <a:rPr lang="en-US" sz="1500" b="1" u="sng" dirty="0" smtClean="0"/>
+              <a:t>VB</a:t>
+            </a:r>
+            <a:r>
+              <a:rPr lang="en-US" sz="1500" dirty="0" smtClean="0"/>
+              <a:t>+JJ+NNS</a:t>
+            </a:r>
+            <a:endParaRPr lang="en-US" sz="1500" dirty="0"/>
+          </a:p>
+        </p:txBody>
+      </p:sp>
+      <p:sp>
+        <p:nvSpPr>
+          <p:cNvPr id="21" name="TextBox 20"/>
+          <p:cNvSpPr txBox="1"/>
+          <p:nvPr/>
+        </p:nvSpPr>
+        <p:spPr>
+          <a:xfrm>
+            <a:off x="5972545" y="2731911"/>
+            <a:ext cx="2180855" cy="276999"/>
+          </a:xfrm>
+          <a:prstGeom prst="rect">
+            <a:avLst/>
+          </a:prstGeom>
+        </p:spPr>
+        <p:style>
+          <a:lnRef idx="1">
+            <a:schemeClr val="accent4"/>
+          </a:lnRef>
+          <a:fillRef idx="2">
+            <a:schemeClr val="accent4"/>
+          </a:fillRef>
+          <a:effectRef idx="1">
+            <a:schemeClr val="accent4"/>
+          </a:effectRef>
+          <a:fontRef idx="minor">
+            <a:schemeClr val="dk1"/>
+          </a:fontRef>
+        </p:style>
+        <p:txBody>
+          <a:bodyPr wrap="none" rtlCol="0">
+            <a:spAutoFit/>
+          </a:bodyPr>
+          <a:lstStyle/>
+          <a:p>
+            <a:r>
+              <a:rPr lang="en-US" sz="1200" dirty="0" smtClean="0"/>
+              <a:t>$POS+CC+RB+</a:t>
+            </a:r>
+            <a:r>
+              <a:rPr lang="en-US" sz="1200" b="1" u="sng" dirty="0" smtClean="0"/>
+              <a:t>VB</a:t>
+            </a:r>
+            <a:r>
+              <a:rPr lang="en-US" sz="1200" dirty="0" smtClean="0"/>
+              <a:t>+JJ+NNS+$POS</a:t>
+            </a:r>
+            <a:endParaRPr lang="en-US" sz="1200" dirty="0"/>
+          </a:p>
+        </p:txBody>
+      </p:sp>
+      <p:cxnSp>
+        <p:nvCxnSpPr>
+          <p:cNvPr id="23" name="Straight Connector 22"/>
+          <p:cNvCxnSpPr/>
+          <p:nvPr/>
+        </p:nvCxnSpPr>
+        <p:spPr>
+          <a:xfrm rot="5400000">
+            <a:off x="6919505" y="3175210"/>
+            <a:ext cx="332601" cy="1588"/>
+          </a:xfrm>
+          <a:prstGeom prst="line">
+            <a:avLst/>
+          </a:prstGeom>
+        </p:spPr>
+        <p:style>
+          <a:lnRef idx="1">
+            <a:schemeClr val="accent3"/>
+          </a:lnRef>
+          <a:fillRef idx="0">
+            <a:schemeClr val="accent3"/>
+          </a:fillRef>
+          <a:effectRef idx="0">
+            <a:schemeClr val="accent3"/>
+          </a:effectRef>
+          <a:fontRef idx="minor">
+            <a:schemeClr val="tx1"/>
+          </a:fontRef>
+        </p:style>
+      </p:cxnSp>
+      <p:cxnSp>
+        <p:nvCxnSpPr>
+          <p:cNvPr id="24" name="Straight Connector 23"/>
+          <p:cNvCxnSpPr>
+            <a:endCxn id="20" idx="0"/>
+          </p:cNvCxnSpPr>
+          <p:nvPr/>
+        </p:nvCxnSpPr>
+        <p:spPr>
+          <a:xfrm rot="16200000" flipH="1">
+            <a:off x="5865887" y="5847927"/>
+            <a:ext cx="467693" cy="5874"/>
+          </a:xfrm>
+          <a:prstGeom prst="line">
+            <a:avLst/>
+          </a:prstGeom>
+        </p:spPr>
+        <p:style>
+          <a:lnRef idx="1">
+            <a:schemeClr val="accent3"/>
+          </a:lnRef>
+          <a:fillRef idx="0">
+            <a:schemeClr val="accent3"/>
+          </a:fillRef>
+          <a:effectRef idx="0">
+            <a:schemeClr val="accent3"/>
+          </a:effectRef>
+          <a:fontRef idx="minor">
+            <a:schemeClr val="tx1"/>
+          </a:fontRef>
+        </p:style>
+      </p:cxnSp>
     </p:spTree>
   </p:cSld>
   <p:clrMapOvr>
@@ -6228,67 +9495,346 @@
         </p:nvSpPr>
         <p:spPr>
           <a:xfrm>
-            <a:off x="685800" y="1116012"/>
-            <a:ext cx="7772400" cy="1470025"/>
+            <a:off x="533400" y="152400"/>
+            <a:ext cx="8077200" cy="597135"/>
           </a:xfrm>
         </p:spPr>
         <p:txBody>
           <a:bodyPr>
-            <a:normAutofit/>
+            <a:noAutofit/>
           </a:bodyPr>
           <a:lstStyle/>
           <a:p>
             <a:r>
-              <a:rPr lang="en-US" dirty="0" smtClean="0"/>
-              <a:t>Effect of special words for backchannel identification</a:t>
-            </a:r>
-            <a:endParaRPr lang="en-US" dirty="0"/>
-          </a:p>
-        </p:txBody>
-      </p:sp>
-      <p:sp>
-        <p:nvSpPr>
-          <p:cNvPr id="4" name="TextBox 3"/>
-          <p:cNvSpPr txBox="1"/>
+              <a:rPr lang="en-US" sz="2800" dirty="0" smtClean="0"/>
+              <a:t>Effect of POS </a:t>
+            </a:r>
+            <a:r>
+              <a:rPr lang="en-US" sz="2800" dirty="0" smtClean="0"/>
+              <a:t>tags on various Sentence-Unit classes</a:t>
+            </a:r>
+            <a:endParaRPr lang="en-US" sz="2800" dirty="0"/>
+          </a:p>
+        </p:txBody>
+      </p:sp>
+      <p:grpSp>
+        <p:nvGrpSpPr>
+          <p:cNvPr id="14" name="Group 13"/>
+          <p:cNvGrpSpPr/>
+          <p:nvPr/>
+        </p:nvGrpSpPr>
+        <p:grpSpPr>
+          <a:xfrm>
+            <a:off x="762000" y="914400"/>
+            <a:ext cx="7696200" cy="5410200"/>
+            <a:chOff x="1008981" y="1334949"/>
+            <a:chExt cx="7220619" cy="5142051"/>
+          </a:xfrm>
+        </p:grpSpPr>
+        <p:pic>
+          <p:nvPicPr>
+            <p:cNvPr id="9" name="Picture 8" descr="StatementPOS.png"/>
+            <p:cNvPicPr>
+              <a:picLocks noChangeAspect="1"/>
+            </p:cNvPicPr>
+            <p:nvPr/>
+          </p:nvPicPr>
+          <p:blipFill>
+            <a:blip r:embed="rId3"/>
+            <a:stretch>
+              <a:fillRect/>
+            </a:stretch>
+          </p:blipFill>
+          <p:spPr>
+            <a:xfrm>
+              <a:off x="1008981" y="1334949"/>
+              <a:ext cx="3563020" cy="2572445"/>
+            </a:xfrm>
+            <a:prstGeom prst="rect">
+              <a:avLst/>
+            </a:prstGeom>
+          </p:spPr>
+        </p:pic>
+        <p:pic>
+          <p:nvPicPr>
+            <p:cNvPr id="10" name="Picture 9" descr="BackchannelPOS.png"/>
+            <p:cNvPicPr>
+              <a:picLocks noChangeAspect="1"/>
+            </p:cNvPicPr>
+            <p:nvPr/>
+          </p:nvPicPr>
+          <p:blipFill>
+            <a:blip r:embed="rId4"/>
+            <a:stretch>
+              <a:fillRect/>
+            </a:stretch>
+          </p:blipFill>
+          <p:spPr>
+            <a:xfrm>
+              <a:off x="1008981" y="3907394"/>
+              <a:ext cx="3563019" cy="2569606"/>
+            </a:xfrm>
+            <a:prstGeom prst="rect">
+              <a:avLst/>
+            </a:prstGeom>
+          </p:spPr>
+        </p:pic>
+        <p:pic>
+          <p:nvPicPr>
+            <p:cNvPr id="12" name="Picture 11" descr="QuestionPOS.png"/>
+            <p:cNvPicPr>
+              <a:picLocks noChangeAspect="1"/>
+            </p:cNvPicPr>
+            <p:nvPr/>
+          </p:nvPicPr>
+          <p:blipFill>
+            <a:blip r:embed="rId5"/>
+            <a:stretch>
+              <a:fillRect/>
+            </a:stretch>
+          </p:blipFill>
+          <p:spPr>
+            <a:xfrm>
+              <a:off x="4572000" y="3907394"/>
+              <a:ext cx="3657600" cy="2569606"/>
+            </a:xfrm>
+            <a:prstGeom prst="rect">
+              <a:avLst/>
+            </a:prstGeom>
+          </p:spPr>
+        </p:pic>
+        <p:pic>
+          <p:nvPicPr>
+            <p:cNvPr id="13" name="Picture 12" descr="MiddleWordPOS.png"/>
+            <p:cNvPicPr>
+              <a:picLocks noChangeAspect="1"/>
+            </p:cNvPicPr>
+            <p:nvPr/>
+          </p:nvPicPr>
+          <p:blipFill>
+            <a:blip r:embed="rId6"/>
+            <a:stretch>
+              <a:fillRect/>
+            </a:stretch>
+          </p:blipFill>
+          <p:spPr>
+            <a:xfrm>
+              <a:off x="4572000" y="1334949"/>
+              <a:ext cx="3657600" cy="2572445"/>
+            </a:xfrm>
+            <a:prstGeom prst="rect">
+              <a:avLst/>
+            </a:prstGeom>
+          </p:spPr>
+        </p:pic>
+      </p:grpSp>
+      <p:sp>
+        <p:nvSpPr>
+          <p:cNvPr id="16" name="Oval Callout 15"/>
+          <p:cNvSpPr/>
           <p:nvPr/>
         </p:nvSpPr>
         <p:spPr>
           <a:xfrm>
-            <a:off x="1600200" y="2586037"/>
-            <a:ext cx="4876800" cy="1477328"/>
+            <a:off x="5334000" y="4340352"/>
+            <a:ext cx="2590800" cy="612648"/>
           </a:xfrm>
-          <a:prstGeom prst="rect">
+          <a:prstGeom prst="wedgeEllipseCallout">
+            <a:avLst>
+              <a:gd name="adj1" fmla="val 32378"/>
+              <a:gd name="adj2" fmla="val 76675"/>
+            </a:avLst>
+          </a:prstGeom>
+        </p:spPr>
+        <p:style>
+          <a:lnRef idx="1">
+            <a:schemeClr val="accent6"/>
+          </a:lnRef>
+          <a:fillRef idx="2">
+            <a:schemeClr val="accent6"/>
+          </a:fillRef>
+          <a:effectRef idx="1">
+            <a:schemeClr val="accent6"/>
+          </a:effectRef>
+          <a:fontRef idx="minor">
+            <a:schemeClr val="dk1"/>
+          </a:fontRef>
+        </p:style>
+        <p:txBody>
+          <a:bodyPr rtlCol="0" anchor="ctr"/>
+          <a:lstStyle/>
+          <a:p>
+            <a:pPr algn="ctr"/>
+            <a:r>
+              <a:rPr lang="en-US" sz="1500" dirty="0" smtClean="0"/>
+              <a:t>“cs224s course </a:t>
+            </a:r>
+            <a:r>
+              <a:rPr lang="en-US" sz="1500" b="1" i="1" u="sng" dirty="0" smtClean="0"/>
+              <a:t>rocks?</a:t>
+            </a:r>
+            <a:r>
+              <a:rPr lang="en-US" sz="1500" dirty="0" smtClean="0"/>
+              <a:t>”</a:t>
+            </a:r>
+            <a:endParaRPr lang="en-US" sz="1500" dirty="0"/>
+          </a:p>
+        </p:txBody>
+      </p:sp>
+      <p:sp>
+        <p:nvSpPr>
+          <p:cNvPr id="18" name="Oval Callout 17"/>
+          <p:cNvSpPr/>
+          <p:nvPr/>
+        </p:nvSpPr>
+        <p:spPr>
+          <a:xfrm>
+            <a:off x="5334000" y="1447800"/>
+            <a:ext cx="2971800" cy="384048"/>
+          </a:xfrm>
+          <a:prstGeom prst="wedgeEllipseCallout">
             <a:avLst/>
           </a:prstGeom>
-          <a:noFill/>
         </p:spPr>
-        <p:txBody>
-          <a:bodyPr wrap="square" rtlCol="0">
-            <a:spAutoFit/>
-          </a:bodyPr>
-          <a:lstStyle/>
-          <a:p>
-            <a:r>
-              <a:rPr lang="en-US" dirty="0" smtClean="0"/>
-              <a:t>Club words like ‘</a:t>
-            </a:r>
-            <a:r>
-              <a:rPr lang="en-US" dirty="0" err="1" smtClean="0"/>
+        <p:style>
+          <a:lnRef idx="1">
+            <a:schemeClr val="accent2"/>
+          </a:lnRef>
+          <a:fillRef idx="2">
+            <a:schemeClr val="accent2"/>
+          </a:fillRef>
+          <a:effectRef idx="1">
+            <a:schemeClr val="accent2"/>
+          </a:effectRef>
+          <a:fontRef idx="minor">
+            <a:schemeClr val="dk1"/>
+          </a:fontRef>
+        </p:style>
+        <p:txBody>
+          <a:bodyPr rtlCol="0" anchor="ctr"/>
+          <a:lstStyle/>
+          <a:p>
+            <a:pPr algn="ctr"/>
+            <a:r>
+              <a:rPr lang="en-US" sz="1500" dirty="0" smtClean="0"/>
+              <a:t>“cs224s </a:t>
+            </a:r>
+            <a:r>
+              <a:rPr lang="en-US" sz="1500" b="1" i="1" u="sng" dirty="0" smtClean="0"/>
+              <a:t>course</a:t>
+            </a:r>
+            <a:r>
+              <a:rPr lang="en-US" sz="1500" b="1" i="1" dirty="0" smtClean="0"/>
+              <a:t> </a:t>
+            </a:r>
+            <a:r>
+              <a:rPr lang="en-US" sz="1500" dirty="0" smtClean="0"/>
+              <a:t>rocks.”</a:t>
+            </a:r>
+            <a:endParaRPr lang="en-US" sz="1500" dirty="0"/>
+          </a:p>
+        </p:txBody>
+      </p:sp>
+      <p:sp>
+        <p:nvSpPr>
+          <p:cNvPr id="19" name="Oval Callout 18"/>
+          <p:cNvSpPr/>
+          <p:nvPr/>
+        </p:nvSpPr>
+        <p:spPr>
+          <a:xfrm>
+            <a:off x="1371600" y="1447800"/>
+            <a:ext cx="2971800" cy="384048"/>
+          </a:xfrm>
+          <a:prstGeom prst="wedgeEllipseCallout">
+            <a:avLst/>
+          </a:prstGeom>
+        </p:spPr>
+        <p:style>
+          <a:lnRef idx="1">
+            <a:schemeClr val="accent1"/>
+          </a:lnRef>
+          <a:fillRef idx="2">
+            <a:schemeClr val="accent1"/>
+          </a:fillRef>
+          <a:effectRef idx="1">
+            <a:schemeClr val="accent1"/>
+          </a:effectRef>
+          <a:fontRef idx="minor">
+            <a:schemeClr val="dk1"/>
+          </a:fontRef>
+        </p:style>
+        <p:txBody>
+          <a:bodyPr rtlCol="0" anchor="ctr"/>
+          <a:lstStyle/>
+          <a:p>
+            <a:pPr algn="ctr"/>
+            <a:r>
+              <a:rPr lang="en-US" sz="1500" dirty="0" smtClean="0"/>
+              <a:t>“cs224s course </a:t>
+            </a:r>
+            <a:r>
+              <a:rPr lang="en-US" sz="1500" b="1" i="1" u="sng" dirty="0" smtClean="0"/>
+              <a:t>rocks.</a:t>
+            </a:r>
+            <a:r>
+              <a:rPr lang="en-US" sz="1500" dirty="0" smtClean="0"/>
+              <a:t>”</a:t>
+            </a:r>
+            <a:endParaRPr lang="en-US" sz="1500" dirty="0"/>
+          </a:p>
+        </p:txBody>
+      </p:sp>
+      <p:sp>
+        <p:nvSpPr>
+          <p:cNvPr id="20" name="Oval Callout 19"/>
+          <p:cNvSpPr/>
+          <p:nvPr/>
+        </p:nvSpPr>
+        <p:spPr>
+          <a:xfrm>
+            <a:off x="1371600" y="4186428"/>
+            <a:ext cx="2286000" cy="309372"/>
+          </a:xfrm>
+          <a:prstGeom prst="wedgeEllipseCallout">
+            <a:avLst>
+              <a:gd name="adj1" fmla="val 32378"/>
+              <a:gd name="adj2" fmla="val 76675"/>
+            </a:avLst>
+          </a:prstGeom>
+        </p:spPr>
+        <p:style>
+          <a:lnRef idx="1">
+            <a:schemeClr val="accent3"/>
+          </a:lnRef>
+          <a:fillRef idx="2">
+            <a:schemeClr val="accent3"/>
+          </a:fillRef>
+          <a:effectRef idx="1">
+            <a:schemeClr val="accent3"/>
+          </a:effectRef>
+          <a:fontRef idx="minor">
+            <a:schemeClr val="dk1"/>
+          </a:fontRef>
+        </p:style>
+        <p:txBody>
+          <a:bodyPr rtlCol="0" anchor="ctr"/>
+          <a:lstStyle/>
+          <a:p>
+            <a:pPr algn="ctr"/>
+            <a:r>
+              <a:rPr lang="en-US" sz="1500" dirty="0" smtClean="0"/>
+              <a:t>“</a:t>
+            </a:r>
+            <a:r>
+              <a:rPr lang="en-US" sz="1500" b="1" i="1" u="sng" dirty="0" err="1" smtClean="0"/>
               <a:t>mhm</a:t>
             </a:r>
             <a:r>
-              <a:rPr lang="en-US" dirty="0" smtClean="0"/>
-              <a:t>’, ‘oh yeah’ etc into a separate class and see if it helps in predicting backchannel better</a:t>
-            </a:r>
-          </a:p>
-          <a:p>
-            <a:endParaRPr lang="en-US" dirty="0" smtClean="0"/>
-          </a:p>
-          <a:p>
-            <a:r>
-              <a:rPr lang="en-US" dirty="0" smtClean="0"/>
-              <a:t>Effects on other sentence units</a:t>
-            </a:r>
+              <a:rPr lang="en-US" sz="1500" dirty="0" smtClean="0"/>
+              <a:t>”</a:t>
+            </a:r>
+            <a:endParaRPr lang="en-US" sz="1500" dirty="0"/>
           </a:p>
         </p:txBody>
       </p:sp>
@@ -6317,51 +9863,98 @@
           <a:chExt cx="0" cy="0"/>
         </a:xfrm>
       </p:grpSpPr>
-      <p:sp>
-        <p:nvSpPr>
-          <p:cNvPr id="2" name="Title 1"/>
-          <p:cNvSpPr>
-            <a:spLocks noGrp="1"/>
-          </p:cNvSpPr>
-          <p:nvPr>
-            <p:ph type="ctrTitle"/>
-          </p:nvPr>
-        </p:nvSpPr>
+      <p:pic>
+        <p:nvPicPr>
+          <p:cNvPr id="6" name="Picture 5" descr="PrevSentenceLabel.png"/>
+          <p:cNvPicPr>
+            <a:picLocks noChangeAspect="1"/>
+          </p:cNvPicPr>
+          <p:nvPr/>
+        </p:nvPicPr>
+        <p:blipFill>
+          <a:blip r:embed="rId3"/>
+          <a:stretch>
+            <a:fillRect/>
+          </a:stretch>
+        </p:blipFill>
         <p:spPr>
           <a:xfrm>
-            <a:off x="685800" y="1116012"/>
-            <a:ext cx="7772400" cy="1470025"/>
+            <a:off x="5310188" y="228600"/>
+            <a:ext cx="3148012" cy="2560056"/>
           </a:xfrm>
+          <a:prstGeom prst="rect">
+            <a:avLst/>
+          </a:prstGeom>
         </p:spPr>
-        <p:txBody>
-          <a:bodyPr>
-            <a:normAutofit/>
-          </a:bodyPr>
-          <a:lstStyle/>
-          <a:p>
-            <a:r>
-              <a:rPr lang="en-US" dirty="0" smtClean="0"/>
-              <a:t>Miscellaneous features </a:t>
-            </a:r>
-            <a:endParaRPr lang="en-US" dirty="0"/>
-          </a:p>
-        </p:txBody>
-      </p:sp>
-      <p:sp>
-        <p:nvSpPr>
-          <p:cNvPr id="4" name="TextBox 3"/>
+      </p:pic>
+      <p:pic>
+        <p:nvPicPr>
+          <p:cNvPr id="7" name="Picture 6" descr="PrevSentenceAndSentenceLength.png"/>
+          <p:cNvPicPr>
+            <a:picLocks noChangeAspect="1"/>
+          </p:cNvPicPr>
+          <p:nvPr/>
+        </p:nvPicPr>
+        <p:blipFill>
+          <a:blip r:embed="rId4"/>
+          <a:stretch>
+            <a:fillRect/>
+          </a:stretch>
+        </p:blipFill>
+        <p:spPr>
+          <a:xfrm>
+            <a:off x="4419600" y="3276599"/>
+            <a:ext cx="4038600" cy="3284309"/>
+          </a:xfrm>
+          <a:prstGeom prst="rect">
+            <a:avLst/>
+          </a:prstGeom>
+        </p:spPr>
+      </p:pic>
+      <p:pic>
+        <p:nvPicPr>
+          <p:cNvPr id="9" name="Picture 8" descr="SentenceLength.png"/>
+          <p:cNvPicPr>
+            <a:picLocks noChangeAspect="1"/>
+          </p:cNvPicPr>
+          <p:nvPr/>
+        </p:nvPicPr>
+        <p:blipFill>
+          <a:blip r:embed="rId5"/>
+          <a:stretch>
+            <a:fillRect/>
+          </a:stretch>
+        </p:blipFill>
+        <p:spPr>
+          <a:xfrm>
+            <a:off x="457200" y="3505200"/>
+            <a:ext cx="3200400" cy="2602660"/>
+          </a:xfrm>
+          <a:prstGeom prst="rect">
+            <a:avLst/>
+          </a:prstGeom>
+        </p:spPr>
+      </p:pic>
+      <p:sp>
+        <p:nvSpPr>
+          <p:cNvPr id="10" name="TextBox 9"/>
           <p:cNvSpPr txBox="1"/>
           <p:nvPr/>
         </p:nvSpPr>
         <p:spPr>
           <a:xfrm>
-            <a:off x="1600200" y="2586037"/>
-            <a:ext cx="4876800" cy="3139321"/>
+            <a:off x="2895600" y="381000"/>
+            <a:ext cx="2057400" cy="2246769"/>
           </a:xfrm>
           <a:prstGeom prst="rect">
             <a:avLst/>
           </a:prstGeom>
           <a:noFill/>
+          <a:ln>
+            <a:solidFill>
+              <a:srgbClr val="000000"/>
+            </a:solidFill>
+          </a:ln>
         </p:spPr>
         <p:txBody>
           <a:bodyPr wrap="square" rtlCol="0">
@@ -6370,39 +9963,276 @@
           <a:lstStyle/>
           <a:p>
             <a:r>
+              <a:rPr lang="en-US" sz="2000" dirty="0" smtClean="0"/>
+              <a:t>Previous Sentence Label helps </a:t>
+            </a:r>
+          </a:p>
+          <a:p>
+            <a:r>
+              <a:rPr lang="en-US" sz="2000" dirty="0" smtClean="0"/>
+              <a:t>(SU following question is probably a Question)</a:t>
+            </a:r>
+            <a:endParaRPr lang="en-US" sz="2000" dirty="0"/>
+          </a:p>
+        </p:txBody>
+      </p:sp>
+      <p:sp>
+        <p:nvSpPr>
+          <p:cNvPr id="11" name="TextBox 10"/>
+          <p:cNvSpPr txBox="1"/>
+          <p:nvPr/>
+        </p:nvSpPr>
+        <p:spPr>
+          <a:xfrm>
+            <a:off x="457201" y="691277"/>
+            <a:ext cx="2057400" cy="2585323"/>
+          </a:xfrm>
+          <a:prstGeom prst="rect">
+            <a:avLst/>
+          </a:prstGeom>
+          <a:noFill/>
+          <a:ln>
+            <a:solidFill>
+              <a:srgbClr val="000000"/>
+            </a:solidFill>
+          </a:ln>
+        </p:spPr>
+        <p:txBody>
+          <a:bodyPr wrap="square" rtlCol="0">
+            <a:spAutoFit/>
+          </a:bodyPr>
+          <a:lstStyle/>
+          <a:p>
+            <a:r>
               <a:rPr lang="en-US" dirty="0" smtClean="0"/>
-              <a:t>Previous sentence class prediction (faked as well as true)</a:t>
-            </a:r>
-          </a:p>
-          <a:p>
-            <a:endParaRPr lang="en-US" dirty="0" smtClean="0"/>
+              <a:t>Length of unclassified contiguous word stream seen so far</a:t>
+            </a:r>
           </a:p>
           <a:p>
             <a:r>
               <a:rPr lang="en-US" dirty="0" smtClean="0"/>
-              <a:t>Length of sentence so far or number of words so far (that have not been classified yet)</a:t>
-            </a:r>
-          </a:p>
-          <a:p>
+              <a:t>improves backchannel detection </a:t>
+            </a:r>
+          </a:p>
+          <a:p>
+            <a:r>
+              <a:rPr lang="en-US" dirty="0" smtClean="0"/>
+              <a:t>(since they are short)</a:t>
+            </a:r>
             <a:endParaRPr lang="en-US" dirty="0"/>
           </a:p>
-          <a:p>
-            <a:endParaRPr lang="en-US" dirty="0" smtClean="0"/>
-          </a:p>
-          <a:p>
-            <a:endParaRPr lang="en-US" dirty="0"/>
-          </a:p>
-          <a:p>
-            <a:endParaRPr lang="en-US" dirty="0" smtClean="0"/>
-          </a:p>
-          <a:p>
-            <a:endParaRPr lang="en-US" dirty="0" smtClean="0"/>
-          </a:p>
-          <a:p>
-            <a:endParaRPr lang="en-US" dirty="0" smtClean="0"/>
-          </a:p>
-        </p:txBody>
-      </p:sp>
+        </p:txBody>
+      </p:sp>
+      <p:sp>
+        <p:nvSpPr>
+          <p:cNvPr id="15" name="Left-Right-Up Arrow 14"/>
+          <p:cNvSpPr/>
+          <p:nvPr/>
+        </p:nvSpPr>
+        <p:spPr>
+          <a:xfrm rot="8353445">
+            <a:off x="3814091" y="3178227"/>
+            <a:ext cx="1447868" cy="685801"/>
+          </a:xfrm>
+          <a:prstGeom prst="leftRightUpArrow">
+            <a:avLst/>
+          </a:prstGeom>
+        </p:spPr>
+        <p:style>
+          <a:lnRef idx="1">
+            <a:schemeClr val="accent1"/>
+          </a:lnRef>
+          <a:fillRef idx="2">
+            <a:schemeClr val="accent1"/>
+          </a:fillRef>
+          <a:effectRef idx="1">
+            <a:schemeClr val="accent1"/>
+          </a:effectRef>
+          <a:fontRef idx="minor">
+            <a:schemeClr val="dk1"/>
+          </a:fontRef>
+        </p:style>
+        <p:txBody>
+          <a:bodyPr rtlCol="0" anchor="ctr"/>
+          <a:lstStyle/>
+          <a:p>
+            <a:pPr algn="ctr"/>
+            <a:endParaRPr lang="en-US"/>
+          </a:p>
+        </p:txBody>
+      </p:sp>
+      <p:sp>
+        <p:nvSpPr>
+          <p:cNvPr id="16" name="Rectangle 15"/>
+          <p:cNvSpPr/>
+          <p:nvPr/>
+        </p:nvSpPr>
+        <p:spPr>
+          <a:xfrm>
+            <a:off x="7696200" y="914400"/>
+            <a:ext cx="609600" cy="1676400"/>
+          </a:xfrm>
+          <a:prstGeom prst="rect">
+            <a:avLst/>
+          </a:prstGeom>
+          <a:solidFill>
+            <a:srgbClr val="FFFF00">
+              <a:alpha val="12000"/>
+            </a:srgbClr>
+          </a:solidFill>
+          <a:ln>
+            <a:solidFill>
+              <a:schemeClr val="bg2">
+                <a:lumMod val="90000"/>
+              </a:schemeClr>
+            </a:solidFill>
+          </a:ln>
+        </p:spPr>
+        <p:style>
+          <a:lnRef idx="1">
+            <a:schemeClr val="accent1"/>
+          </a:lnRef>
+          <a:fillRef idx="3">
+            <a:schemeClr val="accent1"/>
+          </a:fillRef>
+          <a:effectRef idx="2">
+            <a:schemeClr val="accent1"/>
+          </a:effectRef>
+          <a:fontRef idx="minor">
+            <a:schemeClr val="lt1"/>
+          </a:fontRef>
+        </p:style>
+        <p:txBody>
+          <a:bodyPr rtlCol="0" anchor="ctr"/>
+          <a:lstStyle/>
+          <a:p>
+            <a:pPr algn="ctr"/>
+            <a:endParaRPr lang="en-US"/>
+          </a:p>
+        </p:txBody>
+      </p:sp>
+      <p:cxnSp>
+        <p:nvCxnSpPr>
+          <p:cNvPr id="24" name="Straight Arrow Connector 23"/>
+          <p:cNvCxnSpPr/>
+          <p:nvPr/>
+        </p:nvCxnSpPr>
+        <p:spPr>
+          <a:xfrm>
+            <a:off x="685800" y="3276601"/>
+            <a:ext cx="1600203" cy="1447800"/>
+          </a:xfrm>
+          <a:prstGeom prst="straightConnector1">
+            <a:avLst/>
+          </a:prstGeom>
+          <a:ln>
+            <a:solidFill>
+              <a:srgbClr val="000000"/>
+            </a:solidFill>
+            <a:tailEnd type="arrow"/>
+          </a:ln>
+        </p:spPr>
+        <p:style>
+          <a:lnRef idx="2">
+            <a:schemeClr val="accent1"/>
+          </a:lnRef>
+          <a:fillRef idx="0">
+            <a:schemeClr val="accent1"/>
+          </a:fillRef>
+          <a:effectRef idx="1">
+            <a:schemeClr val="accent1"/>
+          </a:effectRef>
+          <a:fontRef idx="minor">
+            <a:schemeClr val="tx1"/>
+          </a:fontRef>
+        </p:style>
+      </p:cxnSp>
+      <p:sp>
+        <p:nvSpPr>
+          <p:cNvPr id="25" name="Rectangle 24"/>
+          <p:cNvSpPr/>
+          <p:nvPr/>
+        </p:nvSpPr>
+        <p:spPr>
+          <a:xfrm>
+            <a:off x="2286000" y="4191000"/>
+            <a:ext cx="609600" cy="1676400"/>
+          </a:xfrm>
+          <a:prstGeom prst="rect">
+            <a:avLst/>
+          </a:prstGeom>
+          <a:solidFill>
+            <a:srgbClr val="FFFF00">
+              <a:alpha val="12000"/>
+            </a:srgbClr>
+          </a:solidFill>
+          <a:ln>
+            <a:solidFill>
+              <a:schemeClr val="bg2">
+                <a:lumMod val="90000"/>
+              </a:schemeClr>
+            </a:solidFill>
+          </a:ln>
+        </p:spPr>
+        <p:style>
+          <a:lnRef idx="1">
+            <a:schemeClr val="accent1"/>
+          </a:lnRef>
+          <a:fillRef idx="3">
+            <a:schemeClr val="accent1"/>
+          </a:fillRef>
+          <a:effectRef idx="2">
+            <a:schemeClr val="accent1"/>
+          </a:effectRef>
+          <a:fontRef idx="minor">
+            <a:schemeClr val="lt1"/>
+          </a:fontRef>
+        </p:style>
+        <p:txBody>
+          <a:bodyPr rtlCol="0" anchor="ctr"/>
+          <a:lstStyle/>
+          <a:p>
+            <a:pPr algn="ctr"/>
+            <a:endParaRPr lang="en-US"/>
+          </a:p>
+        </p:txBody>
+      </p:sp>
+      <p:cxnSp>
+        <p:nvCxnSpPr>
+          <p:cNvPr id="31" name="Straight Arrow Connector 30"/>
+          <p:cNvCxnSpPr/>
+          <p:nvPr/>
+        </p:nvCxnSpPr>
+        <p:spPr>
+          <a:xfrm>
+            <a:off x="4953000" y="914400"/>
+            <a:ext cx="2743200" cy="304800"/>
+          </a:xfrm>
+          <a:prstGeom prst="straightConnector1">
+            <a:avLst/>
+          </a:prstGeom>
+          <a:ln>
+            <a:solidFill>
+              <a:srgbClr val="000000"/>
+            </a:solidFill>
+            <a:tailEnd type="arrow"/>
+          </a:ln>
+        </p:spPr>
+        <p:style>
+          <a:lnRef idx="2">
+            <a:schemeClr val="accent1"/>
+          </a:lnRef>
+          <a:fillRef idx="0">
+            <a:schemeClr val="accent1"/>
+          </a:fillRef>
+          <a:effectRef idx="1">
+            <a:schemeClr val="accent1"/>
+          </a:effectRef>
+          <a:fontRef idx="minor">
+            <a:schemeClr val="tx1"/>
+          </a:fontRef>
+        </p:style>
+      </p:cxnSp>
     </p:spTree>
   </p:cSld>
   <p:clrMapOvr>
@@ -6440,107 +10270,52 @@
         </p:nvSpPr>
         <p:spPr>
           <a:xfrm>
-            <a:off x="685800" y="1116012"/>
+            <a:off x="685800" y="380999"/>
             <a:ext cx="7772400" cy="1470025"/>
           </a:xfrm>
         </p:spPr>
         <p:txBody>
           <a:bodyPr>
-            <a:normAutofit/>
+            <a:normAutofit fontScale="90000"/>
           </a:bodyPr>
           <a:lstStyle/>
           <a:p>
             <a:r>
               <a:rPr lang="en-US" dirty="0" smtClean="0"/>
-              <a:t>Prosodic features</a:t>
+              <a:t>Effect of prosodic features on </a:t>
+            </a:r>
+            <a:r>
+              <a:rPr lang="en-US" dirty="0" smtClean="0"/>
+              <a:t>improving ‘Question’ classification</a:t>
             </a:r>
             <a:endParaRPr lang="en-US" dirty="0"/>
           </a:p>
         </p:txBody>
       </p:sp>
-      <p:sp>
-        <p:nvSpPr>
-          <p:cNvPr id="4" name="TextBox 3"/>
-          <p:cNvSpPr txBox="1"/>
+      <p:pic>
+        <p:nvPicPr>
+          <p:cNvPr id="5" name="Picture 4" descr="ProsodicFeaturesEffects.png"/>
+          <p:cNvPicPr>
+            <a:picLocks noChangeAspect="1"/>
+          </p:cNvPicPr>
           <p:nvPr/>
-        </p:nvSpPr>
+        </p:nvPicPr>
+        <p:blipFill>
+          <a:blip r:embed="rId3"/>
+          <a:stretch>
+            <a:fillRect/>
+          </a:stretch>
+        </p:blipFill>
         <p:spPr>
           <a:xfrm>
-            <a:off x="1600200" y="2586037"/>
-            <a:ext cx="4876800" cy="3139321"/>
+            <a:off x="457200" y="2209800"/>
+            <a:ext cx="8338599" cy="3810000"/>
           </a:xfrm>
           <a:prstGeom prst="rect">
             <a:avLst/>
           </a:prstGeom>
-          <a:noFill/>
         </p:spPr>
-        <p:txBody>
-          <a:bodyPr wrap="square" rtlCol="0">
-            <a:spAutoFit/>
-          </a:bodyPr>
-          <a:lstStyle/>
-          <a:p>
-            <a:r>
-              <a:rPr lang="en-US" dirty="0" smtClean="0"/>
-              <a:t>F0</a:t>
-            </a:r>
-          </a:p>
-          <a:p>
-            <a:r>
-              <a:rPr lang="en-US" dirty="0" smtClean="0"/>
-              <a:t>F0 normalized</a:t>
-            </a:r>
-          </a:p>
-          <a:p>
-            <a:r>
-              <a:rPr lang="en-US" dirty="0" smtClean="0"/>
-              <a:t>Pause duration for speaker</a:t>
-            </a:r>
-          </a:p>
-          <a:p>
-            <a:r>
-              <a:rPr lang="en-US" dirty="0" smtClean="0"/>
-              <a:t>Energy</a:t>
-            </a:r>
-          </a:p>
-          <a:p>
-            <a:r>
-              <a:rPr lang="en-US" dirty="0" smtClean="0"/>
-              <a:t>Length of word</a:t>
-            </a:r>
-          </a:p>
-          <a:p>
-            <a:r>
-              <a:rPr lang="en-US" dirty="0" smtClean="0"/>
-              <a:t>Pause length before word</a:t>
-            </a:r>
-          </a:p>
-          <a:p>
-            <a:r>
-              <a:rPr lang="en-US" dirty="0" smtClean="0"/>
-              <a:t>Word pitch range</a:t>
-            </a:r>
-          </a:p>
-          <a:p>
-            <a:r>
-              <a:rPr lang="en-US" dirty="0" smtClean="0"/>
-              <a:t>Energy</a:t>
-            </a:r>
-          </a:p>
-          <a:p>
-            <a:r>
-              <a:rPr lang="en-US" dirty="0" smtClean="0"/>
-              <a:t>Energy normalized</a:t>
-            </a:r>
-          </a:p>
-          <a:p>
-            <a:endParaRPr lang="en-US" dirty="0" smtClean="0"/>
-          </a:p>
-          <a:p>
-            <a:endParaRPr lang="en-US" dirty="0" smtClean="0"/>
-          </a:p>
-        </p:txBody>
-      </p:sp>
+      </p:pic>
     </p:spTree>
   </p:cSld>
   <p:clrMapOvr>
@@ -6568,49 +10343,24 @@
       </p:grpSpPr>
       <p:sp>
         <p:nvSpPr>
-          <p:cNvPr id="2" name="Title 1"/>
-          <p:cNvSpPr>
-            <a:spLocks noGrp="1"/>
-          </p:cNvSpPr>
-          <p:nvPr>
-            <p:ph type="ctrTitle"/>
-          </p:nvPr>
+          <p:cNvPr id="7" name="TextBox 6"/>
+          <p:cNvSpPr txBox="1"/>
+          <p:nvPr/>
         </p:nvSpPr>
         <p:spPr>
           <a:xfrm>
-            <a:off x="685800" y="1116012"/>
-            <a:ext cx="7772400" cy="1470025"/>
-          </a:xfrm>
-        </p:spPr>
-        <p:txBody>
-          <a:bodyPr>
-            <a:normAutofit/>
-          </a:bodyPr>
-          <a:lstStyle/>
-          <a:p>
-            <a:r>
-              <a:rPr lang="en-US" dirty="0" smtClean="0"/>
-              <a:t>Prosodic features</a:t>
-            </a:r>
-            <a:endParaRPr lang="en-US" dirty="0"/>
-          </a:p>
-        </p:txBody>
-      </p:sp>
-      <p:sp>
-        <p:nvSpPr>
-          <p:cNvPr id="4" name="TextBox 3"/>
-          <p:cNvSpPr txBox="1"/>
-          <p:nvPr/>
-        </p:nvSpPr>
-        <p:spPr>
-          <a:xfrm>
-            <a:off x="1600200" y="2586037"/>
-            <a:ext cx="4876800" cy="3139321"/>
+            <a:off x="1066800" y="609600"/>
+            <a:ext cx="2895599" cy="1477328"/>
           </a:xfrm>
           <a:prstGeom prst="rect">
             <a:avLst/>
           </a:prstGeom>
           <a:noFill/>
+          <a:ln>
+            <a:solidFill>
+              <a:srgbClr val="000000"/>
+            </a:solidFill>
+          </a:ln>
         </p:spPr>
         <p:txBody>
           <a:bodyPr wrap="square" rtlCol="0">
@@ -6620,62 +10370,259 @@
           <a:p>
             <a:r>
               <a:rPr lang="en-US" dirty="0" smtClean="0"/>
-              <a:t>F0</a:t>
-            </a:r>
-          </a:p>
+              <a:t>Combining all features, we are able to get up to 99% accuracy on classifying a word as a “end of sentence unit” or not:</a:t>
+            </a:r>
+            <a:endParaRPr lang="en-US" dirty="0"/>
+          </a:p>
+        </p:txBody>
+      </p:sp>
+      <p:sp>
+        <p:nvSpPr>
+          <p:cNvPr id="10" name="TextBox 9"/>
+          <p:cNvSpPr txBox="1"/>
+          <p:nvPr/>
+        </p:nvSpPr>
+        <p:spPr>
+          <a:xfrm>
+            <a:off x="5334000" y="4466272"/>
+            <a:ext cx="2895599" cy="1477328"/>
+          </a:xfrm>
+          <a:prstGeom prst="rect">
+            <a:avLst/>
+          </a:prstGeom>
+          <a:noFill/>
+          <a:ln>
+            <a:solidFill>
+              <a:srgbClr val="000000"/>
+            </a:solidFill>
+          </a:ln>
+        </p:spPr>
+        <p:txBody>
+          <a:bodyPr wrap="square" rtlCol="0">
+            <a:spAutoFit/>
+          </a:bodyPr>
+          <a:lstStyle/>
           <a:p>
             <a:r>
               <a:rPr lang="en-US" dirty="0" smtClean="0"/>
-              <a:t>F0 normalized</a:t>
-            </a:r>
-          </a:p>
-          <a:p>
-            <a:r>
-              <a:rPr lang="en-US" dirty="0" smtClean="0"/>
-              <a:t>Pause duration for speaker</a:t>
-            </a:r>
-          </a:p>
-          <a:p>
-            <a:r>
-              <a:rPr lang="en-US" dirty="0" smtClean="0"/>
-              <a:t>Energy</a:t>
-            </a:r>
-          </a:p>
-          <a:p>
-            <a:r>
-              <a:rPr lang="en-US" dirty="0" smtClean="0"/>
-              <a:t>Length of word</a:t>
-            </a:r>
-          </a:p>
-          <a:p>
-            <a:r>
-              <a:rPr lang="en-US" dirty="0" smtClean="0"/>
-              <a:t>Pause length before word</a:t>
-            </a:r>
-          </a:p>
-          <a:p>
-            <a:r>
-              <a:rPr lang="en-US" dirty="0" smtClean="0"/>
-              <a:t>Word pitch range</a:t>
-            </a:r>
-          </a:p>
-          <a:p>
-            <a:r>
-              <a:rPr lang="en-US" dirty="0" smtClean="0"/>
-              <a:t>Energy</a:t>
-            </a:r>
-          </a:p>
-          <a:p>
-            <a:r>
-              <a:rPr lang="en-US" dirty="0" smtClean="0"/>
-              <a:t>Energy normalized</a:t>
-            </a:r>
-          </a:p>
-          <a:p>
-            <a:endParaRPr lang="en-US" dirty="0" smtClean="0"/>
-          </a:p>
-          <a:p>
-            <a:endParaRPr lang="en-US" dirty="0" smtClean="0"/>
+              <a:t>However, lesser accuracy when trying to classify individual classes. Specifically, gives only 62% accuracy with ‘Questions’ </a:t>
+            </a:r>
+            <a:endParaRPr lang="en-US" dirty="0"/>
+          </a:p>
+        </p:txBody>
+      </p:sp>
+      <p:pic>
+        <p:nvPicPr>
+          <p:cNvPr id="12" name="Picture 11" descr="AllFeaturesClasses.png"/>
+          <p:cNvPicPr>
+            <a:picLocks noChangeAspect="1"/>
+          </p:cNvPicPr>
+          <p:nvPr/>
+        </p:nvPicPr>
+        <p:blipFill>
+          <a:blip r:embed="rId3"/>
+          <a:stretch>
+            <a:fillRect/>
+          </a:stretch>
+        </p:blipFill>
+        <p:spPr>
+          <a:xfrm>
+            <a:off x="4800600" y="609600"/>
+            <a:ext cx="3851480" cy="3132138"/>
+          </a:xfrm>
+          <a:prstGeom prst="rect">
+            <a:avLst/>
+          </a:prstGeom>
+        </p:spPr>
+      </p:pic>
+      <p:pic>
+        <p:nvPicPr>
+          <p:cNvPr id="14" name="Picture 13" descr="AllFeaturesOnSentenceUnitDetection.png"/>
+          <p:cNvPicPr>
+            <a:picLocks noChangeAspect="1"/>
+          </p:cNvPicPr>
+          <p:nvPr/>
+        </p:nvPicPr>
+        <p:blipFill>
+          <a:blip r:embed="rId4"/>
+          <a:stretch>
+            <a:fillRect/>
+          </a:stretch>
+        </p:blipFill>
+        <p:spPr>
+          <a:xfrm>
+            <a:off x="255864" y="2543175"/>
+            <a:ext cx="4239936" cy="3324225"/>
+          </a:xfrm>
+          <a:prstGeom prst="rect">
+            <a:avLst/>
+          </a:prstGeom>
+        </p:spPr>
+      </p:pic>
+      <p:cxnSp>
+        <p:nvCxnSpPr>
+          <p:cNvPr id="17" name="Straight Arrow Connector 16"/>
+          <p:cNvCxnSpPr/>
+          <p:nvPr/>
+        </p:nvCxnSpPr>
+        <p:spPr>
+          <a:xfrm rot="16200000" flipH="1">
+            <a:off x="3114764" y="2124164"/>
+            <a:ext cx="1161871" cy="533399"/>
+          </a:xfrm>
+          <a:prstGeom prst="straightConnector1">
+            <a:avLst/>
+          </a:prstGeom>
+          <a:ln>
+            <a:solidFill>
+              <a:srgbClr val="000000"/>
+            </a:solidFill>
+            <a:tailEnd type="arrow"/>
+          </a:ln>
+        </p:spPr>
+        <p:style>
+          <a:lnRef idx="2">
+            <a:schemeClr val="accent1"/>
+          </a:lnRef>
+          <a:fillRef idx="0">
+            <a:schemeClr val="accent1"/>
+          </a:fillRef>
+          <a:effectRef idx="1">
+            <a:schemeClr val="accent1"/>
+          </a:effectRef>
+          <a:fontRef idx="minor">
+            <a:schemeClr val="tx1"/>
+          </a:fontRef>
+        </p:style>
+      </p:cxnSp>
+      <p:cxnSp>
+        <p:nvCxnSpPr>
+          <p:cNvPr id="19" name="Straight Arrow Connector 18"/>
+          <p:cNvCxnSpPr/>
+          <p:nvPr/>
+        </p:nvCxnSpPr>
+        <p:spPr>
+          <a:xfrm rot="5400000" flipH="1" flipV="1">
+            <a:off x="7524433" y="3913505"/>
+            <a:ext cx="724534" cy="381000"/>
+          </a:xfrm>
+          <a:prstGeom prst="straightConnector1">
+            <a:avLst/>
+          </a:prstGeom>
+          <a:ln>
+            <a:tailEnd type="arrow"/>
+          </a:ln>
+        </p:spPr>
+        <p:style>
+          <a:lnRef idx="2">
+            <a:schemeClr val="accent1"/>
+          </a:lnRef>
+          <a:fillRef idx="0">
+            <a:schemeClr val="accent1"/>
+          </a:fillRef>
+          <a:effectRef idx="1">
+            <a:schemeClr val="accent1"/>
+          </a:effectRef>
+          <a:fontRef idx="minor">
+            <a:schemeClr val="tx1"/>
+          </a:fontRef>
+        </p:style>
+      </p:cxnSp>
+      <p:sp>
+        <p:nvSpPr>
+          <p:cNvPr id="21" name="Rectangle 20"/>
+          <p:cNvSpPr/>
+          <p:nvPr/>
+        </p:nvSpPr>
+        <p:spPr>
+          <a:xfrm>
+            <a:off x="7772400" y="990600"/>
+            <a:ext cx="762000" cy="2743200"/>
+          </a:xfrm>
+          <a:prstGeom prst="rect">
+            <a:avLst/>
+          </a:prstGeom>
+          <a:solidFill>
+            <a:srgbClr val="FFFF00">
+              <a:alpha val="15000"/>
+            </a:srgbClr>
+          </a:solidFill>
+          <a:ln>
+            <a:solidFill>
+              <a:schemeClr val="bg2">
+                <a:lumMod val="75000"/>
+              </a:schemeClr>
+            </a:solidFill>
+          </a:ln>
+        </p:spPr>
+        <p:style>
+          <a:lnRef idx="1">
+            <a:schemeClr val="accent2"/>
+          </a:lnRef>
+          <a:fillRef idx="2">
+            <a:schemeClr val="accent2"/>
+          </a:fillRef>
+          <a:effectRef idx="1">
+            <a:schemeClr val="accent2"/>
+          </a:effectRef>
+          <a:fontRef idx="minor">
+            <a:schemeClr val="dk1"/>
+          </a:fontRef>
+        </p:style>
+        <p:txBody>
+          <a:bodyPr rtlCol="0" anchor="ctr"/>
+          <a:lstStyle/>
+          <a:p>
+            <a:pPr algn="ctr"/>
+            <a:endParaRPr lang="en-US"/>
+          </a:p>
+        </p:txBody>
+      </p:sp>
+      <p:sp>
+        <p:nvSpPr>
+          <p:cNvPr id="22" name="Oval 21"/>
+          <p:cNvSpPr/>
+          <p:nvPr/>
+        </p:nvSpPr>
+        <p:spPr>
+          <a:xfrm>
+            <a:off x="3543298" y="2743200"/>
+            <a:ext cx="838201" cy="762001"/>
+          </a:xfrm>
+          <a:prstGeom prst="ellipse">
+            <a:avLst/>
+          </a:prstGeom>
+          <a:solidFill>
+            <a:srgbClr val="FFFF00">
+              <a:alpha val="12000"/>
+            </a:srgbClr>
+          </a:solidFill>
+          <a:ln>
+            <a:solidFill>
+              <a:srgbClr val="C4BD97"/>
+            </a:solidFill>
+          </a:ln>
+        </p:spPr>
+        <p:style>
+          <a:lnRef idx="1">
+            <a:schemeClr val="accent1"/>
+          </a:lnRef>
+          <a:fillRef idx="3">
+            <a:schemeClr val="accent1"/>
+          </a:fillRef>
+          <a:effectRef idx="2">
+            <a:schemeClr val="accent1"/>
+          </a:effectRef>
+          <a:fontRef idx="minor">
+            <a:schemeClr val="lt1"/>
+          </a:fontRef>
+        </p:style>
+        <p:txBody>
+          <a:bodyPr rtlCol="0" anchor="ctr"/>
+          <a:lstStyle/>
+          <a:p>
+            <a:pPr algn="ctr"/>
+            <a:endParaRPr lang="en-US"/>
           </a:p>
         </p:txBody>
       </p:sp>
@@ -6716,7 +10663,7 @@
         </p:nvSpPr>
         <p:spPr>
           <a:xfrm>
-            <a:off x="685800" y="1116012"/>
+            <a:off x="685800" y="-381000"/>
             <a:ext cx="7772400" cy="1470025"/>
           </a:xfrm>
         </p:spPr>
@@ -6728,7 +10675,7 @@
           <a:p>
             <a:r>
               <a:rPr lang="en-US" dirty="0" smtClean="0"/>
-              <a:t>Prosodic features</a:t>
+              <a:t>References</a:t>
             </a:r>
             <a:endParaRPr lang="en-US" dirty="0"/>
           </a:p>
@@ -6742,13 +10689,18 @@
         </p:nvSpPr>
         <p:spPr>
           <a:xfrm>
-            <a:off x="2286000" y="2586037"/>
-            <a:ext cx="4876800" cy="923330"/>
+            <a:off x="990600" y="903744"/>
+            <a:ext cx="7315200" cy="2677656"/>
           </a:xfrm>
           <a:prstGeom prst="rect">
             <a:avLst/>
           </a:prstGeom>
           <a:noFill/>
+          <a:ln>
+            <a:solidFill>
+              <a:schemeClr val="tx1"/>
+            </a:solidFill>
+          </a:ln>
         </p:spPr>
         <p:txBody>
           <a:bodyPr wrap="square" rtlCol="0">
@@ -6756,20 +10708,446 @@
           </a:bodyPr>
           <a:lstStyle/>
           <a:p>
-            <a:r>
-              <a:rPr lang="en-US" dirty="0" err="1" smtClean="0"/>
-              <a:t>n</a:t>
-            </a:r>
-            <a:r>
-              <a:rPr lang="en-US" dirty="0" smtClean="0"/>
-              <a:t>-gram prosodic features</a:t>
-            </a:r>
-          </a:p>
-          <a:p>
-            <a:endParaRPr lang="en-US" dirty="0" smtClean="0"/>
-          </a:p>
-          <a:p>
-            <a:endParaRPr lang="en-US" dirty="0" smtClean="0"/>
+            <a:pPr>
+              <a:buFont typeface="Arial"/>
+              <a:buChar char="•"/>
+            </a:pPr>
+            <a:r>
+              <a:rPr lang="en-US" sz="1200" dirty="0" smtClean="0"/>
+              <a:t> Enriching </a:t>
+            </a:r>
+            <a:r>
+              <a:rPr lang="en-US" sz="1200" dirty="0"/>
+              <a:t>Speech Recognition With Automatic Detection of Sentence Boundaries and </a:t>
+            </a:r>
+            <a:r>
+              <a:rPr lang="en-US" sz="1200" dirty="0" err="1" smtClean="0"/>
+              <a:t>Disﬂuencies</a:t>
+            </a:r>
+            <a:r>
+              <a:rPr lang="en-US" sz="1200" dirty="0" smtClean="0"/>
+              <a:t>, Yang Liu, Elizabeth </a:t>
+            </a:r>
+            <a:r>
+              <a:rPr lang="en-US" sz="1200" dirty="0" err="1"/>
+              <a:t>Shriberg</a:t>
+            </a:r>
+            <a:r>
+              <a:rPr lang="en-US" sz="1200" dirty="0"/>
+              <a:t>, Andreas </a:t>
+            </a:r>
+            <a:r>
+              <a:rPr lang="en-US" sz="1200" dirty="0" err="1"/>
+              <a:t>Stolcke</a:t>
+            </a:r>
+            <a:r>
+              <a:rPr lang="en-US" sz="1200" dirty="0"/>
+              <a:t>,</a:t>
+            </a:r>
+            <a:r>
+              <a:rPr lang="en-US" sz="1200" dirty="0" smtClean="0"/>
+              <a:t> Dustin </a:t>
+            </a:r>
+            <a:r>
+              <a:rPr lang="en-US" sz="1200" dirty="0" err="1"/>
+              <a:t>Hillard</a:t>
+            </a:r>
+            <a:r>
+              <a:rPr lang="en-US" sz="1200" dirty="0" smtClean="0"/>
+              <a:t>, Mari </a:t>
+            </a:r>
+            <a:r>
+              <a:rPr lang="en-US" sz="1200" dirty="0" err="1" smtClean="0"/>
+              <a:t>Ostendorf</a:t>
+            </a:r>
+            <a:r>
+              <a:rPr lang="en-US" sz="1200" dirty="0" smtClean="0"/>
+              <a:t> and </a:t>
+            </a:r>
+            <a:r>
+              <a:rPr lang="en-US" sz="1200" dirty="0"/>
+              <a:t>Mary </a:t>
+            </a:r>
+            <a:r>
+              <a:rPr lang="en-US" sz="1200" dirty="0" smtClean="0"/>
+              <a:t>Harper</a:t>
+            </a:r>
+          </a:p>
+          <a:p>
+            <a:endParaRPr lang="en-US" sz="1200" dirty="0" smtClean="0"/>
+          </a:p>
+          <a:p>
+            <a:pPr>
+              <a:buFont typeface="Arial"/>
+              <a:buChar char="•"/>
+            </a:pPr>
+            <a:r>
+              <a:rPr lang="en-US" sz="1200" dirty="0" smtClean="0"/>
+              <a:t> Yang </a:t>
+            </a:r>
+            <a:r>
+              <a:rPr lang="en-US" sz="1200" dirty="0" smtClean="0"/>
+              <a:t>Liu, Elizabeth </a:t>
+            </a:r>
+            <a:r>
+              <a:rPr lang="en-US" sz="1200" dirty="0" err="1" smtClean="0"/>
+              <a:t>Shriberg</a:t>
+            </a:r>
+            <a:r>
+              <a:rPr lang="en-US" sz="1200" dirty="0" smtClean="0"/>
+              <a:t>, Andreas </a:t>
+            </a:r>
+            <a:r>
+              <a:rPr lang="en-US" sz="1200" dirty="0" err="1" smtClean="0"/>
+              <a:t>Stolcke</a:t>
+            </a:r>
+            <a:r>
+              <a:rPr lang="en-US" sz="1200" dirty="0" smtClean="0"/>
+              <a:t>, Barbara </a:t>
+            </a:r>
+            <a:r>
+              <a:rPr lang="en-US" sz="1200" dirty="0" err="1" smtClean="0"/>
+              <a:t>Peskin</a:t>
+            </a:r>
+            <a:r>
+              <a:rPr lang="en-US" sz="1200" dirty="0" smtClean="0"/>
+              <a:t>,  Jeremy </a:t>
+            </a:r>
+            <a:r>
+              <a:rPr lang="en-US" sz="1200" dirty="0" err="1" smtClean="0"/>
+              <a:t>Ang</a:t>
+            </a:r>
+            <a:r>
+              <a:rPr lang="en-US" sz="1200" dirty="0" smtClean="0"/>
+              <a:t>, Dustin </a:t>
+            </a:r>
+            <a:r>
+              <a:rPr lang="en-US" sz="1200" dirty="0" err="1" smtClean="0"/>
+              <a:t>Hillard</a:t>
+            </a:r>
+            <a:r>
+              <a:rPr lang="en-US" sz="1200" dirty="0" smtClean="0"/>
+              <a:t>, Mari </a:t>
+            </a:r>
+            <a:r>
+              <a:rPr lang="en-US" sz="1200" dirty="0" err="1" smtClean="0"/>
+              <a:t>Ostendorf</a:t>
+            </a:r>
+            <a:r>
+              <a:rPr lang="en-US" sz="1200" dirty="0" smtClean="0"/>
+              <a:t>, Marcus </a:t>
+            </a:r>
+            <a:r>
+              <a:rPr lang="en-US" sz="1200" dirty="0" err="1" smtClean="0"/>
+              <a:t>Tomalin</a:t>
+            </a:r>
+            <a:r>
+              <a:rPr lang="en-US" sz="1200" dirty="0" smtClean="0"/>
+              <a:t>, Phil  Woodland, and Mary Harper. 2005. Structural </a:t>
+            </a:r>
+            <a:r>
+              <a:rPr lang="en-US" sz="1200" dirty="0" err="1" smtClean="0"/>
+              <a:t>Metatada</a:t>
+            </a:r>
+            <a:r>
+              <a:rPr lang="en-US" sz="1200" dirty="0" smtClean="0"/>
+              <a:t> Research in the  EARS Program,. ICASSP 2005</a:t>
+            </a:r>
+            <a:r>
+              <a:rPr lang="en-US" sz="1200" dirty="0" smtClean="0"/>
+              <a:t>.</a:t>
+            </a:r>
+          </a:p>
+          <a:p>
+            <a:endParaRPr lang="en-US" sz="1200" dirty="0" smtClean="0"/>
+          </a:p>
+          <a:p>
+            <a:pPr>
+              <a:buFont typeface="Arial"/>
+              <a:buChar char="•"/>
+            </a:pPr>
+            <a:r>
+              <a:rPr lang="en-US" sz="1200" dirty="0" smtClean="0"/>
+              <a:t> Yang </a:t>
+            </a:r>
+            <a:r>
+              <a:rPr lang="en-US" sz="1200" dirty="0" smtClean="0"/>
+              <a:t>Liu, Elizabeth </a:t>
+            </a:r>
+            <a:r>
+              <a:rPr lang="en-US" sz="1200" dirty="0" err="1" smtClean="0"/>
+              <a:t>Shriberg</a:t>
+            </a:r>
+            <a:r>
+              <a:rPr lang="en-US" sz="1200" dirty="0" smtClean="0"/>
+              <a:t>, Andreas </a:t>
+            </a:r>
+            <a:r>
+              <a:rPr lang="en-US" sz="1200" dirty="0" err="1" smtClean="0"/>
+              <a:t>Stolcke</a:t>
+            </a:r>
+            <a:r>
+              <a:rPr lang="en-US" sz="1200" dirty="0" smtClean="0"/>
+              <a:t>, Dustin </a:t>
+            </a:r>
+            <a:r>
+              <a:rPr lang="en-US" sz="1200" dirty="0" err="1" smtClean="0"/>
+              <a:t>Hillard</a:t>
+            </a:r>
+            <a:r>
+              <a:rPr lang="en-US" sz="1200" dirty="0" smtClean="0"/>
+              <a:t>,  Mari </a:t>
+            </a:r>
+            <a:r>
+              <a:rPr lang="en-US" sz="1200" dirty="0" err="1" smtClean="0"/>
+              <a:t>Ostendorf</a:t>
+            </a:r>
+            <a:r>
+              <a:rPr lang="en-US" sz="1200" dirty="0" smtClean="0"/>
+              <a:t>, Barbara </a:t>
+            </a:r>
+            <a:r>
+              <a:rPr lang="en-US" sz="1200" dirty="0" err="1" smtClean="0"/>
+              <a:t>Peskin</a:t>
+            </a:r>
+            <a:r>
+              <a:rPr lang="en-US" sz="1200" dirty="0" smtClean="0"/>
+              <a:t>, and Mary Harper. 2004. The ICSI-SRI-UW  Metadata Extraction System, ICSLP 2004</a:t>
+            </a:r>
+            <a:r>
+              <a:rPr lang="en-US" sz="1200" dirty="0" smtClean="0"/>
+              <a:t>.</a:t>
+            </a:r>
+          </a:p>
+          <a:p>
+            <a:endParaRPr lang="en-US" sz="1200" dirty="0" smtClean="0"/>
+          </a:p>
+          <a:p>
+            <a:pPr>
+              <a:buFont typeface="Arial"/>
+              <a:buChar char="•"/>
+            </a:pPr>
+            <a:r>
+              <a:rPr lang="en-US" sz="1200" dirty="0" smtClean="0"/>
+              <a:t> </a:t>
+            </a:r>
+            <a:r>
+              <a:rPr lang="en-US" sz="1200" dirty="0" err="1" smtClean="0"/>
+              <a:t>Snover</a:t>
+            </a:r>
+            <a:r>
+              <a:rPr lang="en-US" sz="1200" dirty="0" smtClean="0"/>
+              <a:t>, Matthew, Bonnie Dorr and Richard Schwartz. 2004. A  Lexically-Driven Algorithm for </a:t>
+            </a:r>
+            <a:r>
+              <a:rPr lang="en-US" sz="1200" dirty="0" err="1" smtClean="0"/>
+              <a:t>Disfluency</a:t>
+            </a:r>
+            <a:r>
+              <a:rPr lang="en-US" sz="1200" dirty="0" smtClean="0"/>
+              <a:t> Detection. Short Papers  Proceedings of HLT-NAACL 2004. Boston: ACL. 157--160.</a:t>
+            </a:r>
+          </a:p>
+          <a:p>
+            <a:endParaRPr lang="en-US" sz="1200" dirty="0" smtClean="0"/>
+          </a:p>
+          <a:p>
+            <a:endParaRPr lang="en-US" sz="1200" dirty="0" smtClean="0"/>
+          </a:p>
+        </p:txBody>
+      </p:sp>
+      <p:sp>
+        <p:nvSpPr>
+          <p:cNvPr id="5" name="TextBox 4"/>
+          <p:cNvSpPr txBox="1"/>
+          <p:nvPr/>
+        </p:nvSpPr>
+        <p:spPr>
+          <a:xfrm>
+            <a:off x="990600" y="4773305"/>
+            <a:ext cx="7315200" cy="1246495"/>
+          </a:xfrm>
+          <a:prstGeom prst="rect">
+            <a:avLst/>
+          </a:prstGeom>
+          <a:noFill/>
+          <a:ln>
+            <a:solidFill>
+              <a:schemeClr val="tx1"/>
+            </a:solidFill>
+          </a:ln>
+        </p:spPr>
+        <p:txBody>
+          <a:bodyPr wrap="square" rtlCol="0">
+            <a:spAutoFit/>
+          </a:bodyPr>
+          <a:lstStyle/>
+          <a:p>
+            <a:pPr>
+              <a:buFont typeface="Arial"/>
+              <a:buChar char="•"/>
+            </a:pPr>
+            <a:r>
+              <a:rPr lang="en-US" sz="1500" dirty="0" smtClean="0"/>
+              <a:t> </a:t>
+            </a:r>
+            <a:r>
+              <a:rPr lang="en-US" sz="1500" dirty="0" smtClean="0"/>
+              <a:t>Dr. </a:t>
+            </a:r>
+            <a:r>
+              <a:rPr lang="en-US" sz="1500" dirty="0" smtClean="0"/>
+              <a:t>Dan </a:t>
+            </a:r>
+            <a:r>
+              <a:rPr lang="en-US" sz="1500" dirty="0" err="1" smtClean="0"/>
+              <a:t>Jurafsky</a:t>
+            </a:r>
+            <a:r>
+              <a:rPr lang="en-US" sz="1500" dirty="0" smtClean="0"/>
+              <a:t> for encouragement and office hours</a:t>
+            </a:r>
+          </a:p>
+          <a:p>
+            <a:pPr>
+              <a:buFont typeface="Arial"/>
+              <a:buChar char="•"/>
+            </a:pPr>
+            <a:endParaRPr lang="en-US" sz="1500" dirty="0" smtClean="0"/>
+          </a:p>
+          <a:p>
+            <a:pPr>
+              <a:buFont typeface="Arial"/>
+              <a:buChar char="•"/>
+            </a:pPr>
+            <a:r>
+              <a:rPr lang="en-US" sz="1500" dirty="0" smtClean="0"/>
+              <a:t> </a:t>
+            </a:r>
+            <a:r>
+              <a:rPr lang="en-US" sz="1500" dirty="0" err="1" smtClean="0"/>
+              <a:t>Yun</a:t>
+            </a:r>
+            <a:r>
+              <a:rPr lang="en-US" sz="1500" dirty="0" err="1" smtClean="0"/>
+              <a:t>-Hsuan</a:t>
+            </a:r>
+            <a:r>
+              <a:rPr lang="en-US" sz="1500" dirty="0" smtClean="0"/>
+              <a:t> </a:t>
+            </a:r>
+            <a:r>
+              <a:rPr lang="en-US" sz="1500" dirty="0" smtClean="0"/>
+              <a:t>Sung for advice on how to proceed with this project</a:t>
+            </a:r>
+          </a:p>
+          <a:p>
+            <a:pPr>
+              <a:buFont typeface="Arial"/>
+              <a:buChar char="•"/>
+            </a:pPr>
+            <a:endParaRPr lang="en-US" sz="1500" dirty="0" smtClean="0"/>
+          </a:p>
+          <a:p>
+            <a:pPr>
+              <a:buFont typeface="Arial"/>
+              <a:buChar char="•"/>
+            </a:pPr>
+            <a:r>
+              <a:rPr lang="en-US" sz="1500" dirty="0" smtClean="0"/>
+              <a:t> </a:t>
+            </a:r>
+            <a:r>
+              <a:rPr lang="en-US" sz="1500" dirty="0" err="1" smtClean="0"/>
+              <a:t>Uriel</a:t>
+            </a:r>
+            <a:r>
+              <a:rPr lang="en-US" sz="1500" dirty="0" smtClean="0"/>
+              <a:t> Cohen </a:t>
+            </a:r>
+            <a:r>
+              <a:rPr lang="en-US" sz="1500" dirty="0" err="1" smtClean="0"/>
+              <a:t>Priva</a:t>
+            </a:r>
+            <a:r>
+              <a:rPr lang="en-US" sz="1500" dirty="0" smtClean="0"/>
+              <a:t> for assistance with obtaining the LDC2009T01 corpus</a:t>
+            </a:r>
+            <a:endParaRPr lang="en-US" sz="1500" dirty="0" smtClean="0"/>
+          </a:p>
+        </p:txBody>
+      </p:sp>
+      <p:sp>
+        <p:nvSpPr>
+          <p:cNvPr id="6" name="Title 1"/>
+          <p:cNvSpPr txBox="1">
+            <a:spLocks/>
+          </p:cNvSpPr>
+          <p:nvPr/>
+        </p:nvSpPr>
+        <p:spPr>
+          <a:xfrm>
+            <a:off x="533400" y="3518784"/>
+            <a:ext cx="7772400" cy="1470025"/>
+          </a:xfrm>
+          <a:prstGeom prst="rect">
+            <a:avLst/>
+          </a:prstGeom>
+        </p:spPr>
+        <p:txBody>
+          <a:bodyPr vert="horz" lIns="91440" tIns="45720" rIns="91440" bIns="45720" rtlCol="0" anchor="ctr">
+            <a:normAutofit/>
+          </a:bodyPr>
+          <a:lstStyle/>
+          <a:p>
+            <a:pPr marL="0" marR="0" lvl="0" indent="0" algn="ctr" defTabSz="457200" rtl="0" eaLnBrk="1" fontAlgn="auto" latinLnBrk="0" hangingPunct="1">
+              <a:lnSpc>
+                <a:spcPct val="100000"/>
+              </a:lnSpc>
+              <a:spcBef>
+                <a:spcPct val="0"/>
+              </a:spcBef>
+              <a:spcAft>
+                <a:spcPts val="0"/>
+              </a:spcAft>
+              <a:buClrTx/>
+              <a:buSzTx/>
+              <a:buFontTx/>
+              <a:buNone/>
+              <a:tabLst/>
+              <a:defRPr/>
+            </a:pPr>
+            <a:r>
+              <a:rPr kumimoji="0" lang="en-US" sz="4400" b="0" i="0" u="none" strike="noStrike" kern="1200" cap="none" spc="0" normalizeH="0" baseline="0" noProof="0" dirty="0" smtClean="0">
+                <a:ln>
+                  <a:noFill/>
+                </a:ln>
+                <a:solidFill>
+                  <a:schemeClr val="tx1"/>
+                </a:solidFill>
+                <a:effectLst/>
+                <a:uLnTx/>
+                <a:uFillTx/>
+                <a:latin typeface="+mj-lt"/>
+                <a:ea typeface="+mj-ea"/>
+                <a:cs typeface="+mj-cs"/>
+              </a:rPr>
+              <a:t>Acknowledgements</a:t>
+            </a:r>
+            <a:endParaRPr kumimoji="0" lang="en-US" sz="4400" b="0" i="0" u="none" strike="noStrike" kern="1200" cap="none" spc="0" normalizeH="0" baseline="0" noProof="0" dirty="0">
+              <a:ln>
+                <a:noFill/>
+              </a:ln>
+              <a:solidFill>
+                <a:schemeClr val="tx1"/>
+              </a:solidFill>
+              <a:effectLst/>
+              <a:uLnTx/>
+              <a:uFillTx/>
+              <a:latin typeface="+mj-lt"/>
+              <a:ea typeface="+mj-ea"/>
+              <a:cs typeface="+mj-cs"/>
+            </a:endParaRPr>
           </a:p>
         </p:txBody>
       </p:sp>
